--- a/ppts/Ch5. Cirq.pptx
+++ b/ppts/Ch5. Cirq.pptx
@@ -1,36 +1,36 @@
 
 <file path=ppt/presentation.xml><?xml version="1.0" encoding="utf-8"?>
-<p:presentation xmlns:a="http://schemas.openxmlformats.org/drawingml/2006/main" xmlns:r="http://schemas.openxmlformats.org/officeDocument/2006/relationships" xmlns:mc="http://schemas.openxmlformats.org/markup-compatibility/2006" xmlns:mv="urn:schemas-microsoft-com:mac:vml" xmlns:p="http://schemas.openxmlformats.org/presentationml/2006/main" xmlns:c="http://schemas.openxmlformats.org/drawingml/2006/chart" xmlns:dgm="http://schemas.openxmlformats.org/drawingml/2006/diagram" xmlns:o="urn:schemas-microsoft-com:office:office" xmlns:v="urn:schemas-microsoft-com:vml" xmlns:pvml="urn:schemas-microsoft-com:office:powerpoint" xmlns:com="http://schemas.openxmlformats.org/drawingml/2006/compatibility" xmlns:p14="http://schemas.microsoft.com/office/powerpoint/2010/main" xmlns:p15="http://schemas.microsoft.com/office/powerpoint/2012/main" xmlns:ahyp="http://schemas.microsoft.com/office/drawing/2018/hyperlinkcolor" autoCompressPictures="0" strictFirstAndLastChars="0" saveSubsetFonts="1">
+<p:presentation xmlns:a="http://schemas.openxmlformats.org/drawingml/2006/main" xmlns:r="http://schemas.openxmlformats.org/officeDocument/2006/relationships" xmlns:p="http://schemas.openxmlformats.org/presentationml/2006/main" strictFirstAndLastChars="0" saveSubsetFonts="1" autoCompressPictures="0">
   <p:sldMasterIdLst>
-    <p:sldMasterId id="2147483659" r:id="rId4"/>
+    <p:sldMasterId id="2147483659" r:id="rId1"/>
   </p:sldMasterIdLst>
   <p:notesMasterIdLst>
-    <p:notesMasterId r:id="rId5"/>
+    <p:notesMasterId r:id="rId20"/>
   </p:notesMasterIdLst>
   <p:sldIdLst>
-    <p:sldId id="256" r:id="rId6"/>
-    <p:sldId id="257" r:id="rId7"/>
-    <p:sldId id="258" r:id="rId8"/>
-    <p:sldId id="259" r:id="rId9"/>
-    <p:sldId id="260" r:id="rId10"/>
-    <p:sldId id="261" r:id="rId11"/>
-    <p:sldId id="262" r:id="rId12"/>
-    <p:sldId id="263" r:id="rId13"/>
-    <p:sldId id="264" r:id="rId14"/>
-    <p:sldId id="265" r:id="rId15"/>
-    <p:sldId id="266" r:id="rId16"/>
-    <p:sldId id="267" r:id="rId17"/>
-    <p:sldId id="268" r:id="rId18"/>
-    <p:sldId id="269" r:id="rId19"/>
-    <p:sldId id="270" r:id="rId20"/>
-    <p:sldId id="271" r:id="rId21"/>
-    <p:sldId id="272" r:id="rId22"/>
-    <p:sldId id="273" r:id="rId23"/>
+    <p:sldId id="256" r:id="rId2"/>
+    <p:sldId id="257" r:id="rId3"/>
+    <p:sldId id="258" r:id="rId4"/>
+    <p:sldId id="259" r:id="rId5"/>
+    <p:sldId id="260" r:id="rId6"/>
+    <p:sldId id="261" r:id="rId7"/>
+    <p:sldId id="262" r:id="rId8"/>
+    <p:sldId id="263" r:id="rId9"/>
+    <p:sldId id="264" r:id="rId10"/>
+    <p:sldId id="265" r:id="rId11"/>
+    <p:sldId id="266" r:id="rId12"/>
+    <p:sldId id="267" r:id="rId13"/>
+    <p:sldId id="268" r:id="rId14"/>
+    <p:sldId id="269" r:id="rId15"/>
+    <p:sldId id="270" r:id="rId16"/>
+    <p:sldId id="271" r:id="rId17"/>
+    <p:sldId id="272" r:id="rId18"/>
+    <p:sldId id="273" r:id="rId19"/>
   </p:sldIdLst>
-  <p:sldSz cy="5143500" cx="9144000"/>
+  <p:sldSz cx="9144000" cy="5143500" type="screen16x9"/>
   <p:notesSz cx="6858000" cy="9144000"/>
   <p:defaultTextStyle>
-    <a:defPPr lvl="0" marR="0" rtl="0" algn="l">
+    <a:defPPr marR="0" lvl="0" algn="l" rtl="0">
       <a:lnSpc>
         <a:spcPct val="100000"/>
       </a:lnSpc>
@@ -41,7 +41,7 @@
         <a:spcPts val="0"/>
       </a:spcAft>
     </a:defPPr>
-    <a:lvl1pPr lvl="0" marR="0" rtl="0" algn="l">
+    <a:lvl1pPr marR="0" lvl="0" algn="l" rtl="0">
       <a:lnSpc>
         <a:spcPct val="100000"/>
       </a:lnSpc>
@@ -55,7 +55,7 @@
         <a:srgbClr val="000000"/>
       </a:buClr>
       <a:buFont typeface="Arial"/>
-      <a:defRPr b="0" i="0" sz="1400" u="none" cap="none" strike="noStrike">
+      <a:defRPr sz="1400" b="0" i="0" u="none" strike="noStrike" cap="none">
         <a:solidFill>
           <a:srgbClr val="000000"/>
         </a:solidFill>
@@ -65,7 +65,7 @@
         <a:sym typeface="Arial"/>
       </a:defRPr>
     </a:lvl1pPr>
-    <a:lvl2pPr lvl="1" marR="0" rtl="0" algn="l">
+    <a:lvl2pPr marR="0" lvl="1" algn="l" rtl="0">
       <a:lnSpc>
         <a:spcPct val="100000"/>
       </a:lnSpc>
@@ -79,7 +79,7 @@
         <a:srgbClr val="000000"/>
       </a:buClr>
       <a:buFont typeface="Arial"/>
-      <a:defRPr b="0" i="0" sz="1400" u="none" cap="none" strike="noStrike">
+      <a:defRPr sz="1400" b="0" i="0" u="none" strike="noStrike" cap="none">
         <a:solidFill>
           <a:srgbClr val="000000"/>
         </a:solidFill>
@@ -89,7 +89,7 @@
         <a:sym typeface="Arial"/>
       </a:defRPr>
     </a:lvl2pPr>
-    <a:lvl3pPr lvl="2" marR="0" rtl="0" algn="l">
+    <a:lvl3pPr marR="0" lvl="2" algn="l" rtl="0">
       <a:lnSpc>
         <a:spcPct val="100000"/>
       </a:lnSpc>
@@ -103,7 +103,7 @@
         <a:srgbClr val="000000"/>
       </a:buClr>
       <a:buFont typeface="Arial"/>
-      <a:defRPr b="0" i="0" sz="1400" u="none" cap="none" strike="noStrike">
+      <a:defRPr sz="1400" b="0" i="0" u="none" strike="noStrike" cap="none">
         <a:solidFill>
           <a:srgbClr val="000000"/>
         </a:solidFill>
@@ -113,7 +113,7 @@
         <a:sym typeface="Arial"/>
       </a:defRPr>
     </a:lvl3pPr>
-    <a:lvl4pPr lvl="3" marR="0" rtl="0" algn="l">
+    <a:lvl4pPr marR="0" lvl="3" algn="l" rtl="0">
       <a:lnSpc>
         <a:spcPct val="100000"/>
       </a:lnSpc>
@@ -127,7 +127,7 @@
         <a:srgbClr val="000000"/>
       </a:buClr>
       <a:buFont typeface="Arial"/>
-      <a:defRPr b="0" i="0" sz="1400" u="none" cap="none" strike="noStrike">
+      <a:defRPr sz="1400" b="0" i="0" u="none" strike="noStrike" cap="none">
         <a:solidFill>
           <a:srgbClr val="000000"/>
         </a:solidFill>
@@ -137,7 +137,7 @@
         <a:sym typeface="Arial"/>
       </a:defRPr>
     </a:lvl4pPr>
-    <a:lvl5pPr lvl="4" marR="0" rtl="0" algn="l">
+    <a:lvl5pPr marR="0" lvl="4" algn="l" rtl="0">
       <a:lnSpc>
         <a:spcPct val="100000"/>
       </a:lnSpc>
@@ -151,7 +151,7 @@
         <a:srgbClr val="000000"/>
       </a:buClr>
       <a:buFont typeface="Arial"/>
-      <a:defRPr b="0" i="0" sz="1400" u="none" cap="none" strike="noStrike">
+      <a:defRPr sz="1400" b="0" i="0" u="none" strike="noStrike" cap="none">
         <a:solidFill>
           <a:srgbClr val="000000"/>
         </a:solidFill>
@@ -161,7 +161,7 @@
         <a:sym typeface="Arial"/>
       </a:defRPr>
     </a:lvl5pPr>
-    <a:lvl6pPr lvl="5" marR="0" rtl="0" algn="l">
+    <a:lvl6pPr marR="0" lvl="5" algn="l" rtl="0">
       <a:lnSpc>
         <a:spcPct val="100000"/>
       </a:lnSpc>
@@ -175,7 +175,7 @@
         <a:srgbClr val="000000"/>
       </a:buClr>
       <a:buFont typeface="Arial"/>
-      <a:defRPr b="0" i="0" sz="1400" u="none" cap="none" strike="noStrike">
+      <a:defRPr sz="1400" b="0" i="0" u="none" strike="noStrike" cap="none">
         <a:solidFill>
           <a:srgbClr val="000000"/>
         </a:solidFill>
@@ -185,7 +185,7 @@
         <a:sym typeface="Arial"/>
       </a:defRPr>
     </a:lvl6pPr>
-    <a:lvl7pPr lvl="6" marR="0" rtl="0" algn="l">
+    <a:lvl7pPr marR="0" lvl="6" algn="l" rtl="0">
       <a:lnSpc>
         <a:spcPct val="100000"/>
       </a:lnSpc>
@@ -199,7 +199,7 @@
         <a:srgbClr val="000000"/>
       </a:buClr>
       <a:buFont typeface="Arial"/>
-      <a:defRPr b="0" i="0" sz="1400" u="none" cap="none" strike="noStrike">
+      <a:defRPr sz="1400" b="0" i="0" u="none" strike="noStrike" cap="none">
         <a:solidFill>
           <a:srgbClr val="000000"/>
         </a:solidFill>
@@ -209,7 +209,7 @@
         <a:sym typeface="Arial"/>
       </a:defRPr>
     </a:lvl7pPr>
-    <a:lvl8pPr lvl="7" marR="0" rtl="0" algn="l">
+    <a:lvl8pPr marR="0" lvl="7" algn="l" rtl="0">
       <a:lnSpc>
         <a:spcPct val="100000"/>
       </a:lnSpc>
@@ -223,7 +223,7 @@
         <a:srgbClr val="000000"/>
       </a:buClr>
       <a:buFont typeface="Arial"/>
-      <a:defRPr b="0" i="0" sz="1400" u="none" cap="none" strike="noStrike">
+      <a:defRPr sz="1400" b="0" i="0" u="none" strike="noStrike" cap="none">
         <a:solidFill>
           <a:srgbClr val="000000"/>
         </a:solidFill>
@@ -233,7 +233,7 @@
         <a:sym typeface="Arial"/>
       </a:defRPr>
     </a:lvl8pPr>
-    <a:lvl9pPr lvl="8" marR="0" rtl="0" algn="l">
+    <a:lvl9pPr marR="0" lvl="8" algn="l" rtl="0">
       <a:lnSpc>
         <a:spcPct val="100000"/>
       </a:lnSpc>
@@ -247,7 +247,7 @@
         <a:srgbClr val="000000"/>
       </a:buClr>
       <a:buFont typeface="Arial"/>
-      <a:defRPr b="0" i="0" sz="1400" u="none" cap="none" strike="noStrike">
+      <a:defRPr sz="1400" b="0" i="0" u="none" strike="noStrike" cap="none">
         <a:solidFill>
           <a:srgbClr val="000000"/>
         </a:solidFill>
@@ -260,7 +260,7 @@
   </p:defaultTextStyle>
   <p:extLst>
     <p:ext uri="{EFAFB233-063F-42B5-8137-9DF3F51BA10A}">
-      <p15:sldGuideLst>
+      <p15:sldGuideLst xmlns:p15="http://schemas.microsoft.com/office/powerpoint/2012/main">
         <p15:guide id="1" orient="horz" pos="1620">
           <p15:clr>
             <a:srgbClr val="747775"/>
@@ -278,11 +278,16 @@
 </file>
 
 <file path=ppt/notesMasters/notesMaster1.xml><?xml version="1.0" encoding="utf-8"?>
-<p:notesMaster xmlns:a="http://schemas.openxmlformats.org/drawingml/2006/main" xmlns:r="http://schemas.openxmlformats.org/officeDocument/2006/relationships" xmlns:mc="http://schemas.openxmlformats.org/markup-compatibility/2006" xmlns:mv="urn:schemas-microsoft-com:mac:vml" xmlns:p="http://schemas.openxmlformats.org/presentationml/2006/main" xmlns:c="http://schemas.openxmlformats.org/drawingml/2006/chart" xmlns:dgm="http://schemas.openxmlformats.org/drawingml/2006/diagram" xmlns:o="urn:schemas-microsoft-com:office:office" xmlns:v="urn:schemas-microsoft-com:vml" xmlns:pvml="urn:schemas-microsoft-com:office:powerpoint" xmlns:com="http://schemas.openxmlformats.org/drawingml/2006/compatibility" xmlns:p14="http://schemas.microsoft.com/office/powerpoint/2010/main" xmlns:p15="http://schemas.microsoft.com/office/powerpoint/2012/main" xmlns:ahyp="http://schemas.microsoft.com/office/drawing/2018/hyperlinkcolor">
+<p:notesMaster xmlns:a="http://schemas.openxmlformats.org/drawingml/2006/main" xmlns:r="http://schemas.openxmlformats.org/officeDocument/2006/relationships" xmlns:p="http://schemas.openxmlformats.org/presentationml/2006/main">
   <p:cSld>
+    <p:bg>
+      <p:bgRef idx="1001">
+        <a:schemeClr val="bg1"/>
+      </p:bgRef>
+    </p:bg>
     <p:spTree>
       <p:nvGrpSpPr>
-        <p:cNvPr id="2" name="Shape 2"/>
+        <p:cNvPr id="1" name="Shape 2"/>
         <p:cNvGrpSpPr/>
         <p:nvPr/>
       </p:nvGrpSpPr>
@@ -297,9 +302,11 @@
       <p:sp>
         <p:nvSpPr>
           <p:cNvPr id="3" name="Google Shape;3;n"/>
-          <p:cNvSpPr/>
+          <p:cNvSpPr>
+            <a:spLocks noGrp="1" noRot="1" noChangeAspect="1"/>
+          </p:cNvSpPr>
           <p:nvPr>
-            <p:ph idx="2" type="sldImg"/>
+            <p:ph type="sldImg" idx="2"/>
           </p:nvPr>
         </p:nvSpPr>
         <p:spPr>
@@ -308,9 +315,13 @@
             <a:ext cx="6096075" cy="3429000"/>
           </a:xfrm>
           <a:custGeom>
-            <a:rect b="b" l="l" r="r" t="t"/>
+            <a:avLst/>
+            <a:gdLst/>
+            <a:ahLst/>
+            <a:cxnLst/>
+            <a:rect l="l" t="t" r="r" b="b"/>
             <a:pathLst>
-              <a:path extrusionOk="0" h="120000" w="120000">
+              <a:path w="120000" h="120000" extrusionOk="0">
                 <a:moveTo>
                   <a:pt x="0" y="0"/>
                 </a:moveTo>
@@ -328,23 +339,25 @@
             </a:pathLst>
           </a:custGeom>
           <a:noFill/>
-          <a:ln cap="flat" cmpd="sng" w="9525">
+          <a:ln w="9525" cap="flat" cmpd="sng">
             <a:solidFill>
               <a:srgbClr val="000000"/>
             </a:solidFill>
             <a:prstDash val="solid"/>
             <a:round/>
-            <a:headEnd len="sm" w="sm" type="none"/>
-            <a:tailEnd len="sm" w="sm" type="none"/>
+            <a:headEnd type="none" w="sm" len="sm"/>
+            <a:tailEnd type="none" w="sm" len="sm"/>
           </a:ln>
         </p:spPr>
       </p:sp>
       <p:sp>
         <p:nvSpPr>
           <p:cNvPr id="4" name="Google Shape;4;n"/>
-          <p:cNvSpPr txBox="1"/>
+          <p:cNvSpPr txBox="1">
+            <a:spLocks noGrp="1"/>
+          </p:cNvSpPr>
           <p:nvPr>
-            <p:ph idx="1" type="body"/>
+            <p:ph type="body" idx="1"/>
           </p:nvPr>
         </p:nvSpPr>
         <p:spPr>
@@ -361,11 +374,11 @@
           </a:ln>
         </p:spPr>
         <p:txBody>
-          <a:bodyPr anchorCtr="0" anchor="t" bIns="91425" lIns="91425" spcFirstLastPara="1" rIns="91425" wrap="square" tIns="91425">
+          <a:bodyPr spcFirstLastPara="1" wrap="square" lIns="91425" tIns="91425" rIns="91425" bIns="91425" anchor="t" anchorCtr="0">
             <a:noAutofit/>
           </a:bodyPr>
           <a:lstStyle>
-            <a:lvl1pPr indent="-298450" lvl="0" marL="457200">
+            <a:lvl1pPr marL="457200" lvl="0" indent="-298450">
               <a:spcBef>
                 <a:spcPts val="0"/>
               </a:spcBef>
@@ -376,7 +389,7 @@
               <a:buChar char="●"/>
               <a:defRPr sz="1100"/>
             </a:lvl1pPr>
-            <a:lvl2pPr indent="-298450" lvl="1" marL="914400">
+            <a:lvl2pPr marL="914400" lvl="1" indent="-298450">
               <a:spcBef>
                 <a:spcPts val="0"/>
               </a:spcBef>
@@ -387,7 +400,7 @@
               <a:buChar char="○"/>
               <a:defRPr sz="1100"/>
             </a:lvl2pPr>
-            <a:lvl3pPr indent="-298450" lvl="2" marL="1371600">
+            <a:lvl3pPr marL="1371600" lvl="2" indent="-298450">
               <a:spcBef>
                 <a:spcPts val="0"/>
               </a:spcBef>
@@ -398,7 +411,7 @@
               <a:buChar char="■"/>
               <a:defRPr sz="1100"/>
             </a:lvl3pPr>
-            <a:lvl4pPr indent="-298450" lvl="3" marL="1828800">
+            <a:lvl4pPr marL="1828800" lvl="3" indent="-298450">
               <a:spcBef>
                 <a:spcPts val="0"/>
               </a:spcBef>
@@ -409,7 +422,7 @@
               <a:buChar char="●"/>
               <a:defRPr sz="1100"/>
             </a:lvl4pPr>
-            <a:lvl5pPr indent="-298450" lvl="4" marL="2286000">
+            <a:lvl5pPr marL="2286000" lvl="4" indent="-298450">
               <a:spcBef>
                 <a:spcPts val="0"/>
               </a:spcBef>
@@ -420,7 +433,7 @@
               <a:buChar char="○"/>
               <a:defRPr sz="1100"/>
             </a:lvl5pPr>
-            <a:lvl6pPr indent="-298450" lvl="5" marL="2743200">
+            <a:lvl6pPr marL="2743200" lvl="5" indent="-298450">
               <a:spcBef>
                 <a:spcPts val="0"/>
               </a:spcBef>
@@ -431,7 +444,7 @@
               <a:buChar char="■"/>
               <a:defRPr sz="1100"/>
             </a:lvl6pPr>
-            <a:lvl7pPr indent="-298450" lvl="6" marL="3200400">
+            <a:lvl7pPr marL="3200400" lvl="6" indent="-298450">
               <a:spcBef>
                 <a:spcPts val="0"/>
               </a:spcBef>
@@ -442,7 +455,7 @@
               <a:buChar char="●"/>
               <a:defRPr sz="1100"/>
             </a:lvl7pPr>
-            <a:lvl8pPr indent="-298450" lvl="7" marL="3657600">
+            <a:lvl8pPr marL="3657600" lvl="7" indent="-298450">
               <a:spcBef>
                 <a:spcPts val="0"/>
               </a:spcBef>
@@ -453,7 +466,7 @@
               <a:buChar char="○"/>
               <a:defRPr sz="1100"/>
             </a:lvl8pPr>
-            <a:lvl9pPr indent="-298450" lvl="8" marL="4114800">
+            <a:lvl9pPr marL="4114800" lvl="8" indent="-298450">
               <a:spcBef>
                 <a:spcPts val="0"/>
               </a:spcBef>
@@ -465,14 +478,16 @@
               <a:defRPr sz="1100"/>
             </a:lvl9pPr>
           </a:lstStyle>
-          <a:p/>
+          <a:p>
+            <a:endParaRPr/>
+          </a:p>
         </p:txBody>
       </p:sp>
     </p:spTree>
   </p:cSld>
-  <p:clrMap accent1="accent1" accent2="accent2" accent3="accent3" accent4="accent4" accent5="accent5" accent6="accent6" bg1="lt1" bg2="dk2" tx1="dk1" tx2="lt2" folHlink="folHlink" hlink="hlink"/>
+  <p:clrMap bg1="lt1" tx1="dk1" bg2="dk2" tx2="lt2" accent1="accent1" accent2="accent2" accent3="accent3" accent4="accent4" accent5="accent5" accent6="accent6" hlink="hlink" folHlink="folHlink"/>
   <p:notesStyle>
-    <a:defPPr lvl="0" marR="0" rtl="0" algn="l">
+    <a:defPPr marR="0" lvl="0" algn="l" rtl="0">
       <a:lnSpc>
         <a:spcPct val="100000"/>
       </a:lnSpc>
@@ -483,7 +498,7 @@
         <a:spcPts val="0"/>
       </a:spcAft>
     </a:defPPr>
-    <a:lvl1pPr lvl="0" marR="0" rtl="0" algn="l">
+    <a:lvl1pPr marR="0" lvl="0" algn="l" rtl="0">
       <a:lnSpc>
         <a:spcPct val="100000"/>
       </a:lnSpc>
@@ -497,7 +512,7 @@
         <a:srgbClr val="000000"/>
       </a:buClr>
       <a:buFont typeface="Arial"/>
-      <a:defRPr b="0" i="0" sz="1400" u="none" cap="none" strike="noStrike">
+      <a:defRPr sz="1400" b="0" i="0" u="none" strike="noStrike" cap="none">
         <a:solidFill>
           <a:srgbClr val="000000"/>
         </a:solidFill>
@@ -507,7 +522,7 @@
         <a:sym typeface="Arial"/>
       </a:defRPr>
     </a:lvl1pPr>
-    <a:lvl2pPr lvl="1" marR="0" rtl="0" algn="l">
+    <a:lvl2pPr marR="0" lvl="1" algn="l" rtl="0">
       <a:lnSpc>
         <a:spcPct val="100000"/>
       </a:lnSpc>
@@ -521,7 +536,7 @@
         <a:srgbClr val="000000"/>
       </a:buClr>
       <a:buFont typeface="Arial"/>
-      <a:defRPr b="0" i="0" sz="1400" u="none" cap="none" strike="noStrike">
+      <a:defRPr sz="1400" b="0" i="0" u="none" strike="noStrike" cap="none">
         <a:solidFill>
           <a:srgbClr val="000000"/>
         </a:solidFill>
@@ -531,7 +546,7 @@
         <a:sym typeface="Arial"/>
       </a:defRPr>
     </a:lvl2pPr>
-    <a:lvl3pPr lvl="2" marR="0" rtl="0" algn="l">
+    <a:lvl3pPr marR="0" lvl="2" algn="l" rtl="0">
       <a:lnSpc>
         <a:spcPct val="100000"/>
       </a:lnSpc>
@@ -545,7 +560,7 @@
         <a:srgbClr val="000000"/>
       </a:buClr>
       <a:buFont typeface="Arial"/>
-      <a:defRPr b="0" i="0" sz="1400" u="none" cap="none" strike="noStrike">
+      <a:defRPr sz="1400" b="0" i="0" u="none" strike="noStrike" cap="none">
         <a:solidFill>
           <a:srgbClr val="000000"/>
         </a:solidFill>
@@ -555,7 +570,7 @@
         <a:sym typeface="Arial"/>
       </a:defRPr>
     </a:lvl3pPr>
-    <a:lvl4pPr lvl="3" marR="0" rtl="0" algn="l">
+    <a:lvl4pPr marR="0" lvl="3" algn="l" rtl="0">
       <a:lnSpc>
         <a:spcPct val="100000"/>
       </a:lnSpc>
@@ -569,7 +584,7 @@
         <a:srgbClr val="000000"/>
       </a:buClr>
       <a:buFont typeface="Arial"/>
-      <a:defRPr b="0" i="0" sz="1400" u="none" cap="none" strike="noStrike">
+      <a:defRPr sz="1400" b="0" i="0" u="none" strike="noStrike" cap="none">
         <a:solidFill>
           <a:srgbClr val="000000"/>
         </a:solidFill>
@@ -579,7 +594,7 @@
         <a:sym typeface="Arial"/>
       </a:defRPr>
     </a:lvl4pPr>
-    <a:lvl5pPr lvl="4" marR="0" rtl="0" algn="l">
+    <a:lvl5pPr marR="0" lvl="4" algn="l" rtl="0">
       <a:lnSpc>
         <a:spcPct val="100000"/>
       </a:lnSpc>
@@ -593,7 +608,7 @@
         <a:srgbClr val="000000"/>
       </a:buClr>
       <a:buFont typeface="Arial"/>
-      <a:defRPr b="0" i="0" sz="1400" u="none" cap="none" strike="noStrike">
+      <a:defRPr sz="1400" b="0" i="0" u="none" strike="noStrike" cap="none">
         <a:solidFill>
           <a:srgbClr val="000000"/>
         </a:solidFill>
@@ -603,7 +618,7 @@
         <a:sym typeface="Arial"/>
       </a:defRPr>
     </a:lvl5pPr>
-    <a:lvl6pPr lvl="5" marR="0" rtl="0" algn="l">
+    <a:lvl6pPr marR="0" lvl="5" algn="l" rtl="0">
       <a:lnSpc>
         <a:spcPct val="100000"/>
       </a:lnSpc>
@@ -617,7 +632,7 @@
         <a:srgbClr val="000000"/>
       </a:buClr>
       <a:buFont typeface="Arial"/>
-      <a:defRPr b="0" i="0" sz="1400" u="none" cap="none" strike="noStrike">
+      <a:defRPr sz="1400" b="0" i="0" u="none" strike="noStrike" cap="none">
         <a:solidFill>
           <a:srgbClr val="000000"/>
         </a:solidFill>
@@ -627,7 +642,7 @@
         <a:sym typeface="Arial"/>
       </a:defRPr>
     </a:lvl6pPr>
-    <a:lvl7pPr lvl="6" marR="0" rtl="0" algn="l">
+    <a:lvl7pPr marR="0" lvl="6" algn="l" rtl="0">
       <a:lnSpc>
         <a:spcPct val="100000"/>
       </a:lnSpc>
@@ -641,7 +656,7 @@
         <a:srgbClr val="000000"/>
       </a:buClr>
       <a:buFont typeface="Arial"/>
-      <a:defRPr b="0" i="0" sz="1400" u="none" cap="none" strike="noStrike">
+      <a:defRPr sz="1400" b="0" i="0" u="none" strike="noStrike" cap="none">
         <a:solidFill>
           <a:srgbClr val="000000"/>
         </a:solidFill>
@@ -651,7 +666,7 @@
         <a:sym typeface="Arial"/>
       </a:defRPr>
     </a:lvl7pPr>
-    <a:lvl8pPr lvl="7" marR="0" rtl="0" algn="l">
+    <a:lvl8pPr marR="0" lvl="7" algn="l" rtl="0">
       <a:lnSpc>
         <a:spcPct val="100000"/>
       </a:lnSpc>
@@ -665,7 +680,7 @@
         <a:srgbClr val="000000"/>
       </a:buClr>
       <a:buFont typeface="Arial"/>
-      <a:defRPr b="0" i="0" sz="1400" u="none" cap="none" strike="noStrike">
+      <a:defRPr sz="1400" b="0" i="0" u="none" strike="noStrike" cap="none">
         <a:solidFill>
           <a:srgbClr val="000000"/>
         </a:solidFill>
@@ -675,7 +690,7 @@
         <a:sym typeface="Arial"/>
       </a:defRPr>
     </a:lvl8pPr>
-    <a:lvl9pPr lvl="8" marR="0" rtl="0" algn="l">
+    <a:lvl9pPr marR="0" lvl="8" algn="l" rtl="0">
       <a:lnSpc>
         <a:spcPct val="100000"/>
       </a:lnSpc>
@@ -689,7 +704,7 @@
         <a:srgbClr val="000000"/>
       </a:buClr>
       <a:buFont typeface="Arial"/>
-      <a:defRPr b="0" i="0" sz="1400" u="none" cap="none" strike="noStrike">
+      <a:defRPr sz="1400" b="0" i="0" u="none" strike="noStrike" cap="none">
         <a:solidFill>
           <a:srgbClr val="000000"/>
         </a:solidFill>
@@ -704,11 +719,11 @@
 </file>
 
 <file path=ppt/notesSlides/notesSlide1.xml><?xml version="1.0" encoding="utf-8"?>
-<p:notes xmlns:a="http://schemas.openxmlformats.org/drawingml/2006/main" xmlns:r="http://schemas.openxmlformats.org/officeDocument/2006/relationships" xmlns:mc="http://schemas.openxmlformats.org/markup-compatibility/2006" xmlns:mv="urn:schemas-microsoft-com:mac:vml" xmlns:p="http://schemas.openxmlformats.org/presentationml/2006/main" xmlns:c="http://schemas.openxmlformats.org/drawingml/2006/chart" xmlns:dgm="http://schemas.openxmlformats.org/drawingml/2006/diagram" xmlns:o="urn:schemas-microsoft-com:office:office" xmlns:v="urn:schemas-microsoft-com:vml" xmlns:pvml="urn:schemas-microsoft-com:office:powerpoint" xmlns:com="http://schemas.openxmlformats.org/drawingml/2006/compatibility" xmlns:p14="http://schemas.microsoft.com/office/powerpoint/2010/main" xmlns:p15="http://schemas.microsoft.com/office/powerpoint/2012/main" xmlns:ahyp="http://schemas.microsoft.com/office/drawing/2018/hyperlinkcolor" showMasterPhAnim="0" showMasterSp="0">
+<p:notes xmlns:a="http://schemas.openxmlformats.org/drawingml/2006/main" xmlns:r="http://schemas.openxmlformats.org/officeDocument/2006/relationships" xmlns:p="http://schemas.openxmlformats.org/presentationml/2006/main" showMasterSp="0" showMasterPhAnim="0">
   <p:cSld>
     <p:spTree>
       <p:nvGrpSpPr>
-        <p:cNvPr id="50" name="Shape 50"/>
+        <p:cNvPr id="1" name="Shape 50"/>
         <p:cNvGrpSpPr/>
         <p:nvPr/>
       </p:nvGrpSpPr>
@@ -723,9 +738,11 @@
       <p:sp>
         <p:nvSpPr>
           <p:cNvPr id="51" name="Google Shape;51;p:notes"/>
-          <p:cNvSpPr/>
+          <p:cNvSpPr>
+            <a:spLocks noGrp="1" noRot="1" noChangeAspect="1"/>
+          </p:cNvSpPr>
           <p:nvPr>
-            <p:ph idx="2" type="sldImg"/>
+            <p:ph type="sldImg" idx="2"/>
           </p:nvPr>
         </p:nvSpPr>
         <p:spPr>
@@ -734,9 +751,13 @@
             <a:ext cx="6096075" cy="3429000"/>
           </a:xfrm>
           <a:custGeom>
-            <a:rect b="b" l="l" r="r" t="t"/>
+            <a:avLst/>
+            <a:gdLst/>
+            <a:ahLst/>
+            <a:cxnLst/>
+            <a:rect l="l" t="t" r="r" b="b"/>
             <a:pathLst>
-              <a:path extrusionOk="0" h="120000" w="120000">
+              <a:path w="120000" h="120000" extrusionOk="0">
                 <a:moveTo>
                   <a:pt x="0" y="0"/>
                 </a:moveTo>
@@ -758,9 +779,11 @@
       <p:sp>
         <p:nvSpPr>
           <p:cNvPr id="52" name="Google Shape;52;p:notes"/>
-          <p:cNvSpPr txBox="1"/>
+          <p:cNvSpPr txBox="1">
+            <a:spLocks noGrp="1"/>
+          </p:cNvSpPr>
           <p:nvPr>
-            <p:ph idx="1" type="body"/>
+            <p:ph type="body" idx="1"/>
           </p:nvPr>
         </p:nvSpPr>
         <p:spPr>
@@ -773,23 +796,20 @@
           </a:prstGeom>
         </p:spPr>
         <p:txBody>
-          <a:bodyPr anchorCtr="0" anchor="t" bIns="91425" lIns="91425" spcFirstLastPara="1" rIns="91425" wrap="square" tIns="91425">
+          <a:bodyPr spcFirstLastPara="1" wrap="square" lIns="91425" tIns="91425" rIns="91425" bIns="91425" anchor="t" anchorCtr="0">
             <a:noAutofit/>
           </a:bodyPr>
           <a:lstStyle/>
           <a:p>
-            <a:pPr indent="0" lvl="0" marL="0" rtl="0" algn="l">
-              <a:spcBef>
-                <a:spcPts val="0"/>
-              </a:spcBef>
-              <a:spcAft>
-                <a:spcPts val="0"/>
-              </a:spcAft>
-              <a:buNone/>
-            </a:pPr>
-            <a:r>
-              <a:t/>
-            </a:r>
+            <a:pPr marL="0" lvl="0" indent="0" algn="l" rtl="0">
+              <a:spcBef>
+                <a:spcPts val="0"/>
+              </a:spcBef>
+              <a:spcAft>
+                <a:spcPts val="0"/>
+              </a:spcAft>
+              <a:buNone/>
+            </a:pPr>
             <a:endParaRPr/>
           </a:p>
         </p:txBody>
@@ -803,11 +823,11 @@
 </file>
 
 <file path=ppt/notesSlides/notesSlide10.xml><?xml version="1.0" encoding="utf-8"?>
-<p:notes xmlns:a="http://schemas.openxmlformats.org/drawingml/2006/main" xmlns:r="http://schemas.openxmlformats.org/officeDocument/2006/relationships" xmlns:mc="http://schemas.openxmlformats.org/markup-compatibility/2006" xmlns:mv="urn:schemas-microsoft-com:mac:vml" xmlns:p="http://schemas.openxmlformats.org/presentationml/2006/main" xmlns:c="http://schemas.openxmlformats.org/drawingml/2006/chart" xmlns:dgm="http://schemas.openxmlformats.org/drawingml/2006/diagram" xmlns:o="urn:schemas-microsoft-com:office:office" xmlns:v="urn:schemas-microsoft-com:vml" xmlns:pvml="urn:schemas-microsoft-com:office:powerpoint" xmlns:com="http://schemas.openxmlformats.org/drawingml/2006/compatibility" xmlns:p14="http://schemas.microsoft.com/office/powerpoint/2010/main" xmlns:p15="http://schemas.microsoft.com/office/powerpoint/2012/main" xmlns:ahyp="http://schemas.microsoft.com/office/drawing/2018/hyperlinkcolor" showMasterPhAnim="0" showMasterSp="0">
+<p:notes xmlns:a="http://schemas.openxmlformats.org/drawingml/2006/main" xmlns:r="http://schemas.openxmlformats.org/officeDocument/2006/relationships" xmlns:p="http://schemas.openxmlformats.org/presentationml/2006/main" showMasterSp="0" showMasterPhAnim="0">
   <p:cSld>
     <p:spTree>
       <p:nvGrpSpPr>
-        <p:cNvPr id="129" name="Shape 129"/>
+        <p:cNvPr id="1" name="Shape 129"/>
         <p:cNvGrpSpPr/>
         <p:nvPr/>
       </p:nvGrpSpPr>
@@ -822,9 +842,11 @@
       <p:sp>
         <p:nvSpPr>
           <p:cNvPr id="130" name="Google Shape;130;g24dd013e221_0_34:notes"/>
-          <p:cNvSpPr/>
+          <p:cNvSpPr>
+            <a:spLocks noGrp="1" noRot="1" noChangeAspect="1"/>
+          </p:cNvSpPr>
           <p:nvPr>
-            <p:ph idx="2" type="sldImg"/>
+            <p:ph type="sldImg" idx="2"/>
           </p:nvPr>
         </p:nvSpPr>
         <p:spPr>
@@ -833,9 +855,13 @@
             <a:ext cx="6096000" cy="3429000"/>
           </a:xfrm>
           <a:custGeom>
-            <a:rect b="b" l="l" r="r" t="t"/>
+            <a:avLst/>
+            <a:gdLst/>
+            <a:ahLst/>
+            <a:cxnLst/>
+            <a:rect l="l" t="t" r="r" b="b"/>
             <a:pathLst>
-              <a:path extrusionOk="0" h="120000" w="120000">
+              <a:path w="120000" h="120000" extrusionOk="0">
                 <a:moveTo>
                   <a:pt x="0" y="0"/>
                 </a:moveTo>
@@ -857,9 +883,11 @@
       <p:sp>
         <p:nvSpPr>
           <p:cNvPr id="131" name="Google Shape;131;g24dd013e221_0_34:notes"/>
-          <p:cNvSpPr txBox="1"/>
+          <p:cNvSpPr txBox="1">
+            <a:spLocks noGrp="1"/>
+          </p:cNvSpPr>
           <p:nvPr>
-            <p:ph idx="1" type="body"/>
+            <p:ph type="body" idx="1"/>
           </p:nvPr>
         </p:nvSpPr>
         <p:spPr>
@@ -872,23 +900,20 @@
           </a:prstGeom>
         </p:spPr>
         <p:txBody>
-          <a:bodyPr anchorCtr="0" anchor="t" bIns="91425" lIns="91425" spcFirstLastPara="1" rIns="91425" wrap="square" tIns="91425">
+          <a:bodyPr spcFirstLastPara="1" wrap="square" lIns="91425" tIns="91425" rIns="91425" bIns="91425" anchor="t" anchorCtr="0">
             <a:noAutofit/>
           </a:bodyPr>
           <a:lstStyle/>
           <a:p>
-            <a:pPr indent="0" lvl="0" marL="0" rtl="0" algn="l">
-              <a:spcBef>
-                <a:spcPts val="0"/>
-              </a:spcBef>
-              <a:spcAft>
-                <a:spcPts val="0"/>
-              </a:spcAft>
-              <a:buNone/>
-            </a:pPr>
-            <a:r>
-              <a:t/>
-            </a:r>
+            <a:pPr marL="0" lvl="0" indent="0" algn="l" rtl="0">
+              <a:spcBef>
+                <a:spcPts val="0"/>
+              </a:spcBef>
+              <a:spcAft>
+                <a:spcPts val="0"/>
+              </a:spcAft>
+              <a:buNone/>
+            </a:pPr>
             <a:endParaRPr/>
           </a:p>
         </p:txBody>
@@ -902,11 +927,11 @@
 </file>
 
 <file path=ppt/notesSlides/notesSlide11.xml><?xml version="1.0" encoding="utf-8"?>
-<p:notes xmlns:a="http://schemas.openxmlformats.org/drawingml/2006/main" xmlns:r="http://schemas.openxmlformats.org/officeDocument/2006/relationships" xmlns:mc="http://schemas.openxmlformats.org/markup-compatibility/2006" xmlns:mv="urn:schemas-microsoft-com:mac:vml" xmlns:p="http://schemas.openxmlformats.org/presentationml/2006/main" xmlns:c="http://schemas.openxmlformats.org/drawingml/2006/chart" xmlns:dgm="http://schemas.openxmlformats.org/drawingml/2006/diagram" xmlns:o="urn:schemas-microsoft-com:office:office" xmlns:v="urn:schemas-microsoft-com:vml" xmlns:pvml="urn:schemas-microsoft-com:office:powerpoint" xmlns:com="http://schemas.openxmlformats.org/drawingml/2006/compatibility" xmlns:p14="http://schemas.microsoft.com/office/powerpoint/2010/main" xmlns:p15="http://schemas.microsoft.com/office/powerpoint/2012/main" xmlns:ahyp="http://schemas.microsoft.com/office/drawing/2018/hyperlinkcolor" showMasterPhAnim="0" showMasterSp="0">
+<p:notes xmlns:a="http://schemas.openxmlformats.org/drawingml/2006/main" xmlns:r="http://schemas.openxmlformats.org/officeDocument/2006/relationships" xmlns:p="http://schemas.openxmlformats.org/presentationml/2006/main" showMasterSp="0" showMasterPhAnim="0">
   <p:cSld>
     <p:spTree>
       <p:nvGrpSpPr>
-        <p:cNvPr id="139" name="Shape 139"/>
+        <p:cNvPr id="1" name="Shape 139"/>
         <p:cNvGrpSpPr/>
         <p:nvPr/>
       </p:nvGrpSpPr>
@@ -921,9 +946,11 @@
       <p:sp>
         <p:nvSpPr>
           <p:cNvPr id="140" name="Google Shape;140;g24dd013e221_0_104:notes"/>
-          <p:cNvSpPr/>
+          <p:cNvSpPr>
+            <a:spLocks noGrp="1" noRot="1" noChangeAspect="1"/>
+          </p:cNvSpPr>
           <p:nvPr>
-            <p:ph idx="2" type="sldImg"/>
+            <p:ph type="sldImg" idx="2"/>
           </p:nvPr>
         </p:nvSpPr>
         <p:spPr>
@@ -932,9 +959,13 @@
             <a:ext cx="6096000" cy="3429000"/>
           </a:xfrm>
           <a:custGeom>
-            <a:rect b="b" l="l" r="r" t="t"/>
+            <a:avLst/>
+            <a:gdLst/>
+            <a:ahLst/>
+            <a:cxnLst/>
+            <a:rect l="l" t="t" r="r" b="b"/>
             <a:pathLst>
-              <a:path extrusionOk="0" h="120000" w="120000">
+              <a:path w="120000" h="120000" extrusionOk="0">
                 <a:moveTo>
                   <a:pt x="0" y="0"/>
                 </a:moveTo>
@@ -956,9 +987,11 @@
       <p:sp>
         <p:nvSpPr>
           <p:cNvPr id="141" name="Google Shape;141;g24dd013e221_0_104:notes"/>
-          <p:cNvSpPr txBox="1"/>
+          <p:cNvSpPr txBox="1">
+            <a:spLocks noGrp="1"/>
+          </p:cNvSpPr>
           <p:nvPr>
-            <p:ph idx="1" type="body"/>
+            <p:ph type="body" idx="1"/>
           </p:nvPr>
         </p:nvSpPr>
         <p:spPr>
@@ -971,23 +1004,20 @@
           </a:prstGeom>
         </p:spPr>
         <p:txBody>
-          <a:bodyPr anchorCtr="0" anchor="t" bIns="91425" lIns="91425" spcFirstLastPara="1" rIns="91425" wrap="square" tIns="91425">
+          <a:bodyPr spcFirstLastPara="1" wrap="square" lIns="91425" tIns="91425" rIns="91425" bIns="91425" anchor="t" anchorCtr="0">
             <a:noAutofit/>
           </a:bodyPr>
           <a:lstStyle/>
           <a:p>
-            <a:pPr indent="0" lvl="0" marL="0" rtl="0" algn="l">
-              <a:spcBef>
-                <a:spcPts val="0"/>
-              </a:spcBef>
-              <a:spcAft>
-                <a:spcPts val="0"/>
-              </a:spcAft>
-              <a:buNone/>
-            </a:pPr>
-            <a:r>
-              <a:t/>
-            </a:r>
+            <a:pPr marL="0" lvl="0" indent="0" algn="l" rtl="0">
+              <a:spcBef>
+                <a:spcPts val="0"/>
+              </a:spcBef>
+              <a:spcAft>
+                <a:spcPts val="0"/>
+              </a:spcAft>
+              <a:buNone/>
+            </a:pPr>
             <a:endParaRPr/>
           </a:p>
         </p:txBody>
@@ -1001,11 +1031,11 @@
 </file>
 
 <file path=ppt/notesSlides/notesSlide12.xml><?xml version="1.0" encoding="utf-8"?>
-<p:notes xmlns:a="http://schemas.openxmlformats.org/drawingml/2006/main" xmlns:r="http://schemas.openxmlformats.org/officeDocument/2006/relationships" xmlns:mc="http://schemas.openxmlformats.org/markup-compatibility/2006" xmlns:mv="urn:schemas-microsoft-com:mac:vml" xmlns:p="http://schemas.openxmlformats.org/presentationml/2006/main" xmlns:c="http://schemas.openxmlformats.org/drawingml/2006/chart" xmlns:dgm="http://schemas.openxmlformats.org/drawingml/2006/diagram" xmlns:o="urn:schemas-microsoft-com:office:office" xmlns:v="urn:schemas-microsoft-com:vml" xmlns:pvml="urn:schemas-microsoft-com:office:powerpoint" xmlns:com="http://schemas.openxmlformats.org/drawingml/2006/compatibility" xmlns:p14="http://schemas.microsoft.com/office/powerpoint/2010/main" xmlns:p15="http://schemas.microsoft.com/office/powerpoint/2012/main" xmlns:ahyp="http://schemas.microsoft.com/office/drawing/2018/hyperlinkcolor" showMasterPhAnim="0" showMasterSp="0">
+<p:notes xmlns:a="http://schemas.openxmlformats.org/drawingml/2006/main" xmlns:r="http://schemas.openxmlformats.org/officeDocument/2006/relationships" xmlns:p="http://schemas.openxmlformats.org/presentationml/2006/main" showMasterSp="0" showMasterPhAnim="0">
   <p:cSld>
     <p:spTree>
       <p:nvGrpSpPr>
-        <p:cNvPr id="148" name="Shape 148"/>
+        <p:cNvPr id="1" name="Shape 148"/>
         <p:cNvGrpSpPr/>
         <p:nvPr/>
       </p:nvGrpSpPr>
@@ -1020,9 +1050,11 @@
       <p:sp>
         <p:nvSpPr>
           <p:cNvPr id="149" name="Google Shape;149;g24dd013e221_0_141:notes"/>
-          <p:cNvSpPr/>
+          <p:cNvSpPr>
+            <a:spLocks noGrp="1" noRot="1" noChangeAspect="1"/>
+          </p:cNvSpPr>
           <p:nvPr>
-            <p:ph idx="2" type="sldImg"/>
+            <p:ph type="sldImg" idx="2"/>
           </p:nvPr>
         </p:nvSpPr>
         <p:spPr>
@@ -1031,9 +1063,13 @@
             <a:ext cx="6096000" cy="3429000"/>
           </a:xfrm>
           <a:custGeom>
-            <a:rect b="b" l="l" r="r" t="t"/>
+            <a:avLst/>
+            <a:gdLst/>
+            <a:ahLst/>
+            <a:cxnLst/>
+            <a:rect l="l" t="t" r="r" b="b"/>
             <a:pathLst>
-              <a:path extrusionOk="0" h="120000" w="120000">
+              <a:path w="120000" h="120000" extrusionOk="0">
                 <a:moveTo>
                   <a:pt x="0" y="0"/>
                 </a:moveTo>
@@ -1055,9 +1091,11 @@
       <p:sp>
         <p:nvSpPr>
           <p:cNvPr id="150" name="Google Shape;150;g24dd013e221_0_141:notes"/>
-          <p:cNvSpPr txBox="1"/>
+          <p:cNvSpPr txBox="1">
+            <a:spLocks noGrp="1"/>
+          </p:cNvSpPr>
           <p:nvPr>
-            <p:ph idx="1" type="body"/>
+            <p:ph type="body" idx="1"/>
           </p:nvPr>
         </p:nvSpPr>
         <p:spPr>
@@ -1070,23 +1108,20 @@
           </a:prstGeom>
         </p:spPr>
         <p:txBody>
-          <a:bodyPr anchorCtr="0" anchor="t" bIns="91425" lIns="91425" spcFirstLastPara="1" rIns="91425" wrap="square" tIns="91425">
+          <a:bodyPr spcFirstLastPara="1" wrap="square" lIns="91425" tIns="91425" rIns="91425" bIns="91425" anchor="t" anchorCtr="0">
             <a:noAutofit/>
           </a:bodyPr>
           <a:lstStyle/>
           <a:p>
-            <a:pPr indent="0" lvl="0" marL="0" rtl="0" algn="l">
-              <a:spcBef>
-                <a:spcPts val="0"/>
-              </a:spcBef>
-              <a:spcAft>
-                <a:spcPts val="0"/>
-              </a:spcAft>
-              <a:buNone/>
-            </a:pPr>
-            <a:r>
-              <a:t/>
-            </a:r>
+            <a:pPr marL="0" lvl="0" indent="0" algn="l" rtl="0">
+              <a:spcBef>
+                <a:spcPts val="0"/>
+              </a:spcBef>
+              <a:spcAft>
+                <a:spcPts val="0"/>
+              </a:spcAft>
+              <a:buNone/>
+            </a:pPr>
             <a:endParaRPr/>
           </a:p>
         </p:txBody>
@@ -1100,11 +1135,11 @@
 </file>
 
 <file path=ppt/notesSlides/notesSlide13.xml><?xml version="1.0" encoding="utf-8"?>
-<p:notes xmlns:a="http://schemas.openxmlformats.org/drawingml/2006/main" xmlns:r="http://schemas.openxmlformats.org/officeDocument/2006/relationships" xmlns:mc="http://schemas.openxmlformats.org/markup-compatibility/2006" xmlns:mv="urn:schemas-microsoft-com:mac:vml" xmlns:p="http://schemas.openxmlformats.org/presentationml/2006/main" xmlns:c="http://schemas.openxmlformats.org/drawingml/2006/chart" xmlns:dgm="http://schemas.openxmlformats.org/drawingml/2006/diagram" xmlns:o="urn:schemas-microsoft-com:office:office" xmlns:v="urn:schemas-microsoft-com:vml" xmlns:pvml="urn:schemas-microsoft-com:office:powerpoint" xmlns:com="http://schemas.openxmlformats.org/drawingml/2006/compatibility" xmlns:p14="http://schemas.microsoft.com/office/powerpoint/2010/main" xmlns:p15="http://schemas.microsoft.com/office/powerpoint/2012/main" xmlns:ahyp="http://schemas.microsoft.com/office/drawing/2018/hyperlinkcolor" showMasterPhAnim="0" showMasterSp="0">
+<p:notes xmlns:a="http://schemas.openxmlformats.org/drawingml/2006/main" xmlns:r="http://schemas.openxmlformats.org/officeDocument/2006/relationships" xmlns:p="http://schemas.openxmlformats.org/presentationml/2006/main" showMasterSp="0" showMasterPhAnim="0">
   <p:cSld>
     <p:spTree>
       <p:nvGrpSpPr>
-        <p:cNvPr id="161" name="Shape 161"/>
+        <p:cNvPr id="1" name="Shape 161"/>
         <p:cNvGrpSpPr/>
         <p:nvPr/>
       </p:nvGrpSpPr>
@@ -1119,9 +1154,11 @@
       <p:sp>
         <p:nvSpPr>
           <p:cNvPr id="162" name="Google Shape;162;g24dd013e221_0_41:notes"/>
-          <p:cNvSpPr/>
+          <p:cNvSpPr>
+            <a:spLocks noGrp="1" noRot="1" noChangeAspect="1"/>
+          </p:cNvSpPr>
           <p:nvPr>
-            <p:ph idx="2" type="sldImg"/>
+            <p:ph type="sldImg" idx="2"/>
           </p:nvPr>
         </p:nvSpPr>
         <p:spPr>
@@ -1130,9 +1167,13 @@
             <a:ext cx="6096000" cy="3429000"/>
           </a:xfrm>
           <a:custGeom>
-            <a:rect b="b" l="l" r="r" t="t"/>
+            <a:avLst/>
+            <a:gdLst/>
+            <a:ahLst/>
+            <a:cxnLst/>
+            <a:rect l="l" t="t" r="r" b="b"/>
             <a:pathLst>
-              <a:path extrusionOk="0" h="120000" w="120000">
+              <a:path w="120000" h="120000" extrusionOk="0">
                 <a:moveTo>
                   <a:pt x="0" y="0"/>
                 </a:moveTo>
@@ -1154,9 +1195,11 @@
       <p:sp>
         <p:nvSpPr>
           <p:cNvPr id="163" name="Google Shape;163;g24dd013e221_0_41:notes"/>
-          <p:cNvSpPr txBox="1"/>
+          <p:cNvSpPr txBox="1">
+            <a:spLocks noGrp="1"/>
+          </p:cNvSpPr>
           <p:nvPr>
-            <p:ph idx="1" type="body"/>
+            <p:ph type="body" idx="1"/>
           </p:nvPr>
         </p:nvSpPr>
         <p:spPr>
@@ -1169,23 +1212,20 @@
           </a:prstGeom>
         </p:spPr>
         <p:txBody>
-          <a:bodyPr anchorCtr="0" anchor="t" bIns="91425" lIns="91425" spcFirstLastPara="1" rIns="91425" wrap="square" tIns="91425">
+          <a:bodyPr spcFirstLastPara="1" wrap="square" lIns="91425" tIns="91425" rIns="91425" bIns="91425" anchor="t" anchorCtr="0">
             <a:noAutofit/>
           </a:bodyPr>
           <a:lstStyle/>
           <a:p>
-            <a:pPr indent="0" lvl="0" marL="0" rtl="0" algn="l">
-              <a:spcBef>
-                <a:spcPts val="0"/>
-              </a:spcBef>
-              <a:spcAft>
-                <a:spcPts val="0"/>
-              </a:spcAft>
-              <a:buNone/>
-            </a:pPr>
-            <a:r>
-              <a:t/>
-            </a:r>
+            <a:pPr marL="0" lvl="0" indent="0" algn="l" rtl="0">
+              <a:spcBef>
+                <a:spcPts val="0"/>
+              </a:spcBef>
+              <a:spcAft>
+                <a:spcPts val="0"/>
+              </a:spcAft>
+              <a:buNone/>
+            </a:pPr>
             <a:endParaRPr/>
           </a:p>
         </p:txBody>
@@ -1199,11 +1239,11 @@
 </file>
 
 <file path=ppt/notesSlides/notesSlide14.xml><?xml version="1.0" encoding="utf-8"?>
-<p:notes xmlns:a="http://schemas.openxmlformats.org/drawingml/2006/main" xmlns:r="http://schemas.openxmlformats.org/officeDocument/2006/relationships" xmlns:mc="http://schemas.openxmlformats.org/markup-compatibility/2006" xmlns:mv="urn:schemas-microsoft-com:mac:vml" xmlns:p="http://schemas.openxmlformats.org/presentationml/2006/main" xmlns:c="http://schemas.openxmlformats.org/drawingml/2006/chart" xmlns:dgm="http://schemas.openxmlformats.org/drawingml/2006/diagram" xmlns:o="urn:schemas-microsoft-com:office:office" xmlns:v="urn:schemas-microsoft-com:vml" xmlns:pvml="urn:schemas-microsoft-com:office:powerpoint" xmlns:com="http://schemas.openxmlformats.org/drawingml/2006/compatibility" xmlns:p14="http://schemas.microsoft.com/office/powerpoint/2010/main" xmlns:p15="http://schemas.microsoft.com/office/powerpoint/2012/main" xmlns:ahyp="http://schemas.microsoft.com/office/drawing/2018/hyperlinkcolor" showMasterPhAnim="0" showMasterSp="0">
+<p:notes xmlns:a="http://schemas.openxmlformats.org/drawingml/2006/main" xmlns:r="http://schemas.openxmlformats.org/officeDocument/2006/relationships" xmlns:p="http://schemas.openxmlformats.org/presentationml/2006/main" showMasterSp="0" showMasterPhAnim="0">
   <p:cSld>
     <p:spTree>
       <p:nvGrpSpPr>
-        <p:cNvPr id="169" name="Shape 169"/>
+        <p:cNvPr id="1" name="Shape 169"/>
         <p:cNvGrpSpPr/>
         <p:nvPr/>
       </p:nvGrpSpPr>
@@ -1218,20 +1258,26 @@
       <p:sp>
         <p:nvSpPr>
           <p:cNvPr id="170" name="Google Shape;170;g24dd013e221_0_112:notes"/>
-          <p:cNvSpPr/>
+          <p:cNvSpPr>
+            <a:spLocks noGrp="1" noRot="1" noChangeAspect="1"/>
+          </p:cNvSpPr>
           <p:nvPr>
-            <p:ph idx="2" type="sldImg"/>
+            <p:ph type="sldImg" idx="2"/>
           </p:nvPr>
         </p:nvSpPr>
         <p:spPr>
           <a:xfrm>
-            <a:off x="381300" y="685800"/>
+            <a:off x="381000" y="685800"/>
             <a:ext cx="6096000" cy="3429000"/>
           </a:xfrm>
           <a:custGeom>
-            <a:rect b="b" l="l" r="r" t="t"/>
+            <a:avLst/>
+            <a:gdLst/>
+            <a:ahLst/>
+            <a:cxnLst/>
+            <a:rect l="l" t="t" r="r" b="b"/>
             <a:pathLst>
-              <a:path extrusionOk="0" h="120000" w="120000">
+              <a:path w="120000" h="120000" extrusionOk="0">
                 <a:moveTo>
                   <a:pt x="0" y="0"/>
                 </a:moveTo>
@@ -1253,9 +1299,11 @@
       <p:sp>
         <p:nvSpPr>
           <p:cNvPr id="171" name="Google Shape;171;g24dd013e221_0_112:notes"/>
-          <p:cNvSpPr txBox="1"/>
+          <p:cNvSpPr txBox="1">
+            <a:spLocks noGrp="1"/>
+          </p:cNvSpPr>
           <p:nvPr>
-            <p:ph idx="1" type="body"/>
+            <p:ph type="body" idx="1"/>
           </p:nvPr>
         </p:nvSpPr>
         <p:spPr>
@@ -1268,23 +1316,20 @@
           </a:prstGeom>
         </p:spPr>
         <p:txBody>
-          <a:bodyPr anchorCtr="0" anchor="t" bIns="91425" lIns="91425" spcFirstLastPara="1" rIns="91425" wrap="square" tIns="91425">
+          <a:bodyPr spcFirstLastPara="1" wrap="square" lIns="91425" tIns="91425" rIns="91425" bIns="91425" anchor="t" anchorCtr="0">
             <a:noAutofit/>
           </a:bodyPr>
           <a:lstStyle/>
           <a:p>
-            <a:pPr indent="0" lvl="0" marL="0" rtl="0" algn="l">
-              <a:spcBef>
-                <a:spcPts val="0"/>
-              </a:spcBef>
-              <a:spcAft>
-                <a:spcPts val="0"/>
-              </a:spcAft>
-              <a:buNone/>
-            </a:pPr>
-            <a:r>
-              <a:t/>
-            </a:r>
+            <a:pPr marL="0" lvl="0" indent="0" algn="l" rtl="0">
+              <a:spcBef>
+                <a:spcPts val="0"/>
+              </a:spcBef>
+              <a:spcAft>
+                <a:spcPts val="0"/>
+              </a:spcAft>
+              <a:buNone/>
+            </a:pPr>
             <a:endParaRPr/>
           </a:p>
         </p:txBody>
@@ -1298,11 +1343,11 @@
 </file>
 
 <file path=ppt/notesSlides/notesSlide15.xml><?xml version="1.0" encoding="utf-8"?>
-<p:notes xmlns:a="http://schemas.openxmlformats.org/drawingml/2006/main" xmlns:r="http://schemas.openxmlformats.org/officeDocument/2006/relationships" xmlns:mc="http://schemas.openxmlformats.org/markup-compatibility/2006" xmlns:mv="urn:schemas-microsoft-com:mac:vml" xmlns:p="http://schemas.openxmlformats.org/presentationml/2006/main" xmlns:c="http://schemas.openxmlformats.org/drawingml/2006/chart" xmlns:dgm="http://schemas.openxmlformats.org/drawingml/2006/diagram" xmlns:o="urn:schemas-microsoft-com:office:office" xmlns:v="urn:schemas-microsoft-com:vml" xmlns:pvml="urn:schemas-microsoft-com:office:powerpoint" xmlns:com="http://schemas.openxmlformats.org/drawingml/2006/compatibility" xmlns:p14="http://schemas.microsoft.com/office/powerpoint/2010/main" xmlns:p15="http://schemas.microsoft.com/office/powerpoint/2012/main" xmlns:ahyp="http://schemas.microsoft.com/office/drawing/2018/hyperlinkcolor" showMasterPhAnim="0" showMasterSp="0">
+<p:notes xmlns:a="http://schemas.openxmlformats.org/drawingml/2006/main" xmlns:r="http://schemas.openxmlformats.org/officeDocument/2006/relationships" xmlns:p="http://schemas.openxmlformats.org/presentationml/2006/main" showMasterSp="0" showMasterPhAnim="0">
   <p:cSld>
     <p:spTree>
       <p:nvGrpSpPr>
-        <p:cNvPr id="179" name="Shape 179"/>
+        <p:cNvPr id="1" name="Shape 179"/>
         <p:cNvGrpSpPr/>
         <p:nvPr/>
       </p:nvGrpSpPr>
@@ -1317,20 +1362,26 @@
       <p:sp>
         <p:nvSpPr>
           <p:cNvPr id="180" name="Google Shape;180;g24dd013e221_0_120:notes"/>
-          <p:cNvSpPr/>
+          <p:cNvSpPr>
+            <a:spLocks noGrp="1" noRot="1" noChangeAspect="1"/>
+          </p:cNvSpPr>
           <p:nvPr>
-            <p:ph idx="2" type="sldImg"/>
+            <p:ph type="sldImg" idx="2"/>
           </p:nvPr>
         </p:nvSpPr>
         <p:spPr>
           <a:xfrm>
-            <a:off x="381300" y="685800"/>
+            <a:off x="381000" y="685800"/>
             <a:ext cx="6096000" cy="3429000"/>
           </a:xfrm>
           <a:custGeom>
-            <a:rect b="b" l="l" r="r" t="t"/>
+            <a:avLst/>
+            <a:gdLst/>
+            <a:ahLst/>
+            <a:cxnLst/>
+            <a:rect l="l" t="t" r="r" b="b"/>
             <a:pathLst>
-              <a:path extrusionOk="0" h="120000" w="120000">
+              <a:path w="120000" h="120000" extrusionOk="0">
                 <a:moveTo>
                   <a:pt x="0" y="0"/>
                 </a:moveTo>
@@ -1352,9 +1403,11 @@
       <p:sp>
         <p:nvSpPr>
           <p:cNvPr id="181" name="Google Shape;181;g24dd013e221_0_120:notes"/>
-          <p:cNvSpPr txBox="1"/>
+          <p:cNvSpPr txBox="1">
+            <a:spLocks noGrp="1"/>
+          </p:cNvSpPr>
           <p:nvPr>
-            <p:ph idx="1" type="body"/>
+            <p:ph type="body" idx="1"/>
           </p:nvPr>
         </p:nvSpPr>
         <p:spPr>
@@ -1367,23 +1420,20 @@
           </a:prstGeom>
         </p:spPr>
         <p:txBody>
-          <a:bodyPr anchorCtr="0" anchor="t" bIns="91425" lIns="91425" spcFirstLastPara="1" rIns="91425" wrap="square" tIns="91425">
+          <a:bodyPr spcFirstLastPara="1" wrap="square" lIns="91425" tIns="91425" rIns="91425" bIns="91425" anchor="t" anchorCtr="0">
             <a:noAutofit/>
           </a:bodyPr>
           <a:lstStyle/>
           <a:p>
-            <a:pPr indent="0" lvl="0" marL="0" rtl="0" algn="l">
-              <a:spcBef>
-                <a:spcPts val="0"/>
-              </a:spcBef>
-              <a:spcAft>
-                <a:spcPts val="0"/>
-              </a:spcAft>
-              <a:buNone/>
-            </a:pPr>
-            <a:r>
-              <a:t/>
-            </a:r>
+            <a:pPr marL="0" lvl="0" indent="0" algn="l" rtl="0">
+              <a:spcBef>
+                <a:spcPts val="0"/>
+              </a:spcBef>
+              <a:spcAft>
+                <a:spcPts val="0"/>
+              </a:spcAft>
+              <a:buNone/>
+            </a:pPr>
             <a:endParaRPr/>
           </a:p>
         </p:txBody>
@@ -1397,11 +1447,11 @@
 </file>
 
 <file path=ppt/notesSlides/notesSlide16.xml><?xml version="1.0" encoding="utf-8"?>
-<p:notes xmlns:a="http://schemas.openxmlformats.org/drawingml/2006/main" xmlns:r="http://schemas.openxmlformats.org/officeDocument/2006/relationships" xmlns:mc="http://schemas.openxmlformats.org/markup-compatibility/2006" xmlns:mv="urn:schemas-microsoft-com:mac:vml" xmlns:p="http://schemas.openxmlformats.org/presentationml/2006/main" xmlns:c="http://schemas.openxmlformats.org/drawingml/2006/chart" xmlns:dgm="http://schemas.openxmlformats.org/drawingml/2006/diagram" xmlns:o="urn:schemas-microsoft-com:office:office" xmlns:v="urn:schemas-microsoft-com:vml" xmlns:pvml="urn:schemas-microsoft-com:office:powerpoint" xmlns:com="http://schemas.openxmlformats.org/drawingml/2006/compatibility" xmlns:p14="http://schemas.microsoft.com/office/powerpoint/2010/main" xmlns:p15="http://schemas.microsoft.com/office/powerpoint/2012/main" xmlns:ahyp="http://schemas.microsoft.com/office/drawing/2018/hyperlinkcolor" showMasterPhAnim="0" showMasterSp="0">
+<p:notes xmlns:a="http://schemas.openxmlformats.org/drawingml/2006/main" xmlns:r="http://schemas.openxmlformats.org/officeDocument/2006/relationships" xmlns:p="http://schemas.openxmlformats.org/presentationml/2006/main" showMasterSp="0" showMasterPhAnim="0">
   <p:cSld>
     <p:spTree>
       <p:nvGrpSpPr>
-        <p:cNvPr id="189" name="Shape 189"/>
+        <p:cNvPr id="1" name="Shape 189"/>
         <p:cNvGrpSpPr/>
         <p:nvPr/>
       </p:nvGrpSpPr>
@@ -1416,20 +1466,26 @@
       <p:sp>
         <p:nvSpPr>
           <p:cNvPr id="190" name="Google Shape;190;g24dd013e221_0_162:notes"/>
-          <p:cNvSpPr/>
+          <p:cNvSpPr>
+            <a:spLocks noGrp="1" noRot="1" noChangeAspect="1"/>
+          </p:cNvSpPr>
           <p:nvPr>
-            <p:ph idx="2" type="sldImg"/>
+            <p:ph type="sldImg" idx="2"/>
           </p:nvPr>
         </p:nvSpPr>
         <p:spPr>
           <a:xfrm>
-            <a:off x="381300" y="685800"/>
+            <a:off x="381000" y="685800"/>
             <a:ext cx="6096000" cy="3429000"/>
           </a:xfrm>
           <a:custGeom>
-            <a:rect b="b" l="l" r="r" t="t"/>
+            <a:avLst/>
+            <a:gdLst/>
+            <a:ahLst/>
+            <a:cxnLst/>
+            <a:rect l="l" t="t" r="r" b="b"/>
             <a:pathLst>
-              <a:path extrusionOk="0" h="120000" w="120000">
+              <a:path w="120000" h="120000" extrusionOk="0">
                 <a:moveTo>
                   <a:pt x="0" y="0"/>
                 </a:moveTo>
@@ -1451,9 +1507,11 @@
       <p:sp>
         <p:nvSpPr>
           <p:cNvPr id="191" name="Google Shape;191;g24dd013e221_0_162:notes"/>
-          <p:cNvSpPr txBox="1"/>
+          <p:cNvSpPr txBox="1">
+            <a:spLocks noGrp="1"/>
+          </p:cNvSpPr>
           <p:nvPr>
-            <p:ph idx="1" type="body"/>
+            <p:ph type="body" idx="1"/>
           </p:nvPr>
         </p:nvSpPr>
         <p:spPr>
@@ -1466,23 +1524,20 @@
           </a:prstGeom>
         </p:spPr>
         <p:txBody>
-          <a:bodyPr anchorCtr="0" anchor="t" bIns="91425" lIns="91425" spcFirstLastPara="1" rIns="91425" wrap="square" tIns="91425">
+          <a:bodyPr spcFirstLastPara="1" wrap="square" lIns="91425" tIns="91425" rIns="91425" bIns="91425" anchor="t" anchorCtr="0">
             <a:noAutofit/>
           </a:bodyPr>
           <a:lstStyle/>
           <a:p>
-            <a:pPr indent="0" lvl="0" marL="0" rtl="0" algn="l">
-              <a:spcBef>
-                <a:spcPts val="0"/>
-              </a:spcBef>
-              <a:spcAft>
-                <a:spcPts val="0"/>
-              </a:spcAft>
-              <a:buNone/>
-            </a:pPr>
-            <a:r>
-              <a:t/>
-            </a:r>
+            <a:pPr marL="0" lvl="0" indent="0" algn="l" rtl="0">
+              <a:spcBef>
+                <a:spcPts val="0"/>
+              </a:spcBef>
+              <a:spcAft>
+                <a:spcPts val="0"/>
+              </a:spcAft>
+              <a:buNone/>
+            </a:pPr>
             <a:endParaRPr/>
           </a:p>
         </p:txBody>
@@ -1496,11 +1551,11 @@
 </file>
 
 <file path=ppt/notesSlides/notesSlide17.xml><?xml version="1.0" encoding="utf-8"?>
-<p:notes xmlns:a="http://schemas.openxmlformats.org/drawingml/2006/main" xmlns:r="http://schemas.openxmlformats.org/officeDocument/2006/relationships" xmlns:mc="http://schemas.openxmlformats.org/markup-compatibility/2006" xmlns:mv="urn:schemas-microsoft-com:mac:vml" xmlns:p="http://schemas.openxmlformats.org/presentationml/2006/main" xmlns:c="http://schemas.openxmlformats.org/drawingml/2006/chart" xmlns:dgm="http://schemas.openxmlformats.org/drawingml/2006/diagram" xmlns:o="urn:schemas-microsoft-com:office:office" xmlns:v="urn:schemas-microsoft-com:vml" xmlns:pvml="urn:schemas-microsoft-com:office:powerpoint" xmlns:com="http://schemas.openxmlformats.org/drawingml/2006/compatibility" xmlns:p14="http://schemas.microsoft.com/office/powerpoint/2010/main" xmlns:p15="http://schemas.microsoft.com/office/powerpoint/2012/main" xmlns:ahyp="http://schemas.microsoft.com/office/drawing/2018/hyperlinkcolor" showMasterPhAnim="0" showMasterSp="0">
+<p:notes xmlns:a="http://schemas.openxmlformats.org/drawingml/2006/main" xmlns:r="http://schemas.openxmlformats.org/officeDocument/2006/relationships" xmlns:p="http://schemas.openxmlformats.org/presentationml/2006/main" showMasterSp="0" showMasterPhAnim="0">
   <p:cSld>
     <p:spTree>
       <p:nvGrpSpPr>
-        <p:cNvPr id="199" name="Shape 199"/>
+        <p:cNvPr id="1" name="Shape 199"/>
         <p:cNvGrpSpPr/>
         <p:nvPr/>
       </p:nvGrpSpPr>
@@ -1515,9 +1570,11 @@
       <p:sp>
         <p:nvSpPr>
           <p:cNvPr id="200" name="Google Shape;200;g24dd013e221_0_171:notes"/>
-          <p:cNvSpPr/>
+          <p:cNvSpPr>
+            <a:spLocks noGrp="1" noRot="1" noChangeAspect="1"/>
+          </p:cNvSpPr>
           <p:nvPr>
-            <p:ph idx="2" type="sldImg"/>
+            <p:ph type="sldImg" idx="2"/>
           </p:nvPr>
         </p:nvSpPr>
         <p:spPr>
@@ -1526,9 +1583,13 @@
             <a:ext cx="6096000" cy="3429000"/>
           </a:xfrm>
           <a:custGeom>
-            <a:rect b="b" l="l" r="r" t="t"/>
+            <a:avLst/>
+            <a:gdLst/>
+            <a:ahLst/>
+            <a:cxnLst/>
+            <a:rect l="l" t="t" r="r" b="b"/>
             <a:pathLst>
-              <a:path extrusionOk="0" h="120000" w="120000">
+              <a:path w="120000" h="120000" extrusionOk="0">
                 <a:moveTo>
                   <a:pt x="0" y="0"/>
                 </a:moveTo>
@@ -1550,9 +1611,11 @@
       <p:sp>
         <p:nvSpPr>
           <p:cNvPr id="201" name="Google Shape;201;g24dd013e221_0_171:notes"/>
-          <p:cNvSpPr txBox="1"/>
+          <p:cNvSpPr txBox="1">
+            <a:spLocks noGrp="1"/>
+          </p:cNvSpPr>
           <p:nvPr>
-            <p:ph idx="1" type="body"/>
+            <p:ph type="body" idx="1"/>
           </p:nvPr>
         </p:nvSpPr>
         <p:spPr>
@@ -1565,23 +1628,20 @@
           </a:prstGeom>
         </p:spPr>
         <p:txBody>
-          <a:bodyPr anchorCtr="0" anchor="t" bIns="91425" lIns="91425" spcFirstLastPara="1" rIns="91425" wrap="square" tIns="91425">
+          <a:bodyPr spcFirstLastPara="1" wrap="square" lIns="91425" tIns="91425" rIns="91425" bIns="91425" anchor="t" anchorCtr="0">
             <a:noAutofit/>
           </a:bodyPr>
           <a:lstStyle/>
           <a:p>
-            <a:pPr indent="0" lvl="0" marL="0" rtl="0" algn="l">
-              <a:spcBef>
-                <a:spcPts val="0"/>
-              </a:spcBef>
-              <a:spcAft>
-                <a:spcPts val="0"/>
-              </a:spcAft>
-              <a:buNone/>
-            </a:pPr>
-            <a:r>
-              <a:t/>
-            </a:r>
+            <a:pPr marL="0" lvl="0" indent="0" algn="l" rtl="0">
+              <a:spcBef>
+                <a:spcPts val="0"/>
+              </a:spcBef>
+              <a:spcAft>
+                <a:spcPts val="0"/>
+              </a:spcAft>
+              <a:buNone/>
+            </a:pPr>
             <a:endParaRPr/>
           </a:p>
         </p:txBody>
@@ -1595,11 +1655,11 @@
 </file>
 
 <file path=ppt/notesSlides/notesSlide18.xml><?xml version="1.0" encoding="utf-8"?>
-<p:notes xmlns:a="http://schemas.openxmlformats.org/drawingml/2006/main" xmlns:r="http://schemas.openxmlformats.org/officeDocument/2006/relationships" xmlns:mc="http://schemas.openxmlformats.org/markup-compatibility/2006" xmlns:mv="urn:schemas-microsoft-com:mac:vml" xmlns:p="http://schemas.openxmlformats.org/presentationml/2006/main" xmlns:c="http://schemas.openxmlformats.org/drawingml/2006/chart" xmlns:dgm="http://schemas.openxmlformats.org/drawingml/2006/diagram" xmlns:o="urn:schemas-microsoft-com:office:office" xmlns:v="urn:schemas-microsoft-com:vml" xmlns:pvml="urn:schemas-microsoft-com:office:powerpoint" xmlns:com="http://schemas.openxmlformats.org/drawingml/2006/compatibility" xmlns:p14="http://schemas.microsoft.com/office/powerpoint/2010/main" xmlns:p15="http://schemas.microsoft.com/office/powerpoint/2012/main" xmlns:ahyp="http://schemas.microsoft.com/office/drawing/2018/hyperlinkcolor" showMasterPhAnim="0" showMasterSp="0">
+<p:notes xmlns:a="http://schemas.openxmlformats.org/drawingml/2006/main" xmlns:r="http://schemas.openxmlformats.org/officeDocument/2006/relationships" xmlns:p="http://schemas.openxmlformats.org/presentationml/2006/main" showMasterSp="0" showMasterPhAnim="0">
   <p:cSld>
     <p:spTree>
       <p:nvGrpSpPr>
-        <p:cNvPr id="208" name="Shape 208"/>
+        <p:cNvPr id="1" name="Shape 208"/>
         <p:cNvGrpSpPr/>
         <p:nvPr/>
       </p:nvGrpSpPr>
@@ -1614,20 +1674,26 @@
       <p:sp>
         <p:nvSpPr>
           <p:cNvPr id="209" name="Google Shape;209;g24dd013e221_0_187:notes"/>
-          <p:cNvSpPr/>
+          <p:cNvSpPr>
+            <a:spLocks noGrp="1" noRot="1" noChangeAspect="1"/>
+          </p:cNvSpPr>
           <p:nvPr>
-            <p:ph idx="2" type="sldImg"/>
+            <p:ph type="sldImg" idx="2"/>
           </p:nvPr>
         </p:nvSpPr>
         <p:spPr>
           <a:xfrm>
-            <a:off x="381300" y="685800"/>
+            <a:off x="381000" y="685800"/>
             <a:ext cx="6096000" cy="3429000"/>
           </a:xfrm>
           <a:custGeom>
-            <a:rect b="b" l="l" r="r" t="t"/>
+            <a:avLst/>
+            <a:gdLst/>
+            <a:ahLst/>
+            <a:cxnLst/>
+            <a:rect l="l" t="t" r="r" b="b"/>
             <a:pathLst>
-              <a:path extrusionOk="0" h="120000" w="120000">
+              <a:path w="120000" h="120000" extrusionOk="0">
                 <a:moveTo>
                   <a:pt x="0" y="0"/>
                 </a:moveTo>
@@ -1649,9 +1715,11 @@
       <p:sp>
         <p:nvSpPr>
           <p:cNvPr id="210" name="Google Shape;210;g24dd013e221_0_187:notes"/>
-          <p:cNvSpPr txBox="1"/>
+          <p:cNvSpPr txBox="1">
+            <a:spLocks noGrp="1"/>
+          </p:cNvSpPr>
           <p:nvPr>
-            <p:ph idx="1" type="body"/>
+            <p:ph type="body" idx="1"/>
           </p:nvPr>
         </p:nvSpPr>
         <p:spPr>
@@ -1664,23 +1732,20 @@
           </a:prstGeom>
         </p:spPr>
         <p:txBody>
-          <a:bodyPr anchorCtr="0" anchor="t" bIns="91425" lIns="91425" spcFirstLastPara="1" rIns="91425" wrap="square" tIns="91425">
+          <a:bodyPr spcFirstLastPara="1" wrap="square" lIns="91425" tIns="91425" rIns="91425" bIns="91425" anchor="t" anchorCtr="0">
             <a:noAutofit/>
           </a:bodyPr>
           <a:lstStyle/>
           <a:p>
-            <a:pPr indent="0" lvl="0" marL="0" rtl="0" algn="l">
-              <a:spcBef>
-                <a:spcPts val="0"/>
-              </a:spcBef>
-              <a:spcAft>
-                <a:spcPts val="0"/>
-              </a:spcAft>
-              <a:buNone/>
-            </a:pPr>
-            <a:r>
-              <a:t/>
-            </a:r>
+            <a:pPr marL="0" lvl="0" indent="0" algn="l" rtl="0">
+              <a:spcBef>
+                <a:spcPts val="0"/>
+              </a:spcBef>
+              <a:spcAft>
+                <a:spcPts val="0"/>
+              </a:spcAft>
+              <a:buNone/>
+            </a:pPr>
             <a:endParaRPr/>
           </a:p>
         </p:txBody>
@@ -1694,11 +1759,11 @@
 </file>
 
 <file path=ppt/notesSlides/notesSlide2.xml><?xml version="1.0" encoding="utf-8"?>
-<p:notes xmlns:a="http://schemas.openxmlformats.org/drawingml/2006/main" xmlns:r="http://schemas.openxmlformats.org/officeDocument/2006/relationships" xmlns:mc="http://schemas.openxmlformats.org/markup-compatibility/2006" xmlns:mv="urn:schemas-microsoft-com:mac:vml" xmlns:p="http://schemas.openxmlformats.org/presentationml/2006/main" xmlns:c="http://schemas.openxmlformats.org/drawingml/2006/chart" xmlns:dgm="http://schemas.openxmlformats.org/drawingml/2006/diagram" xmlns:o="urn:schemas-microsoft-com:office:office" xmlns:v="urn:schemas-microsoft-com:vml" xmlns:pvml="urn:schemas-microsoft-com:office:powerpoint" xmlns:com="http://schemas.openxmlformats.org/drawingml/2006/compatibility" xmlns:p14="http://schemas.microsoft.com/office/powerpoint/2010/main" xmlns:p15="http://schemas.microsoft.com/office/powerpoint/2012/main" xmlns:ahyp="http://schemas.microsoft.com/office/drawing/2018/hyperlinkcolor" showMasterPhAnim="0" showMasterSp="0">
+<p:notes xmlns:a="http://schemas.openxmlformats.org/drawingml/2006/main" xmlns:r="http://schemas.openxmlformats.org/officeDocument/2006/relationships" xmlns:p="http://schemas.openxmlformats.org/presentationml/2006/main" showMasterSp="0" showMasterPhAnim="0">
   <p:cSld>
     <p:spTree>
       <p:nvGrpSpPr>
-        <p:cNvPr id="56" name="Shape 56"/>
+        <p:cNvPr id="1" name="Shape 56"/>
         <p:cNvGrpSpPr/>
         <p:nvPr/>
       </p:nvGrpSpPr>
@@ -1713,9 +1778,11 @@
       <p:sp>
         <p:nvSpPr>
           <p:cNvPr id="57" name="Google Shape;57;g24dd013e221_0_0:notes"/>
-          <p:cNvSpPr/>
+          <p:cNvSpPr>
+            <a:spLocks noGrp="1" noRot="1" noChangeAspect="1"/>
+          </p:cNvSpPr>
           <p:nvPr>
-            <p:ph idx="2" type="sldImg"/>
+            <p:ph type="sldImg" idx="2"/>
           </p:nvPr>
         </p:nvSpPr>
         <p:spPr>
@@ -1724,9 +1791,13 @@
             <a:ext cx="6096000" cy="3429000"/>
           </a:xfrm>
           <a:custGeom>
-            <a:rect b="b" l="l" r="r" t="t"/>
+            <a:avLst/>
+            <a:gdLst/>
+            <a:ahLst/>
+            <a:cxnLst/>
+            <a:rect l="l" t="t" r="r" b="b"/>
             <a:pathLst>
-              <a:path extrusionOk="0" h="120000" w="120000">
+              <a:path w="120000" h="120000" extrusionOk="0">
                 <a:moveTo>
                   <a:pt x="0" y="0"/>
                 </a:moveTo>
@@ -1748,9 +1819,11 @@
       <p:sp>
         <p:nvSpPr>
           <p:cNvPr id="58" name="Google Shape;58;g24dd013e221_0_0:notes"/>
-          <p:cNvSpPr txBox="1"/>
+          <p:cNvSpPr txBox="1">
+            <a:spLocks noGrp="1"/>
+          </p:cNvSpPr>
           <p:nvPr>
-            <p:ph idx="1" type="body"/>
+            <p:ph type="body" idx="1"/>
           </p:nvPr>
         </p:nvSpPr>
         <p:spPr>
@@ -1763,23 +1836,20 @@
           </a:prstGeom>
         </p:spPr>
         <p:txBody>
-          <a:bodyPr anchorCtr="0" anchor="t" bIns="91425" lIns="91425" spcFirstLastPara="1" rIns="91425" wrap="square" tIns="91425">
+          <a:bodyPr spcFirstLastPara="1" wrap="square" lIns="91425" tIns="91425" rIns="91425" bIns="91425" anchor="t" anchorCtr="0">
             <a:noAutofit/>
           </a:bodyPr>
           <a:lstStyle/>
           <a:p>
-            <a:pPr indent="0" lvl="0" marL="0" rtl="0" algn="l">
-              <a:spcBef>
-                <a:spcPts val="0"/>
-              </a:spcBef>
-              <a:spcAft>
-                <a:spcPts val="0"/>
-              </a:spcAft>
-              <a:buNone/>
-            </a:pPr>
-            <a:r>
-              <a:t/>
-            </a:r>
+            <a:pPr marL="0" lvl="0" indent="0" algn="l" rtl="0">
+              <a:spcBef>
+                <a:spcPts val="0"/>
+              </a:spcBef>
+              <a:spcAft>
+                <a:spcPts val="0"/>
+              </a:spcAft>
+              <a:buNone/>
+            </a:pPr>
             <a:endParaRPr/>
           </a:p>
         </p:txBody>
@@ -1793,11 +1863,11 @@
 </file>
 
 <file path=ppt/notesSlides/notesSlide3.xml><?xml version="1.0" encoding="utf-8"?>
-<p:notes xmlns:a="http://schemas.openxmlformats.org/drawingml/2006/main" xmlns:r="http://schemas.openxmlformats.org/officeDocument/2006/relationships" xmlns:mc="http://schemas.openxmlformats.org/markup-compatibility/2006" xmlns:mv="urn:schemas-microsoft-com:mac:vml" xmlns:p="http://schemas.openxmlformats.org/presentationml/2006/main" xmlns:c="http://schemas.openxmlformats.org/drawingml/2006/chart" xmlns:dgm="http://schemas.openxmlformats.org/drawingml/2006/diagram" xmlns:o="urn:schemas-microsoft-com:office:office" xmlns:v="urn:schemas-microsoft-com:vml" xmlns:pvml="urn:schemas-microsoft-com:office:powerpoint" xmlns:com="http://schemas.openxmlformats.org/drawingml/2006/compatibility" xmlns:p14="http://schemas.microsoft.com/office/powerpoint/2010/main" xmlns:p15="http://schemas.microsoft.com/office/powerpoint/2012/main" xmlns:ahyp="http://schemas.microsoft.com/office/drawing/2018/hyperlinkcolor" showMasterPhAnim="0" showMasterSp="0">
+<p:notes xmlns:a="http://schemas.openxmlformats.org/drawingml/2006/main" xmlns:r="http://schemas.openxmlformats.org/officeDocument/2006/relationships" xmlns:p="http://schemas.openxmlformats.org/presentationml/2006/main" showMasterSp="0" showMasterPhAnim="0">
   <p:cSld>
     <p:spTree>
       <p:nvGrpSpPr>
-        <p:cNvPr id="65" name="Shape 65"/>
+        <p:cNvPr id="1" name="Shape 65"/>
         <p:cNvGrpSpPr/>
         <p:nvPr/>
       </p:nvGrpSpPr>
@@ -1812,9 +1882,11 @@
       <p:sp>
         <p:nvSpPr>
           <p:cNvPr id="66" name="Google Shape;66;g282320c9126_0_18:notes"/>
-          <p:cNvSpPr/>
+          <p:cNvSpPr>
+            <a:spLocks noGrp="1" noRot="1" noChangeAspect="1"/>
+          </p:cNvSpPr>
           <p:nvPr>
-            <p:ph idx="2" type="sldImg"/>
+            <p:ph type="sldImg" idx="2"/>
           </p:nvPr>
         </p:nvSpPr>
         <p:spPr>
@@ -1823,9 +1895,13 @@
             <a:ext cx="6096000" cy="3429000"/>
           </a:xfrm>
           <a:custGeom>
-            <a:rect b="b" l="l" r="r" t="t"/>
+            <a:avLst/>
+            <a:gdLst/>
+            <a:ahLst/>
+            <a:cxnLst/>
+            <a:rect l="l" t="t" r="r" b="b"/>
             <a:pathLst>
-              <a:path extrusionOk="0" h="120000" w="120000">
+              <a:path w="120000" h="120000" extrusionOk="0">
                 <a:moveTo>
                   <a:pt x="0" y="0"/>
                 </a:moveTo>
@@ -1847,9 +1923,11 @@
       <p:sp>
         <p:nvSpPr>
           <p:cNvPr id="67" name="Google Shape;67;g282320c9126_0_18:notes"/>
-          <p:cNvSpPr txBox="1"/>
+          <p:cNvSpPr txBox="1">
+            <a:spLocks noGrp="1"/>
+          </p:cNvSpPr>
           <p:nvPr>
-            <p:ph idx="1" type="body"/>
+            <p:ph type="body" idx="1"/>
           </p:nvPr>
         </p:nvSpPr>
         <p:spPr>
@@ -1862,23 +1940,20 @@
           </a:prstGeom>
         </p:spPr>
         <p:txBody>
-          <a:bodyPr anchorCtr="0" anchor="t" bIns="91425" lIns="91425" spcFirstLastPara="1" rIns="91425" wrap="square" tIns="91425">
+          <a:bodyPr spcFirstLastPara="1" wrap="square" lIns="91425" tIns="91425" rIns="91425" bIns="91425" anchor="t" anchorCtr="0">
             <a:noAutofit/>
           </a:bodyPr>
           <a:lstStyle/>
           <a:p>
-            <a:pPr indent="0" lvl="0" marL="0" rtl="0" algn="l">
-              <a:spcBef>
-                <a:spcPts val="0"/>
-              </a:spcBef>
-              <a:spcAft>
-                <a:spcPts val="0"/>
-              </a:spcAft>
-              <a:buNone/>
-            </a:pPr>
-            <a:r>
-              <a:t/>
-            </a:r>
+            <a:pPr marL="0" lvl="0" indent="0" algn="l" rtl="0">
+              <a:spcBef>
+                <a:spcPts val="0"/>
+              </a:spcBef>
+              <a:spcAft>
+                <a:spcPts val="0"/>
+              </a:spcAft>
+              <a:buNone/>
+            </a:pPr>
             <a:endParaRPr/>
           </a:p>
         </p:txBody>
@@ -1892,11 +1967,11 @@
 </file>
 
 <file path=ppt/notesSlides/notesSlide4.xml><?xml version="1.0" encoding="utf-8"?>
-<p:notes xmlns:a="http://schemas.openxmlformats.org/drawingml/2006/main" xmlns:r="http://schemas.openxmlformats.org/officeDocument/2006/relationships" xmlns:mc="http://schemas.openxmlformats.org/markup-compatibility/2006" xmlns:mv="urn:schemas-microsoft-com:mac:vml" xmlns:p="http://schemas.openxmlformats.org/presentationml/2006/main" xmlns:c="http://schemas.openxmlformats.org/drawingml/2006/chart" xmlns:dgm="http://schemas.openxmlformats.org/drawingml/2006/diagram" xmlns:o="urn:schemas-microsoft-com:office:office" xmlns:v="urn:schemas-microsoft-com:vml" xmlns:pvml="urn:schemas-microsoft-com:office:powerpoint" xmlns:com="http://schemas.openxmlformats.org/drawingml/2006/compatibility" xmlns:p14="http://schemas.microsoft.com/office/powerpoint/2010/main" xmlns:p15="http://schemas.microsoft.com/office/powerpoint/2012/main" xmlns:ahyp="http://schemas.microsoft.com/office/drawing/2018/hyperlinkcolor" showMasterPhAnim="0" showMasterSp="0">
+<p:notes xmlns:a="http://schemas.openxmlformats.org/drawingml/2006/main" xmlns:r="http://schemas.openxmlformats.org/officeDocument/2006/relationships" xmlns:p="http://schemas.openxmlformats.org/presentationml/2006/main" showMasterSp="0" showMasterPhAnim="0">
   <p:cSld>
     <p:spTree>
       <p:nvGrpSpPr>
-        <p:cNvPr id="74" name="Shape 74"/>
+        <p:cNvPr id="1" name="Shape 74"/>
         <p:cNvGrpSpPr/>
         <p:nvPr/>
       </p:nvGrpSpPr>
@@ -1911,9 +1986,11 @@
       <p:sp>
         <p:nvSpPr>
           <p:cNvPr id="75" name="Google Shape;75;g282320c9126_0_1:notes"/>
-          <p:cNvSpPr/>
+          <p:cNvSpPr>
+            <a:spLocks noGrp="1" noRot="1" noChangeAspect="1"/>
+          </p:cNvSpPr>
           <p:nvPr>
-            <p:ph idx="2" type="sldImg"/>
+            <p:ph type="sldImg" idx="2"/>
           </p:nvPr>
         </p:nvSpPr>
         <p:spPr>
@@ -1922,9 +1999,13 @@
             <a:ext cx="6096000" cy="3429000"/>
           </a:xfrm>
           <a:custGeom>
-            <a:rect b="b" l="l" r="r" t="t"/>
+            <a:avLst/>
+            <a:gdLst/>
+            <a:ahLst/>
+            <a:cxnLst/>
+            <a:rect l="l" t="t" r="r" b="b"/>
             <a:pathLst>
-              <a:path extrusionOk="0" h="120000" w="120000">
+              <a:path w="120000" h="120000" extrusionOk="0">
                 <a:moveTo>
                   <a:pt x="0" y="0"/>
                 </a:moveTo>
@@ -1946,9 +2027,11 @@
       <p:sp>
         <p:nvSpPr>
           <p:cNvPr id="76" name="Google Shape;76;g282320c9126_0_1:notes"/>
-          <p:cNvSpPr txBox="1"/>
+          <p:cNvSpPr txBox="1">
+            <a:spLocks noGrp="1"/>
+          </p:cNvSpPr>
           <p:nvPr>
-            <p:ph idx="1" type="body"/>
+            <p:ph type="body" idx="1"/>
           </p:nvPr>
         </p:nvSpPr>
         <p:spPr>
@@ -1961,23 +2044,20 @@
           </a:prstGeom>
         </p:spPr>
         <p:txBody>
-          <a:bodyPr anchorCtr="0" anchor="t" bIns="91425" lIns="91425" spcFirstLastPara="1" rIns="91425" wrap="square" tIns="91425">
+          <a:bodyPr spcFirstLastPara="1" wrap="square" lIns="91425" tIns="91425" rIns="91425" bIns="91425" anchor="t" anchorCtr="0">
             <a:noAutofit/>
           </a:bodyPr>
           <a:lstStyle/>
           <a:p>
-            <a:pPr indent="0" lvl="0" marL="0" rtl="0" algn="l">
-              <a:spcBef>
-                <a:spcPts val="0"/>
-              </a:spcBef>
-              <a:spcAft>
-                <a:spcPts val="0"/>
-              </a:spcAft>
-              <a:buNone/>
-            </a:pPr>
-            <a:r>
-              <a:t/>
-            </a:r>
+            <a:pPr marL="0" lvl="0" indent="0" algn="l" rtl="0">
+              <a:spcBef>
+                <a:spcPts val="0"/>
+              </a:spcBef>
+              <a:spcAft>
+                <a:spcPts val="0"/>
+              </a:spcAft>
+              <a:buNone/>
+            </a:pPr>
             <a:endParaRPr/>
           </a:p>
         </p:txBody>
@@ -1991,11 +2071,11 @@
 </file>
 
 <file path=ppt/notesSlides/notesSlide5.xml><?xml version="1.0" encoding="utf-8"?>
-<p:notes xmlns:a="http://schemas.openxmlformats.org/drawingml/2006/main" xmlns:r="http://schemas.openxmlformats.org/officeDocument/2006/relationships" xmlns:mc="http://schemas.openxmlformats.org/markup-compatibility/2006" xmlns:mv="urn:schemas-microsoft-com:mac:vml" xmlns:p="http://schemas.openxmlformats.org/presentationml/2006/main" xmlns:c="http://schemas.openxmlformats.org/drawingml/2006/chart" xmlns:dgm="http://schemas.openxmlformats.org/drawingml/2006/diagram" xmlns:o="urn:schemas-microsoft-com:office:office" xmlns:v="urn:schemas-microsoft-com:vml" xmlns:pvml="urn:schemas-microsoft-com:office:powerpoint" xmlns:com="http://schemas.openxmlformats.org/drawingml/2006/compatibility" xmlns:p14="http://schemas.microsoft.com/office/powerpoint/2010/main" xmlns:p15="http://schemas.microsoft.com/office/powerpoint/2012/main" xmlns:ahyp="http://schemas.microsoft.com/office/drawing/2018/hyperlinkcolor" showMasterPhAnim="0" showMasterSp="0">
+<p:notes xmlns:a="http://schemas.openxmlformats.org/drawingml/2006/main" xmlns:r="http://schemas.openxmlformats.org/officeDocument/2006/relationships" xmlns:p="http://schemas.openxmlformats.org/presentationml/2006/main" showMasterSp="0" showMasterPhAnim="0">
   <p:cSld>
     <p:spTree>
       <p:nvGrpSpPr>
-        <p:cNvPr id="83" name="Shape 83"/>
+        <p:cNvPr id="1" name="Shape 83"/>
         <p:cNvGrpSpPr/>
         <p:nvPr/>
       </p:nvGrpSpPr>
@@ -2010,9 +2090,11 @@
       <p:sp>
         <p:nvSpPr>
           <p:cNvPr id="84" name="Google Shape;84;g24731766469_0_0:notes"/>
-          <p:cNvSpPr/>
+          <p:cNvSpPr>
+            <a:spLocks noGrp="1" noRot="1" noChangeAspect="1"/>
+          </p:cNvSpPr>
           <p:nvPr>
-            <p:ph idx="2" type="sldImg"/>
+            <p:ph type="sldImg" idx="2"/>
           </p:nvPr>
         </p:nvSpPr>
         <p:spPr>
@@ -2021,9 +2103,13 @@
             <a:ext cx="6096000" cy="3429000"/>
           </a:xfrm>
           <a:custGeom>
-            <a:rect b="b" l="l" r="r" t="t"/>
+            <a:avLst/>
+            <a:gdLst/>
+            <a:ahLst/>
+            <a:cxnLst/>
+            <a:rect l="l" t="t" r="r" b="b"/>
             <a:pathLst>
-              <a:path extrusionOk="0" h="120000" w="120000">
+              <a:path w="120000" h="120000" extrusionOk="0">
                 <a:moveTo>
                   <a:pt x="0" y="0"/>
                 </a:moveTo>
@@ -2045,9 +2131,11 @@
       <p:sp>
         <p:nvSpPr>
           <p:cNvPr id="85" name="Google Shape;85;g24731766469_0_0:notes"/>
-          <p:cNvSpPr txBox="1"/>
+          <p:cNvSpPr txBox="1">
+            <a:spLocks noGrp="1"/>
+          </p:cNvSpPr>
           <p:nvPr>
-            <p:ph idx="1" type="body"/>
+            <p:ph type="body" idx="1"/>
           </p:nvPr>
         </p:nvSpPr>
         <p:spPr>
@@ -2060,23 +2148,20 @@
           </a:prstGeom>
         </p:spPr>
         <p:txBody>
-          <a:bodyPr anchorCtr="0" anchor="t" bIns="91425" lIns="91425" spcFirstLastPara="1" rIns="91425" wrap="square" tIns="91425">
+          <a:bodyPr spcFirstLastPara="1" wrap="square" lIns="91425" tIns="91425" rIns="91425" bIns="91425" anchor="t" anchorCtr="0">
             <a:noAutofit/>
           </a:bodyPr>
           <a:lstStyle/>
           <a:p>
-            <a:pPr indent="0" lvl="0" marL="0" rtl="0" algn="l">
-              <a:spcBef>
-                <a:spcPts val="0"/>
-              </a:spcBef>
-              <a:spcAft>
-                <a:spcPts val="0"/>
-              </a:spcAft>
-              <a:buNone/>
-            </a:pPr>
-            <a:r>
-              <a:t/>
-            </a:r>
+            <a:pPr marL="0" lvl="0" indent="0" algn="l" rtl="0">
+              <a:spcBef>
+                <a:spcPts val="0"/>
+              </a:spcBef>
+              <a:spcAft>
+                <a:spcPts val="0"/>
+              </a:spcAft>
+              <a:buNone/>
+            </a:pPr>
             <a:endParaRPr/>
           </a:p>
         </p:txBody>
@@ -2090,11 +2175,11 @@
 </file>
 
 <file path=ppt/notesSlides/notesSlide6.xml><?xml version="1.0" encoding="utf-8"?>
-<p:notes xmlns:a="http://schemas.openxmlformats.org/drawingml/2006/main" xmlns:r="http://schemas.openxmlformats.org/officeDocument/2006/relationships" xmlns:mc="http://schemas.openxmlformats.org/markup-compatibility/2006" xmlns:mv="urn:schemas-microsoft-com:mac:vml" xmlns:p="http://schemas.openxmlformats.org/presentationml/2006/main" xmlns:c="http://schemas.openxmlformats.org/drawingml/2006/chart" xmlns:dgm="http://schemas.openxmlformats.org/drawingml/2006/diagram" xmlns:o="urn:schemas-microsoft-com:office:office" xmlns:v="urn:schemas-microsoft-com:vml" xmlns:pvml="urn:schemas-microsoft-com:office:powerpoint" xmlns:com="http://schemas.openxmlformats.org/drawingml/2006/compatibility" xmlns:p14="http://schemas.microsoft.com/office/powerpoint/2010/main" xmlns:p15="http://schemas.microsoft.com/office/powerpoint/2012/main" xmlns:ahyp="http://schemas.microsoft.com/office/drawing/2018/hyperlinkcolor" showMasterPhAnim="0" showMasterSp="0">
+<p:notes xmlns:a="http://schemas.openxmlformats.org/drawingml/2006/main" xmlns:r="http://schemas.openxmlformats.org/officeDocument/2006/relationships" xmlns:p="http://schemas.openxmlformats.org/presentationml/2006/main" showMasterSp="0" showMasterPhAnim="0">
   <p:cSld>
     <p:spTree>
       <p:nvGrpSpPr>
-        <p:cNvPr id="93" name="Shape 93"/>
+        <p:cNvPr id="1" name="Shape 93"/>
         <p:cNvGrpSpPr/>
         <p:nvPr/>
       </p:nvGrpSpPr>
@@ -2109,9 +2194,11 @@
       <p:sp>
         <p:nvSpPr>
           <p:cNvPr id="94" name="Google Shape;94;g24dd013e221_0_22:notes"/>
-          <p:cNvSpPr/>
+          <p:cNvSpPr>
+            <a:spLocks noGrp="1" noRot="1" noChangeAspect="1"/>
+          </p:cNvSpPr>
           <p:nvPr>
-            <p:ph idx="2" type="sldImg"/>
+            <p:ph type="sldImg" idx="2"/>
           </p:nvPr>
         </p:nvSpPr>
         <p:spPr>
@@ -2120,9 +2207,13 @@
             <a:ext cx="6096000" cy="3429000"/>
           </a:xfrm>
           <a:custGeom>
-            <a:rect b="b" l="l" r="r" t="t"/>
+            <a:avLst/>
+            <a:gdLst/>
+            <a:ahLst/>
+            <a:cxnLst/>
+            <a:rect l="l" t="t" r="r" b="b"/>
             <a:pathLst>
-              <a:path extrusionOk="0" h="120000" w="120000">
+              <a:path w="120000" h="120000" extrusionOk="0">
                 <a:moveTo>
                   <a:pt x="0" y="0"/>
                 </a:moveTo>
@@ -2144,9 +2235,11 @@
       <p:sp>
         <p:nvSpPr>
           <p:cNvPr id="95" name="Google Shape;95;g24dd013e221_0_22:notes"/>
-          <p:cNvSpPr txBox="1"/>
+          <p:cNvSpPr txBox="1">
+            <a:spLocks noGrp="1"/>
+          </p:cNvSpPr>
           <p:nvPr>
-            <p:ph idx="1" type="body"/>
+            <p:ph type="body" idx="1"/>
           </p:nvPr>
         </p:nvSpPr>
         <p:spPr>
@@ -2159,23 +2252,20 @@
           </a:prstGeom>
         </p:spPr>
         <p:txBody>
-          <a:bodyPr anchorCtr="0" anchor="t" bIns="91425" lIns="91425" spcFirstLastPara="1" rIns="91425" wrap="square" tIns="91425">
+          <a:bodyPr spcFirstLastPara="1" wrap="square" lIns="91425" tIns="91425" rIns="91425" bIns="91425" anchor="t" anchorCtr="0">
             <a:noAutofit/>
           </a:bodyPr>
           <a:lstStyle/>
           <a:p>
-            <a:pPr indent="0" lvl="0" marL="0" rtl="0" algn="l">
-              <a:spcBef>
-                <a:spcPts val="0"/>
-              </a:spcBef>
-              <a:spcAft>
-                <a:spcPts val="0"/>
-              </a:spcAft>
-              <a:buNone/>
-            </a:pPr>
-            <a:r>
-              <a:t/>
-            </a:r>
+            <a:pPr marL="0" lvl="0" indent="0" algn="l" rtl="0">
+              <a:spcBef>
+                <a:spcPts val="0"/>
+              </a:spcBef>
+              <a:spcAft>
+                <a:spcPts val="0"/>
+              </a:spcAft>
+              <a:buNone/>
+            </a:pPr>
             <a:endParaRPr/>
           </a:p>
         </p:txBody>
@@ -2189,11 +2279,11 @@
 </file>
 
 <file path=ppt/notesSlides/notesSlide7.xml><?xml version="1.0" encoding="utf-8"?>
-<p:notes xmlns:a="http://schemas.openxmlformats.org/drawingml/2006/main" xmlns:r="http://schemas.openxmlformats.org/officeDocument/2006/relationships" xmlns:mc="http://schemas.openxmlformats.org/markup-compatibility/2006" xmlns:mv="urn:schemas-microsoft-com:mac:vml" xmlns:p="http://schemas.openxmlformats.org/presentationml/2006/main" xmlns:c="http://schemas.openxmlformats.org/drawingml/2006/chart" xmlns:dgm="http://schemas.openxmlformats.org/drawingml/2006/diagram" xmlns:o="urn:schemas-microsoft-com:office:office" xmlns:v="urn:schemas-microsoft-com:vml" xmlns:pvml="urn:schemas-microsoft-com:office:powerpoint" xmlns:com="http://schemas.openxmlformats.org/drawingml/2006/compatibility" xmlns:p14="http://schemas.microsoft.com/office/powerpoint/2010/main" xmlns:p15="http://schemas.microsoft.com/office/powerpoint/2012/main" xmlns:ahyp="http://schemas.microsoft.com/office/drawing/2018/hyperlinkcolor" showMasterPhAnim="0" showMasterSp="0">
+<p:notes xmlns:a="http://schemas.openxmlformats.org/drawingml/2006/main" xmlns:r="http://schemas.openxmlformats.org/officeDocument/2006/relationships" xmlns:p="http://schemas.openxmlformats.org/presentationml/2006/main" showMasterSp="0" showMasterPhAnim="0">
   <p:cSld>
     <p:spTree>
       <p:nvGrpSpPr>
-        <p:cNvPr id="101" name="Shape 101"/>
+        <p:cNvPr id="1" name="Shape 101"/>
         <p:cNvGrpSpPr/>
         <p:nvPr/>
       </p:nvGrpSpPr>
@@ -2208,9 +2298,11 @@
       <p:sp>
         <p:nvSpPr>
           <p:cNvPr id="102" name="Google Shape;102;g24dd013e221_0_88:notes"/>
-          <p:cNvSpPr/>
+          <p:cNvSpPr>
+            <a:spLocks noGrp="1" noRot="1" noChangeAspect="1"/>
+          </p:cNvSpPr>
           <p:nvPr>
-            <p:ph idx="2" type="sldImg"/>
+            <p:ph type="sldImg" idx="2"/>
           </p:nvPr>
         </p:nvSpPr>
         <p:spPr>
@@ -2219,9 +2311,13 @@
             <a:ext cx="6096000" cy="3429000"/>
           </a:xfrm>
           <a:custGeom>
-            <a:rect b="b" l="l" r="r" t="t"/>
+            <a:avLst/>
+            <a:gdLst/>
+            <a:ahLst/>
+            <a:cxnLst/>
+            <a:rect l="l" t="t" r="r" b="b"/>
             <a:pathLst>
-              <a:path extrusionOk="0" h="120000" w="120000">
+              <a:path w="120000" h="120000" extrusionOk="0">
                 <a:moveTo>
                   <a:pt x="0" y="0"/>
                 </a:moveTo>
@@ -2243,9 +2339,11 @@
       <p:sp>
         <p:nvSpPr>
           <p:cNvPr id="103" name="Google Shape;103;g24dd013e221_0_88:notes"/>
-          <p:cNvSpPr txBox="1"/>
+          <p:cNvSpPr txBox="1">
+            <a:spLocks noGrp="1"/>
+          </p:cNvSpPr>
           <p:nvPr>
-            <p:ph idx="1" type="body"/>
+            <p:ph type="body" idx="1"/>
           </p:nvPr>
         </p:nvSpPr>
         <p:spPr>
@@ -2258,23 +2356,20 @@
           </a:prstGeom>
         </p:spPr>
         <p:txBody>
-          <a:bodyPr anchorCtr="0" anchor="t" bIns="91425" lIns="91425" spcFirstLastPara="1" rIns="91425" wrap="square" tIns="91425">
+          <a:bodyPr spcFirstLastPara="1" wrap="square" lIns="91425" tIns="91425" rIns="91425" bIns="91425" anchor="t" anchorCtr="0">
             <a:noAutofit/>
           </a:bodyPr>
           <a:lstStyle/>
           <a:p>
-            <a:pPr indent="0" lvl="0" marL="0" rtl="0" algn="l">
-              <a:spcBef>
-                <a:spcPts val="0"/>
-              </a:spcBef>
-              <a:spcAft>
-                <a:spcPts val="0"/>
-              </a:spcAft>
-              <a:buNone/>
-            </a:pPr>
-            <a:r>
-              <a:t/>
-            </a:r>
+            <a:pPr marL="0" lvl="0" indent="0" algn="l" rtl="0">
+              <a:spcBef>
+                <a:spcPts val="0"/>
+              </a:spcBef>
+              <a:spcAft>
+                <a:spcPts val="0"/>
+              </a:spcAft>
+              <a:buNone/>
+            </a:pPr>
             <a:endParaRPr/>
           </a:p>
         </p:txBody>
@@ -2288,11 +2383,11 @@
 </file>
 
 <file path=ppt/notesSlides/notesSlide8.xml><?xml version="1.0" encoding="utf-8"?>
-<p:notes xmlns:a="http://schemas.openxmlformats.org/drawingml/2006/main" xmlns:r="http://schemas.openxmlformats.org/officeDocument/2006/relationships" xmlns:mc="http://schemas.openxmlformats.org/markup-compatibility/2006" xmlns:mv="urn:schemas-microsoft-com:mac:vml" xmlns:p="http://schemas.openxmlformats.org/presentationml/2006/main" xmlns:c="http://schemas.openxmlformats.org/drawingml/2006/chart" xmlns:dgm="http://schemas.openxmlformats.org/drawingml/2006/diagram" xmlns:o="urn:schemas-microsoft-com:office:office" xmlns:v="urn:schemas-microsoft-com:vml" xmlns:pvml="urn:schemas-microsoft-com:office:powerpoint" xmlns:com="http://schemas.openxmlformats.org/drawingml/2006/compatibility" xmlns:p14="http://schemas.microsoft.com/office/powerpoint/2010/main" xmlns:p15="http://schemas.microsoft.com/office/powerpoint/2012/main" xmlns:ahyp="http://schemas.microsoft.com/office/drawing/2018/hyperlinkcolor" showMasterPhAnim="0" showMasterSp="0">
+<p:notes xmlns:a="http://schemas.openxmlformats.org/drawingml/2006/main" xmlns:r="http://schemas.openxmlformats.org/officeDocument/2006/relationships" xmlns:p="http://schemas.openxmlformats.org/presentationml/2006/main" showMasterSp="0" showMasterPhAnim="0">
   <p:cSld>
     <p:spTree>
       <p:nvGrpSpPr>
-        <p:cNvPr id="110" name="Shape 110"/>
+        <p:cNvPr id="1" name="Shape 110"/>
         <p:cNvGrpSpPr/>
         <p:nvPr/>
       </p:nvGrpSpPr>
@@ -2307,9 +2402,11 @@
       <p:sp>
         <p:nvSpPr>
           <p:cNvPr id="111" name="Google Shape;111;g24731766469_0_8:notes"/>
-          <p:cNvSpPr/>
+          <p:cNvSpPr>
+            <a:spLocks noGrp="1" noRot="1" noChangeAspect="1"/>
+          </p:cNvSpPr>
           <p:nvPr>
-            <p:ph idx="2" type="sldImg"/>
+            <p:ph type="sldImg" idx="2"/>
           </p:nvPr>
         </p:nvSpPr>
         <p:spPr>
@@ -2318,9 +2415,13 @@
             <a:ext cx="6096000" cy="3429000"/>
           </a:xfrm>
           <a:custGeom>
-            <a:rect b="b" l="l" r="r" t="t"/>
+            <a:avLst/>
+            <a:gdLst/>
+            <a:ahLst/>
+            <a:cxnLst/>
+            <a:rect l="l" t="t" r="r" b="b"/>
             <a:pathLst>
-              <a:path extrusionOk="0" h="120000" w="120000">
+              <a:path w="120000" h="120000" extrusionOk="0">
                 <a:moveTo>
                   <a:pt x="0" y="0"/>
                 </a:moveTo>
@@ -2342,9 +2443,11 @@
       <p:sp>
         <p:nvSpPr>
           <p:cNvPr id="112" name="Google Shape;112;g24731766469_0_8:notes"/>
-          <p:cNvSpPr txBox="1"/>
+          <p:cNvSpPr txBox="1">
+            <a:spLocks noGrp="1"/>
+          </p:cNvSpPr>
           <p:nvPr>
-            <p:ph idx="1" type="body"/>
+            <p:ph type="body" idx="1"/>
           </p:nvPr>
         </p:nvSpPr>
         <p:spPr>
@@ -2357,23 +2460,20 @@
           </a:prstGeom>
         </p:spPr>
         <p:txBody>
-          <a:bodyPr anchorCtr="0" anchor="t" bIns="91425" lIns="91425" spcFirstLastPara="1" rIns="91425" wrap="square" tIns="91425">
+          <a:bodyPr spcFirstLastPara="1" wrap="square" lIns="91425" tIns="91425" rIns="91425" bIns="91425" anchor="t" anchorCtr="0">
             <a:noAutofit/>
           </a:bodyPr>
           <a:lstStyle/>
           <a:p>
-            <a:pPr indent="0" lvl="0" marL="0" rtl="0" algn="l">
-              <a:spcBef>
-                <a:spcPts val="0"/>
-              </a:spcBef>
-              <a:spcAft>
-                <a:spcPts val="0"/>
-              </a:spcAft>
-              <a:buNone/>
-            </a:pPr>
-            <a:r>
-              <a:t/>
-            </a:r>
+            <a:pPr marL="0" lvl="0" indent="0" algn="l" rtl="0">
+              <a:spcBef>
+                <a:spcPts val="0"/>
+              </a:spcBef>
+              <a:spcAft>
+                <a:spcPts val="0"/>
+              </a:spcAft>
+              <a:buNone/>
+            </a:pPr>
             <a:endParaRPr/>
           </a:p>
         </p:txBody>
@@ -2387,11 +2487,11 @@
 </file>
 
 <file path=ppt/notesSlides/notesSlide9.xml><?xml version="1.0" encoding="utf-8"?>
-<p:notes xmlns:a="http://schemas.openxmlformats.org/drawingml/2006/main" xmlns:r="http://schemas.openxmlformats.org/officeDocument/2006/relationships" xmlns:mc="http://schemas.openxmlformats.org/markup-compatibility/2006" xmlns:mv="urn:schemas-microsoft-com:mac:vml" xmlns:p="http://schemas.openxmlformats.org/presentationml/2006/main" xmlns:c="http://schemas.openxmlformats.org/drawingml/2006/chart" xmlns:dgm="http://schemas.openxmlformats.org/drawingml/2006/diagram" xmlns:o="urn:schemas-microsoft-com:office:office" xmlns:v="urn:schemas-microsoft-com:vml" xmlns:pvml="urn:schemas-microsoft-com:office:powerpoint" xmlns:com="http://schemas.openxmlformats.org/drawingml/2006/compatibility" xmlns:p14="http://schemas.microsoft.com/office/powerpoint/2010/main" xmlns:p15="http://schemas.microsoft.com/office/powerpoint/2012/main" xmlns:ahyp="http://schemas.microsoft.com/office/drawing/2018/hyperlinkcolor" showMasterPhAnim="0" showMasterSp="0">
+<p:notes xmlns:a="http://schemas.openxmlformats.org/drawingml/2006/main" xmlns:r="http://schemas.openxmlformats.org/officeDocument/2006/relationships" xmlns:p="http://schemas.openxmlformats.org/presentationml/2006/main" showMasterSp="0" showMasterPhAnim="0">
   <p:cSld>
     <p:spTree>
       <p:nvGrpSpPr>
-        <p:cNvPr id="120" name="Shape 120"/>
+        <p:cNvPr id="1" name="Shape 120"/>
         <p:cNvGrpSpPr/>
         <p:nvPr/>
       </p:nvGrpSpPr>
@@ -2406,9 +2506,11 @@
       <p:sp>
         <p:nvSpPr>
           <p:cNvPr id="121" name="Google Shape;121;g24dd013e221_0_96:notes"/>
-          <p:cNvSpPr/>
+          <p:cNvSpPr>
+            <a:spLocks noGrp="1" noRot="1" noChangeAspect="1"/>
+          </p:cNvSpPr>
           <p:nvPr>
-            <p:ph idx="2" type="sldImg"/>
+            <p:ph type="sldImg" idx="2"/>
           </p:nvPr>
         </p:nvSpPr>
         <p:spPr>
@@ -2417,9 +2519,13 @@
             <a:ext cx="6096000" cy="3429000"/>
           </a:xfrm>
           <a:custGeom>
-            <a:rect b="b" l="l" r="r" t="t"/>
+            <a:avLst/>
+            <a:gdLst/>
+            <a:ahLst/>
+            <a:cxnLst/>
+            <a:rect l="l" t="t" r="r" b="b"/>
             <a:pathLst>
-              <a:path extrusionOk="0" h="120000" w="120000">
+              <a:path w="120000" h="120000" extrusionOk="0">
                 <a:moveTo>
                   <a:pt x="0" y="0"/>
                 </a:moveTo>
@@ -2441,9 +2547,11 @@
       <p:sp>
         <p:nvSpPr>
           <p:cNvPr id="122" name="Google Shape;122;g24dd013e221_0_96:notes"/>
-          <p:cNvSpPr txBox="1"/>
+          <p:cNvSpPr txBox="1">
+            <a:spLocks noGrp="1"/>
+          </p:cNvSpPr>
           <p:nvPr>
-            <p:ph idx="1" type="body"/>
+            <p:ph type="body" idx="1"/>
           </p:nvPr>
         </p:nvSpPr>
         <p:spPr>
@@ -2456,23 +2564,20 @@
           </a:prstGeom>
         </p:spPr>
         <p:txBody>
-          <a:bodyPr anchorCtr="0" anchor="t" bIns="91425" lIns="91425" spcFirstLastPara="1" rIns="91425" wrap="square" tIns="91425">
+          <a:bodyPr spcFirstLastPara="1" wrap="square" lIns="91425" tIns="91425" rIns="91425" bIns="91425" anchor="t" anchorCtr="0">
             <a:noAutofit/>
           </a:bodyPr>
           <a:lstStyle/>
           <a:p>
-            <a:pPr indent="0" lvl="0" marL="0" rtl="0" algn="l">
-              <a:spcBef>
-                <a:spcPts val="0"/>
-              </a:spcBef>
-              <a:spcAft>
-                <a:spcPts val="0"/>
-              </a:spcAft>
-              <a:buNone/>
-            </a:pPr>
-            <a:r>
-              <a:t/>
-            </a:r>
+            <a:pPr marL="0" lvl="0" indent="0" algn="l" rtl="0">
+              <a:spcBef>
+                <a:spcPts val="0"/>
+              </a:spcBef>
+              <a:spcAft>
+                <a:spcPts val="0"/>
+              </a:spcAft>
+              <a:buNone/>
+            </a:pPr>
             <a:endParaRPr/>
           </a:p>
         </p:txBody>
@@ -2486,11 +2591,11 @@
 </file>
 
 <file path=ppt/slideLayouts/slideLayout1.xml><?xml version="1.0" encoding="utf-8"?>
-<p:sldLayout xmlns:a="http://schemas.openxmlformats.org/drawingml/2006/main" xmlns:r="http://schemas.openxmlformats.org/officeDocument/2006/relationships" xmlns:mc="http://schemas.openxmlformats.org/markup-compatibility/2006" xmlns:mv="urn:schemas-microsoft-com:mac:vml" xmlns:p="http://schemas.openxmlformats.org/presentationml/2006/main" xmlns:c="http://schemas.openxmlformats.org/drawingml/2006/chart" xmlns:dgm="http://schemas.openxmlformats.org/drawingml/2006/diagram" xmlns:o="urn:schemas-microsoft-com:office:office" xmlns:v="urn:schemas-microsoft-com:vml" xmlns:pvml="urn:schemas-microsoft-com:office:powerpoint" xmlns:com="http://schemas.openxmlformats.org/drawingml/2006/compatibility" xmlns:p14="http://schemas.microsoft.com/office/powerpoint/2010/main" xmlns:p15="http://schemas.microsoft.com/office/powerpoint/2012/main" xmlns:ahyp="http://schemas.microsoft.com/office/drawing/2018/hyperlinkcolor" matchingName="Title slide" type="title">
+<p:sldLayout xmlns:a="http://schemas.openxmlformats.org/drawingml/2006/main" xmlns:r="http://schemas.openxmlformats.org/officeDocument/2006/relationships" xmlns:p="http://schemas.openxmlformats.org/presentationml/2006/main" matchingName="Title slide" type="title">
   <p:cSld name="TITLE">
     <p:spTree>
       <p:nvGrpSpPr>
-        <p:cNvPr id="9" name="Shape 9"/>
+        <p:cNvPr id="1" name="Shape 9"/>
         <p:cNvGrpSpPr/>
         <p:nvPr/>
       </p:nvGrpSpPr>
@@ -2505,7 +2610,9 @@
       <p:sp>
         <p:nvSpPr>
           <p:cNvPr id="10" name="Google Shape;10;p2"/>
-          <p:cNvSpPr txBox="1"/>
+          <p:cNvSpPr txBox="1">
+            <a:spLocks noGrp="1"/>
+          </p:cNvSpPr>
           <p:nvPr>
             <p:ph type="ctrTitle"/>
           </p:nvPr>
@@ -2520,7 +2627,7 @@
           </a:prstGeom>
         </p:spPr>
         <p:txBody>
-          <a:bodyPr anchorCtr="0" anchor="b" bIns="91425" lIns="91425" spcFirstLastPara="1" rIns="91425" wrap="square" tIns="91425">
+          <a:bodyPr spcFirstLastPara="1" wrap="square" lIns="91425" tIns="91425" rIns="91425" bIns="91425" anchor="b" anchorCtr="0">
             <a:normAutofit/>
           </a:bodyPr>
           <a:lstStyle>
@@ -2624,15 +2731,19 @@
               <a:defRPr sz="5200"/>
             </a:lvl9pPr>
           </a:lstStyle>
-          <a:p/>
+          <a:p>
+            <a:endParaRPr/>
+          </a:p>
         </p:txBody>
       </p:sp>
       <p:sp>
         <p:nvSpPr>
           <p:cNvPr id="11" name="Google Shape;11;p2"/>
-          <p:cNvSpPr txBox="1"/>
+          <p:cNvSpPr txBox="1">
+            <a:spLocks noGrp="1"/>
+          </p:cNvSpPr>
           <p:nvPr>
-            <p:ph idx="1" type="subTitle"/>
+            <p:ph type="subTitle" idx="1"/>
           </p:nvPr>
         </p:nvSpPr>
         <p:spPr>
@@ -2645,7 +2756,7 @@
           </a:prstGeom>
         </p:spPr>
         <p:txBody>
-          <a:bodyPr anchorCtr="0" anchor="t" bIns="91425" lIns="91425" spcFirstLastPara="1" rIns="91425" wrap="square" tIns="91425">
+          <a:bodyPr spcFirstLastPara="1" wrap="square" lIns="91425" tIns="91425" rIns="91425" bIns="91425" anchor="t" anchorCtr="0">
             <a:normAutofit/>
           </a:bodyPr>
           <a:lstStyle>
@@ -2776,15 +2887,19 @@
               <a:defRPr sz="2800"/>
             </a:lvl9pPr>
           </a:lstStyle>
-          <a:p/>
+          <a:p>
+            <a:endParaRPr/>
+          </a:p>
         </p:txBody>
       </p:sp>
       <p:sp>
         <p:nvSpPr>
           <p:cNvPr id="12" name="Google Shape;12;p2"/>
-          <p:cNvSpPr txBox="1"/>
+          <p:cNvSpPr txBox="1">
+            <a:spLocks noGrp="1"/>
+          </p:cNvSpPr>
           <p:nvPr>
-            <p:ph idx="12" type="sldNum"/>
+            <p:ph type="sldNum" idx="12"/>
           </p:nvPr>
         </p:nvSpPr>
         <p:spPr>
@@ -2797,7 +2912,7 @@
           </a:prstGeom>
         </p:spPr>
         <p:txBody>
-          <a:bodyPr anchorCtr="0" anchor="ctr" bIns="91425" lIns="91425" spcFirstLastPara="1" rIns="91425" wrap="square" tIns="91425">
+          <a:bodyPr spcFirstLastPara="1" wrap="square" lIns="91425" tIns="91425" rIns="91425" bIns="91425" anchor="ctr" anchorCtr="0">
             <a:normAutofit/>
           </a:bodyPr>
           <a:lstStyle>
@@ -2839,7 +2954,7 @@
             </a:lvl9pPr>
           </a:lstStyle>
           <a:p>
-            <a:pPr indent="0" lvl="0" marL="0" rtl="0" algn="r">
+            <a:pPr marL="0" lvl="0" indent="0" algn="r" rtl="0">
               <a:spcBef>
                 <a:spcPts val="0"/>
               </a:spcBef>
@@ -2865,11 +2980,11 @@
 </file>
 
 <file path=ppt/slideLayouts/slideLayout10.xml><?xml version="1.0" encoding="utf-8"?>
-<p:sldLayout xmlns:a="http://schemas.openxmlformats.org/drawingml/2006/main" xmlns:r="http://schemas.openxmlformats.org/officeDocument/2006/relationships" xmlns:mc="http://schemas.openxmlformats.org/markup-compatibility/2006" xmlns:mv="urn:schemas-microsoft-com:mac:vml" xmlns:p="http://schemas.openxmlformats.org/presentationml/2006/main" xmlns:c="http://schemas.openxmlformats.org/drawingml/2006/chart" xmlns:dgm="http://schemas.openxmlformats.org/drawingml/2006/diagram" xmlns:o="urn:schemas-microsoft-com:office:office" xmlns:v="urn:schemas-microsoft-com:vml" xmlns:pvml="urn:schemas-microsoft-com:office:powerpoint" xmlns:com="http://schemas.openxmlformats.org/drawingml/2006/compatibility" xmlns:p14="http://schemas.microsoft.com/office/powerpoint/2010/main" xmlns:p15="http://schemas.microsoft.com/office/powerpoint/2012/main" xmlns:ahyp="http://schemas.microsoft.com/office/drawing/2018/hyperlinkcolor" matchingName="Big number">
+<p:sldLayout xmlns:a="http://schemas.openxmlformats.org/drawingml/2006/main" xmlns:r="http://schemas.openxmlformats.org/officeDocument/2006/relationships" xmlns:p="http://schemas.openxmlformats.org/presentationml/2006/main" matchingName="Big number">
   <p:cSld name="BIG_NUMBER">
     <p:spTree>
       <p:nvGrpSpPr>
-        <p:cNvPr id="44" name="Shape 44"/>
+        <p:cNvPr id="1" name="Shape 44"/>
         <p:cNvGrpSpPr/>
         <p:nvPr/>
       </p:nvGrpSpPr>
@@ -2884,9 +2999,11 @@
       <p:sp>
         <p:nvSpPr>
           <p:cNvPr id="45" name="Google Shape;45;p11"/>
-          <p:cNvSpPr txBox="1"/>
+          <p:cNvSpPr txBox="1">
+            <a:spLocks noGrp="1"/>
+          </p:cNvSpPr>
           <p:nvPr>
-            <p:ph hasCustomPrompt="1" type="title"/>
+            <p:ph type="title" hasCustomPrompt="1"/>
           </p:nvPr>
         </p:nvSpPr>
         <p:spPr>
@@ -2899,7 +3016,7 @@
           </a:prstGeom>
         </p:spPr>
         <p:txBody>
-          <a:bodyPr anchorCtr="0" anchor="b" bIns="91425" lIns="91425" spcFirstLastPara="1" rIns="91425" wrap="square" tIns="91425">
+          <a:bodyPr spcFirstLastPara="1" wrap="square" lIns="91425" tIns="91425" rIns="91425" bIns="91425" anchor="b" anchorCtr="0">
             <a:normAutofit/>
           </a:bodyPr>
           <a:lstStyle>
@@ -3013,9 +3130,11 @@
       <p:sp>
         <p:nvSpPr>
           <p:cNvPr id="46" name="Google Shape;46;p11"/>
-          <p:cNvSpPr txBox="1"/>
+          <p:cNvSpPr txBox="1">
+            <a:spLocks noGrp="1"/>
+          </p:cNvSpPr>
           <p:nvPr>
-            <p:ph idx="1" type="body"/>
+            <p:ph type="body" idx="1"/>
           </p:nvPr>
         </p:nvSpPr>
         <p:spPr>
@@ -3028,11 +3147,11 @@
           </a:prstGeom>
         </p:spPr>
         <p:txBody>
-          <a:bodyPr anchorCtr="0" anchor="t" bIns="91425" lIns="91425" spcFirstLastPara="1" rIns="91425" wrap="square" tIns="91425">
+          <a:bodyPr spcFirstLastPara="1" wrap="square" lIns="91425" tIns="91425" rIns="91425" bIns="91425" anchor="t" anchorCtr="0">
             <a:normAutofit/>
           </a:bodyPr>
           <a:lstStyle>
-            <a:lvl1pPr indent="-342900" lvl="0" marL="457200" algn="ctr">
+            <a:lvl1pPr marL="457200" lvl="0" indent="-342900" algn="ctr">
               <a:spcBef>
                 <a:spcPts val="0"/>
               </a:spcBef>
@@ -3043,7 +3162,7 @@
               <a:buChar char="●"/>
               <a:defRPr/>
             </a:lvl1pPr>
-            <a:lvl2pPr indent="-317500" lvl="1" marL="914400" algn="ctr">
+            <a:lvl2pPr marL="914400" lvl="1" indent="-317500" algn="ctr">
               <a:spcBef>
                 <a:spcPts val="0"/>
               </a:spcBef>
@@ -3054,7 +3173,7 @@
               <a:buChar char="○"/>
               <a:defRPr/>
             </a:lvl2pPr>
-            <a:lvl3pPr indent="-317500" lvl="2" marL="1371600" algn="ctr">
+            <a:lvl3pPr marL="1371600" lvl="2" indent="-317500" algn="ctr">
               <a:spcBef>
                 <a:spcPts val="0"/>
               </a:spcBef>
@@ -3065,7 +3184,7 @@
               <a:buChar char="■"/>
               <a:defRPr/>
             </a:lvl3pPr>
-            <a:lvl4pPr indent="-317500" lvl="3" marL="1828800" algn="ctr">
+            <a:lvl4pPr marL="1828800" lvl="3" indent="-317500" algn="ctr">
               <a:spcBef>
                 <a:spcPts val="0"/>
               </a:spcBef>
@@ -3076,7 +3195,7 @@
               <a:buChar char="●"/>
               <a:defRPr/>
             </a:lvl4pPr>
-            <a:lvl5pPr indent="-317500" lvl="4" marL="2286000" algn="ctr">
+            <a:lvl5pPr marL="2286000" lvl="4" indent="-317500" algn="ctr">
               <a:spcBef>
                 <a:spcPts val="0"/>
               </a:spcBef>
@@ -3087,7 +3206,7 @@
               <a:buChar char="○"/>
               <a:defRPr/>
             </a:lvl5pPr>
-            <a:lvl6pPr indent="-317500" lvl="5" marL="2743200" algn="ctr">
+            <a:lvl6pPr marL="2743200" lvl="5" indent="-317500" algn="ctr">
               <a:spcBef>
                 <a:spcPts val="0"/>
               </a:spcBef>
@@ -3098,7 +3217,7 @@
               <a:buChar char="■"/>
               <a:defRPr/>
             </a:lvl6pPr>
-            <a:lvl7pPr indent="-317500" lvl="6" marL="3200400" algn="ctr">
+            <a:lvl7pPr marL="3200400" lvl="6" indent="-317500" algn="ctr">
               <a:spcBef>
                 <a:spcPts val="0"/>
               </a:spcBef>
@@ -3109,7 +3228,7 @@
               <a:buChar char="●"/>
               <a:defRPr/>
             </a:lvl7pPr>
-            <a:lvl8pPr indent="-317500" lvl="7" marL="3657600" algn="ctr">
+            <a:lvl8pPr marL="3657600" lvl="7" indent="-317500" algn="ctr">
               <a:spcBef>
                 <a:spcPts val="0"/>
               </a:spcBef>
@@ -3120,7 +3239,7 @@
               <a:buChar char="○"/>
               <a:defRPr/>
             </a:lvl8pPr>
-            <a:lvl9pPr indent="-317500" lvl="8" marL="4114800" algn="ctr">
+            <a:lvl9pPr marL="4114800" lvl="8" indent="-317500" algn="ctr">
               <a:spcBef>
                 <a:spcPts val="0"/>
               </a:spcBef>
@@ -3132,15 +3251,19 @@
               <a:defRPr/>
             </a:lvl9pPr>
           </a:lstStyle>
-          <a:p/>
+          <a:p>
+            <a:endParaRPr/>
+          </a:p>
         </p:txBody>
       </p:sp>
       <p:sp>
         <p:nvSpPr>
           <p:cNvPr id="47" name="Google Shape;47;p11"/>
-          <p:cNvSpPr txBox="1"/>
+          <p:cNvSpPr txBox="1">
+            <a:spLocks noGrp="1"/>
+          </p:cNvSpPr>
           <p:nvPr>
-            <p:ph idx="12" type="sldNum"/>
+            <p:ph type="sldNum" idx="12"/>
           </p:nvPr>
         </p:nvSpPr>
         <p:spPr>
@@ -3153,7 +3276,7 @@
           </a:prstGeom>
         </p:spPr>
         <p:txBody>
-          <a:bodyPr anchorCtr="0" anchor="ctr" bIns="91425" lIns="91425" spcFirstLastPara="1" rIns="91425" wrap="square" tIns="91425">
+          <a:bodyPr spcFirstLastPara="1" wrap="square" lIns="91425" tIns="91425" rIns="91425" bIns="91425" anchor="ctr" anchorCtr="0">
             <a:normAutofit/>
           </a:bodyPr>
           <a:lstStyle>
@@ -3195,7 +3318,7 @@
             </a:lvl9pPr>
           </a:lstStyle>
           <a:p>
-            <a:pPr indent="0" lvl="0" marL="0" rtl="0" algn="r">
+            <a:pPr marL="0" lvl="0" indent="0" algn="r" rtl="0">
               <a:spcBef>
                 <a:spcPts val="0"/>
               </a:spcBef>
@@ -3221,11 +3344,11 @@
 </file>
 
 <file path=ppt/slideLayouts/slideLayout11.xml><?xml version="1.0" encoding="utf-8"?>
-<p:sldLayout xmlns:a="http://schemas.openxmlformats.org/drawingml/2006/main" xmlns:r="http://schemas.openxmlformats.org/officeDocument/2006/relationships" xmlns:mc="http://schemas.openxmlformats.org/markup-compatibility/2006" xmlns:mv="urn:schemas-microsoft-com:mac:vml" xmlns:p="http://schemas.openxmlformats.org/presentationml/2006/main" xmlns:c="http://schemas.openxmlformats.org/drawingml/2006/chart" xmlns:dgm="http://schemas.openxmlformats.org/drawingml/2006/diagram" xmlns:o="urn:schemas-microsoft-com:office:office" xmlns:v="urn:schemas-microsoft-com:vml" xmlns:pvml="urn:schemas-microsoft-com:office:powerpoint" xmlns:com="http://schemas.openxmlformats.org/drawingml/2006/compatibility" xmlns:p14="http://schemas.microsoft.com/office/powerpoint/2010/main" xmlns:p15="http://schemas.microsoft.com/office/powerpoint/2012/main" xmlns:ahyp="http://schemas.microsoft.com/office/drawing/2018/hyperlinkcolor" matchingName="Blank" type="blank">
+<p:sldLayout xmlns:a="http://schemas.openxmlformats.org/drawingml/2006/main" xmlns:r="http://schemas.openxmlformats.org/officeDocument/2006/relationships" xmlns:p="http://schemas.openxmlformats.org/presentationml/2006/main" matchingName="Blank" type="blank">
   <p:cSld name="BLANK">
     <p:spTree>
       <p:nvGrpSpPr>
-        <p:cNvPr id="48" name="Shape 48"/>
+        <p:cNvPr id="1" name="Shape 48"/>
         <p:cNvGrpSpPr/>
         <p:nvPr/>
       </p:nvGrpSpPr>
@@ -3240,9 +3363,11 @@
       <p:sp>
         <p:nvSpPr>
           <p:cNvPr id="49" name="Google Shape;49;p12"/>
-          <p:cNvSpPr txBox="1"/>
+          <p:cNvSpPr txBox="1">
+            <a:spLocks noGrp="1"/>
+          </p:cNvSpPr>
           <p:nvPr>
-            <p:ph idx="12" type="sldNum"/>
+            <p:ph type="sldNum" idx="12"/>
           </p:nvPr>
         </p:nvSpPr>
         <p:spPr>
@@ -3255,7 +3380,7 @@
           </a:prstGeom>
         </p:spPr>
         <p:txBody>
-          <a:bodyPr anchorCtr="0" anchor="ctr" bIns="91425" lIns="91425" spcFirstLastPara="1" rIns="91425" wrap="square" tIns="91425">
+          <a:bodyPr spcFirstLastPara="1" wrap="square" lIns="91425" tIns="91425" rIns="91425" bIns="91425" anchor="ctr" anchorCtr="0">
             <a:normAutofit/>
           </a:bodyPr>
           <a:lstStyle>
@@ -3297,7 +3422,7 @@
             </a:lvl9pPr>
           </a:lstStyle>
           <a:p>
-            <a:pPr indent="0" lvl="0" marL="0" rtl="0" algn="r">
+            <a:pPr marL="0" lvl="0" indent="0" algn="r" rtl="0">
               <a:spcBef>
                 <a:spcPts val="0"/>
               </a:spcBef>
@@ -3323,11 +3448,11 @@
 </file>
 
 <file path=ppt/slideLayouts/slideLayout2.xml><?xml version="1.0" encoding="utf-8"?>
-<p:sldLayout xmlns:a="http://schemas.openxmlformats.org/drawingml/2006/main" xmlns:r="http://schemas.openxmlformats.org/officeDocument/2006/relationships" xmlns:mc="http://schemas.openxmlformats.org/markup-compatibility/2006" xmlns:mv="urn:schemas-microsoft-com:mac:vml" xmlns:p="http://schemas.openxmlformats.org/presentationml/2006/main" xmlns:c="http://schemas.openxmlformats.org/drawingml/2006/chart" xmlns:dgm="http://schemas.openxmlformats.org/drawingml/2006/diagram" xmlns:o="urn:schemas-microsoft-com:office:office" xmlns:v="urn:schemas-microsoft-com:vml" xmlns:pvml="urn:schemas-microsoft-com:office:powerpoint" xmlns:com="http://schemas.openxmlformats.org/drawingml/2006/compatibility" xmlns:p14="http://schemas.microsoft.com/office/powerpoint/2010/main" xmlns:p15="http://schemas.microsoft.com/office/powerpoint/2012/main" xmlns:ahyp="http://schemas.microsoft.com/office/drawing/2018/hyperlinkcolor" matchingName="Section header" type="secHead">
+<p:sldLayout xmlns:a="http://schemas.openxmlformats.org/drawingml/2006/main" xmlns:r="http://schemas.openxmlformats.org/officeDocument/2006/relationships" xmlns:p="http://schemas.openxmlformats.org/presentationml/2006/main" matchingName="Section header" type="secHead">
   <p:cSld name="SECTION_HEADER">
     <p:spTree>
       <p:nvGrpSpPr>
-        <p:cNvPr id="13" name="Shape 13"/>
+        <p:cNvPr id="1" name="Shape 13"/>
         <p:cNvGrpSpPr/>
         <p:nvPr/>
       </p:nvGrpSpPr>
@@ -3342,7 +3467,9 @@
       <p:sp>
         <p:nvSpPr>
           <p:cNvPr id="14" name="Google Shape;14;p3"/>
-          <p:cNvSpPr txBox="1"/>
+          <p:cNvSpPr txBox="1">
+            <a:spLocks noGrp="1"/>
+          </p:cNvSpPr>
           <p:nvPr>
             <p:ph type="title"/>
           </p:nvPr>
@@ -3357,7 +3484,7 @@
           </a:prstGeom>
         </p:spPr>
         <p:txBody>
-          <a:bodyPr anchorCtr="0" anchor="ctr" bIns="91425" lIns="91425" spcFirstLastPara="1" rIns="91425" wrap="square" tIns="91425">
+          <a:bodyPr spcFirstLastPara="1" wrap="square" lIns="91425" tIns="91425" rIns="91425" bIns="91425" anchor="ctr" anchorCtr="0">
             <a:normAutofit/>
           </a:bodyPr>
           <a:lstStyle>
@@ -3461,15 +3588,19 @@
               <a:defRPr sz="3600"/>
             </a:lvl9pPr>
           </a:lstStyle>
-          <a:p/>
+          <a:p>
+            <a:endParaRPr/>
+          </a:p>
         </p:txBody>
       </p:sp>
       <p:sp>
         <p:nvSpPr>
           <p:cNvPr id="15" name="Google Shape;15;p3"/>
-          <p:cNvSpPr txBox="1"/>
+          <p:cNvSpPr txBox="1">
+            <a:spLocks noGrp="1"/>
+          </p:cNvSpPr>
           <p:nvPr>
-            <p:ph idx="12" type="sldNum"/>
+            <p:ph type="sldNum" idx="12"/>
           </p:nvPr>
         </p:nvSpPr>
         <p:spPr>
@@ -3482,7 +3613,7 @@
           </a:prstGeom>
         </p:spPr>
         <p:txBody>
-          <a:bodyPr anchorCtr="0" anchor="ctr" bIns="91425" lIns="91425" spcFirstLastPara="1" rIns="91425" wrap="square" tIns="91425">
+          <a:bodyPr spcFirstLastPara="1" wrap="square" lIns="91425" tIns="91425" rIns="91425" bIns="91425" anchor="ctr" anchorCtr="0">
             <a:normAutofit/>
           </a:bodyPr>
           <a:lstStyle>
@@ -3524,7 +3655,7 @@
             </a:lvl9pPr>
           </a:lstStyle>
           <a:p>
-            <a:pPr indent="0" lvl="0" marL="0" rtl="0" algn="r">
+            <a:pPr marL="0" lvl="0" indent="0" algn="r" rtl="0">
               <a:spcBef>
                 <a:spcPts val="0"/>
               </a:spcBef>
@@ -3550,11 +3681,11 @@
 </file>
 
 <file path=ppt/slideLayouts/slideLayout3.xml><?xml version="1.0" encoding="utf-8"?>
-<p:sldLayout xmlns:a="http://schemas.openxmlformats.org/drawingml/2006/main" xmlns:r="http://schemas.openxmlformats.org/officeDocument/2006/relationships" xmlns:mc="http://schemas.openxmlformats.org/markup-compatibility/2006" xmlns:mv="urn:schemas-microsoft-com:mac:vml" xmlns:p="http://schemas.openxmlformats.org/presentationml/2006/main" xmlns:c="http://schemas.openxmlformats.org/drawingml/2006/chart" xmlns:dgm="http://schemas.openxmlformats.org/drawingml/2006/diagram" xmlns:o="urn:schemas-microsoft-com:office:office" xmlns:v="urn:schemas-microsoft-com:vml" xmlns:pvml="urn:schemas-microsoft-com:office:powerpoint" xmlns:com="http://schemas.openxmlformats.org/drawingml/2006/compatibility" xmlns:p14="http://schemas.microsoft.com/office/powerpoint/2010/main" xmlns:p15="http://schemas.microsoft.com/office/powerpoint/2012/main" xmlns:ahyp="http://schemas.microsoft.com/office/drawing/2018/hyperlinkcolor" matchingName="Title and body" type="tx">
+<p:sldLayout xmlns:a="http://schemas.openxmlformats.org/drawingml/2006/main" xmlns:r="http://schemas.openxmlformats.org/officeDocument/2006/relationships" xmlns:p="http://schemas.openxmlformats.org/presentationml/2006/main" matchingName="Title and body" type="tx">
   <p:cSld name="TITLE_AND_BODY">
     <p:spTree>
       <p:nvGrpSpPr>
-        <p:cNvPr id="16" name="Shape 16"/>
+        <p:cNvPr id="1" name="Shape 16"/>
         <p:cNvGrpSpPr/>
         <p:nvPr/>
       </p:nvGrpSpPr>
@@ -3569,7 +3700,9 @@
       <p:sp>
         <p:nvSpPr>
           <p:cNvPr id="17" name="Google Shape;17;p4"/>
-          <p:cNvSpPr txBox="1"/>
+          <p:cNvSpPr txBox="1">
+            <a:spLocks noGrp="1"/>
+          </p:cNvSpPr>
           <p:nvPr>
             <p:ph type="title"/>
           </p:nvPr>
@@ -3584,7 +3717,7 @@
           </a:prstGeom>
         </p:spPr>
         <p:txBody>
-          <a:bodyPr anchorCtr="0" anchor="t" bIns="91425" lIns="91425" spcFirstLastPara="1" rIns="91425" wrap="square" tIns="91425">
+          <a:bodyPr spcFirstLastPara="1" wrap="square" lIns="91425" tIns="91425" rIns="91425" bIns="91425" anchor="t" anchorCtr="0">
             <a:normAutofit/>
           </a:bodyPr>
           <a:lstStyle>
@@ -3688,15 +3821,19 @@
               <a:defRPr/>
             </a:lvl9pPr>
           </a:lstStyle>
-          <a:p/>
+          <a:p>
+            <a:endParaRPr/>
+          </a:p>
         </p:txBody>
       </p:sp>
       <p:sp>
         <p:nvSpPr>
           <p:cNvPr id="18" name="Google Shape;18;p4"/>
-          <p:cNvSpPr txBox="1"/>
+          <p:cNvSpPr txBox="1">
+            <a:spLocks noGrp="1"/>
+          </p:cNvSpPr>
           <p:nvPr>
-            <p:ph idx="1" type="body"/>
+            <p:ph type="body" idx="1"/>
           </p:nvPr>
         </p:nvSpPr>
         <p:spPr>
@@ -3709,11 +3846,11 @@
           </a:prstGeom>
         </p:spPr>
         <p:txBody>
-          <a:bodyPr anchorCtr="0" anchor="t" bIns="91425" lIns="91425" spcFirstLastPara="1" rIns="91425" wrap="square" tIns="91425">
+          <a:bodyPr spcFirstLastPara="1" wrap="square" lIns="91425" tIns="91425" rIns="91425" bIns="91425" anchor="t" anchorCtr="0">
             <a:normAutofit/>
           </a:bodyPr>
           <a:lstStyle>
-            <a:lvl1pPr indent="-342900" lvl="0" marL="457200">
+            <a:lvl1pPr marL="457200" lvl="0" indent="-342900">
               <a:spcBef>
                 <a:spcPts val="0"/>
               </a:spcBef>
@@ -3724,7 +3861,7 @@
               <a:buChar char="●"/>
               <a:defRPr/>
             </a:lvl1pPr>
-            <a:lvl2pPr indent="-317500" lvl="1" marL="914400">
+            <a:lvl2pPr marL="914400" lvl="1" indent="-317500">
               <a:spcBef>
                 <a:spcPts val="0"/>
               </a:spcBef>
@@ -3735,7 +3872,7 @@
               <a:buChar char="○"/>
               <a:defRPr/>
             </a:lvl2pPr>
-            <a:lvl3pPr indent="-317500" lvl="2" marL="1371600">
+            <a:lvl3pPr marL="1371600" lvl="2" indent="-317500">
               <a:spcBef>
                 <a:spcPts val="0"/>
               </a:spcBef>
@@ -3746,7 +3883,7 @@
               <a:buChar char="■"/>
               <a:defRPr/>
             </a:lvl3pPr>
-            <a:lvl4pPr indent="-317500" lvl="3" marL="1828800">
+            <a:lvl4pPr marL="1828800" lvl="3" indent="-317500">
               <a:spcBef>
                 <a:spcPts val="0"/>
               </a:spcBef>
@@ -3757,7 +3894,7 @@
               <a:buChar char="●"/>
               <a:defRPr/>
             </a:lvl4pPr>
-            <a:lvl5pPr indent="-317500" lvl="4" marL="2286000">
+            <a:lvl5pPr marL="2286000" lvl="4" indent="-317500">
               <a:spcBef>
                 <a:spcPts val="0"/>
               </a:spcBef>
@@ -3768,7 +3905,7 @@
               <a:buChar char="○"/>
               <a:defRPr/>
             </a:lvl5pPr>
-            <a:lvl6pPr indent="-317500" lvl="5" marL="2743200">
+            <a:lvl6pPr marL="2743200" lvl="5" indent="-317500">
               <a:spcBef>
                 <a:spcPts val="0"/>
               </a:spcBef>
@@ -3779,7 +3916,7 @@
               <a:buChar char="■"/>
               <a:defRPr/>
             </a:lvl6pPr>
-            <a:lvl7pPr indent="-317500" lvl="6" marL="3200400">
+            <a:lvl7pPr marL="3200400" lvl="6" indent="-317500">
               <a:spcBef>
                 <a:spcPts val="0"/>
               </a:spcBef>
@@ -3790,7 +3927,7 @@
               <a:buChar char="●"/>
               <a:defRPr/>
             </a:lvl7pPr>
-            <a:lvl8pPr indent="-317500" lvl="7" marL="3657600">
+            <a:lvl8pPr marL="3657600" lvl="7" indent="-317500">
               <a:spcBef>
                 <a:spcPts val="0"/>
               </a:spcBef>
@@ -3801,7 +3938,7 @@
               <a:buChar char="○"/>
               <a:defRPr/>
             </a:lvl8pPr>
-            <a:lvl9pPr indent="-317500" lvl="8" marL="4114800">
+            <a:lvl9pPr marL="4114800" lvl="8" indent="-317500">
               <a:spcBef>
                 <a:spcPts val="0"/>
               </a:spcBef>
@@ -3813,15 +3950,19 @@
               <a:defRPr/>
             </a:lvl9pPr>
           </a:lstStyle>
-          <a:p/>
+          <a:p>
+            <a:endParaRPr/>
+          </a:p>
         </p:txBody>
       </p:sp>
       <p:sp>
         <p:nvSpPr>
           <p:cNvPr id="19" name="Google Shape;19;p4"/>
-          <p:cNvSpPr txBox="1"/>
+          <p:cNvSpPr txBox="1">
+            <a:spLocks noGrp="1"/>
+          </p:cNvSpPr>
           <p:nvPr>
-            <p:ph idx="12" type="sldNum"/>
+            <p:ph type="sldNum" idx="12"/>
           </p:nvPr>
         </p:nvSpPr>
         <p:spPr>
@@ -3834,7 +3975,7 @@
           </a:prstGeom>
         </p:spPr>
         <p:txBody>
-          <a:bodyPr anchorCtr="0" anchor="ctr" bIns="91425" lIns="91425" spcFirstLastPara="1" rIns="91425" wrap="square" tIns="91425">
+          <a:bodyPr spcFirstLastPara="1" wrap="square" lIns="91425" tIns="91425" rIns="91425" bIns="91425" anchor="ctr" anchorCtr="0">
             <a:normAutofit/>
           </a:bodyPr>
           <a:lstStyle>
@@ -3876,7 +4017,7 @@
             </a:lvl9pPr>
           </a:lstStyle>
           <a:p>
-            <a:pPr indent="0" lvl="0" marL="0" rtl="0" algn="r">
+            <a:pPr marL="0" lvl="0" indent="0" algn="r" rtl="0">
               <a:spcBef>
                 <a:spcPts val="0"/>
               </a:spcBef>
@@ -3902,11 +4043,11 @@
 </file>
 
 <file path=ppt/slideLayouts/slideLayout4.xml><?xml version="1.0" encoding="utf-8"?>
-<p:sldLayout xmlns:a="http://schemas.openxmlformats.org/drawingml/2006/main" xmlns:r="http://schemas.openxmlformats.org/officeDocument/2006/relationships" xmlns:mc="http://schemas.openxmlformats.org/markup-compatibility/2006" xmlns:mv="urn:schemas-microsoft-com:mac:vml" xmlns:p="http://schemas.openxmlformats.org/presentationml/2006/main" xmlns:c="http://schemas.openxmlformats.org/drawingml/2006/chart" xmlns:dgm="http://schemas.openxmlformats.org/drawingml/2006/diagram" xmlns:o="urn:schemas-microsoft-com:office:office" xmlns:v="urn:schemas-microsoft-com:vml" xmlns:pvml="urn:schemas-microsoft-com:office:powerpoint" xmlns:com="http://schemas.openxmlformats.org/drawingml/2006/compatibility" xmlns:p14="http://schemas.microsoft.com/office/powerpoint/2010/main" xmlns:p15="http://schemas.microsoft.com/office/powerpoint/2012/main" xmlns:ahyp="http://schemas.microsoft.com/office/drawing/2018/hyperlinkcolor" matchingName="Title and two columns" type="twoColTx">
+<p:sldLayout xmlns:a="http://schemas.openxmlformats.org/drawingml/2006/main" xmlns:r="http://schemas.openxmlformats.org/officeDocument/2006/relationships" xmlns:p="http://schemas.openxmlformats.org/presentationml/2006/main" matchingName="Title and two columns" type="twoColTx">
   <p:cSld name="TITLE_AND_TWO_COLUMNS">
     <p:spTree>
       <p:nvGrpSpPr>
-        <p:cNvPr id="20" name="Shape 20"/>
+        <p:cNvPr id="1" name="Shape 20"/>
         <p:cNvGrpSpPr/>
         <p:nvPr/>
       </p:nvGrpSpPr>
@@ -3921,7 +4062,9 @@
       <p:sp>
         <p:nvSpPr>
           <p:cNvPr id="21" name="Google Shape;21;p5"/>
-          <p:cNvSpPr txBox="1"/>
+          <p:cNvSpPr txBox="1">
+            <a:spLocks noGrp="1"/>
+          </p:cNvSpPr>
           <p:nvPr>
             <p:ph type="title"/>
           </p:nvPr>
@@ -3936,7 +4079,7 @@
           </a:prstGeom>
         </p:spPr>
         <p:txBody>
-          <a:bodyPr anchorCtr="0" anchor="t" bIns="91425" lIns="91425" spcFirstLastPara="1" rIns="91425" wrap="square" tIns="91425">
+          <a:bodyPr spcFirstLastPara="1" wrap="square" lIns="91425" tIns="91425" rIns="91425" bIns="91425" anchor="t" anchorCtr="0">
             <a:normAutofit/>
           </a:bodyPr>
           <a:lstStyle>
@@ -4040,15 +4183,19 @@
               <a:defRPr/>
             </a:lvl9pPr>
           </a:lstStyle>
-          <a:p/>
+          <a:p>
+            <a:endParaRPr/>
+          </a:p>
         </p:txBody>
       </p:sp>
       <p:sp>
         <p:nvSpPr>
           <p:cNvPr id="22" name="Google Shape;22;p5"/>
-          <p:cNvSpPr txBox="1"/>
+          <p:cNvSpPr txBox="1">
+            <a:spLocks noGrp="1"/>
+          </p:cNvSpPr>
           <p:nvPr>
-            <p:ph idx="1" type="body"/>
+            <p:ph type="body" idx="1"/>
           </p:nvPr>
         </p:nvSpPr>
         <p:spPr>
@@ -4061,11 +4208,11 @@
           </a:prstGeom>
         </p:spPr>
         <p:txBody>
-          <a:bodyPr anchorCtr="0" anchor="t" bIns="91425" lIns="91425" spcFirstLastPara="1" rIns="91425" wrap="square" tIns="91425">
+          <a:bodyPr spcFirstLastPara="1" wrap="square" lIns="91425" tIns="91425" rIns="91425" bIns="91425" anchor="t" anchorCtr="0">
             <a:normAutofit/>
           </a:bodyPr>
           <a:lstStyle>
-            <a:lvl1pPr indent="-317500" lvl="0" marL="457200">
+            <a:lvl1pPr marL="457200" lvl="0" indent="-317500">
               <a:spcBef>
                 <a:spcPts val="0"/>
               </a:spcBef>
@@ -4076,7 +4223,7 @@
               <a:buChar char="●"/>
               <a:defRPr sz="1400"/>
             </a:lvl1pPr>
-            <a:lvl2pPr indent="-304800" lvl="1" marL="914400">
+            <a:lvl2pPr marL="914400" lvl="1" indent="-304800">
               <a:spcBef>
                 <a:spcPts val="0"/>
               </a:spcBef>
@@ -4087,7 +4234,7 @@
               <a:buChar char="○"/>
               <a:defRPr sz="1200"/>
             </a:lvl2pPr>
-            <a:lvl3pPr indent="-304800" lvl="2" marL="1371600">
+            <a:lvl3pPr marL="1371600" lvl="2" indent="-304800">
               <a:spcBef>
                 <a:spcPts val="0"/>
               </a:spcBef>
@@ -4098,7 +4245,7 @@
               <a:buChar char="■"/>
               <a:defRPr sz="1200"/>
             </a:lvl3pPr>
-            <a:lvl4pPr indent="-304800" lvl="3" marL="1828800">
+            <a:lvl4pPr marL="1828800" lvl="3" indent="-304800">
               <a:spcBef>
                 <a:spcPts val="0"/>
               </a:spcBef>
@@ -4109,7 +4256,7 @@
               <a:buChar char="●"/>
               <a:defRPr sz="1200"/>
             </a:lvl4pPr>
-            <a:lvl5pPr indent="-304800" lvl="4" marL="2286000">
+            <a:lvl5pPr marL="2286000" lvl="4" indent="-304800">
               <a:spcBef>
                 <a:spcPts val="0"/>
               </a:spcBef>
@@ -4120,7 +4267,7 @@
               <a:buChar char="○"/>
               <a:defRPr sz="1200"/>
             </a:lvl5pPr>
-            <a:lvl6pPr indent="-304800" lvl="5" marL="2743200">
+            <a:lvl6pPr marL="2743200" lvl="5" indent="-304800">
               <a:spcBef>
                 <a:spcPts val="0"/>
               </a:spcBef>
@@ -4131,7 +4278,7 @@
               <a:buChar char="■"/>
               <a:defRPr sz="1200"/>
             </a:lvl6pPr>
-            <a:lvl7pPr indent="-304800" lvl="6" marL="3200400">
+            <a:lvl7pPr marL="3200400" lvl="6" indent="-304800">
               <a:spcBef>
                 <a:spcPts val="0"/>
               </a:spcBef>
@@ -4142,7 +4289,7 @@
               <a:buChar char="●"/>
               <a:defRPr sz="1200"/>
             </a:lvl7pPr>
-            <a:lvl8pPr indent="-304800" lvl="7" marL="3657600">
+            <a:lvl8pPr marL="3657600" lvl="7" indent="-304800">
               <a:spcBef>
                 <a:spcPts val="0"/>
               </a:spcBef>
@@ -4153,7 +4300,7 @@
               <a:buChar char="○"/>
               <a:defRPr sz="1200"/>
             </a:lvl8pPr>
-            <a:lvl9pPr indent="-304800" lvl="8" marL="4114800">
+            <a:lvl9pPr marL="4114800" lvl="8" indent="-304800">
               <a:spcBef>
                 <a:spcPts val="0"/>
               </a:spcBef>
@@ -4165,15 +4312,19 @@
               <a:defRPr sz="1200"/>
             </a:lvl9pPr>
           </a:lstStyle>
-          <a:p/>
+          <a:p>
+            <a:endParaRPr/>
+          </a:p>
         </p:txBody>
       </p:sp>
       <p:sp>
         <p:nvSpPr>
           <p:cNvPr id="23" name="Google Shape;23;p5"/>
-          <p:cNvSpPr txBox="1"/>
+          <p:cNvSpPr txBox="1">
+            <a:spLocks noGrp="1"/>
+          </p:cNvSpPr>
           <p:nvPr>
-            <p:ph idx="2" type="body"/>
+            <p:ph type="body" idx="2"/>
           </p:nvPr>
         </p:nvSpPr>
         <p:spPr>
@@ -4186,11 +4337,11 @@
           </a:prstGeom>
         </p:spPr>
         <p:txBody>
-          <a:bodyPr anchorCtr="0" anchor="t" bIns="91425" lIns="91425" spcFirstLastPara="1" rIns="91425" wrap="square" tIns="91425">
+          <a:bodyPr spcFirstLastPara="1" wrap="square" lIns="91425" tIns="91425" rIns="91425" bIns="91425" anchor="t" anchorCtr="0">
             <a:normAutofit/>
           </a:bodyPr>
           <a:lstStyle>
-            <a:lvl1pPr indent="-317500" lvl="0" marL="457200">
+            <a:lvl1pPr marL="457200" lvl="0" indent="-317500">
               <a:spcBef>
                 <a:spcPts val="0"/>
               </a:spcBef>
@@ -4201,7 +4352,7 @@
               <a:buChar char="●"/>
               <a:defRPr sz="1400"/>
             </a:lvl1pPr>
-            <a:lvl2pPr indent="-304800" lvl="1" marL="914400">
+            <a:lvl2pPr marL="914400" lvl="1" indent="-304800">
               <a:spcBef>
                 <a:spcPts val="0"/>
               </a:spcBef>
@@ -4212,7 +4363,7 @@
               <a:buChar char="○"/>
               <a:defRPr sz="1200"/>
             </a:lvl2pPr>
-            <a:lvl3pPr indent="-304800" lvl="2" marL="1371600">
+            <a:lvl3pPr marL="1371600" lvl="2" indent="-304800">
               <a:spcBef>
                 <a:spcPts val="0"/>
               </a:spcBef>
@@ -4223,7 +4374,7 @@
               <a:buChar char="■"/>
               <a:defRPr sz="1200"/>
             </a:lvl3pPr>
-            <a:lvl4pPr indent="-304800" lvl="3" marL="1828800">
+            <a:lvl4pPr marL="1828800" lvl="3" indent="-304800">
               <a:spcBef>
                 <a:spcPts val="0"/>
               </a:spcBef>
@@ -4234,7 +4385,7 @@
               <a:buChar char="●"/>
               <a:defRPr sz="1200"/>
             </a:lvl4pPr>
-            <a:lvl5pPr indent="-304800" lvl="4" marL="2286000">
+            <a:lvl5pPr marL="2286000" lvl="4" indent="-304800">
               <a:spcBef>
                 <a:spcPts val="0"/>
               </a:spcBef>
@@ -4245,7 +4396,7 @@
               <a:buChar char="○"/>
               <a:defRPr sz="1200"/>
             </a:lvl5pPr>
-            <a:lvl6pPr indent="-304800" lvl="5" marL="2743200">
+            <a:lvl6pPr marL="2743200" lvl="5" indent="-304800">
               <a:spcBef>
                 <a:spcPts val="0"/>
               </a:spcBef>
@@ -4256,7 +4407,7 @@
               <a:buChar char="■"/>
               <a:defRPr sz="1200"/>
             </a:lvl6pPr>
-            <a:lvl7pPr indent="-304800" lvl="6" marL="3200400">
+            <a:lvl7pPr marL="3200400" lvl="6" indent="-304800">
               <a:spcBef>
                 <a:spcPts val="0"/>
               </a:spcBef>
@@ -4267,7 +4418,7 @@
               <a:buChar char="●"/>
               <a:defRPr sz="1200"/>
             </a:lvl7pPr>
-            <a:lvl8pPr indent="-304800" lvl="7" marL="3657600">
+            <a:lvl8pPr marL="3657600" lvl="7" indent="-304800">
               <a:spcBef>
                 <a:spcPts val="0"/>
               </a:spcBef>
@@ -4278,7 +4429,7 @@
               <a:buChar char="○"/>
               <a:defRPr sz="1200"/>
             </a:lvl8pPr>
-            <a:lvl9pPr indent="-304800" lvl="8" marL="4114800">
+            <a:lvl9pPr marL="4114800" lvl="8" indent="-304800">
               <a:spcBef>
                 <a:spcPts val="0"/>
               </a:spcBef>
@@ -4290,15 +4441,19 @@
               <a:defRPr sz="1200"/>
             </a:lvl9pPr>
           </a:lstStyle>
-          <a:p/>
+          <a:p>
+            <a:endParaRPr/>
+          </a:p>
         </p:txBody>
       </p:sp>
       <p:sp>
         <p:nvSpPr>
           <p:cNvPr id="24" name="Google Shape;24;p5"/>
-          <p:cNvSpPr txBox="1"/>
+          <p:cNvSpPr txBox="1">
+            <a:spLocks noGrp="1"/>
+          </p:cNvSpPr>
           <p:nvPr>
-            <p:ph idx="12" type="sldNum"/>
+            <p:ph type="sldNum" idx="12"/>
           </p:nvPr>
         </p:nvSpPr>
         <p:spPr>
@@ -4311,7 +4466,7 @@
           </a:prstGeom>
         </p:spPr>
         <p:txBody>
-          <a:bodyPr anchorCtr="0" anchor="ctr" bIns="91425" lIns="91425" spcFirstLastPara="1" rIns="91425" wrap="square" tIns="91425">
+          <a:bodyPr spcFirstLastPara="1" wrap="square" lIns="91425" tIns="91425" rIns="91425" bIns="91425" anchor="ctr" anchorCtr="0">
             <a:normAutofit/>
           </a:bodyPr>
           <a:lstStyle>
@@ -4353,7 +4508,7 @@
             </a:lvl9pPr>
           </a:lstStyle>
           <a:p>
-            <a:pPr indent="0" lvl="0" marL="0" rtl="0" algn="r">
+            <a:pPr marL="0" lvl="0" indent="0" algn="r" rtl="0">
               <a:spcBef>
                 <a:spcPts val="0"/>
               </a:spcBef>
@@ -4379,11 +4534,11 @@
 </file>
 
 <file path=ppt/slideLayouts/slideLayout5.xml><?xml version="1.0" encoding="utf-8"?>
-<p:sldLayout xmlns:a="http://schemas.openxmlformats.org/drawingml/2006/main" xmlns:r="http://schemas.openxmlformats.org/officeDocument/2006/relationships" xmlns:mc="http://schemas.openxmlformats.org/markup-compatibility/2006" xmlns:mv="urn:schemas-microsoft-com:mac:vml" xmlns:p="http://schemas.openxmlformats.org/presentationml/2006/main" xmlns:c="http://schemas.openxmlformats.org/drawingml/2006/chart" xmlns:dgm="http://schemas.openxmlformats.org/drawingml/2006/diagram" xmlns:o="urn:schemas-microsoft-com:office:office" xmlns:v="urn:schemas-microsoft-com:vml" xmlns:pvml="urn:schemas-microsoft-com:office:powerpoint" xmlns:com="http://schemas.openxmlformats.org/drawingml/2006/compatibility" xmlns:p14="http://schemas.microsoft.com/office/powerpoint/2010/main" xmlns:p15="http://schemas.microsoft.com/office/powerpoint/2012/main" xmlns:ahyp="http://schemas.microsoft.com/office/drawing/2018/hyperlinkcolor" matchingName="Title only" type="titleOnly">
+<p:sldLayout xmlns:a="http://schemas.openxmlformats.org/drawingml/2006/main" xmlns:r="http://schemas.openxmlformats.org/officeDocument/2006/relationships" xmlns:p="http://schemas.openxmlformats.org/presentationml/2006/main" matchingName="Title only" type="titleOnly">
   <p:cSld name="TITLE_ONLY">
     <p:spTree>
       <p:nvGrpSpPr>
-        <p:cNvPr id="25" name="Shape 25"/>
+        <p:cNvPr id="1" name="Shape 25"/>
         <p:cNvGrpSpPr/>
         <p:nvPr/>
       </p:nvGrpSpPr>
@@ -4398,7 +4553,9 @@
       <p:sp>
         <p:nvSpPr>
           <p:cNvPr id="26" name="Google Shape;26;p6"/>
-          <p:cNvSpPr txBox="1"/>
+          <p:cNvSpPr txBox="1">
+            <a:spLocks noGrp="1"/>
+          </p:cNvSpPr>
           <p:nvPr>
             <p:ph type="title"/>
           </p:nvPr>
@@ -4413,7 +4570,7 @@
           </a:prstGeom>
         </p:spPr>
         <p:txBody>
-          <a:bodyPr anchorCtr="0" anchor="t" bIns="91425" lIns="91425" spcFirstLastPara="1" rIns="91425" wrap="square" tIns="91425">
+          <a:bodyPr spcFirstLastPara="1" wrap="square" lIns="91425" tIns="91425" rIns="91425" bIns="91425" anchor="t" anchorCtr="0">
             <a:normAutofit/>
           </a:bodyPr>
           <a:lstStyle>
@@ -4517,15 +4674,19 @@
               <a:defRPr/>
             </a:lvl9pPr>
           </a:lstStyle>
-          <a:p/>
+          <a:p>
+            <a:endParaRPr/>
+          </a:p>
         </p:txBody>
       </p:sp>
       <p:sp>
         <p:nvSpPr>
           <p:cNvPr id="27" name="Google Shape;27;p6"/>
-          <p:cNvSpPr txBox="1"/>
+          <p:cNvSpPr txBox="1">
+            <a:spLocks noGrp="1"/>
+          </p:cNvSpPr>
           <p:nvPr>
-            <p:ph idx="12" type="sldNum"/>
+            <p:ph type="sldNum" idx="12"/>
           </p:nvPr>
         </p:nvSpPr>
         <p:spPr>
@@ -4538,7 +4699,7 @@
           </a:prstGeom>
         </p:spPr>
         <p:txBody>
-          <a:bodyPr anchorCtr="0" anchor="ctr" bIns="91425" lIns="91425" spcFirstLastPara="1" rIns="91425" wrap="square" tIns="91425">
+          <a:bodyPr spcFirstLastPara="1" wrap="square" lIns="91425" tIns="91425" rIns="91425" bIns="91425" anchor="ctr" anchorCtr="0">
             <a:normAutofit/>
           </a:bodyPr>
           <a:lstStyle>
@@ -4580,7 +4741,7 @@
             </a:lvl9pPr>
           </a:lstStyle>
           <a:p>
-            <a:pPr indent="0" lvl="0" marL="0" rtl="0" algn="r">
+            <a:pPr marL="0" lvl="0" indent="0" algn="r" rtl="0">
               <a:spcBef>
                 <a:spcPts val="0"/>
               </a:spcBef>
@@ -4606,11 +4767,11 @@
 </file>
 
 <file path=ppt/slideLayouts/slideLayout6.xml><?xml version="1.0" encoding="utf-8"?>
-<p:sldLayout xmlns:a="http://schemas.openxmlformats.org/drawingml/2006/main" xmlns:r="http://schemas.openxmlformats.org/officeDocument/2006/relationships" xmlns:mc="http://schemas.openxmlformats.org/markup-compatibility/2006" xmlns:mv="urn:schemas-microsoft-com:mac:vml" xmlns:p="http://schemas.openxmlformats.org/presentationml/2006/main" xmlns:c="http://schemas.openxmlformats.org/drawingml/2006/chart" xmlns:dgm="http://schemas.openxmlformats.org/drawingml/2006/diagram" xmlns:o="urn:schemas-microsoft-com:office:office" xmlns:v="urn:schemas-microsoft-com:vml" xmlns:pvml="urn:schemas-microsoft-com:office:powerpoint" xmlns:com="http://schemas.openxmlformats.org/drawingml/2006/compatibility" xmlns:p14="http://schemas.microsoft.com/office/powerpoint/2010/main" xmlns:p15="http://schemas.microsoft.com/office/powerpoint/2012/main" xmlns:ahyp="http://schemas.microsoft.com/office/drawing/2018/hyperlinkcolor" matchingName="One column text">
+<p:sldLayout xmlns:a="http://schemas.openxmlformats.org/drawingml/2006/main" xmlns:r="http://schemas.openxmlformats.org/officeDocument/2006/relationships" xmlns:p="http://schemas.openxmlformats.org/presentationml/2006/main" matchingName="One column text">
   <p:cSld name="ONE_COLUMN_TEXT">
     <p:spTree>
       <p:nvGrpSpPr>
-        <p:cNvPr id="28" name="Shape 28"/>
+        <p:cNvPr id="1" name="Shape 28"/>
         <p:cNvGrpSpPr/>
         <p:nvPr/>
       </p:nvGrpSpPr>
@@ -4625,7 +4786,9 @@
       <p:sp>
         <p:nvSpPr>
           <p:cNvPr id="29" name="Google Shape;29;p7"/>
-          <p:cNvSpPr txBox="1"/>
+          <p:cNvSpPr txBox="1">
+            <a:spLocks noGrp="1"/>
+          </p:cNvSpPr>
           <p:nvPr>
             <p:ph type="title"/>
           </p:nvPr>
@@ -4640,7 +4803,7 @@
           </a:prstGeom>
         </p:spPr>
         <p:txBody>
-          <a:bodyPr anchorCtr="0" anchor="b" bIns="91425" lIns="91425" spcFirstLastPara="1" rIns="91425" wrap="square" tIns="91425">
+          <a:bodyPr spcFirstLastPara="1" wrap="square" lIns="91425" tIns="91425" rIns="91425" bIns="91425" anchor="b" anchorCtr="0">
             <a:normAutofit/>
           </a:bodyPr>
           <a:lstStyle>
@@ -4744,15 +4907,19 @@
               <a:defRPr sz="2400"/>
             </a:lvl9pPr>
           </a:lstStyle>
-          <a:p/>
+          <a:p>
+            <a:endParaRPr/>
+          </a:p>
         </p:txBody>
       </p:sp>
       <p:sp>
         <p:nvSpPr>
           <p:cNvPr id="30" name="Google Shape;30;p7"/>
-          <p:cNvSpPr txBox="1"/>
+          <p:cNvSpPr txBox="1">
+            <a:spLocks noGrp="1"/>
+          </p:cNvSpPr>
           <p:nvPr>
-            <p:ph idx="1" type="body"/>
+            <p:ph type="body" idx="1"/>
           </p:nvPr>
         </p:nvSpPr>
         <p:spPr>
@@ -4765,11 +4932,11 @@
           </a:prstGeom>
         </p:spPr>
         <p:txBody>
-          <a:bodyPr anchorCtr="0" anchor="t" bIns="91425" lIns="91425" spcFirstLastPara="1" rIns="91425" wrap="square" tIns="91425">
+          <a:bodyPr spcFirstLastPara="1" wrap="square" lIns="91425" tIns="91425" rIns="91425" bIns="91425" anchor="t" anchorCtr="0">
             <a:normAutofit/>
           </a:bodyPr>
           <a:lstStyle>
-            <a:lvl1pPr indent="-304800" lvl="0" marL="457200">
+            <a:lvl1pPr marL="457200" lvl="0" indent="-304800">
               <a:spcBef>
                 <a:spcPts val="0"/>
               </a:spcBef>
@@ -4780,7 +4947,7 @@
               <a:buChar char="●"/>
               <a:defRPr sz="1200"/>
             </a:lvl1pPr>
-            <a:lvl2pPr indent="-304800" lvl="1" marL="914400">
+            <a:lvl2pPr marL="914400" lvl="1" indent="-304800">
               <a:spcBef>
                 <a:spcPts val="0"/>
               </a:spcBef>
@@ -4791,7 +4958,7 @@
               <a:buChar char="○"/>
               <a:defRPr sz="1200"/>
             </a:lvl2pPr>
-            <a:lvl3pPr indent="-304800" lvl="2" marL="1371600">
+            <a:lvl3pPr marL="1371600" lvl="2" indent="-304800">
               <a:spcBef>
                 <a:spcPts val="0"/>
               </a:spcBef>
@@ -4802,7 +4969,7 @@
               <a:buChar char="■"/>
               <a:defRPr sz="1200"/>
             </a:lvl3pPr>
-            <a:lvl4pPr indent="-304800" lvl="3" marL="1828800">
+            <a:lvl4pPr marL="1828800" lvl="3" indent="-304800">
               <a:spcBef>
                 <a:spcPts val="0"/>
               </a:spcBef>
@@ -4813,7 +4980,7 @@
               <a:buChar char="●"/>
               <a:defRPr sz="1200"/>
             </a:lvl4pPr>
-            <a:lvl5pPr indent="-304800" lvl="4" marL="2286000">
+            <a:lvl5pPr marL="2286000" lvl="4" indent="-304800">
               <a:spcBef>
                 <a:spcPts val="0"/>
               </a:spcBef>
@@ -4824,7 +4991,7 @@
               <a:buChar char="○"/>
               <a:defRPr sz="1200"/>
             </a:lvl5pPr>
-            <a:lvl6pPr indent="-304800" lvl="5" marL="2743200">
+            <a:lvl6pPr marL="2743200" lvl="5" indent="-304800">
               <a:spcBef>
                 <a:spcPts val="0"/>
               </a:spcBef>
@@ -4835,7 +5002,7 @@
               <a:buChar char="■"/>
               <a:defRPr sz="1200"/>
             </a:lvl6pPr>
-            <a:lvl7pPr indent="-304800" lvl="6" marL="3200400">
+            <a:lvl7pPr marL="3200400" lvl="6" indent="-304800">
               <a:spcBef>
                 <a:spcPts val="0"/>
               </a:spcBef>
@@ -4846,7 +5013,7 @@
               <a:buChar char="●"/>
               <a:defRPr sz="1200"/>
             </a:lvl7pPr>
-            <a:lvl8pPr indent="-304800" lvl="7" marL="3657600">
+            <a:lvl8pPr marL="3657600" lvl="7" indent="-304800">
               <a:spcBef>
                 <a:spcPts val="0"/>
               </a:spcBef>
@@ -4857,7 +5024,7 @@
               <a:buChar char="○"/>
               <a:defRPr sz="1200"/>
             </a:lvl8pPr>
-            <a:lvl9pPr indent="-304800" lvl="8" marL="4114800">
+            <a:lvl9pPr marL="4114800" lvl="8" indent="-304800">
               <a:spcBef>
                 <a:spcPts val="0"/>
               </a:spcBef>
@@ -4869,15 +5036,19 @@
               <a:defRPr sz="1200"/>
             </a:lvl9pPr>
           </a:lstStyle>
-          <a:p/>
+          <a:p>
+            <a:endParaRPr/>
+          </a:p>
         </p:txBody>
       </p:sp>
       <p:sp>
         <p:nvSpPr>
           <p:cNvPr id="31" name="Google Shape;31;p7"/>
-          <p:cNvSpPr txBox="1"/>
+          <p:cNvSpPr txBox="1">
+            <a:spLocks noGrp="1"/>
+          </p:cNvSpPr>
           <p:nvPr>
-            <p:ph idx="12" type="sldNum"/>
+            <p:ph type="sldNum" idx="12"/>
           </p:nvPr>
         </p:nvSpPr>
         <p:spPr>
@@ -4890,7 +5061,7 @@
           </a:prstGeom>
         </p:spPr>
         <p:txBody>
-          <a:bodyPr anchorCtr="0" anchor="ctr" bIns="91425" lIns="91425" spcFirstLastPara="1" rIns="91425" wrap="square" tIns="91425">
+          <a:bodyPr spcFirstLastPara="1" wrap="square" lIns="91425" tIns="91425" rIns="91425" bIns="91425" anchor="ctr" anchorCtr="0">
             <a:normAutofit/>
           </a:bodyPr>
           <a:lstStyle>
@@ -4932,7 +5103,7 @@
             </a:lvl9pPr>
           </a:lstStyle>
           <a:p>
-            <a:pPr indent="0" lvl="0" marL="0" rtl="0" algn="r">
+            <a:pPr marL="0" lvl="0" indent="0" algn="r" rtl="0">
               <a:spcBef>
                 <a:spcPts val="0"/>
               </a:spcBef>
@@ -4958,11 +5129,11 @@
 </file>
 
 <file path=ppt/slideLayouts/slideLayout7.xml><?xml version="1.0" encoding="utf-8"?>
-<p:sldLayout xmlns:a="http://schemas.openxmlformats.org/drawingml/2006/main" xmlns:r="http://schemas.openxmlformats.org/officeDocument/2006/relationships" xmlns:mc="http://schemas.openxmlformats.org/markup-compatibility/2006" xmlns:mv="urn:schemas-microsoft-com:mac:vml" xmlns:p="http://schemas.openxmlformats.org/presentationml/2006/main" xmlns:c="http://schemas.openxmlformats.org/drawingml/2006/chart" xmlns:dgm="http://schemas.openxmlformats.org/drawingml/2006/diagram" xmlns:o="urn:schemas-microsoft-com:office:office" xmlns:v="urn:schemas-microsoft-com:vml" xmlns:pvml="urn:schemas-microsoft-com:office:powerpoint" xmlns:com="http://schemas.openxmlformats.org/drawingml/2006/compatibility" xmlns:p14="http://schemas.microsoft.com/office/powerpoint/2010/main" xmlns:p15="http://schemas.microsoft.com/office/powerpoint/2012/main" xmlns:ahyp="http://schemas.microsoft.com/office/drawing/2018/hyperlinkcolor" matchingName="Main point">
+<p:sldLayout xmlns:a="http://schemas.openxmlformats.org/drawingml/2006/main" xmlns:r="http://schemas.openxmlformats.org/officeDocument/2006/relationships" xmlns:p="http://schemas.openxmlformats.org/presentationml/2006/main" matchingName="Main point">
   <p:cSld name="MAIN_POINT">
     <p:spTree>
       <p:nvGrpSpPr>
-        <p:cNvPr id="32" name="Shape 32"/>
+        <p:cNvPr id="1" name="Shape 32"/>
         <p:cNvGrpSpPr/>
         <p:nvPr/>
       </p:nvGrpSpPr>
@@ -4977,7 +5148,9 @@
       <p:sp>
         <p:nvSpPr>
           <p:cNvPr id="33" name="Google Shape;33;p8"/>
-          <p:cNvSpPr txBox="1"/>
+          <p:cNvSpPr txBox="1">
+            <a:spLocks noGrp="1"/>
+          </p:cNvSpPr>
           <p:nvPr>
             <p:ph type="title"/>
           </p:nvPr>
@@ -4992,7 +5165,7 @@
           </a:prstGeom>
         </p:spPr>
         <p:txBody>
-          <a:bodyPr anchorCtr="0" anchor="ctr" bIns="91425" lIns="91425" spcFirstLastPara="1" rIns="91425" wrap="square" tIns="91425">
+          <a:bodyPr spcFirstLastPara="1" wrap="square" lIns="91425" tIns="91425" rIns="91425" bIns="91425" anchor="ctr" anchorCtr="0">
             <a:normAutofit/>
           </a:bodyPr>
           <a:lstStyle>
@@ -5096,15 +5269,19 @@
               <a:defRPr sz="4800"/>
             </a:lvl9pPr>
           </a:lstStyle>
-          <a:p/>
+          <a:p>
+            <a:endParaRPr/>
+          </a:p>
         </p:txBody>
       </p:sp>
       <p:sp>
         <p:nvSpPr>
           <p:cNvPr id="34" name="Google Shape;34;p8"/>
-          <p:cNvSpPr txBox="1"/>
+          <p:cNvSpPr txBox="1">
+            <a:spLocks noGrp="1"/>
+          </p:cNvSpPr>
           <p:nvPr>
-            <p:ph idx="12" type="sldNum"/>
+            <p:ph type="sldNum" idx="12"/>
           </p:nvPr>
         </p:nvSpPr>
         <p:spPr>
@@ -5117,7 +5294,7 @@
           </a:prstGeom>
         </p:spPr>
         <p:txBody>
-          <a:bodyPr anchorCtr="0" anchor="ctr" bIns="91425" lIns="91425" spcFirstLastPara="1" rIns="91425" wrap="square" tIns="91425">
+          <a:bodyPr spcFirstLastPara="1" wrap="square" lIns="91425" tIns="91425" rIns="91425" bIns="91425" anchor="ctr" anchorCtr="0">
             <a:normAutofit/>
           </a:bodyPr>
           <a:lstStyle>
@@ -5159,7 +5336,7 @@
             </a:lvl9pPr>
           </a:lstStyle>
           <a:p>
-            <a:pPr indent="0" lvl="0" marL="0" rtl="0" algn="r">
+            <a:pPr marL="0" lvl="0" indent="0" algn="r" rtl="0">
               <a:spcBef>
                 <a:spcPts val="0"/>
               </a:spcBef>
@@ -5185,11 +5362,11 @@
 </file>
 
 <file path=ppt/slideLayouts/slideLayout8.xml><?xml version="1.0" encoding="utf-8"?>
-<p:sldLayout xmlns:a="http://schemas.openxmlformats.org/drawingml/2006/main" xmlns:r="http://schemas.openxmlformats.org/officeDocument/2006/relationships" xmlns:mc="http://schemas.openxmlformats.org/markup-compatibility/2006" xmlns:mv="urn:schemas-microsoft-com:mac:vml" xmlns:p="http://schemas.openxmlformats.org/presentationml/2006/main" xmlns:c="http://schemas.openxmlformats.org/drawingml/2006/chart" xmlns:dgm="http://schemas.openxmlformats.org/drawingml/2006/diagram" xmlns:o="urn:schemas-microsoft-com:office:office" xmlns:v="urn:schemas-microsoft-com:vml" xmlns:pvml="urn:schemas-microsoft-com:office:powerpoint" xmlns:com="http://schemas.openxmlformats.org/drawingml/2006/compatibility" xmlns:p14="http://schemas.microsoft.com/office/powerpoint/2010/main" xmlns:p15="http://schemas.microsoft.com/office/powerpoint/2012/main" xmlns:ahyp="http://schemas.microsoft.com/office/drawing/2018/hyperlinkcolor" matchingName="Section title and description">
+<p:sldLayout xmlns:a="http://schemas.openxmlformats.org/drawingml/2006/main" xmlns:r="http://schemas.openxmlformats.org/officeDocument/2006/relationships" xmlns:p="http://schemas.openxmlformats.org/presentationml/2006/main" matchingName="Section title and description">
   <p:cSld name="SECTION_TITLE_AND_DESCRIPTION">
     <p:spTree>
       <p:nvGrpSpPr>
-        <p:cNvPr id="35" name="Shape 35"/>
+        <p:cNvPr id="1" name="Shape 35"/>
         <p:cNvGrpSpPr/>
         <p:nvPr/>
       </p:nvGrpSpPr>
@@ -5223,23 +5400,20 @@
           </a:ln>
         </p:spPr>
         <p:txBody>
-          <a:bodyPr anchorCtr="0" anchor="ctr" bIns="91425" lIns="91425" spcFirstLastPara="1" rIns="91425" wrap="square" tIns="91425">
+          <a:bodyPr spcFirstLastPara="1" wrap="square" lIns="91425" tIns="91425" rIns="91425" bIns="91425" anchor="ctr" anchorCtr="0">
             <a:noAutofit/>
           </a:bodyPr>
           <a:lstStyle/>
           <a:p>
-            <a:pPr indent="0" lvl="0" marL="0" rtl="0" algn="l">
-              <a:spcBef>
-                <a:spcPts val="0"/>
-              </a:spcBef>
-              <a:spcAft>
-                <a:spcPts val="0"/>
-              </a:spcAft>
-              <a:buNone/>
-            </a:pPr>
-            <a:r>
-              <a:t/>
-            </a:r>
+            <a:pPr marL="0" lvl="0" indent="0" algn="l" rtl="0">
+              <a:spcBef>
+                <a:spcPts val="0"/>
+              </a:spcBef>
+              <a:spcAft>
+                <a:spcPts val="0"/>
+              </a:spcAft>
+              <a:buNone/>
+            </a:pPr>
             <a:endParaRPr/>
           </a:p>
         </p:txBody>
@@ -5247,7 +5421,9 @@
       <p:sp>
         <p:nvSpPr>
           <p:cNvPr id="37" name="Google Shape;37;p9"/>
-          <p:cNvSpPr txBox="1"/>
+          <p:cNvSpPr txBox="1">
+            <a:spLocks noGrp="1"/>
+          </p:cNvSpPr>
           <p:nvPr>
             <p:ph type="title"/>
           </p:nvPr>
@@ -5262,7 +5438,7 @@
           </a:prstGeom>
         </p:spPr>
         <p:txBody>
-          <a:bodyPr anchorCtr="0" anchor="b" bIns="91425" lIns="91425" spcFirstLastPara="1" rIns="91425" wrap="square" tIns="91425">
+          <a:bodyPr spcFirstLastPara="1" wrap="square" lIns="91425" tIns="91425" rIns="91425" bIns="91425" anchor="b" anchorCtr="0">
             <a:normAutofit/>
           </a:bodyPr>
           <a:lstStyle>
@@ -5366,15 +5542,19 @@
               <a:defRPr sz="4200"/>
             </a:lvl9pPr>
           </a:lstStyle>
-          <a:p/>
+          <a:p>
+            <a:endParaRPr/>
+          </a:p>
         </p:txBody>
       </p:sp>
       <p:sp>
         <p:nvSpPr>
           <p:cNvPr id="38" name="Google Shape;38;p9"/>
-          <p:cNvSpPr txBox="1"/>
+          <p:cNvSpPr txBox="1">
+            <a:spLocks noGrp="1"/>
+          </p:cNvSpPr>
           <p:nvPr>
-            <p:ph idx="1" type="subTitle"/>
+            <p:ph type="subTitle" idx="1"/>
           </p:nvPr>
         </p:nvSpPr>
         <p:spPr>
@@ -5387,7 +5567,7 @@
           </a:prstGeom>
         </p:spPr>
         <p:txBody>
-          <a:bodyPr anchorCtr="0" anchor="t" bIns="91425" lIns="91425" spcFirstLastPara="1" rIns="91425" wrap="square" tIns="91425">
+          <a:bodyPr spcFirstLastPara="1" wrap="square" lIns="91425" tIns="91425" rIns="91425" bIns="91425" anchor="t" anchorCtr="0">
             <a:normAutofit/>
           </a:bodyPr>
           <a:lstStyle>
@@ -5518,15 +5698,19 @@
               <a:defRPr sz="2100"/>
             </a:lvl9pPr>
           </a:lstStyle>
-          <a:p/>
+          <a:p>
+            <a:endParaRPr/>
+          </a:p>
         </p:txBody>
       </p:sp>
       <p:sp>
         <p:nvSpPr>
           <p:cNvPr id="39" name="Google Shape;39;p9"/>
-          <p:cNvSpPr txBox="1"/>
+          <p:cNvSpPr txBox="1">
+            <a:spLocks noGrp="1"/>
+          </p:cNvSpPr>
           <p:nvPr>
-            <p:ph idx="2" type="body"/>
+            <p:ph type="body" idx="2"/>
           </p:nvPr>
         </p:nvSpPr>
         <p:spPr>
@@ -5539,11 +5723,11 @@
           </a:prstGeom>
         </p:spPr>
         <p:txBody>
-          <a:bodyPr anchorCtr="0" anchor="ctr" bIns="91425" lIns="91425" spcFirstLastPara="1" rIns="91425" wrap="square" tIns="91425">
+          <a:bodyPr spcFirstLastPara="1" wrap="square" lIns="91425" tIns="91425" rIns="91425" bIns="91425" anchor="ctr" anchorCtr="0">
             <a:normAutofit/>
           </a:bodyPr>
           <a:lstStyle>
-            <a:lvl1pPr indent="-342900" lvl="0" marL="457200">
+            <a:lvl1pPr marL="457200" lvl="0" indent="-342900">
               <a:spcBef>
                 <a:spcPts val="0"/>
               </a:spcBef>
@@ -5554,7 +5738,7 @@
               <a:buChar char="●"/>
               <a:defRPr/>
             </a:lvl1pPr>
-            <a:lvl2pPr indent="-317500" lvl="1" marL="914400">
+            <a:lvl2pPr marL="914400" lvl="1" indent="-317500">
               <a:spcBef>
                 <a:spcPts val="0"/>
               </a:spcBef>
@@ -5565,7 +5749,7 @@
               <a:buChar char="○"/>
               <a:defRPr/>
             </a:lvl2pPr>
-            <a:lvl3pPr indent="-317500" lvl="2" marL="1371600">
+            <a:lvl3pPr marL="1371600" lvl="2" indent="-317500">
               <a:spcBef>
                 <a:spcPts val="0"/>
               </a:spcBef>
@@ -5576,7 +5760,7 @@
               <a:buChar char="■"/>
               <a:defRPr/>
             </a:lvl3pPr>
-            <a:lvl4pPr indent="-317500" lvl="3" marL="1828800">
+            <a:lvl4pPr marL="1828800" lvl="3" indent="-317500">
               <a:spcBef>
                 <a:spcPts val="0"/>
               </a:spcBef>
@@ -5587,7 +5771,7 @@
               <a:buChar char="●"/>
               <a:defRPr/>
             </a:lvl4pPr>
-            <a:lvl5pPr indent="-317500" lvl="4" marL="2286000">
+            <a:lvl5pPr marL="2286000" lvl="4" indent="-317500">
               <a:spcBef>
                 <a:spcPts val="0"/>
               </a:spcBef>
@@ -5598,7 +5782,7 @@
               <a:buChar char="○"/>
               <a:defRPr/>
             </a:lvl5pPr>
-            <a:lvl6pPr indent="-317500" lvl="5" marL="2743200">
+            <a:lvl6pPr marL="2743200" lvl="5" indent="-317500">
               <a:spcBef>
                 <a:spcPts val="0"/>
               </a:spcBef>
@@ -5609,7 +5793,7 @@
               <a:buChar char="■"/>
               <a:defRPr/>
             </a:lvl6pPr>
-            <a:lvl7pPr indent="-317500" lvl="6" marL="3200400">
+            <a:lvl7pPr marL="3200400" lvl="6" indent="-317500">
               <a:spcBef>
                 <a:spcPts val="0"/>
               </a:spcBef>
@@ -5620,7 +5804,7 @@
               <a:buChar char="●"/>
               <a:defRPr/>
             </a:lvl7pPr>
-            <a:lvl8pPr indent="-317500" lvl="7" marL="3657600">
+            <a:lvl8pPr marL="3657600" lvl="7" indent="-317500">
               <a:spcBef>
                 <a:spcPts val="0"/>
               </a:spcBef>
@@ -5631,7 +5815,7 @@
               <a:buChar char="○"/>
               <a:defRPr/>
             </a:lvl8pPr>
-            <a:lvl9pPr indent="-317500" lvl="8" marL="4114800">
+            <a:lvl9pPr marL="4114800" lvl="8" indent="-317500">
               <a:spcBef>
                 <a:spcPts val="0"/>
               </a:spcBef>
@@ -5643,15 +5827,19 @@
               <a:defRPr/>
             </a:lvl9pPr>
           </a:lstStyle>
-          <a:p/>
+          <a:p>
+            <a:endParaRPr/>
+          </a:p>
         </p:txBody>
       </p:sp>
       <p:sp>
         <p:nvSpPr>
           <p:cNvPr id="40" name="Google Shape;40;p9"/>
-          <p:cNvSpPr txBox="1"/>
+          <p:cNvSpPr txBox="1">
+            <a:spLocks noGrp="1"/>
+          </p:cNvSpPr>
           <p:nvPr>
-            <p:ph idx="12" type="sldNum"/>
+            <p:ph type="sldNum" idx="12"/>
           </p:nvPr>
         </p:nvSpPr>
         <p:spPr>
@@ -5664,7 +5852,7 @@
           </a:prstGeom>
         </p:spPr>
         <p:txBody>
-          <a:bodyPr anchorCtr="0" anchor="ctr" bIns="91425" lIns="91425" spcFirstLastPara="1" rIns="91425" wrap="square" tIns="91425">
+          <a:bodyPr spcFirstLastPara="1" wrap="square" lIns="91425" tIns="91425" rIns="91425" bIns="91425" anchor="ctr" anchorCtr="0">
             <a:normAutofit/>
           </a:bodyPr>
           <a:lstStyle>
@@ -5706,7 +5894,7 @@
             </a:lvl9pPr>
           </a:lstStyle>
           <a:p>
-            <a:pPr indent="0" lvl="0" marL="0" rtl="0" algn="r">
+            <a:pPr marL="0" lvl="0" indent="0" algn="r" rtl="0">
               <a:spcBef>
                 <a:spcPts val="0"/>
               </a:spcBef>
@@ -5732,11 +5920,11 @@
 </file>
 
 <file path=ppt/slideLayouts/slideLayout9.xml><?xml version="1.0" encoding="utf-8"?>
-<p:sldLayout xmlns:a="http://schemas.openxmlformats.org/drawingml/2006/main" xmlns:r="http://schemas.openxmlformats.org/officeDocument/2006/relationships" xmlns:mc="http://schemas.openxmlformats.org/markup-compatibility/2006" xmlns:mv="urn:schemas-microsoft-com:mac:vml" xmlns:p="http://schemas.openxmlformats.org/presentationml/2006/main" xmlns:c="http://schemas.openxmlformats.org/drawingml/2006/chart" xmlns:dgm="http://schemas.openxmlformats.org/drawingml/2006/diagram" xmlns:o="urn:schemas-microsoft-com:office:office" xmlns:v="urn:schemas-microsoft-com:vml" xmlns:pvml="urn:schemas-microsoft-com:office:powerpoint" xmlns:com="http://schemas.openxmlformats.org/drawingml/2006/compatibility" xmlns:p14="http://schemas.microsoft.com/office/powerpoint/2010/main" xmlns:p15="http://schemas.microsoft.com/office/powerpoint/2012/main" xmlns:ahyp="http://schemas.microsoft.com/office/drawing/2018/hyperlinkcolor" matchingName="Caption">
+<p:sldLayout xmlns:a="http://schemas.openxmlformats.org/drawingml/2006/main" xmlns:r="http://schemas.openxmlformats.org/officeDocument/2006/relationships" xmlns:p="http://schemas.openxmlformats.org/presentationml/2006/main" matchingName="Caption">
   <p:cSld name="CAPTION_ONLY">
     <p:spTree>
       <p:nvGrpSpPr>
-        <p:cNvPr id="41" name="Shape 41"/>
+        <p:cNvPr id="1" name="Shape 41"/>
         <p:cNvGrpSpPr/>
         <p:nvPr/>
       </p:nvGrpSpPr>
@@ -5751,9 +5939,11 @@
       <p:sp>
         <p:nvSpPr>
           <p:cNvPr id="42" name="Google Shape;42;p10"/>
-          <p:cNvSpPr txBox="1"/>
+          <p:cNvSpPr txBox="1">
+            <a:spLocks noGrp="1"/>
+          </p:cNvSpPr>
           <p:nvPr>
-            <p:ph idx="1" type="body"/>
+            <p:ph type="body" idx="1"/>
           </p:nvPr>
         </p:nvSpPr>
         <p:spPr>
@@ -5766,11 +5956,11 @@
           </a:prstGeom>
         </p:spPr>
         <p:txBody>
-          <a:bodyPr anchorCtr="0" anchor="ctr" bIns="91425" lIns="91425" spcFirstLastPara="1" rIns="91425" wrap="square" tIns="91425">
+          <a:bodyPr spcFirstLastPara="1" wrap="square" lIns="91425" tIns="91425" rIns="91425" bIns="91425" anchor="ctr" anchorCtr="0">
             <a:normAutofit/>
           </a:bodyPr>
           <a:lstStyle>
-            <a:lvl1pPr indent="-228600" lvl="0" marL="457200">
+            <a:lvl1pPr marL="457200" lvl="0" indent="-228600">
               <a:lnSpc>
                 <a:spcPct val="100000"/>
               </a:lnSpc>
@@ -5785,15 +5975,19 @@
               <a:defRPr/>
             </a:lvl1pPr>
           </a:lstStyle>
-          <a:p/>
+          <a:p>
+            <a:endParaRPr/>
+          </a:p>
         </p:txBody>
       </p:sp>
       <p:sp>
         <p:nvSpPr>
           <p:cNvPr id="43" name="Google Shape;43;p10"/>
-          <p:cNvSpPr txBox="1"/>
+          <p:cNvSpPr txBox="1">
+            <a:spLocks noGrp="1"/>
+          </p:cNvSpPr>
           <p:nvPr>
-            <p:ph idx="12" type="sldNum"/>
+            <p:ph type="sldNum" idx="12"/>
           </p:nvPr>
         </p:nvSpPr>
         <p:spPr>
@@ -5806,7 +6000,7 @@
           </a:prstGeom>
         </p:spPr>
         <p:txBody>
-          <a:bodyPr anchorCtr="0" anchor="ctr" bIns="91425" lIns="91425" spcFirstLastPara="1" rIns="91425" wrap="square" tIns="91425">
+          <a:bodyPr spcFirstLastPara="1" wrap="square" lIns="91425" tIns="91425" rIns="91425" bIns="91425" anchor="ctr" anchorCtr="0">
             <a:normAutofit/>
           </a:bodyPr>
           <a:lstStyle>
@@ -5848,7 +6042,7 @@
             </a:lvl9pPr>
           </a:lstStyle>
           <a:p>
-            <a:pPr indent="0" lvl="0" marL="0" rtl="0" algn="r">
+            <a:pPr marL="0" lvl="0" indent="0" algn="r" rtl="0">
               <a:spcBef>
                 <a:spcPts val="0"/>
               </a:spcBef>
@@ -5874,18 +6068,19 @@
 </file>
 
 <file path=ppt/slideMasters/slideMaster1.xml><?xml version="1.0" encoding="utf-8"?>
-<p:sldMaster xmlns:a="http://schemas.openxmlformats.org/drawingml/2006/main" xmlns:r="http://schemas.openxmlformats.org/officeDocument/2006/relationships" xmlns:mc="http://schemas.openxmlformats.org/markup-compatibility/2006" xmlns:mv="urn:schemas-microsoft-com:mac:vml" xmlns:p="http://schemas.openxmlformats.org/presentationml/2006/main" xmlns:c="http://schemas.openxmlformats.org/drawingml/2006/chart" xmlns:dgm="http://schemas.openxmlformats.org/drawingml/2006/diagram" xmlns:o="urn:schemas-microsoft-com:office:office" xmlns:v="urn:schemas-microsoft-com:vml" xmlns:pvml="urn:schemas-microsoft-com:office:powerpoint" xmlns:com="http://schemas.openxmlformats.org/drawingml/2006/compatibility" xmlns:p14="http://schemas.microsoft.com/office/powerpoint/2010/main" xmlns:p15="http://schemas.microsoft.com/office/powerpoint/2012/main" xmlns:ahyp="http://schemas.microsoft.com/office/drawing/2018/hyperlinkcolor">
+<p:sldMaster xmlns:a="http://schemas.openxmlformats.org/drawingml/2006/main" xmlns:r="http://schemas.openxmlformats.org/officeDocument/2006/relationships" xmlns:p="http://schemas.openxmlformats.org/presentationml/2006/main">
   <p:cSld name="simple-light-2">
     <p:bg>
       <p:bgPr>
         <a:solidFill>
           <a:schemeClr val="lt1"/>
         </a:solidFill>
+        <a:effectLst/>
       </p:bgPr>
     </p:bg>
     <p:spTree>
       <p:nvGrpSpPr>
-        <p:cNvPr id="5" name="Shape 5"/>
+        <p:cNvPr id="1" name="Shape 5"/>
         <p:cNvGrpSpPr/>
         <p:nvPr/>
       </p:nvGrpSpPr>
@@ -5900,7 +6095,9 @@
       <p:sp>
         <p:nvSpPr>
           <p:cNvPr id="6" name="Google Shape;6;p1"/>
-          <p:cNvSpPr txBox="1"/>
+          <p:cNvSpPr txBox="1">
+            <a:spLocks noGrp="1"/>
+          </p:cNvSpPr>
           <p:nvPr>
             <p:ph type="title"/>
           </p:nvPr>
@@ -5919,7 +6116,7 @@
           </a:ln>
         </p:spPr>
         <p:txBody>
-          <a:bodyPr anchorCtr="0" anchor="t" bIns="91425" lIns="91425" spcFirstLastPara="1" rIns="91425" wrap="square" tIns="91425">
+          <a:bodyPr spcFirstLastPara="1" wrap="square" lIns="91425" tIns="91425" rIns="91425" bIns="91425" anchor="t" anchorCtr="0">
             <a:normAutofit/>
           </a:bodyPr>
           <a:lstStyle>
@@ -6086,15 +6283,19 @@
               </a:defRPr>
             </a:lvl9pPr>
           </a:lstStyle>
-          <a:p/>
+          <a:p>
+            <a:endParaRPr/>
+          </a:p>
         </p:txBody>
       </p:sp>
       <p:sp>
         <p:nvSpPr>
           <p:cNvPr id="7" name="Google Shape;7;p1"/>
-          <p:cNvSpPr txBox="1"/>
+          <p:cNvSpPr txBox="1">
+            <a:spLocks noGrp="1"/>
+          </p:cNvSpPr>
           <p:nvPr>
-            <p:ph idx="1" type="body"/>
+            <p:ph type="body" idx="1"/>
           </p:nvPr>
         </p:nvSpPr>
         <p:spPr>
@@ -6111,11 +6312,11 @@
           </a:ln>
         </p:spPr>
         <p:txBody>
-          <a:bodyPr anchorCtr="0" anchor="t" bIns="91425" lIns="91425" spcFirstLastPara="1" rIns="91425" wrap="square" tIns="91425">
+          <a:bodyPr spcFirstLastPara="1" wrap="square" lIns="91425" tIns="91425" rIns="91425" bIns="91425" anchor="t" anchorCtr="0">
             <a:normAutofit/>
           </a:bodyPr>
           <a:lstStyle>
-            <a:lvl1pPr indent="-342900" lvl="0" marL="457200">
+            <a:lvl1pPr marL="457200" lvl="0" indent="-342900">
               <a:lnSpc>
                 <a:spcPct val="115000"/>
               </a:lnSpc>
@@ -6136,7 +6337,7 @@
                 </a:solidFill>
               </a:defRPr>
             </a:lvl1pPr>
-            <a:lvl2pPr indent="-317500" lvl="1" marL="914400">
+            <a:lvl2pPr marL="914400" lvl="1" indent="-317500">
               <a:lnSpc>
                 <a:spcPct val="115000"/>
               </a:lnSpc>
@@ -6157,7 +6358,7 @@
                 </a:solidFill>
               </a:defRPr>
             </a:lvl2pPr>
-            <a:lvl3pPr indent="-317500" lvl="2" marL="1371600">
+            <a:lvl3pPr marL="1371600" lvl="2" indent="-317500">
               <a:lnSpc>
                 <a:spcPct val="115000"/>
               </a:lnSpc>
@@ -6178,7 +6379,7 @@
                 </a:solidFill>
               </a:defRPr>
             </a:lvl3pPr>
-            <a:lvl4pPr indent="-317500" lvl="3" marL="1828800">
+            <a:lvl4pPr marL="1828800" lvl="3" indent="-317500">
               <a:lnSpc>
                 <a:spcPct val="115000"/>
               </a:lnSpc>
@@ -6199,7 +6400,7 @@
                 </a:solidFill>
               </a:defRPr>
             </a:lvl4pPr>
-            <a:lvl5pPr indent="-317500" lvl="4" marL="2286000">
+            <a:lvl5pPr marL="2286000" lvl="4" indent="-317500">
               <a:lnSpc>
                 <a:spcPct val="115000"/>
               </a:lnSpc>
@@ -6220,7 +6421,7 @@
                 </a:solidFill>
               </a:defRPr>
             </a:lvl5pPr>
-            <a:lvl6pPr indent="-317500" lvl="5" marL="2743200">
+            <a:lvl6pPr marL="2743200" lvl="5" indent="-317500">
               <a:lnSpc>
                 <a:spcPct val="115000"/>
               </a:lnSpc>
@@ -6241,7 +6442,7 @@
                 </a:solidFill>
               </a:defRPr>
             </a:lvl6pPr>
-            <a:lvl7pPr indent="-317500" lvl="6" marL="3200400">
+            <a:lvl7pPr marL="3200400" lvl="6" indent="-317500">
               <a:lnSpc>
                 <a:spcPct val="115000"/>
               </a:lnSpc>
@@ -6262,7 +6463,7 @@
                 </a:solidFill>
               </a:defRPr>
             </a:lvl7pPr>
-            <a:lvl8pPr indent="-317500" lvl="7" marL="3657600">
+            <a:lvl8pPr marL="3657600" lvl="7" indent="-317500">
               <a:lnSpc>
                 <a:spcPct val="115000"/>
               </a:lnSpc>
@@ -6283,7 +6484,7 @@
                 </a:solidFill>
               </a:defRPr>
             </a:lvl8pPr>
-            <a:lvl9pPr indent="-317500" lvl="8" marL="4114800">
+            <a:lvl9pPr marL="4114800" lvl="8" indent="-317500">
               <a:lnSpc>
                 <a:spcPct val="115000"/>
               </a:lnSpc>
@@ -6305,15 +6506,19 @@
               </a:defRPr>
             </a:lvl9pPr>
           </a:lstStyle>
-          <a:p/>
+          <a:p>
+            <a:endParaRPr/>
+          </a:p>
         </p:txBody>
       </p:sp>
       <p:sp>
         <p:nvSpPr>
           <p:cNvPr id="8" name="Google Shape;8;p1"/>
-          <p:cNvSpPr txBox="1"/>
+          <p:cNvSpPr txBox="1">
+            <a:spLocks noGrp="1"/>
+          </p:cNvSpPr>
           <p:nvPr>
-            <p:ph idx="12" type="sldNum"/>
+            <p:ph type="sldNum" idx="12"/>
           </p:nvPr>
         </p:nvSpPr>
         <p:spPr>
@@ -6330,7 +6535,7 @@
           </a:ln>
         </p:spPr>
         <p:txBody>
-          <a:bodyPr anchorCtr="0" anchor="ctr" bIns="91425" lIns="91425" spcFirstLastPara="1" rIns="91425" wrap="square" tIns="91425">
+          <a:bodyPr spcFirstLastPara="1" wrap="square" lIns="91425" tIns="91425" rIns="91425" bIns="91425" anchor="ctr" anchorCtr="0">
             <a:normAutofit/>
           </a:bodyPr>
           <a:lstStyle>
@@ -6408,7 +6613,7 @@
             </a:lvl9pPr>
           </a:lstStyle>
           <a:p>
-            <a:pPr indent="0" lvl="0" marL="0" rtl="0" algn="r">
+            <a:pPr marL="0" lvl="0" indent="0" algn="r" rtl="0">
               <a:spcBef>
                 <a:spcPts val="0"/>
               </a:spcBef>
@@ -6427,7 +6632,7 @@
       </p:sp>
     </p:spTree>
   </p:cSld>
-  <p:clrMap accent1="accent1" accent2="accent2" accent3="accent3" accent4="accent4" accent5="accent5" accent6="accent6" bg1="lt1" bg2="dk2" tx1="dk1" tx2="lt2" folHlink="folHlink" hlink="hlink"/>
+  <p:clrMap bg1="lt1" tx1="dk1" bg2="dk2" tx2="lt2" accent1="accent1" accent2="accent2" accent3="accent3" accent4="accent4" accent5="accent5" accent6="accent6" hlink="hlink" folHlink="folHlink"/>
   <p:sldLayoutIdLst>
     <p:sldLayoutId id="2147483648" r:id="rId1"/>
     <p:sldLayoutId id="2147483649" r:id="rId2"/>
@@ -6441,10 +6646,10 @@
     <p:sldLayoutId id="2147483657" r:id="rId10"/>
     <p:sldLayoutId id="2147483658" r:id="rId11"/>
   </p:sldLayoutIdLst>
-  <p:hf dt="0" ftr="0" hdr="0"/>
+  <p:hf hdr="0" ftr="0" dt="0"/>
   <p:txStyles>
     <p:titleStyle>
-      <a:defPPr lvl="0" marR="0" rtl="0" algn="l">
+      <a:defPPr marR="0" lvl="0" algn="l" rtl="0">
         <a:lnSpc>
           <a:spcPct val="100000"/>
         </a:lnSpc>
@@ -6455,7 +6660,7 @@
           <a:spcPts val="0"/>
         </a:spcAft>
       </a:defPPr>
-      <a:lvl1pPr lvl="0" marR="0" rtl="0" algn="l">
+      <a:lvl1pPr marR="0" lvl="0" algn="l" rtl="0">
         <a:lnSpc>
           <a:spcPct val="100000"/>
         </a:lnSpc>
@@ -6469,7 +6674,7 @@
           <a:srgbClr val="000000"/>
         </a:buClr>
         <a:buFont typeface="Arial"/>
-        <a:defRPr b="0" i="0" sz="1400" u="none" cap="none" strike="noStrike">
+        <a:defRPr sz="1400" b="0" i="0" u="none" strike="noStrike" cap="none">
           <a:solidFill>
             <a:srgbClr val="000000"/>
           </a:solidFill>
@@ -6479,7 +6684,7 @@
           <a:sym typeface="Arial"/>
         </a:defRPr>
       </a:lvl1pPr>
-      <a:lvl2pPr lvl="1" marR="0" rtl="0" algn="l">
+      <a:lvl2pPr marR="0" lvl="1" algn="l" rtl="0">
         <a:lnSpc>
           <a:spcPct val="100000"/>
         </a:lnSpc>
@@ -6493,7 +6698,7 @@
           <a:srgbClr val="000000"/>
         </a:buClr>
         <a:buFont typeface="Arial"/>
-        <a:defRPr b="0" i="0" sz="1400" u="none" cap="none" strike="noStrike">
+        <a:defRPr sz="1400" b="0" i="0" u="none" strike="noStrike" cap="none">
           <a:solidFill>
             <a:srgbClr val="000000"/>
           </a:solidFill>
@@ -6503,7 +6708,7 @@
           <a:sym typeface="Arial"/>
         </a:defRPr>
       </a:lvl2pPr>
-      <a:lvl3pPr lvl="2" marR="0" rtl="0" algn="l">
+      <a:lvl3pPr marR="0" lvl="2" algn="l" rtl="0">
         <a:lnSpc>
           <a:spcPct val="100000"/>
         </a:lnSpc>
@@ -6517,7 +6722,7 @@
           <a:srgbClr val="000000"/>
         </a:buClr>
         <a:buFont typeface="Arial"/>
-        <a:defRPr b="0" i="0" sz="1400" u="none" cap="none" strike="noStrike">
+        <a:defRPr sz="1400" b="0" i="0" u="none" strike="noStrike" cap="none">
           <a:solidFill>
             <a:srgbClr val="000000"/>
           </a:solidFill>
@@ -6527,7 +6732,7 @@
           <a:sym typeface="Arial"/>
         </a:defRPr>
       </a:lvl3pPr>
-      <a:lvl4pPr lvl="3" marR="0" rtl="0" algn="l">
+      <a:lvl4pPr marR="0" lvl="3" algn="l" rtl="0">
         <a:lnSpc>
           <a:spcPct val="100000"/>
         </a:lnSpc>
@@ -6541,7 +6746,7 @@
           <a:srgbClr val="000000"/>
         </a:buClr>
         <a:buFont typeface="Arial"/>
-        <a:defRPr b="0" i="0" sz="1400" u="none" cap="none" strike="noStrike">
+        <a:defRPr sz="1400" b="0" i="0" u="none" strike="noStrike" cap="none">
           <a:solidFill>
             <a:srgbClr val="000000"/>
           </a:solidFill>
@@ -6551,7 +6756,7 @@
           <a:sym typeface="Arial"/>
         </a:defRPr>
       </a:lvl4pPr>
-      <a:lvl5pPr lvl="4" marR="0" rtl="0" algn="l">
+      <a:lvl5pPr marR="0" lvl="4" algn="l" rtl="0">
         <a:lnSpc>
           <a:spcPct val="100000"/>
         </a:lnSpc>
@@ -6565,7 +6770,7 @@
           <a:srgbClr val="000000"/>
         </a:buClr>
         <a:buFont typeface="Arial"/>
-        <a:defRPr b="0" i="0" sz="1400" u="none" cap="none" strike="noStrike">
+        <a:defRPr sz="1400" b="0" i="0" u="none" strike="noStrike" cap="none">
           <a:solidFill>
             <a:srgbClr val="000000"/>
           </a:solidFill>
@@ -6575,7 +6780,7 @@
           <a:sym typeface="Arial"/>
         </a:defRPr>
       </a:lvl5pPr>
-      <a:lvl6pPr lvl="5" marR="0" rtl="0" algn="l">
+      <a:lvl6pPr marR="0" lvl="5" algn="l" rtl="0">
         <a:lnSpc>
           <a:spcPct val="100000"/>
         </a:lnSpc>
@@ -6589,7 +6794,7 @@
           <a:srgbClr val="000000"/>
         </a:buClr>
         <a:buFont typeface="Arial"/>
-        <a:defRPr b="0" i="0" sz="1400" u="none" cap="none" strike="noStrike">
+        <a:defRPr sz="1400" b="0" i="0" u="none" strike="noStrike" cap="none">
           <a:solidFill>
             <a:srgbClr val="000000"/>
           </a:solidFill>
@@ -6599,7 +6804,7 @@
           <a:sym typeface="Arial"/>
         </a:defRPr>
       </a:lvl6pPr>
-      <a:lvl7pPr lvl="6" marR="0" rtl="0" algn="l">
+      <a:lvl7pPr marR="0" lvl="6" algn="l" rtl="0">
         <a:lnSpc>
           <a:spcPct val="100000"/>
         </a:lnSpc>
@@ -6613,7 +6818,7 @@
           <a:srgbClr val="000000"/>
         </a:buClr>
         <a:buFont typeface="Arial"/>
-        <a:defRPr b="0" i="0" sz="1400" u="none" cap="none" strike="noStrike">
+        <a:defRPr sz="1400" b="0" i="0" u="none" strike="noStrike" cap="none">
           <a:solidFill>
             <a:srgbClr val="000000"/>
           </a:solidFill>
@@ -6623,7 +6828,7 @@
           <a:sym typeface="Arial"/>
         </a:defRPr>
       </a:lvl7pPr>
-      <a:lvl8pPr lvl="7" marR="0" rtl="0" algn="l">
+      <a:lvl8pPr marR="0" lvl="7" algn="l" rtl="0">
         <a:lnSpc>
           <a:spcPct val="100000"/>
         </a:lnSpc>
@@ -6637,7 +6842,7 @@
           <a:srgbClr val="000000"/>
         </a:buClr>
         <a:buFont typeface="Arial"/>
-        <a:defRPr b="0" i="0" sz="1400" u="none" cap="none" strike="noStrike">
+        <a:defRPr sz="1400" b="0" i="0" u="none" strike="noStrike" cap="none">
           <a:solidFill>
             <a:srgbClr val="000000"/>
           </a:solidFill>
@@ -6647,7 +6852,7 @@
           <a:sym typeface="Arial"/>
         </a:defRPr>
       </a:lvl8pPr>
-      <a:lvl9pPr lvl="8" marR="0" rtl="0" algn="l">
+      <a:lvl9pPr marR="0" lvl="8" algn="l" rtl="0">
         <a:lnSpc>
           <a:spcPct val="100000"/>
         </a:lnSpc>
@@ -6661,7 +6866,7 @@
           <a:srgbClr val="000000"/>
         </a:buClr>
         <a:buFont typeface="Arial"/>
-        <a:defRPr b="0" i="0" sz="1400" u="none" cap="none" strike="noStrike">
+        <a:defRPr sz="1400" b="0" i="0" u="none" strike="noStrike" cap="none">
           <a:solidFill>
             <a:srgbClr val="000000"/>
           </a:solidFill>
@@ -6673,7 +6878,7 @@
       </a:lvl9pPr>
     </p:titleStyle>
     <p:bodyStyle>
-      <a:defPPr lvl="0" marR="0" rtl="0" algn="l">
+      <a:defPPr marR="0" lvl="0" algn="l" rtl="0">
         <a:lnSpc>
           <a:spcPct val="100000"/>
         </a:lnSpc>
@@ -6684,7 +6889,7 @@
           <a:spcPts val="0"/>
         </a:spcAft>
       </a:defPPr>
-      <a:lvl1pPr lvl="0" marR="0" rtl="0" algn="l">
+      <a:lvl1pPr marR="0" lvl="0" algn="l" rtl="0">
         <a:lnSpc>
           <a:spcPct val="100000"/>
         </a:lnSpc>
@@ -6698,7 +6903,7 @@
           <a:srgbClr val="000000"/>
         </a:buClr>
         <a:buFont typeface="Arial"/>
-        <a:defRPr b="0" i="0" sz="1400" u="none" cap="none" strike="noStrike">
+        <a:defRPr sz="1400" b="0" i="0" u="none" strike="noStrike" cap="none">
           <a:solidFill>
             <a:srgbClr val="000000"/>
           </a:solidFill>
@@ -6708,7 +6913,7 @@
           <a:sym typeface="Arial"/>
         </a:defRPr>
       </a:lvl1pPr>
-      <a:lvl2pPr lvl="1" marR="0" rtl="0" algn="l">
+      <a:lvl2pPr marR="0" lvl="1" algn="l" rtl="0">
         <a:lnSpc>
           <a:spcPct val="100000"/>
         </a:lnSpc>
@@ -6722,7 +6927,7 @@
           <a:srgbClr val="000000"/>
         </a:buClr>
         <a:buFont typeface="Arial"/>
-        <a:defRPr b="0" i="0" sz="1400" u="none" cap="none" strike="noStrike">
+        <a:defRPr sz="1400" b="0" i="0" u="none" strike="noStrike" cap="none">
           <a:solidFill>
             <a:srgbClr val="000000"/>
           </a:solidFill>
@@ -6732,7 +6937,7 @@
           <a:sym typeface="Arial"/>
         </a:defRPr>
       </a:lvl2pPr>
-      <a:lvl3pPr lvl="2" marR="0" rtl="0" algn="l">
+      <a:lvl3pPr marR="0" lvl="2" algn="l" rtl="0">
         <a:lnSpc>
           <a:spcPct val="100000"/>
         </a:lnSpc>
@@ -6746,7 +6951,7 @@
           <a:srgbClr val="000000"/>
         </a:buClr>
         <a:buFont typeface="Arial"/>
-        <a:defRPr b="0" i="0" sz="1400" u="none" cap="none" strike="noStrike">
+        <a:defRPr sz="1400" b="0" i="0" u="none" strike="noStrike" cap="none">
           <a:solidFill>
             <a:srgbClr val="000000"/>
           </a:solidFill>
@@ -6756,7 +6961,7 @@
           <a:sym typeface="Arial"/>
         </a:defRPr>
       </a:lvl3pPr>
-      <a:lvl4pPr lvl="3" marR="0" rtl="0" algn="l">
+      <a:lvl4pPr marR="0" lvl="3" algn="l" rtl="0">
         <a:lnSpc>
           <a:spcPct val="100000"/>
         </a:lnSpc>
@@ -6770,7 +6975,7 @@
           <a:srgbClr val="000000"/>
         </a:buClr>
         <a:buFont typeface="Arial"/>
-        <a:defRPr b="0" i="0" sz="1400" u="none" cap="none" strike="noStrike">
+        <a:defRPr sz="1400" b="0" i="0" u="none" strike="noStrike" cap="none">
           <a:solidFill>
             <a:srgbClr val="000000"/>
           </a:solidFill>
@@ -6780,7 +6985,7 @@
           <a:sym typeface="Arial"/>
         </a:defRPr>
       </a:lvl4pPr>
-      <a:lvl5pPr lvl="4" marR="0" rtl="0" algn="l">
+      <a:lvl5pPr marR="0" lvl="4" algn="l" rtl="0">
         <a:lnSpc>
           <a:spcPct val="100000"/>
         </a:lnSpc>
@@ -6794,7 +6999,7 @@
           <a:srgbClr val="000000"/>
         </a:buClr>
         <a:buFont typeface="Arial"/>
-        <a:defRPr b="0" i="0" sz="1400" u="none" cap="none" strike="noStrike">
+        <a:defRPr sz="1400" b="0" i="0" u="none" strike="noStrike" cap="none">
           <a:solidFill>
             <a:srgbClr val="000000"/>
           </a:solidFill>
@@ -6804,7 +7009,7 @@
           <a:sym typeface="Arial"/>
         </a:defRPr>
       </a:lvl5pPr>
-      <a:lvl6pPr lvl="5" marR="0" rtl="0" algn="l">
+      <a:lvl6pPr marR="0" lvl="5" algn="l" rtl="0">
         <a:lnSpc>
           <a:spcPct val="100000"/>
         </a:lnSpc>
@@ -6818,7 +7023,7 @@
           <a:srgbClr val="000000"/>
         </a:buClr>
         <a:buFont typeface="Arial"/>
-        <a:defRPr b="0" i="0" sz="1400" u="none" cap="none" strike="noStrike">
+        <a:defRPr sz="1400" b="0" i="0" u="none" strike="noStrike" cap="none">
           <a:solidFill>
             <a:srgbClr val="000000"/>
           </a:solidFill>
@@ -6828,7 +7033,7 @@
           <a:sym typeface="Arial"/>
         </a:defRPr>
       </a:lvl6pPr>
-      <a:lvl7pPr lvl="6" marR="0" rtl="0" algn="l">
+      <a:lvl7pPr marR="0" lvl="6" algn="l" rtl="0">
         <a:lnSpc>
           <a:spcPct val="100000"/>
         </a:lnSpc>
@@ -6842,7 +7047,7 @@
           <a:srgbClr val="000000"/>
         </a:buClr>
         <a:buFont typeface="Arial"/>
-        <a:defRPr b="0" i="0" sz="1400" u="none" cap="none" strike="noStrike">
+        <a:defRPr sz="1400" b="0" i="0" u="none" strike="noStrike" cap="none">
           <a:solidFill>
             <a:srgbClr val="000000"/>
           </a:solidFill>
@@ -6852,7 +7057,7 @@
           <a:sym typeface="Arial"/>
         </a:defRPr>
       </a:lvl7pPr>
-      <a:lvl8pPr lvl="7" marR="0" rtl="0" algn="l">
+      <a:lvl8pPr marR="0" lvl="7" algn="l" rtl="0">
         <a:lnSpc>
           <a:spcPct val="100000"/>
         </a:lnSpc>
@@ -6866,7 +7071,7 @@
           <a:srgbClr val="000000"/>
         </a:buClr>
         <a:buFont typeface="Arial"/>
-        <a:defRPr b="0" i="0" sz="1400" u="none" cap="none" strike="noStrike">
+        <a:defRPr sz="1400" b="0" i="0" u="none" strike="noStrike" cap="none">
           <a:solidFill>
             <a:srgbClr val="000000"/>
           </a:solidFill>
@@ -6876,7 +7081,7 @@
           <a:sym typeface="Arial"/>
         </a:defRPr>
       </a:lvl8pPr>
-      <a:lvl9pPr lvl="8" marR="0" rtl="0" algn="l">
+      <a:lvl9pPr marR="0" lvl="8" algn="l" rtl="0">
         <a:lnSpc>
           <a:spcPct val="100000"/>
         </a:lnSpc>
@@ -6890,7 +7095,7 @@
           <a:srgbClr val="000000"/>
         </a:buClr>
         <a:buFont typeface="Arial"/>
-        <a:defRPr b="0" i="0" sz="1400" u="none" cap="none" strike="noStrike">
+        <a:defRPr sz="1400" b="0" i="0" u="none" strike="noStrike" cap="none">
           <a:solidFill>
             <a:srgbClr val="000000"/>
           </a:solidFill>
@@ -6902,7 +7107,7 @@
       </a:lvl9pPr>
     </p:bodyStyle>
     <p:otherStyle>
-      <a:defPPr lvl="0" marR="0" rtl="0" algn="l">
+      <a:defPPr marR="0" lvl="0" algn="l" rtl="0">
         <a:lnSpc>
           <a:spcPct val="100000"/>
         </a:lnSpc>
@@ -6913,7 +7118,7 @@
           <a:spcPts val="0"/>
         </a:spcAft>
       </a:defPPr>
-      <a:lvl1pPr lvl="0" marR="0" rtl="0" algn="l">
+      <a:lvl1pPr marR="0" lvl="0" algn="l" rtl="0">
         <a:lnSpc>
           <a:spcPct val="100000"/>
         </a:lnSpc>
@@ -6927,7 +7132,7 @@
           <a:srgbClr val="000000"/>
         </a:buClr>
         <a:buFont typeface="Arial"/>
-        <a:defRPr b="0" i="0" sz="1400" u="none" cap="none" strike="noStrike">
+        <a:defRPr sz="1400" b="0" i="0" u="none" strike="noStrike" cap="none">
           <a:solidFill>
             <a:srgbClr val="000000"/>
           </a:solidFill>
@@ -6937,7 +7142,7 @@
           <a:sym typeface="Arial"/>
         </a:defRPr>
       </a:lvl1pPr>
-      <a:lvl2pPr lvl="1" marR="0" rtl="0" algn="l">
+      <a:lvl2pPr marR="0" lvl="1" algn="l" rtl="0">
         <a:lnSpc>
           <a:spcPct val="100000"/>
         </a:lnSpc>
@@ -6951,7 +7156,7 @@
           <a:srgbClr val="000000"/>
         </a:buClr>
         <a:buFont typeface="Arial"/>
-        <a:defRPr b="0" i="0" sz="1400" u="none" cap="none" strike="noStrike">
+        <a:defRPr sz="1400" b="0" i="0" u="none" strike="noStrike" cap="none">
           <a:solidFill>
             <a:srgbClr val="000000"/>
           </a:solidFill>
@@ -6961,7 +7166,7 @@
           <a:sym typeface="Arial"/>
         </a:defRPr>
       </a:lvl2pPr>
-      <a:lvl3pPr lvl="2" marR="0" rtl="0" algn="l">
+      <a:lvl3pPr marR="0" lvl="2" algn="l" rtl="0">
         <a:lnSpc>
           <a:spcPct val="100000"/>
         </a:lnSpc>
@@ -6975,7 +7180,7 @@
           <a:srgbClr val="000000"/>
         </a:buClr>
         <a:buFont typeface="Arial"/>
-        <a:defRPr b="0" i="0" sz="1400" u="none" cap="none" strike="noStrike">
+        <a:defRPr sz="1400" b="0" i="0" u="none" strike="noStrike" cap="none">
           <a:solidFill>
             <a:srgbClr val="000000"/>
           </a:solidFill>
@@ -6985,7 +7190,7 @@
           <a:sym typeface="Arial"/>
         </a:defRPr>
       </a:lvl3pPr>
-      <a:lvl4pPr lvl="3" marR="0" rtl="0" algn="l">
+      <a:lvl4pPr marR="0" lvl="3" algn="l" rtl="0">
         <a:lnSpc>
           <a:spcPct val="100000"/>
         </a:lnSpc>
@@ -6999,7 +7204,7 @@
           <a:srgbClr val="000000"/>
         </a:buClr>
         <a:buFont typeface="Arial"/>
-        <a:defRPr b="0" i="0" sz="1400" u="none" cap="none" strike="noStrike">
+        <a:defRPr sz="1400" b="0" i="0" u="none" strike="noStrike" cap="none">
           <a:solidFill>
             <a:srgbClr val="000000"/>
           </a:solidFill>
@@ -7009,7 +7214,7 @@
           <a:sym typeface="Arial"/>
         </a:defRPr>
       </a:lvl4pPr>
-      <a:lvl5pPr lvl="4" marR="0" rtl="0" algn="l">
+      <a:lvl5pPr marR="0" lvl="4" algn="l" rtl="0">
         <a:lnSpc>
           <a:spcPct val="100000"/>
         </a:lnSpc>
@@ -7023,7 +7228,7 @@
           <a:srgbClr val="000000"/>
         </a:buClr>
         <a:buFont typeface="Arial"/>
-        <a:defRPr b="0" i="0" sz="1400" u="none" cap="none" strike="noStrike">
+        <a:defRPr sz="1400" b="0" i="0" u="none" strike="noStrike" cap="none">
           <a:solidFill>
             <a:srgbClr val="000000"/>
           </a:solidFill>
@@ -7033,7 +7238,7 @@
           <a:sym typeface="Arial"/>
         </a:defRPr>
       </a:lvl5pPr>
-      <a:lvl6pPr lvl="5" marR="0" rtl="0" algn="l">
+      <a:lvl6pPr marR="0" lvl="5" algn="l" rtl="0">
         <a:lnSpc>
           <a:spcPct val="100000"/>
         </a:lnSpc>
@@ -7047,7 +7252,7 @@
           <a:srgbClr val="000000"/>
         </a:buClr>
         <a:buFont typeface="Arial"/>
-        <a:defRPr b="0" i="0" sz="1400" u="none" cap="none" strike="noStrike">
+        <a:defRPr sz="1400" b="0" i="0" u="none" strike="noStrike" cap="none">
           <a:solidFill>
             <a:srgbClr val="000000"/>
           </a:solidFill>
@@ -7057,7 +7262,7 @@
           <a:sym typeface="Arial"/>
         </a:defRPr>
       </a:lvl6pPr>
-      <a:lvl7pPr lvl="6" marR="0" rtl="0" algn="l">
+      <a:lvl7pPr marR="0" lvl="6" algn="l" rtl="0">
         <a:lnSpc>
           <a:spcPct val="100000"/>
         </a:lnSpc>
@@ -7071,7 +7276,7 @@
           <a:srgbClr val="000000"/>
         </a:buClr>
         <a:buFont typeface="Arial"/>
-        <a:defRPr b="0" i="0" sz="1400" u="none" cap="none" strike="noStrike">
+        <a:defRPr sz="1400" b="0" i="0" u="none" strike="noStrike" cap="none">
           <a:solidFill>
             <a:srgbClr val="000000"/>
           </a:solidFill>
@@ -7081,7 +7286,7 @@
           <a:sym typeface="Arial"/>
         </a:defRPr>
       </a:lvl7pPr>
-      <a:lvl8pPr lvl="7" marR="0" rtl="0" algn="l">
+      <a:lvl8pPr marR="0" lvl="7" algn="l" rtl="0">
         <a:lnSpc>
           <a:spcPct val="100000"/>
         </a:lnSpc>
@@ -7095,7 +7300,7 @@
           <a:srgbClr val="000000"/>
         </a:buClr>
         <a:buFont typeface="Arial"/>
-        <a:defRPr b="0" i="0" sz="1400" u="none" cap="none" strike="noStrike">
+        <a:defRPr sz="1400" b="0" i="0" u="none" strike="noStrike" cap="none">
           <a:solidFill>
             <a:srgbClr val="000000"/>
           </a:solidFill>
@@ -7105,7 +7310,7 @@
           <a:sym typeface="Arial"/>
         </a:defRPr>
       </a:lvl8pPr>
-      <a:lvl9pPr lvl="8" marR="0" rtl="0" algn="l">
+      <a:lvl9pPr marR="0" lvl="8" algn="l" rtl="0">
         <a:lnSpc>
           <a:spcPct val="100000"/>
         </a:lnSpc>
@@ -7119,7 +7324,7 @@
           <a:srgbClr val="000000"/>
         </a:buClr>
         <a:buFont typeface="Arial"/>
-        <a:defRPr b="0" i="0" sz="1400" u="none" cap="none" strike="noStrike">
+        <a:defRPr sz="1400" b="0" i="0" u="none" strike="noStrike" cap="none">
           <a:solidFill>
             <a:srgbClr val="000000"/>
           </a:solidFill>
@@ -7135,11 +7340,11 @@
 </file>
 
 <file path=ppt/slides/slide1.xml><?xml version="1.0" encoding="utf-8"?>
-<p:sld xmlns:a="http://schemas.openxmlformats.org/drawingml/2006/main" xmlns:r="http://schemas.openxmlformats.org/officeDocument/2006/relationships" xmlns:mc="http://schemas.openxmlformats.org/markup-compatibility/2006" xmlns:mv="urn:schemas-microsoft-com:mac:vml" xmlns:p="http://schemas.openxmlformats.org/presentationml/2006/main" xmlns:c="http://schemas.openxmlformats.org/drawingml/2006/chart" xmlns:dgm="http://schemas.openxmlformats.org/drawingml/2006/diagram" xmlns:o="urn:schemas-microsoft-com:office:office" xmlns:v="urn:schemas-microsoft-com:vml" xmlns:pvml="urn:schemas-microsoft-com:office:powerpoint" xmlns:com="http://schemas.openxmlformats.org/drawingml/2006/compatibility" xmlns:p14="http://schemas.microsoft.com/office/powerpoint/2010/main" xmlns:p15="http://schemas.microsoft.com/office/powerpoint/2012/main" xmlns:ahyp="http://schemas.microsoft.com/office/drawing/2018/hyperlinkcolor">
+<p:sld xmlns:a="http://schemas.openxmlformats.org/drawingml/2006/main" xmlns:r="http://schemas.openxmlformats.org/officeDocument/2006/relationships" xmlns:p="http://schemas.openxmlformats.org/presentationml/2006/main">
   <p:cSld>
     <p:spTree>
       <p:nvGrpSpPr>
-        <p:cNvPr id="53" name="Shape 53"/>
+        <p:cNvPr id="1" name="Shape 53"/>
         <p:cNvGrpSpPr/>
         <p:nvPr/>
       </p:nvGrpSpPr>
@@ -7154,7 +7359,9 @@
       <p:sp>
         <p:nvSpPr>
           <p:cNvPr id="54" name="Google Shape;54;p13"/>
-          <p:cNvSpPr txBox="1"/>
+          <p:cNvSpPr txBox="1">
+            <a:spLocks noGrp="1"/>
+          </p:cNvSpPr>
           <p:nvPr>
             <p:ph type="ctrTitle"/>
           </p:nvPr>
@@ -7169,12 +7376,12 @@
           </a:prstGeom>
         </p:spPr>
         <p:txBody>
-          <a:bodyPr anchorCtr="0" anchor="b" bIns="91425" lIns="91425" spcFirstLastPara="1" rIns="91425" wrap="square" tIns="91425">
+          <a:bodyPr spcFirstLastPara="1" wrap="square" lIns="91425" tIns="91425" rIns="91425" bIns="91425" anchor="b" anchorCtr="0">
             <a:normAutofit/>
           </a:bodyPr>
           <a:lstStyle/>
           <a:p>
-            <a:pPr indent="0" lvl="0" marL="0" rtl="0" algn="ctr">
+            <a:pPr marL="0" lvl="0" indent="0" algn="ctr" rtl="0">
               <a:spcBef>
                 <a:spcPts val="0"/>
               </a:spcBef>
@@ -7204,9 +7411,11 @@
       <p:sp>
         <p:nvSpPr>
           <p:cNvPr id="55" name="Google Shape;55;p13"/>
-          <p:cNvSpPr txBox="1"/>
+          <p:cNvSpPr txBox="1">
+            <a:spLocks noGrp="1"/>
+          </p:cNvSpPr>
           <p:nvPr>
-            <p:ph idx="12" type="sldNum"/>
+            <p:ph type="sldNum" idx="12"/>
           </p:nvPr>
         </p:nvSpPr>
         <p:spPr>
@@ -7219,12 +7428,12 @@
           </a:prstGeom>
         </p:spPr>
         <p:txBody>
-          <a:bodyPr anchorCtr="0" anchor="ctr" bIns="91425" lIns="91425" spcFirstLastPara="1" rIns="91425" wrap="square" tIns="91425">
+          <a:bodyPr spcFirstLastPara="1" wrap="square" lIns="91425" tIns="91425" rIns="91425" bIns="91425" anchor="ctr" anchorCtr="0">
             <a:normAutofit/>
           </a:bodyPr>
           <a:lstStyle/>
           <a:p>
-            <a:pPr indent="0" lvl="0" marL="0" rtl="0" algn="r">
+            <a:pPr marL="0" lvl="0" indent="0" algn="r" rtl="0">
               <a:spcBef>
                 <a:spcPts val="0"/>
               </a:spcBef>
@@ -7234,8 +7443,8 @@
               <a:buNone/>
             </a:pPr>
             <a:fld id="{00000000-1234-1234-1234-123412341234}" type="slidenum">
-              <a:rPr lang="zh-TW"/>
-              <a:t>‹#›</a:t>
+              <a:rPr lang="en-US" altLang="zh-TW"/>
+              <a:t>1</a:t>
             </a:fld>
             <a:endParaRPr/>
           </a:p>
@@ -7250,11 +7459,11 @@
 </file>
 
 <file path=ppt/slides/slide10.xml><?xml version="1.0" encoding="utf-8"?>
-<p:sld xmlns:a="http://schemas.openxmlformats.org/drawingml/2006/main" xmlns:r="http://schemas.openxmlformats.org/officeDocument/2006/relationships" xmlns:mc="http://schemas.openxmlformats.org/markup-compatibility/2006" xmlns:mv="urn:schemas-microsoft-com:mac:vml" xmlns:p="http://schemas.openxmlformats.org/presentationml/2006/main" xmlns:c="http://schemas.openxmlformats.org/drawingml/2006/chart" xmlns:dgm="http://schemas.openxmlformats.org/drawingml/2006/diagram" xmlns:o="urn:schemas-microsoft-com:office:office" xmlns:v="urn:schemas-microsoft-com:vml" xmlns:pvml="urn:schemas-microsoft-com:office:powerpoint" xmlns:com="http://schemas.openxmlformats.org/drawingml/2006/compatibility" xmlns:p14="http://schemas.microsoft.com/office/powerpoint/2010/main" xmlns:p15="http://schemas.microsoft.com/office/powerpoint/2012/main" xmlns:ahyp="http://schemas.microsoft.com/office/drawing/2018/hyperlinkcolor">
+<p:sld xmlns:a="http://schemas.openxmlformats.org/drawingml/2006/main" xmlns:r="http://schemas.openxmlformats.org/officeDocument/2006/relationships" xmlns:p="http://schemas.openxmlformats.org/presentationml/2006/main">
   <p:cSld>
     <p:spTree>
       <p:nvGrpSpPr>
-        <p:cNvPr id="132" name="Shape 132"/>
+        <p:cNvPr id="1" name="Shape 132"/>
         <p:cNvGrpSpPr/>
         <p:nvPr/>
       </p:nvGrpSpPr>
@@ -7269,7 +7478,9 @@
       <p:sp>
         <p:nvSpPr>
           <p:cNvPr id="133" name="Google Shape;133;p22"/>
-          <p:cNvSpPr txBox="1"/>
+          <p:cNvSpPr txBox="1">
+            <a:spLocks noGrp="1"/>
+          </p:cNvSpPr>
           <p:nvPr>
             <p:ph type="title"/>
           </p:nvPr>
@@ -7284,12 +7495,12 @@
           </a:prstGeom>
         </p:spPr>
         <p:txBody>
-          <a:bodyPr anchorCtr="0" anchor="t" bIns="91425" lIns="91425" spcFirstLastPara="1" rIns="91425" wrap="square" tIns="91425">
+          <a:bodyPr spcFirstLastPara="1" wrap="square" lIns="91425" tIns="91425" rIns="91425" bIns="91425" anchor="t" anchorCtr="0">
             <a:normAutofit fontScale="90000"/>
           </a:bodyPr>
           <a:lstStyle/>
           <a:p>
-            <a:pPr indent="0" lvl="0" marL="0" rtl="0" algn="l">
+            <a:pPr marL="0" lvl="0" indent="0" algn="l" rtl="0">
               <a:spcBef>
                 <a:spcPts val="0"/>
               </a:spcBef>
@@ -7321,23 +7532,25 @@
             <a:avLst/>
           </a:prstGeom>
           <a:noFill/>
-          <a:ln cap="flat" cmpd="sng" w="19050">
+          <a:ln w="19050" cap="flat" cmpd="sng">
             <a:solidFill>
               <a:schemeClr val="dk2"/>
             </a:solidFill>
             <a:prstDash val="solid"/>
             <a:round/>
-            <a:headEnd len="med" w="med" type="none"/>
-            <a:tailEnd len="med" w="med" type="none"/>
+            <a:headEnd type="none" w="med" len="med"/>
+            <a:tailEnd type="none" w="med" len="med"/>
           </a:ln>
         </p:spPr>
       </p:cxnSp>
       <p:sp>
         <p:nvSpPr>
           <p:cNvPr id="135" name="Google Shape;135;p22"/>
-          <p:cNvSpPr txBox="1"/>
+          <p:cNvSpPr txBox="1">
+            <a:spLocks noGrp="1"/>
+          </p:cNvSpPr>
           <p:nvPr>
-            <p:ph idx="1" type="body"/>
+            <p:ph type="body" idx="1"/>
           </p:nvPr>
         </p:nvSpPr>
         <p:spPr>
@@ -7350,12 +7563,12 @@
           </a:prstGeom>
         </p:spPr>
         <p:txBody>
-          <a:bodyPr anchorCtr="0" anchor="t" bIns="91425" lIns="91425" spcFirstLastPara="1" rIns="91425" wrap="square" tIns="91425">
+          <a:bodyPr spcFirstLastPara="1" wrap="square" lIns="91425" tIns="91425" rIns="91425" bIns="91425" anchor="t" anchorCtr="0">
             <a:spAutoFit/>
           </a:bodyPr>
           <a:lstStyle/>
           <a:p>
-            <a:pPr indent="-304800" lvl="0" marL="457200" rtl="0" algn="l">
+            <a:pPr marL="457200" lvl="0" indent="-304800" algn="l" rtl="0">
               <a:lnSpc>
                 <a:spcPct val="100000"/>
               </a:lnSpc>
@@ -7375,7 +7588,7 @@
             <a:endParaRPr sz="1200"/>
           </a:p>
           <a:p>
-            <a:pPr indent="0" lvl="0" marL="457200" rtl="0" algn="l">
+            <a:pPr marL="457200" lvl="0" indent="0" algn="l" rtl="0">
               <a:lnSpc>
                 <a:spcPct val="100000"/>
               </a:lnSpc>
@@ -7394,7 +7607,7 @@
             <a:endParaRPr sz="1200"/>
           </a:p>
           <a:p>
-            <a:pPr indent="0" lvl="0" marL="457200" rtl="0" algn="l">
+            <a:pPr marL="457200" lvl="0" indent="0" algn="l" rtl="0">
               <a:lnSpc>
                 <a:spcPct val="100000"/>
               </a:lnSpc>
@@ -7408,16 +7621,12 @@
             </a:pPr>
             <a:r>
               <a:rPr lang="zh-TW" sz="1200"/>
-              <a:t>even if they have </a:t>
-            </a:r>
-            <a:r>
-              <a:rPr lang="zh-TW" sz="1200"/>
-              <a:t>different durations.</a:t>
+              <a:t>even if they have different durations.</a:t>
             </a:r>
             <a:endParaRPr sz="1200"/>
           </a:p>
           <a:p>
-            <a:pPr indent="0" lvl="0" marL="457200" rtl="0" algn="l">
+            <a:pPr marL="457200" lvl="0" indent="0" algn="l" rtl="0">
               <a:lnSpc>
                 <a:spcPct val="100000"/>
               </a:lnSpc>
@@ -7429,13 +7638,10 @@
               </a:spcAft>
               <a:buNone/>
             </a:pPr>
-            <a:r>
-              <a:t/>
-            </a:r>
             <a:endParaRPr sz="1200"/>
           </a:p>
           <a:p>
-            <a:pPr indent="-304800" lvl="0" marL="457200" rtl="0" algn="l">
+            <a:pPr marL="457200" lvl="0" indent="-304800" algn="l" rtl="0">
               <a:lnSpc>
                 <a:spcPct val="100000"/>
               </a:lnSpc>
@@ -7455,7 +7661,7 @@
             <a:endParaRPr sz="1200"/>
           </a:p>
           <a:p>
-            <a:pPr indent="0" lvl="0" marL="457200" rtl="0" algn="l">
+            <a:pPr marL="457200" lvl="0" indent="0" algn="l" rtl="0">
               <a:lnSpc>
                 <a:spcPct val="100000"/>
               </a:lnSpc>
@@ -7474,7 +7680,7 @@
             <a:endParaRPr sz="1200"/>
           </a:p>
           <a:p>
-            <a:pPr indent="0" lvl="0" marL="457200" rtl="0" algn="l">
+            <a:pPr marL="457200" lvl="0" indent="0" algn="l" rtl="0">
               <a:lnSpc>
                 <a:spcPct val="100000"/>
               </a:lnSpc>
@@ -7486,13 +7692,10 @@
               </a:spcAft>
               <a:buNone/>
             </a:pPr>
-            <a:r>
-              <a:t/>
-            </a:r>
             <a:endParaRPr sz="1200"/>
           </a:p>
           <a:p>
-            <a:pPr indent="-304800" lvl="0" marL="457200" rtl="0" algn="l">
+            <a:pPr marL="457200" lvl="0" indent="-304800" algn="l" rtl="0">
               <a:lnSpc>
                 <a:spcPct val="100000"/>
               </a:lnSpc>
@@ -7512,7 +7715,7 @@
             <a:endParaRPr sz="1200"/>
           </a:p>
           <a:p>
-            <a:pPr indent="0" lvl="0" marL="457200" rtl="0" algn="l">
+            <a:pPr marL="457200" lvl="0" indent="0" algn="l" rtl="0">
               <a:lnSpc>
                 <a:spcPct val="100000"/>
               </a:lnSpc>
@@ -7535,9 +7738,11 @@
       <p:sp>
         <p:nvSpPr>
           <p:cNvPr id="136" name="Google Shape;136;p22"/>
-          <p:cNvSpPr txBox="1"/>
+          <p:cNvSpPr txBox="1">
+            <a:spLocks noGrp="1"/>
+          </p:cNvSpPr>
           <p:nvPr>
-            <p:ph idx="12" type="sldNum"/>
+            <p:ph type="sldNum" idx="12"/>
           </p:nvPr>
         </p:nvSpPr>
         <p:spPr>
@@ -7550,12 +7755,12 @@
           </a:prstGeom>
         </p:spPr>
         <p:txBody>
-          <a:bodyPr anchorCtr="0" anchor="ctr" bIns="91425" lIns="91425" spcFirstLastPara="1" rIns="91425" wrap="square" tIns="91425">
+          <a:bodyPr spcFirstLastPara="1" wrap="square" lIns="91425" tIns="91425" rIns="91425" bIns="91425" anchor="ctr" anchorCtr="0">
             <a:normAutofit/>
           </a:bodyPr>
           <a:lstStyle/>
           <a:p>
-            <a:pPr indent="0" lvl="0" marL="0" rtl="0" algn="r">
+            <a:pPr marL="0" lvl="0" indent="0" algn="r" rtl="0">
               <a:spcBef>
                 <a:spcPts val="0"/>
               </a:spcBef>
@@ -7565,8 +7770,8 @@
               <a:buNone/>
             </a:pPr>
             <a:fld id="{00000000-1234-1234-1234-123412341234}" type="slidenum">
-              <a:rPr lang="zh-TW"/>
-              <a:t>‹#›</a:t>
+              <a:rPr lang="en-US" altLang="zh-TW"/>
+              <a:t>10</a:t>
             </a:fld>
             <a:endParaRPr/>
           </a:p>
@@ -7592,12 +7797,12 @@
           </a:ln>
         </p:spPr>
         <p:txBody>
-          <a:bodyPr anchorCtr="0" anchor="t" bIns="91425" lIns="91425" spcFirstLastPara="1" rIns="91425" wrap="square" tIns="91425">
+          <a:bodyPr spcFirstLastPara="1" wrap="square" lIns="91425" tIns="91425" rIns="91425" bIns="91425" anchor="t" anchorCtr="0">
             <a:spAutoFit/>
           </a:bodyPr>
           <a:lstStyle/>
           <a:p>
-            <a:pPr indent="0" lvl="0" marL="0" rtl="0" algn="ctr">
+            <a:pPr marL="0" lvl="0" indent="0" algn="ctr" rtl="0">
               <a:spcBef>
                 <a:spcPts val="0"/>
               </a:spcBef>
@@ -7651,11 +7856,11 @@
 </file>
 
 <file path=ppt/slides/slide11.xml><?xml version="1.0" encoding="utf-8"?>
-<p:sld xmlns:a="http://schemas.openxmlformats.org/drawingml/2006/main" xmlns:r="http://schemas.openxmlformats.org/officeDocument/2006/relationships" xmlns:mc="http://schemas.openxmlformats.org/markup-compatibility/2006" xmlns:mv="urn:schemas-microsoft-com:mac:vml" xmlns:p="http://schemas.openxmlformats.org/presentationml/2006/main" xmlns:c="http://schemas.openxmlformats.org/drawingml/2006/chart" xmlns:dgm="http://schemas.openxmlformats.org/drawingml/2006/diagram" xmlns:o="urn:schemas-microsoft-com:office:office" xmlns:v="urn:schemas-microsoft-com:vml" xmlns:pvml="urn:schemas-microsoft-com:office:powerpoint" xmlns:com="http://schemas.openxmlformats.org/drawingml/2006/compatibility" xmlns:p14="http://schemas.microsoft.com/office/powerpoint/2010/main" xmlns:p15="http://schemas.microsoft.com/office/powerpoint/2012/main" xmlns:ahyp="http://schemas.microsoft.com/office/drawing/2018/hyperlinkcolor">
+<p:sld xmlns:a="http://schemas.openxmlformats.org/drawingml/2006/main" xmlns:r="http://schemas.openxmlformats.org/officeDocument/2006/relationships" xmlns:p="http://schemas.openxmlformats.org/presentationml/2006/main">
   <p:cSld>
     <p:spTree>
       <p:nvGrpSpPr>
-        <p:cNvPr id="142" name="Shape 142"/>
+        <p:cNvPr id="1" name="Shape 142"/>
         <p:cNvGrpSpPr/>
         <p:nvPr/>
       </p:nvGrpSpPr>
@@ -7670,7 +7875,9 @@
       <p:sp>
         <p:nvSpPr>
           <p:cNvPr id="143" name="Google Shape;143;p23"/>
-          <p:cNvSpPr txBox="1"/>
+          <p:cNvSpPr txBox="1">
+            <a:spLocks noGrp="1"/>
+          </p:cNvSpPr>
           <p:nvPr>
             <p:ph type="title"/>
           </p:nvPr>
@@ -7685,12 +7892,12 @@
           </a:prstGeom>
         </p:spPr>
         <p:txBody>
-          <a:bodyPr anchorCtr="0" anchor="t" bIns="91425" lIns="91425" spcFirstLastPara="1" rIns="91425" wrap="square" tIns="91425">
+          <a:bodyPr spcFirstLastPara="1" wrap="square" lIns="91425" tIns="91425" rIns="91425" bIns="91425" anchor="t" anchorCtr="0">
             <a:normAutofit fontScale="90000"/>
           </a:bodyPr>
           <a:lstStyle/>
           <a:p>
-            <a:pPr indent="0" lvl="0" marL="0" rtl="0" algn="l">
+            <a:pPr marL="0" lvl="0" indent="0" algn="l" rtl="0">
               <a:spcBef>
                 <a:spcPts val="0"/>
               </a:spcBef>
@@ -7706,18 +7913,15 @@
             <a:endParaRPr/>
           </a:p>
           <a:p>
-            <a:pPr indent="0" lvl="0" marL="0" rtl="0" algn="l">
-              <a:spcBef>
-                <a:spcPts val="0"/>
-              </a:spcBef>
-              <a:spcAft>
-                <a:spcPts val="0"/>
-              </a:spcAft>
-              <a:buNone/>
-            </a:pPr>
-            <a:r>
-              <a:t/>
-            </a:r>
+            <a:pPr marL="0" lvl="0" indent="0" algn="l" rtl="0">
+              <a:spcBef>
+                <a:spcPts val="0"/>
+              </a:spcBef>
+              <a:spcAft>
+                <a:spcPts val="0"/>
+              </a:spcAft>
+              <a:buNone/>
+            </a:pPr>
             <a:endParaRPr/>
           </a:p>
         </p:txBody>
@@ -7737,23 +7941,25 @@
             <a:avLst/>
           </a:prstGeom>
           <a:noFill/>
-          <a:ln cap="flat" cmpd="sng" w="19050">
+          <a:ln w="19050" cap="flat" cmpd="sng">
             <a:solidFill>
               <a:schemeClr val="dk2"/>
             </a:solidFill>
             <a:prstDash val="solid"/>
             <a:round/>
-            <a:headEnd len="med" w="med" type="none"/>
-            <a:tailEnd len="med" w="med" type="none"/>
+            <a:headEnd type="none" w="med" len="med"/>
+            <a:tailEnd type="none" w="med" len="med"/>
           </a:ln>
         </p:spPr>
       </p:cxnSp>
       <p:sp>
         <p:nvSpPr>
           <p:cNvPr id="145" name="Google Shape;145;p23"/>
-          <p:cNvSpPr txBox="1"/>
+          <p:cNvSpPr txBox="1">
+            <a:spLocks noGrp="1"/>
+          </p:cNvSpPr>
           <p:nvPr>
-            <p:ph idx="12" type="sldNum"/>
+            <p:ph type="sldNum" idx="12"/>
           </p:nvPr>
         </p:nvSpPr>
         <p:spPr>
@@ -7766,12 +7972,12 @@
           </a:prstGeom>
         </p:spPr>
         <p:txBody>
-          <a:bodyPr anchorCtr="0" anchor="ctr" bIns="91425" lIns="91425" spcFirstLastPara="1" rIns="91425" wrap="square" tIns="91425">
+          <a:bodyPr spcFirstLastPara="1" wrap="square" lIns="91425" tIns="91425" rIns="91425" bIns="91425" anchor="ctr" anchorCtr="0">
             <a:normAutofit/>
           </a:bodyPr>
           <a:lstStyle/>
           <a:p>
-            <a:pPr indent="0" lvl="0" marL="0" rtl="0" algn="r">
+            <a:pPr marL="0" lvl="0" indent="0" algn="r" rtl="0">
               <a:spcBef>
                 <a:spcPts val="0"/>
               </a:spcBef>
@@ -7781,8 +7987,8 @@
               <a:buNone/>
             </a:pPr>
             <a:fld id="{00000000-1234-1234-1234-123412341234}" type="slidenum">
-              <a:rPr lang="zh-TW"/>
-              <a:t>‹#›</a:t>
+              <a:rPr lang="en-US" altLang="zh-TW"/>
+              <a:t>11</a:t>
             </a:fld>
             <a:endParaRPr/>
           </a:p>
@@ -7791,9 +7997,11 @@
       <p:sp>
         <p:nvSpPr>
           <p:cNvPr id="146" name="Google Shape;146;p23"/>
-          <p:cNvSpPr txBox="1"/>
+          <p:cNvSpPr txBox="1">
+            <a:spLocks noGrp="1"/>
+          </p:cNvSpPr>
           <p:nvPr>
-            <p:ph idx="1" type="body"/>
+            <p:ph type="body" idx="1"/>
           </p:nvPr>
         </p:nvSpPr>
         <p:spPr>
@@ -7806,12 +8014,12 @@
           </a:prstGeom>
         </p:spPr>
         <p:txBody>
-          <a:bodyPr anchorCtr="0" anchor="t" bIns="91425" lIns="91425" spcFirstLastPara="1" rIns="91425" wrap="square" tIns="91425">
+          <a:bodyPr spcFirstLastPara="1" wrap="square" lIns="91425" tIns="91425" rIns="91425" bIns="91425" anchor="t" anchorCtr="0">
             <a:spAutoFit/>
           </a:bodyPr>
           <a:lstStyle/>
           <a:p>
-            <a:pPr indent="-304800" lvl="0" marL="457200" rtl="0" algn="l">
+            <a:pPr marL="457200" lvl="0" indent="-304800" algn="l" rtl="0">
               <a:lnSpc>
                 <a:spcPct val="100000"/>
               </a:lnSpc>
@@ -7831,7 +8039,7 @@
             <a:endParaRPr sz="1200"/>
           </a:p>
           <a:p>
-            <a:pPr indent="0" lvl="0" marL="0" rtl="0" algn="l">
+            <a:pPr marL="0" lvl="0" indent="0" algn="l" rtl="0">
               <a:lnSpc>
                 <a:spcPct val="100000"/>
               </a:lnSpc>
@@ -7843,13 +8051,10 @@
               </a:spcAft>
               <a:buNone/>
             </a:pPr>
-            <a:r>
-              <a:t/>
-            </a:r>
             <a:endParaRPr sz="1200"/>
           </a:p>
           <a:p>
-            <a:pPr indent="-304800" lvl="0" marL="457200" rtl="0" algn="l">
+            <a:pPr marL="457200" lvl="0" indent="-304800" algn="l" rtl="0">
               <a:lnSpc>
                 <a:spcPct val="100000"/>
               </a:lnSpc>
@@ -7869,7 +8074,7 @@
             <a:endParaRPr sz="1200"/>
           </a:p>
           <a:p>
-            <a:pPr indent="0" lvl="0" marL="457200" rtl="0" algn="l">
+            <a:pPr marL="457200" lvl="0" indent="0" algn="l" rtl="0">
               <a:lnSpc>
                 <a:spcPct val="100000"/>
               </a:lnSpc>
@@ -7888,7 +8093,7 @@
             <a:endParaRPr sz="1200"/>
           </a:p>
           <a:p>
-            <a:pPr indent="0" lvl="0" marL="457200" rtl="0" algn="l">
+            <a:pPr marL="457200" lvl="0" indent="0" algn="l" rtl="0">
               <a:lnSpc>
                 <a:spcPct val="100000"/>
               </a:lnSpc>
@@ -7900,13 +8105,10 @@
               </a:spcAft>
               <a:buNone/>
             </a:pPr>
-            <a:r>
-              <a:t/>
-            </a:r>
             <a:endParaRPr sz="1200"/>
           </a:p>
           <a:p>
-            <a:pPr indent="-304800" lvl="0" marL="457200" rtl="0" algn="l">
+            <a:pPr marL="457200" lvl="0" indent="-304800" algn="l" rtl="0">
               <a:lnSpc>
                 <a:spcPct val="100000"/>
               </a:lnSpc>
@@ -7926,7 +8128,7 @@
             <a:endParaRPr sz="1200"/>
           </a:p>
           <a:p>
-            <a:pPr indent="0" lvl="0" marL="457200" rtl="0" algn="l">
+            <a:pPr marL="457200" lvl="0" indent="0" algn="l" rtl="0">
               <a:lnSpc>
                 <a:spcPct val="100000"/>
               </a:lnSpc>
@@ -7945,7 +8147,7 @@
             <a:endParaRPr sz="1200"/>
           </a:p>
           <a:p>
-            <a:pPr indent="0" lvl="0" marL="457200" rtl="0" algn="l">
+            <a:pPr marL="457200" lvl="0" indent="0" algn="l" rtl="0">
               <a:lnSpc>
                 <a:spcPct val="100000"/>
               </a:lnSpc>
@@ -7957,13 +8159,10 @@
               </a:spcAft>
               <a:buNone/>
             </a:pPr>
-            <a:r>
-              <a:t/>
-            </a:r>
             <a:endParaRPr sz="1200"/>
           </a:p>
           <a:p>
-            <a:pPr indent="-304800" lvl="0" marL="457200" rtl="0" algn="l">
+            <a:pPr marL="457200" lvl="0" indent="-304800" algn="l" rtl="0">
               <a:lnSpc>
                 <a:spcPct val="100000"/>
               </a:lnSpc>
@@ -7983,7 +8182,7 @@
             <a:endParaRPr sz="1200"/>
           </a:p>
           <a:p>
-            <a:pPr indent="0" lvl="0" marL="457200" rtl="0" algn="l">
+            <a:pPr marL="457200" lvl="0" indent="0" algn="l" rtl="0">
               <a:lnSpc>
                 <a:spcPct val="100000"/>
               </a:lnSpc>
@@ -8040,11 +8239,11 @@
 </file>
 
 <file path=ppt/slides/slide12.xml><?xml version="1.0" encoding="utf-8"?>
-<p:sld xmlns:a="http://schemas.openxmlformats.org/drawingml/2006/main" xmlns:r="http://schemas.openxmlformats.org/officeDocument/2006/relationships" xmlns:mc="http://schemas.openxmlformats.org/markup-compatibility/2006" xmlns:mv="urn:schemas-microsoft-com:mac:vml" xmlns:p="http://schemas.openxmlformats.org/presentationml/2006/main" xmlns:c="http://schemas.openxmlformats.org/drawingml/2006/chart" xmlns:dgm="http://schemas.openxmlformats.org/drawingml/2006/diagram" xmlns:o="urn:schemas-microsoft-com:office:office" xmlns:v="urn:schemas-microsoft-com:vml" xmlns:pvml="urn:schemas-microsoft-com:office:powerpoint" xmlns:com="http://schemas.openxmlformats.org/drawingml/2006/compatibility" xmlns:p14="http://schemas.microsoft.com/office/powerpoint/2010/main" xmlns:p15="http://schemas.microsoft.com/office/powerpoint/2012/main" xmlns:ahyp="http://schemas.microsoft.com/office/drawing/2018/hyperlinkcolor">
+<p:sld xmlns:a="http://schemas.openxmlformats.org/drawingml/2006/main" xmlns:r="http://schemas.openxmlformats.org/officeDocument/2006/relationships" xmlns:p="http://schemas.openxmlformats.org/presentationml/2006/main">
   <p:cSld>
     <p:spTree>
       <p:nvGrpSpPr>
-        <p:cNvPr id="151" name="Shape 151"/>
+        <p:cNvPr id="1" name="Shape 151"/>
         <p:cNvGrpSpPr/>
         <p:nvPr/>
       </p:nvGrpSpPr>
@@ -8059,7 +8258,9 @@
       <p:sp>
         <p:nvSpPr>
           <p:cNvPr id="152" name="Google Shape;152;p24"/>
-          <p:cNvSpPr txBox="1"/>
+          <p:cNvSpPr txBox="1">
+            <a:spLocks noGrp="1"/>
+          </p:cNvSpPr>
           <p:nvPr>
             <p:ph type="title"/>
           </p:nvPr>
@@ -8074,12 +8275,12 @@
           </a:prstGeom>
         </p:spPr>
         <p:txBody>
-          <a:bodyPr anchorCtr="0" anchor="t" bIns="91425" lIns="91425" spcFirstLastPara="1" rIns="91425" wrap="square" tIns="91425">
+          <a:bodyPr spcFirstLastPara="1" wrap="square" lIns="91425" tIns="91425" rIns="91425" bIns="91425" anchor="t" anchorCtr="0">
             <a:normAutofit fontScale="90000"/>
           </a:bodyPr>
           <a:lstStyle/>
           <a:p>
-            <a:pPr indent="0" lvl="0" marL="0" rtl="0" algn="l">
+            <a:pPr marL="0" lvl="0" indent="0" algn="l" rtl="0">
               <a:spcBef>
                 <a:spcPts val="0"/>
               </a:spcBef>
@@ -8095,18 +8296,15 @@
             <a:endParaRPr/>
           </a:p>
           <a:p>
-            <a:pPr indent="0" lvl="0" marL="0" rtl="0" algn="l">
-              <a:spcBef>
-                <a:spcPts val="0"/>
-              </a:spcBef>
-              <a:spcAft>
-                <a:spcPts val="0"/>
-              </a:spcAft>
-              <a:buNone/>
-            </a:pPr>
-            <a:r>
-              <a:t/>
-            </a:r>
+            <a:pPr marL="0" lvl="0" indent="0" algn="l" rtl="0">
+              <a:spcBef>
+                <a:spcPts val="0"/>
+              </a:spcBef>
+              <a:spcAft>
+                <a:spcPts val="0"/>
+              </a:spcAft>
+              <a:buNone/>
+            </a:pPr>
             <a:endParaRPr/>
           </a:p>
         </p:txBody>
@@ -8126,23 +8324,25 @@
             <a:avLst/>
           </a:prstGeom>
           <a:noFill/>
-          <a:ln cap="flat" cmpd="sng" w="19050">
+          <a:ln w="19050" cap="flat" cmpd="sng">
             <a:solidFill>
               <a:schemeClr val="dk2"/>
             </a:solidFill>
             <a:prstDash val="solid"/>
             <a:round/>
-            <a:headEnd len="med" w="med" type="none"/>
-            <a:tailEnd len="med" w="med" type="none"/>
+            <a:headEnd type="none" w="med" len="med"/>
+            <a:tailEnd type="none" w="med" len="med"/>
           </a:ln>
         </p:spPr>
       </p:cxnSp>
       <p:sp>
         <p:nvSpPr>
           <p:cNvPr id="154" name="Google Shape;154;p24"/>
-          <p:cNvSpPr txBox="1"/>
+          <p:cNvSpPr txBox="1">
+            <a:spLocks noGrp="1"/>
+          </p:cNvSpPr>
           <p:nvPr>
-            <p:ph idx="12" type="sldNum"/>
+            <p:ph type="sldNum" idx="12"/>
           </p:nvPr>
         </p:nvSpPr>
         <p:spPr>
@@ -8155,12 +8355,12 @@
           </a:prstGeom>
         </p:spPr>
         <p:txBody>
-          <a:bodyPr anchorCtr="0" anchor="ctr" bIns="91425" lIns="91425" spcFirstLastPara="1" rIns="91425" wrap="square" tIns="91425">
+          <a:bodyPr spcFirstLastPara="1" wrap="square" lIns="91425" tIns="91425" rIns="91425" bIns="91425" anchor="ctr" anchorCtr="0">
             <a:normAutofit/>
           </a:bodyPr>
           <a:lstStyle/>
           <a:p>
-            <a:pPr indent="0" lvl="0" marL="0" rtl="0" algn="r">
+            <a:pPr marL="0" lvl="0" indent="0" algn="r" rtl="0">
               <a:spcBef>
                 <a:spcPts val="0"/>
               </a:spcBef>
@@ -8170,8 +8370,8 @@
               <a:buNone/>
             </a:pPr>
             <a:fld id="{00000000-1234-1234-1234-123412341234}" type="slidenum">
-              <a:rPr lang="zh-TW"/>
-              <a:t>‹#›</a:t>
+              <a:rPr lang="en-US" altLang="zh-TW"/>
+              <a:t>12</a:t>
             </a:fld>
             <a:endParaRPr/>
           </a:p>
@@ -8180,9 +8380,11 @@
       <p:sp>
         <p:nvSpPr>
           <p:cNvPr id="155" name="Google Shape;155;p24"/>
-          <p:cNvSpPr txBox="1"/>
+          <p:cNvSpPr txBox="1">
+            <a:spLocks noGrp="1"/>
+          </p:cNvSpPr>
           <p:nvPr>
-            <p:ph idx="1" type="body"/>
+            <p:ph type="body" idx="1"/>
           </p:nvPr>
         </p:nvSpPr>
         <p:spPr>
@@ -8195,12 +8397,12 @@
           </a:prstGeom>
         </p:spPr>
         <p:txBody>
-          <a:bodyPr anchorCtr="0" anchor="t" bIns="91425" lIns="91425" spcFirstLastPara="1" rIns="91425" wrap="square" tIns="91425">
+          <a:bodyPr spcFirstLastPara="1" wrap="square" lIns="91425" tIns="91425" rIns="91425" bIns="91425" anchor="t" anchorCtr="0">
             <a:spAutoFit/>
           </a:bodyPr>
           <a:lstStyle/>
           <a:p>
-            <a:pPr indent="-304800" lvl="0" marL="457200" rtl="0" algn="l">
+            <a:pPr marL="457200" lvl="0" indent="-304800" algn="l" rtl="0">
               <a:lnSpc>
                 <a:spcPct val="100000"/>
               </a:lnSpc>
@@ -8220,7 +8422,7 @@
             <a:endParaRPr sz="1200"/>
           </a:p>
           <a:p>
-            <a:pPr indent="0" lvl="0" marL="457200" rtl="0" algn="l">
+            <a:pPr marL="457200" lvl="0" indent="0" algn="l" rtl="0">
               <a:lnSpc>
                 <a:spcPct val="100000"/>
               </a:lnSpc>
@@ -8239,7 +8441,7 @@
             <a:endParaRPr sz="1200"/>
           </a:p>
           <a:p>
-            <a:pPr indent="0" lvl="0" marL="457200" rtl="0" algn="l">
+            <a:pPr marL="457200" lvl="0" indent="0" algn="l" rtl="0">
               <a:lnSpc>
                 <a:spcPct val="100000"/>
               </a:lnSpc>
@@ -8251,41 +8453,30 @@
               </a:spcAft>
               <a:buNone/>
             </a:pPr>
+            <a:endParaRPr sz="1200"/>
+          </a:p>
+          <a:p>
+            <a:pPr marL="457200" lvl="0" indent="-304800" algn="l" rtl="0">
+              <a:lnSpc>
+                <a:spcPct val="100000"/>
+              </a:lnSpc>
+              <a:spcBef>
+                <a:spcPts val="1200"/>
+              </a:spcBef>
+              <a:spcAft>
+                <a:spcPts val="0"/>
+              </a:spcAft>
+              <a:buSzPts val="1200"/>
+              <a:buChar char="●"/>
+            </a:pPr>
             <a:r>
-              <a:t/>
+              <a:rPr lang="zh-TW" sz="1200"/>
+              <a:t>SVGCircuit(Circuit) will display the circuit in a “prettier” way, </a:t>
             </a:r>
             <a:endParaRPr sz="1200"/>
           </a:p>
           <a:p>
-            <a:pPr indent="-304800" lvl="0" marL="457200" rtl="0" algn="l">
-              <a:lnSpc>
-                <a:spcPct val="100000"/>
-              </a:lnSpc>
-              <a:spcBef>
-                <a:spcPts val="1200"/>
-              </a:spcBef>
-              <a:spcAft>
-                <a:spcPts val="0"/>
-              </a:spcAft>
-              <a:buSzPts val="1200"/>
-              <a:buChar char="●"/>
-            </a:pPr>
-            <a:r>
-              <a:rPr lang="zh-TW" sz="1200"/>
-              <a:t>SVGCircuit(Circuit) will</a:t>
-            </a:r>
-            <a:r>
-              <a:rPr lang="zh-TW" sz="1200"/>
-              <a:t> display the circuit in a “prettier” way</a:t>
-            </a:r>
-            <a:r>
-              <a:rPr lang="zh-TW" sz="1200"/>
-              <a:t>, </a:t>
-            </a:r>
-            <a:endParaRPr sz="1200"/>
-          </a:p>
-          <a:p>
-            <a:pPr indent="0" lvl="0" marL="457200" rtl="0" algn="l">
+            <a:pPr marL="457200" lvl="0" indent="0" algn="l" rtl="0">
               <a:lnSpc>
                 <a:spcPct val="100000"/>
               </a:lnSpc>
@@ -8428,11 +8619,11 @@
 </file>
 
 <file path=ppt/slides/slide13.xml><?xml version="1.0" encoding="utf-8"?>
-<p:sld xmlns:a="http://schemas.openxmlformats.org/drawingml/2006/main" xmlns:r="http://schemas.openxmlformats.org/officeDocument/2006/relationships" xmlns:mc="http://schemas.openxmlformats.org/markup-compatibility/2006" xmlns:mv="urn:schemas-microsoft-com:mac:vml" xmlns:p="http://schemas.openxmlformats.org/presentationml/2006/main" xmlns:c="http://schemas.openxmlformats.org/drawingml/2006/chart" xmlns:dgm="http://schemas.openxmlformats.org/drawingml/2006/diagram" xmlns:o="urn:schemas-microsoft-com:office:office" xmlns:v="urn:schemas-microsoft-com:vml" xmlns:pvml="urn:schemas-microsoft-com:office:powerpoint" xmlns:com="http://schemas.openxmlformats.org/drawingml/2006/compatibility" xmlns:p14="http://schemas.microsoft.com/office/powerpoint/2010/main" xmlns:p15="http://schemas.microsoft.com/office/powerpoint/2012/main" xmlns:ahyp="http://schemas.microsoft.com/office/drawing/2018/hyperlinkcolor">
+<p:sld xmlns:a="http://schemas.openxmlformats.org/drawingml/2006/main" xmlns:r="http://schemas.openxmlformats.org/officeDocument/2006/relationships" xmlns:p="http://schemas.openxmlformats.org/presentationml/2006/main">
   <p:cSld>
     <p:spTree>
       <p:nvGrpSpPr>
-        <p:cNvPr id="164" name="Shape 164"/>
+        <p:cNvPr id="1" name="Shape 164"/>
         <p:cNvGrpSpPr/>
         <p:nvPr/>
       </p:nvGrpSpPr>
@@ -8447,7 +8638,9 @@
       <p:sp>
         <p:nvSpPr>
           <p:cNvPr id="165" name="Google Shape;165;p25"/>
-          <p:cNvSpPr txBox="1"/>
+          <p:cNvSpPr txBox="1">
+            <a:spLocks noGrp="1"/>
+          </p:cNvSpPr>
           <p:nvPr>
             <p:ph type="title"/>
           </p:nvPr>
@@ -8462,12 +8655,12 @@
           </a:prstGeom>
         </p:spPr>
         <p:txBody>
-          <a:bodyPr anchorCtr="0" anchor="t" bIns="91425" lIns="91425" spcFirstLastPara="1" rIns="91425" wrap="square" tIns="91425">
+          <a:bodyPr spcFirstLastPara="1" wrap="square" lIns="91425" tIns="91425" rIns="91425" bIns="91425" anchor="t" anchorCtr="0">
             <a:normAutofit fontScale="90000"/>
           </a:bodyPr>
           <a:lstStyle/>
           <a:p>
-            <a:pPr indent="0" lvl="0" marL="0" rtl="0" algn="l">
+            <a:pPr marL="0" lvl="0" indent="0" algn="l" rtl="0">
               <a:spcBef>
                 <a:spcPts val="0"/>
               </a:spcBef>
@@ -8504,23 +8697,25 @@
             <a:avLst/>
           </a:prstGeom>
           <a:noFill/>
-          <a:ln cap="flat" cmpd="sng" w="19050">
+          <a:ln w="19050" cap="flat" cmpd="sng">
             <a:solidFill>
               <a:schemeClr val="dk2"/>
             </a:solidFill>
             <a:prstDash val="solid"/>
             <a:round/>
-            <a:headEnd len="med" w="med" type="none"/>
-            <a:tailEnd len="med" w="med" type="none"/>
+            <a:headEnd type="none" w="med" len="med"/>
+            <a:tailEnd type="none" w="med" len="med"/>
           </a:ln>
         </p:spPr>
       </p:cxnSp>
       <p:sp>
         <p:nvSpPr>
           <p:cNvPr id="167" name="Google Shape;167;p25"/>
-          <p:cNvSpPr txBox="1"/>
+          <p:cNvSpPr txBox="1">
+            <a:spLocks noGrp="1"/>
+          </p:cNvSpPr>
           <p:nvPr>
-            <p:ph idx="12" type="sldNum"/>
+            <p:ph type="sldNum" idx="12"/>
           </p:nvPr>
         </p:nvSpPr>
         <p:spPr>
@@ -8533,12 +8728,12 @@
           </a:prstGeom>
         </p:spPr>
         <p:txBody>
-          <a:bodyPr anchorCtr="0" anchor="ctr" bIns="91425" lIns="91425" spcFirstLastPara="1" rIns="91425" wrap="square" tIns="91425">
+          <a:bodyPr spcFirstLastPara="1" wrap="square" lIns="91425" tIns="91425" rIns="91425" bIns="91425" anchor="ctr" anchorCtr="0">
             <a:normAutofit/>
           </a:bodyPr>
           <a:lstStyle/>
           <a:p>
-            <a:pPr indent="0" lvl="0" marL="0" rtl="0" algn="r">
+            <a:pPr marL="0" lvl="0" indent="0" algn="r" rtl="0">
               <a:spcBef>
                 <a:spcPts val="0"/>
               </a:spcBef>
@@ -8548,8 +8743,8 @@
               <a:buNone/>
             </a:pPr>
             <a:fld id="{00000000-1234-1234-1234-123412341234}" type="slidenum">
-              <a:rPr lang="zh-TW"/>
-              <a:t>‹#›</a:t>
+              <a:rPr lang="en-US" altLang="zh-TW"/>
+              <a:t>13</a:t>
             </a:fld>
             <a:endParaRPr/>
           </a:p>
@@ -8558,9 +8753,11 @@
       <p:sp>
         <p:nvSpPr>
           <p:cNvPr id="168" name="Google Shape;168;p25"/>
-          <p:cNvSpPr txBox="1"/>
+          <p:cNvSpPr txBox="1">
+            <a:spLocks noGrp="1"/>
+          </p:cNvSpPr>
           <p:nvPr>
-            <p:ph idx="1" type="body"/>
+            <p:ph type="body" idx="1"/>
           </p:nvPr>
         </p:nvSpPr>
         <p:spPr>
@@ -8573,12 +8770,12 @@
           </a:prstGeom>
         </p:spPr>
         <p:txBody>
-          <a:bodyPr anchorCtr="0" anchor="t" bIns="91425" lIns="91425" spcFirstLastPara="1" rIns="91425" wrap="square" tIns="91425">
+          <a:bodyPr spcFirstLastPara="1" wrap="square" lIns="91425" tIns="91425" rIns="91425" bIns="91425" anchor="t" anchorCtr="0">
             <a:spAutoFit/>
           </a:bodyPr>
           <a:lstStyle/>
           <a:p>
-            <a:pPr indent="0" lvl="0" marL="0" rtl="0" algn="l">
+            <a:pPr marL="0" lvl="0" indent="0" algn="l" rtl="0">
               <a:lnSpc>
                 <a:spcPct val="100000"/>
               </a:lnSpc>
@@ -8597,7 +8794,7 @@
             <a:endParaRPr sz="1200"/>
           </a:p>
           <a:p>
-            <a:pPr indent="0" lvl="0" marL="0" rtl="0" algn="l">
+            <a:pPr marL="0" lvl="0" indent="0" algn="l" rtl="0">
               <a:lnSpc>
                 <a:spcPct val="200000"/>
               </a:lnSpc>
@@ -8616,7 +8813,7 @@
             <a:endParaRPr sz="1200"/>
           </a:p>
           <a:p>
-            <a:pPr indent="-304800" lvl="0" marL="457200" rtl="0" algn="l">
+            <a:pPr marL="457200" lvl="0" indent="-304800" algn="l" rtl="0">
               <a:lnSpc>
                 <a:spcPct val="100000"/>
               </a:lnSpc>
@@ -8636,7 +8833,7 @@
             <a:endParaRPr sz="1200"/>
           </a:p>
           <a:p>
-            <a:pPr indent="0" lvl="0" marL="457200" rtl="0" algn="l">
+            <a:pPr marL="457200" lvl="0" indent="0" algn="l" rtl="0">
               <a:lnSpc>
                 <a:spcPct val="100000"/>
               </a:lnSpc>
@@ -8648,13 +8845,10 @@
               </a:spcAft>
               <a:buNone/>
             </a:pPr>
-            <a:r>
-              <a:t/>
-            </a:r>
             <a:endParaRPr sz="1200"/>
           </a:p>
           <a:p>
-            <a:pPr indent="-304800" lvl="0" marL="457200" rtl="0" algn="l">
+            <a:pPr marL="457200" lvl="0" indent="-304800" algn="l" rtl="0">
               <a:lnSpc>
                 <a:spcPct val="100000"/>
               </a:lnSpc>
@@ -8674,7 +8868,7 @@
             <a:endParaRPr sz="1200"/>
           </a:p>
           <a:p>
-            <a:pPr indent="0" lvl="0" marL="457200" rtl="0" algn="l">
+            <a:pPr marL="457200" lvl="0" indent="0" algn="l" rtl="0">
               <a:lnSpc>
                 <a:spcPct val="100000"/>
               </a:lnSpc>
@@ -8686,13 +8880,10 @@
               </a:spcAft>
               <a:buNone/>
             </a:pPr>
-            <a:r>
-              <a:t/>
-            </a:r>
             <a:endParaRPr sz="1200"/>
           </a:p>
           <a:p>
-            <a:pPr indent="-304800" lvl="0" marL="457200" rtl="0" algn="l">
+            <a:pPr marL="457200" lvl="0" indent="-304800" algn="l" rtl="0">
               <a:lnSpc>
                 <a:spcPct val="100000"/>
               </a:lnSpc>
@@ -8712,7 +8903,7 @@
             <a:endParaRPr sz="1200"/>
           </a:p>
           <a:p>
-            <a:pPr indent="0" lvl="0" marL="457200" rtl="0" algn="l">
+            <a:pPr marL="457200" lvl="0" indent="0" algn="l" rtl="0">
               <a:lnSpc>
                 <a:spcPct val="100000"/>
               </a:lnSpc>
@@ -8724,13 +8915,10 @@
               </a:spcAft>
               <a:buNone/>
             </a:pPr>
-            <a:r>
-              <a:t/>
-            </a:r>
             <a:endParaRPr sz="1200"/>
           </a:p>
           <a:p>
-            <a:pPr indent="-304800" lvl="0" marL="457200" rtl="0" algn="l">
+            <a:pPr marL="457200" lvl="0" indent="-304800" algn="l" rtl="0">
               <a:lnSpc>
                 <a:spcPct val="100000"/>
               </a:lnSpc>
@@ -8760,11 +8948,11 @@
 </file>
 
 <file path=ppt/slides/slide14.xml><?xml version="1.0" encoding="utf-8"?>
-<p:sld xmlns:a="http://schemas.openxmlformats.org/drawingml/2006/main" xmlns:r="http://schemas.openxmlformats.org/officeDocument/2006/relationships" xmlns:mc="http://schemas.openxmlformats.org/markup-compatibility/2006" xmlns:mv="urn:schemas-microsoft-com:mac:vml" xmlns:p="http://schemas.openxmlformats.org/presentationml/2006/main" xmlns:c="http://schemas.openxmlformats.org/drawingml/2006/chart" xmlns:dgm="http://schemas.openxmlformats.org/drawingml/2006/diagram" xmlns:o="urn:schemas-microsoft-com:office:office" xmlns:v="urn:schemas-microsoft-com:vml" xmlns:pvml="urn:schemas-microsoft-com:office:powerpoint" xmlns:com="http://schemas.openxmlformats.org/drawingml/2006/compatibility" xmlns:p14="http://schemas.microsoft.com/office/powerpoint/2010/main" xmlns:p15="http://schemas.microsoft.com/office/powerpoint/2012/main" xmlns:ahyp="http://schemas.microsoft.com/office/drawing/2018/hyperlinkcolor">
+<p:sld xmlns:a="http://schemas.openxmlformats.org/drawingml/2006/main" xmlns:r="http://schemas.openxmlformats.org/officeDocument/2006/relationships" xmlns:p="http://schemas.openxmlformats.org/presentationml/2006/main">
   <p:cSld>
     <p:spTree>
       <p:nvGrpSpPr>
-        <p:cNvPr id="172" name="Shape 172"/>
+        <p:cNvPr id="1" name="Shape 172"/>
         <p:cNvGrpSpPr/>
         <p:nvPr/>
       </p:nvGrpSpPr>
@@ -8779,7 +8967,9 @@
       <p:sp>
         <p:nvSpPr>
           <p:cNvPr id="173" name="Google Shape;173;p26"/>
-          <p:cNvSpPr txBox="1"/>
+          <p:cNvSpPr txBox="1">
+            <a:spLocks noGrp="1"/>
+          </p:cNvSpPr>
           <p:nvPr>
             <p:ph type="title"/>
           </p:nvPr>
@@ -8794,12 +8984,12 @@
           </a:prstGeom>
         </p:spPr>
         <p:txBody>
-          <a:bodyPr anchorCtr="0" anchor="t" bIns="91425" lIns="91425" spcFirstLastPara="1" rIns="91425" wrap="square" tIns="91425">
+          <a:bodyPr spcFirstLastPara="1" wrap="square" lIns="91425" tIns="91425" rIns="91425" bIns="91425" anchor="t" anchorCtr="0">
             <a:normAutofit fontScale="90000"/>
           </a:bodyPr>
           <a:lstStyle/>
           <a:p>
-            <a:pPr indent="0" lvl="0" marL="0" rtl="0" algn="l">
+            <a:pPr marL="0" lvl="0" indent="0" algn="l" rtl="0">
               <a:spcBef>
                 <a:spcPts val="0"/>
               </a:spcBef>
@@ -8815,18 +9005,15 @@
             <a:endParaRPr/>
           </a:p>
           <a:p>
-            <a:pPr indent="0" lvl="0" marL="0" rtl="0" algn="l">
-              <a:spcBef>
-                <a:spcPts val="0"/>
-              </a:spcBef>
-              <a:spcAft>
-                <a:spcPts val="0"/>
-              </a:spcAft>
-              <a:buNone/>
-            </a:pPr>
-            <a:r>
-              <a:t/>
-            </a:r>
+            <a:pPr marL="0" lvl="0" indent="0" algn="l" rtl="0">
+              <a:spcBef>
+                <a:spcPts val="0"/>
+              </a:spcBef>
+              <a:spcAft>
+                <a:spcPts val="0"/>
+              </a:spcAft>
+              <a:buNone/>
+            </a:pPr>
             <a:endParaRPr/>
           </a:p>
         </p:txBody>
@@ -8846,23 +9033,25 @@
             <a:avLst/>
           </a:prstGeom>
           <a:noFill/>
-          <a:ln cap="flat" cmpd="sng" w="19050">
+          <a:ln w="19050" cap="flat" cmpd="sng">
             <a:solidFill>
               <a:schemeClr val="dk2"/>
             </a:solidFill>
             <a:prstDash val="solid"/>
             <a:round/>
-            <a:headEnd len="med" w="med" type="none"/>
-            <a:tailEnd len="med" w="med" type="none"/>
+            <a:headEnd type="none" w="med" len="med"/>
+            <a:tailEnd type="none" w="med" len="med"/>
           </a:ln>
         </p:spPr>
       </p:cxnSp>
       <p:sp>
         <p:nvSpPr>
           <p:cNvPr id="175" name="Google Shape;175;p26"/>
-          <p:cNvSpPr txBox="1"/>
+          <p:cNvSpPr txBox="1">
+            <a:spLocks noGrp="1"/>
+          </p:cNvSpPr>
           <p:nvPr>
-            <p:ph idx="12" type="sldNum"/>
+            <p:ph type="sldNum" idx="12"/>
           </p:nvPr>
         </p:nvSpPr>
         <p:spPr>
@@ -8875,12 +9064,12 @@
           </a:prstGeom>
         </p:spPr>
         <p:txBody>
-          <a:bodyPr anchorCtr="0" anchor="ctr" bIns="91425" lIns="91425" spcFirstLastPara="1" rIns="91425" wrap="square" tIns="91425">
+          <a:bodyPr spcFirstLastPara="1" wrap="square" lIns="91425" tIns="91425" rIns="91425" bIns="91425" anchor="ctr" anchorCtr="0">
             <a:normAutofit/>
           </a:bodyPr>
           <a:lstStyle/>
           <a:p>
-            <a:pPr indent="0" lvl="0" marL="0" rtl="0" algn="r">
+            <a:pPr marL="0" lvl="0" indent="0" algn="r" rtl="0">
               <a:spcBef>
                 <a:spcPts val="0"/>
               </a:spcBef>
@@ -8890,52 +9079,10 @@
               <a:buNone/>
             </a:pPr>
             <a:fld id="{00000000-1234-1234-1234-123412341234}" type="slidenum">
-              <a:rPr lang="zh-TW"/>
-              <a:t>‹#›</a:t>
+              <a:rPr lang="en-US" altLang="zh-TW"/>
+              <a:t>14</a:t>
             </a:fld>
             <a:endParaRPr/>
-          </a:p>
-        </p:txBody>
-      </p:sp>
-      <p:sp>
-        <p:nvSpPr>
-          <p:cNvPr id="176" name="Google Shape;176;p26"/>
-          <p:cNvSpPr txBox="1"/>
-          <p:nvPr/>
-        </p:nvSpPr>
-        <p:spPr>
-          <a:xfrm>
-            <a:off x="6340191" y="4866607"/>
-            <a:ext cx="2803800" cy="276900"/>
-          </a:xfrm>
-          <a:prstGeom prst="rect">
-            <a:avLst/>
-          </a:prstGeom>
-          <a:noFill/>
-          <a:ln>
-            <a:noFill/>
-          </a:ln>
-        </p:spPr>
-        <p:txBody>
-          <a:bodyPr anchorCtr="0" anchor="t" bIns="91425" lIns="91425" spcFirstLastPara="1" rIns="91425" wrap="square" tIns="91425">
-            <a:spAutoFit/>
-          </a:bodyPr>
-          <a:lstStyle/>
-          <a:p>
-            <a:pPr indent="0" lvl="0" marL="0" rtl="0" algn="ctr">
-              <a:spcBef>
-                <a:spcPts val="0"/>
-              </a:spcBef>
-              <a:spcAft>
-                <a:spcPts val="0"/>
-              </a:spcAft>
-              <a:buNone/>
-            </a:pPr>
-            <a:r>
-              <a:rPr lang="zh-TW" sz="600"/>
-              <a:t>https://quantumai.google/cirq/build/circuits</a:t>
-            </a:r>
-            <a:endParaRPr sz="600"/>
           </a:p>
         </p:txBody>
       </p:sp>
@@ -8970,9 +9117,11 @@
       <p:sp>
         <p:nvSpPr>
           <p:cNvPr id="178" name="Google Shape;178;p26"/>
-          <p:cNvSpPr txBox="1"/>
+          <p:cNvSpPr txBox="1">
+            <a:spLocks noGrp="1"/>
+          </p:cNvSpPr>
           <p:nvPr>
-            <p:ph idx="1" type="body"/>
+            <p:ph type="body" idx="1"/>
           </p:nvPr>
         </p:nvSpPr>
         <p:spPr>
@@ -8985,12 +9134,12 @@
           </a:prstGeom>
         </p:spPr>
         <p:txBody>
-          <a:bodyPr anchorCtr="0" anchor="t" bIns="91425" lIns="91425" spcFirstLastPara="1" rIns="91425" wrap="square" tIns="91425">
+          <a:bodyPr spcFirstLastPara="1" wrap="square" lIns="91425" tIns="91425" rIns="91425" bIns="91425" anchor="t" anchorCtr="0">
             <a:spAutoFit/>
           </a:bodyPr>
           <a:lstStyle/>
           <a:p>
-            <a:pPr indent="-304800" lvl="0" marL="457200" rtl="0" algn="l">
+            <a:pPr marL="457200" lvl="0" indent="-304800" algn="l" rtl="0">
               <a:lnSpc>
                 <a:spcPct val="100000"/>
               </a:lnSpc>
@@ -9010,7 +9159,7 @@
             <a:endParaRPr sz="1200"/>
           </a:p>
           <a:p>
-            <a:pPr indent="0" lvl="0" marL="457200" rtl="0" algn="l">
+            <a:pPr marL="457200" lvl="0" indent="0" algn="l" rtl="0">
               <a:lnSpc>
                 <a:spcPct val="100000"/>
               </a:lnSpc>
@@ -9029,7 +9178,7 @@
             <a:endParaRPr sz="1200"/>
           </a:p>
           <a:p>
-            <a:pPr indent="0" lvl="0" marL="0" rtl="0" algn="l">
+            <a:pPr marL="0" lvl="0" indent="0" algn="l" rtl="0">
               <a:lnSpc>
                 <a:spcPct val="100000"/>
               </a:lnSpc>
@@ -9041,13 +9190,10 @@
               </a:spcAft>
               <a:buNone/>
             </a:pPr>
-            <a:r>
-              <a:t/>
-            </a:r>
             <a:endParaRPr sz="1200"/>
           </a:p>
           <a:p>
-            <a:pPr indent="0" lvl="0" marL="0" rtl="0" algn="l">
+            <a:pPr marL="0" lvl="0" indent="0" algn="l" rtl="0">
               <a:lnSpc>
                 <a:spcPct val="100000"/>
               </a:lnSpc>
@@ -9059,13 +9205,10 @@
               </a:spcAft>
               <a:buNone/>
             </a:pPr>
-            <a:r>
-              <a:t/>
-            </a:r>
             <a:endParaRPr sz="1200"/>
           </a:p>
           <a:p>
-            <a:pPr indent="-304800" lvl="0" marL="457200" rtl="0" algn="l">
+            <a:pPr marL="457200" lvl="0" indent="-304800" algn="l" rtl="0">
               <a:lnSpc>
                 <a:spcPct val="100000"/>
               </a:lnSpc>
@@ -9085,7 +9228,7 @@
             <a:endParaRPr sz="1200"/>
           </a:p>
           <a:p>
-            <a:pPr indent="0" lvl="0" marL="457200" rtl="0" algn="l">
+            <a:pPr marL="457200" lvl="0" indent="0" algn="l" rtl="0">
               <a:lnSpc>
                 <a:spcPct val="100000"/>
               </a:lnSpc>
@@ -9104,7 +9247,7 @@
             <a:endParaRPr sz="1200"/>
           </a:p>
           <a:p>
-            <a:pPr indent="0" lvl="0" marL="457200" rtl="0" algn="l">
+            <a:pPr marL="457200" lvl="0" indent="0" algn="l" rtl="0">
               <a:lnSpc>
                 <a:spcPct val="100000"/>
               </a:lnSpc>
@@ -9133,11 +9276,11 @@
 </file>
 
 <file path=ppt/slides/slide15.xml><?xml version="1.0" encoding="utf-8"?>
-<p:sld xmlns:a="http://schemas.openxmlformats.org/drawingml/2006/main" xmlns:r="http://schemas.openxmlformats.org/officeDocument/2006/relationships" xmlns:mc="http://schemas.openxmlformats.org/markup-compatibility/2006" xmlns:mv="urn:schemas-microsoft-com:mac:vml" xmlns:p="http://schemas.openxmlformats.org/presentationml/2006/main" xmlns:c="http://schemas.openxmlformats.org/drawingml/2006/chart" xmlns:dgm="http://schemas.openxmlformats.org/drawingml/2006/diagram" xmlns:o="urn:schemas-microsoft-com:office:office" xmlns:v="urn:schemas-microsoft-com:vml" xmlns:pvml="urn:schemas-microsoft-com:office:powerpoint" xmlns:com="http://schemas.openxmlformats.org/drawingml/2006/compatibility" xmlns:p14="http://schemas.microsoft.com/office/powerpoint/2010/main" xmlns:p15="http://schemas.microsoft.com/office/powerpoint/2012/main" xmlns:ahyp="http://schemas.microsoft.com/office/drawing/2018/hyperlinkcolor">
+<p:sld xmlns:a="http://schemas.openxmlformats.org/drawingml/2006/main" xmlns:r="http://schemas.openxmlformats.org/officeDocument/2006/relationships" xmlns:p="http://schemas.openxmlformats.org/presentationml/2006/main">
   <p:cSld>
     <p:spTree>
       <p:nvGrpSpPr>
-        <p:cNvPr id="182" name="Shape 182"/>
+        <p:cNvPr id="1" name="Shape 182"/>
         <p:cNvGrpSpPr/>
         <p:nvPr/>
       </p:nvGrpSpPr>
@@ -9152,7 +9295,9 @@
       <p:sp>
         <p:nvSpPr>
           <p:cNvPr id="183" name="Google Shape;183;p27"/>
-          <p:cNvSpPr txBox="1"/>
+          <p:cNvSpPr txBox="1">
+            <a:spLocks noGrp="1"/>
+          </p:cNvSpPr>
           <p:nvPr>
             <p:ph type="title"/>
           </p:nvPr>
@@ -9167,12 +9312,12 @@
           </a:prstGeom>
         </p:spPr>
         <p:txBody>
-          <a:bodyPr anchorCtr="0" anchor="t" bIns="91425" lIns="91425" spcFirstLastPara="1" rIns="91425" wrap="square" tIns="91425">
+          <a:bodyPr spcFirstLastPara="1" wrap="square" lIns="91425" tIns="91425" rIns="91425" bIns="91425" anchor="t" anchorCtr="0">
             <a:normAutofit fontScale="90000"/>
           </a:bodyPr>
           <a:lstStyle/>
           <a:p>
-            <a:pPr indent="0" lvl="0" marL="0" rtl="0" algn="l">
+            <a:pPr marL="0" lvl="0" indent="0" algn="l" rtl="0">
               <a:spcBef>
                 <a:spcPts val="0"/>
               </a:spcBef>
@@ -9188,18 +9333,15 @@
             <a:endParaRPr/>
           </a:p>
           <a:p>
-            <a:pPr indent="0" lvl="0" marL="0" rtl="0" algn="l">
-              <a:spcBef>
-                <a:spcPts val="0"/>
-              </a:spcBef>
-              <a:spcAft>
-                <a:spcPts val="0"/>
-              </a:spcAft>
-              <a:buNone/>
-            </a:pPr>
-            <a:r>
-              <a:t/>
-            </a:r>
+            <a:pPr marL="0" lvl="0" indent="0" algn="l" rtl="0">
+              <a:spcBef>
+                <a:spcPts val="0"/>
+              </a:spcBef>
+              <a:spcAft>
+                <a:spcPts val="0"/>
+              </a:spcAft>
+              <a:buNone/>
+            </a:pPr>
             <a:endParaRPr/>
           </a:p>
         </p:txBody>
@@ -9219,23 +9361,25 @@
             <a:avLst/>
           </a:prstGeom>
           <a:noFill/>
-          <a:ln cap="flat" cmpd="sng" w="19050">
+          <a:ln w="19050" cap="flat" cmpd="sng">
             <a:solidFill>
               <a:schemeClr val="dk2"/>
             </a:solidFill>
             <a:prstDash val="solid"/>
             <a:round/>
-            <a:headEnd len="med" w="med" type="none"/>
-            <a:tailEnd len="med" w="med" type="none"/>
+            <a:headEnd type="none" w="med" len="med"/>
+            <a:tailEnd type="none" w="med" len="med"/>
           </a:ln>
         </p:spPr>
       </p:cxnSp>
       <p:sp>
         <p:nvSpPr>
           <p:cNvPr id="185" name="Google Shape;185;p27"/>
-          <p:cNvSpPr txBox="1"/>
+          <p:cNvSpPr txBox="1">
+            <a:spLocks noGrp="1"/>
+          </p:cNvSpPr>
           <p:nvPr>
-            <p:ph idx="12" type="sldNum"/>
+            <p:ph type="sldNum" idx="12"/>
           </p:nvPr>
         </p:nvSpPr>
         <p:spPr>
@@ -9248,12 +9392,12 @@
           </a:prstGeom>
         </p:spPr>
         <p:txBody>
-          <a:bodyPr anchorCtr="0" anchor="ctr" bIns="91425" lIns="91425" spcFirstLastPara="1" rIns="91425" wrap="square" tIns="91425">
+          <a:bodyPr spcFirstLastPara="1" wrap="square" lIns="91425" tIns="91425" rIns="91425" bIns="91425" anchor="ctr" anchorCtr="0">
             <a:normAutofit/>
           </a:bodyPr>
           <a:lstStyle/>
           <a:p>
-            <a:pPr indent="0" lvl="0" marL="0" rtl="0" algn="r">
+            <a:pPr marL="0" lvl="0" indent="0" algn="r" rtl="0">
               <a:spcBef>
                 <a:spcPts val="0"/>
               </a:spcBef>
@@ -9263,52 +9407,10 @@
               <a:buNone/>
             </a:pPr>
             <a:fld id="{00000000-1234-1234-1234-123412341234}" type="slidenum">
-              <a:rPr lang="zh-TW"/>
-              <a:t>‹#›</a:t>
+              <a:rPr lang="en-US" altLang="zh-TW"/>
+              <a:t>15</a:t>
             </a:fld>
             <a:endParaRPr/>
-          </a:p>
-        </p:txBody>
-      </p:sp>
-      <p:sp>
-        <p:nvSpPr>
-          <p:cNvPr id="186" name="Google Shape;186;p27"/>
-          <p:cNvSpPr txBox="1"/>
-          <p:nvPr/>
-        </p:nvSpPr>
-        <p:spPr>
-          <a:xfrm>
-            <a:off x="6340191" y="4866607"/>
-            <a:ext cx="2803800" cy="276900"/>
-          </a:xfrm>
-          <a:prstGeom prst="rect">
-            <a:avLst/>
-          </a:prstGeom>
-          <a:noFill/>
-          <a:ln>
-            <a:noFill/>
-          </a:ln>
-        </p:spPr>
-        <p:txBody>
-          <a:bodyPr anchorCtr="0" anchor="t" bIns="91425" lIns="91425" spcFirstLastPara="1" rIns="91425" wrap="square" tIns="91425">
-            <a:spAutoFit/>
-          </a:bodyPr>
-          <a:lstStyle/>
-          <a:p>
-            <a:pPr indent="0" lvl="0" marL="0" rtl="0" algn="ctr">
-              <a:spcBef>
-                <a:spcPts val="0"/>
-              </a:spcBef>
-              <a:spcAft>
-                <a:spcPts val="0"/>
-              </a:spcAft>
-              <a:buNone/>
-            </a:pPr>
-            <a:r>
-              <a:rPr lang="zh-TW" sz="600"/>
-              <a:t>https://quantumai.google/cirq/build/circuits</a:t>
-            </a:r>
-            <a:endParaRPr sz="600"/>
           </a:p>
         </p:txBody>
       </p:sp>
@@ -9343,9 +9445,11 @@
       <p:sp>
         <p:nvSpPr>
           <p:cNvPr id="188" name="Google Shape;188;p27"/>
-          <p:cNvSpPr txBox="1"/>
+          <p:cNvSpPr txBox="1">
+            <a:spLocks noGrp="1"/>
+          </p:cNvSpPr>
           <p:nvPr>
-            <p:ph idx="1" type="body"/>
+            <p:ph type="body" idx="1"/>
           </p:nvPr>
         </p:nvSpPr>
         <p:spPr>
@@ -9358,12 +9462,12 @@
           </a:prstGeom>
         </p:spPr>
         <p:txBody>
-          <a:bodyPr anchorCtr="0" anchor="t" bIns="91425" lIns="91425" spcFirstLastPara="1" rIns="91425" wrap="square" tIns="91425">
+          <a:bodyPr spcFirstLastPara="1" wrap="square" lIns="91425" tIns="91425" rIns="91425" bIns="91425" anchor="t" anchorCtr="0">
             <a:spAutoFit/>
           </a:bodyPr>
           <a:lstStyle/>
           <a:p>
-            <a:pPr indent="-304800" lvl="0" marL="457200" rtl="0" algn="l">
+            <a:pPr marL="457200" lvl="0" indent="-304800" algn="l" rtl="0">
               <a:lnSpc>
                 <a:spcPct val="100000"/>
               </a:lnSpc>
@@ -9383,7 +9487,7 @@
             <a:endParaRPr sz="1200"/>
           </a:p>
           <a:p>
-            <a:pPr indent="0" lvl="0" marL="0" rtl="0" algn="l">
+            <a:pPr marL="0" lvl="0" indent="0" algn="l" rtl="0">
               <a:lnSpc>
                 <a:spcPct val="100000"/>
               </a:lnSpc>
@@ -9395,13 +9499,10 @@
               </a:spcAft>
               <a:buNone/>
             </a:pPr>
-            <a:r>
-              <a:t/>
-            </a:r>
             <a:endParaRPr sz="1200"/>
           </a:p>
           <a:p>
-            <a:pPr indent="0" lvl="0" marL="0" rtl="0" algn="l">
+            <a:pPr marL="0" lvl="0" indent="0" algn="l" rtl="0">
               <a:lnSpc>
                 <a:spcPct val="100000"/>
               </a:lnSpc>
@@ -9413,13 +9514,10 @@
               </a:spcAft>
               <a:buNone/>
             </a:pPr>
-            <a:r>
-              <a:t/>
-            </a:r>
             <a:endParaRPr sz="1200"/>
           </a:p>
           <a:p>
-            <a:pPr indent="0" lvl="0" marL="0" rtl="0" algn="l">
+            <a:pPr marL="0" lvl="0" indent="0" algn="l" rtl="0">
               <a:lnSpc>
                 <a:spcPct val="100000"/>
               </a:lnSpc>
@@ -9431,13 +9529,10 @@
               </a:spcAft>
               <a:buNone/>
             </a:pPr>
-            <a:r>
-              <a:t/>
-            </a:r>
             <a:endParaRPr sz="1200"/>
           </a:p>
           <a:p>
-            <a:pPr indent="-304800" lvl="0" marL="457200" rtl="0" algn="l">
+            <a:pPr marL="457200" lvl="0" indent="-304800" algn="l" rtl="0">
               <a:lnSpc>
                 <a:spcPct val="100000"/>
               </a:lnSpc>
@@ -9457,7 +9552,7 @@
             <a:endParaRPr sz="1200"/>
           </a:p>
           <a:p>
-            <a:pPr indent="0" lvl="0" marL="457200" rtl="0" algn="l">
+            <a:pPr marL="457200" lvl="0" indent="0" algn="l" rtl="0">
               <a:lnSpc>
                 <a:spcPct val="100000"/>
               </a:lnSpc>
@@ -9476,7 +9571,7 @@
             <a:endParaRPr sz="1200"/>
           </a:p>
           <a:p>
-            <a:pPr indent="0" lvl="0" marL="457200" rtl="0" algn="l">
+            <a:pPr marL="457200" lvl="0" indent="0" algn="l" rtl="0">
               <a:lnSpc>
                 <a:spcPct val="100000"/>
               </a:lnSpc>
@@ -9505,11 +9600,11 @@
 </file>
 
 <file path=ppt/slides/slide16.xml><?xml version="1.0" encoding="utf-8"?>
-<p:sld xmlns:a="http://schemas.openxmlformats.org/drawingml/2006/main" xmlns:r="http://schemas.openxmlformats.org/officeDocument/2006/relationships" xmlns:mc="http://schemas.openxmlformats.org/markup-compatibility/2006" xmlns:mv="urn:schemas-microsoft-com:mac:vml" xmlns:p="http://schemas.openxmlformats.org/presentationml/2006/main" xmlns:c="http://schemas.openxmlformats.org/drawingml/2006/chart" xmlns:dgm="http://schemas.openxmlformats.org/drawingml/2006/diagram" xmlns:o="urn:schemas-microsoft-com:office:office" xmlns:v="urn:schemas-microsoft-com:vml" xmlns:pvml="urn:schemas-microsoft-com:office:powerpoint" xmlns:com="http://schemas.openxmlformats.org/drawingml/2006/compatibility" xmlns:p14="http://schemas.microsoft.com/office/powerpoint/2010/main" xmlns:p15="http://schemas.microsoft.com/office/powerpoint/2012/main" xmlns:ahyp="http://schemas.microsoft.com/office/drawing/2018/hyperlinkcolor">
+<p:sld xmlns:a="http://schemas.openxmlformats.org/drawingml/2006/main" xmlns:r="http://schemas.openxmlformats.org/officeDocument/2006/relationships" xmlns:p="http://schemas.openxmlformats.org/presentationml/2006/main">
   <p:cSld>
     <p:spTree>
       <p:nvGrpSpPr>
-        <p:cNvPr id="192" name="Shape 192"/>
+        <p:cNvPr id="1" name="Shape 192"/>
         <p:cNvGrpSpPr/>
         <p:nvPr/>
       </p:nvGrpSpPr>
@@ -9524,7 +9619,9 @@
       <p:sp>
         <p:nvSpPr>
           <p:cNvPr id="193" name="Google Shape;193;p28"/>
-          <p:cNvSpPr txBox="1"/>
+          <p:cNvSpPr txBox="1">
+            <a:spLocks noGrp="1"/>
+          </p:cNvSpPr>
           <p:nvPr>
             <p:ph type="title"/>
           </p:nvPr>
@@ -9539,12 +9636,12 @@
           </a:prstGeom>
         </p:spPr>
         <p:txBody>
-          <a:bodyPr anchorCtr="0" anchor="t" bIns="91425" lIns="91425" spcFirstLastPara="1" rIns="91425" wrap="square" tIns="91425">
+          <a:bodyPr spcFirstLastPara="1" wrap="square" lIns="91425" tIns="91425" rIns="91425" bIns="91425" anchor="t" anchorCtr="0">
             <a:normAutofit fontScale="90000"/>
           </a:bodyPr>
           <a:lstStyle/>
           <a:p>
-            <a:pPr indent="0" lvl="0" marL="0" rtl="0" algn="l">
+            <a:pPr marL="0" lvl="0" indent="0" algn="l" rtl="0">
               <a:spcBef>
                 <a:spcPts val="0"/>
               </a:spcBef>
@@ -9555,27 +9652,20 @@
             </a:pPr>
             <a:r>
               <a:rPr lang="zh-TW"/>
-              <a:t>Circuit: </a:t>
-            </a:r>
-            <a:r>
-              <a:rPr lang="zh-TW"/>
-              <a:t>Simulation</a:t>
+              <a:t>Circuit: Simulation</a:t>
             </a:r>
             <a:endParaRPr/>
           </a:p>
           <a:p>
-            <a:pPr indent="0" lvl="0" marL="0" rtl="0" algn="l">
-              <a:spcBef>
-                <a:spcPts val="0"/>
-              </a:spcBef>
-              <a:spcAft>
-                <a:spcPts val="0"/>
-              </a:spcAft>
-              <a:buNone/>
-            </a:pPr>
-            <a:r>
-              <a:t/>
-            </a:r>
+            <a:pPr marL="0" lvl="0" indent="0" algn="l" rtl="0">
+              <a:spcBef>
+                <a:spcPts val="0"/>
+              </a:spcBef>
+              <a:spcAft>
+                <a:spcPts val="0"/>
+              </a:spcAft>
+              <a:buNone/>
+            </a:pPr>
             <a:endParaRPr/>
           </a:p>
         </p:txBody>
@@ -9595,23 +9685,25 @@
             <a:avLst/>
           </a:prstGeom>
           <a:noFill/>
-          <a:ln cap="flat" cmpd="sng" w="19050">
+          <a:ln w="19050" cap="flat" cmpd="sng">
             <a:solidFill>
               <a:schemeClr val="dk2"/>
             </a:solidFill>
             <a:prstDash val="solid"/>
             <a:round/>
-            <a:headEnd len="med" w="med" type="none"/>
-            <a:tailEnd len="med" w="med" type="none"/>
+            <a:headEnd type="none" w="med" len="med"/>
+            <a:tailEnd type="none" w="med" len="med"/>
           </a:ln>
         </p:spPr>
       </p:cxnSp>
       <p:sp>
         <p:nvSpPr>
           <p:cNvPr id="195" name="Google Shape;195;p28"/>
-          <p:cNvSpPr txBox="1"/>
+          <p:cNvSpPr txBox="1">
+            <a:spLocks noGrp="1"/>
+          </p:cNvSpPr>
           <p:nvPr>
-            <p:ph idx="12" type="sldNum"/>
+            <p:ph type="sldNum" idx="12"/>
           </p:nvPr>
         </p:nvSpPr>
         <p:spPr>
@@ -9624,12 +9716,12 @@
           </a:prstGeom>
         </p:spPr>
         <p:txBody>
-          <a:bodyPr anchorCtr="0" anchor="ctr" bIns="91425" lIns="91425" spcFirstLastPara="1" rIns="91425" wrap="square" tIns="91425">
+          <a:bodyPr spcFirstLastPara="1" wrap="square" lIns="91425" tIns="91425" rIns="91425" bIns="91425" anchor="ctr" anchorCtr="0">
             <a:normAutofit/>
           </a:bodyPr>
           <a:lstStyle/>
           <a:p>
-            <a:pPr indent="0" lvl="0" marL="0" rtl="0" algn="r">
+            <a:pPr marL="0" lvl="0" indent="0" algn="r" rtl="0">
               <a:spcBef>
                 <a:spcPts val="0"/>
               </a:spcBef>
@@ -9639,61 +9731,21 @@
               <a:buNone/>
             </a:pPr>
             <a:fld id="{00000000-1234-1234-1234-123412341234}" type="slidenum">
-              <a:rPr lang="zh-TW"/>
-              <a:t>‹#›</a:t>
+              <a:rPr lang="en-US" altLang="zh-TW"/>
+              <a:t>16</a:t>
             </a:fld>
             <a:endParaRPr/>
-          </a:p>
-        </p:txBody>
-      </p:sp>
-      <p:sp>
-        <p:nvSpPr>
-          <p:cNvPr id="196" name="Google Shape;196;p28"/>
-          <p:cNvSpPr txBox="1"/>
-          <p:nvPr/>
-        </p:nvSpPr>
-        <p:spPr>
-          <a:xfrm>
-            <a:off x="6340191" y="4866607"/>
-            <a:ext cx="2803800" cy="276900"/>
-          </a:xfrm>
-          <a:prstGeom prst="rect">
-            <a:avLst/>
-          </a:prstGeom>
-          <a:noFill/>
-          <a:ln>
-            <a:noFill/>
-          </a:ln>
-        </p:spPr>
-        <p:txBody>
-          <a:bodyPr anchorCtr="0" anchor="t" bIns="91425" lIns="91425" spcFirstLastPara="1" rIns="91425" wrap="square" tIns="91425">
-            <a:spAutoFit/>
-          </a:bodyPr>
-          <a:lstStyle/>
-          <a:p>
-            <a:pPr indent="0" lvl="0" marL="0" rtl="0" algn="ctr">
-              <a:spcBef>
-                <a:spcPts val="0"/>
-              </a:spcBef>
-              <a:spcAft>
-                <a:spcPts val="0"/>
-              </a:spcAft>
-              <a:buNone/>
-            </a:pPr>
-            <a:r>
-              <a:rPr lang="zh-TW" sz="600"/>
-              <a:t>https://quantumai.google/cirq/build/circuits</a:t>
-            </a:r>
-            <a:endParaRPr sz="600"/>
           </a:p>
         </p:txBody>
       </p:sp>
       <p:sp>
         <p:nvSpPr>
           <p:cNvPr id="197" name="Google Shape;197;p28"/>
-          <p:cNvSpPr txBox="1"/>
+          <p:cNvSpPr txBox="1">
+            <a:spLocks noGrp="1"/>
+          </p:cNvSpPr>
           <p:nvPr>
-            <p:ph idx="1" type="body"/>
+            <p:ph type="body" idx="1"/>
           </p:nvPr>
         </p:nvSpPr>
         <p:spPr>
@@ -9706,12 +9758,12 @@
           </a:prstGeom>
         </p:spPr>
         <p:txBody>
-          <a:bodyPr anchorCtr="0" anchor="t" bIns="91425" lIns="91425" spcFirstLastPara="1" rIns="91425" wrap="square" tIns="91425">
+          <a:bodyPr spcFirstLastPara="1" wrap="square" lIns="91425" tIns="91425" rIns="91425" bIns="91425" anchor="t" anchorCtr="0">
             <a:spAutoFit/>
           </a:bodyPr>
           <a:lstStyle/>
           <a:p>
-            <a:pPr indent="-304800" lvl="0" marL="457200" rtl="0" algn="l">
+            <a:pPr marL="457200" lvl="0" indent="-304800" algn="l" rtl="0">
               <a:lnSpc>
                 <a:spcPct val="100000"/>
               </a:lnSpc>
@@ -9731,7 +9783,7 @@
             <a:endParaRPr sz="1200"/>
           </a:p>
           <a:p>
-            <a:pPr indent="0" lvl="0" marL="457200" rtl="0" algn="l">
+            <a:pPr marL="457200" lvl="0" indent="0" algn="l" rtl="0">
               <a:lnSpc>
                 <a:spcPct val="100000"/>
               </a:lnSpc>
@@ -9750,7 +9802,7 @@
             <a:endParaRPr sz="1200"/>
           </a:p>
           <a:p>
-            <a:pPr indent="0" lvl="0" marL="457200" rtl="0" algn="l">
+            <a:pPr marL="457200" lvl="0" indent="0" algn="l" rtl="0">
               <a:lnSpc>
                 <a:spcPct val="100000"/>
               </a:lnSpc>
@@ -9762,13 +9814,10 @@
               </a:spcAft>
               <a:buNone/>
             </a:pPr>
-            <a:r>
-              <a:t/>
-            </a:r>
             <a:endParaRPr sz="1200"/>
           </a:p>
           <a:p>
-            <a:pPr indent="-304800" lvl="0" marL="457200" rtl="0" algn="l">
+            <a:pPr marL="457200" lvl="0" indent="-304800" algn="l" rtl="0">
               <a:lnSpc>
                 <a:spcPct val="100000"/>
               </a:lnSpc>
@@ -9788,7 +9837,7 @@
             <a:endParaRPr sz="1200"/>
           </a:p>
           <a:p>
-            <a:pPr indent="0" lvl="0" marL="457200" rtl="0" algn="l">
+            <a:pPr marL="457200" lvl="0" indent="0" algn="l" rtl="0">
               <a:lnSpc>
                 <a:spcPct val="100000"/>
               </a:lnSpc>
@@ -9845,11 +9894,11 @@
 </file>
 
 <file path=ppt/slides/slide17.xml><?xml version="1.0" encoding="utf-8"?>
-<p:sld xmlns:a="http://schemas.openxmlformats.org/drawingml/2006/main" xmlns:r="http://schemas.openxmlformats.org/officeDocument/2006/relationships" xmlns:mc="http://schemas.openxmlformats.org/markup-compatibility/2006" xmlns:mv="urn:schemas-microsoft-com:mac:vml" xmlns:p="http://schemas.openxmlformats.org/presentationml/2006/main" xmlns:c="http://schemas.openxmlformats.org/drawingml/2006/chart" xmlns:dgm="http://schemas.openxmlformats.org/drawingml/2006/diagram" xmlns:o="urn:schemas-microsoft-com:office:office" xmlns:v="urn:schemas-microsoft-com:vml" xmlns:pvml="urn:schemas-microsoft-com:office:powerpoint" xmlns:com="http://schemas.openxmlformats.org/drawingml/2006/compatibility" xmlns:p14="http://schemas.microsoft.com/office/powerpoint/2010/main" xmlns:p15="http://schemas.microsoft.com/office/powerpoint/2012/main" xmlns:ahyp="http://schemas.microsoft.com/office/drawing/2018/hyperlinkcolor">
+<p:sld xmlns:a="http://schemas.openxmlformats.org/drawingml/2006/main" xmlns:r="http://schemas.openxmlformats.org/officeDocument/2006/relationships" xmlns:p="http://schemas.openxmlformats.org/presentationml/2006/main">
   <p:cSld>
     <p:spTree>
       <p:nvGrpSpPr>
-        <p:cNvPr id="202" name="Shape 202"/>
+        <p:cNvPr id="1" name="Shape 202"/>
         <p:cNvGrpSpPr/>
         <p:nvPr/>
       </p:nvGrpSpPr>
@@ -9864,7 +9913,9 @@
       <p:sp>
         <p:nvSpPr>
           <p:cNvPr id="203" name="Google Shape;203;p29"/>
-          <p:cNvSpPr txBox="1"/>
+          <p:cNvSpPr txBox="1">
+            <a:spLocks noGrp="1"/>
+          </p:cNvSpPr>
           <p:nvPr>
             <p:ph type="title"/>
           </p:nvPr>
@@ -9879,12 +9930,12 @@
           </a:prstGeom>
         </p:spPr>
         <p:txBody>
-          <a:bodyPr anchorCtr="0" anchor="t" bIns="91425" lIns="91425" spcFirstLastPara="1" rIns="91425" wrap="square" tIns="91425">
+          <a:bodyPr spcFirstLastPara="1" wrap="square" lIns="91425" tIns="91425" rIns="91425" bIns="91425" anchor="t" anchorCtr="0">
             <a:normAutofit fontScale="90000"/>
           </a:bodyPr>
           <a:lstStyle/>
           <a:p>
-            <a:pPr indent="0" lvl="0" marL="0" rtl="0" algn="l">
+            <a:pPr marL="0" lvl="0" indent="0" algn="l" rtl="0">
               <a:spcBef>
                 <a:spcPts val="0"/>
               </a:spcBef>
@@ -9900,18 +9951,15 @@
             <a:endParaRPr/>
           </a:p>
           <a:p>
-            <a:pPr indent="0" lvl="0" marL="0" rtl="0" algn="l">
-              <a:spcBef>
-                <a:spcPts val="0"/>
-              </a:spcBef>
-              <a:spcAft>
-                <a:spcPts val="0"/>
-              </a:spcAft>
-              <a:buNone/>
-            </a:pPr>
-            <a:r>
-              <a:t/>
-            </a:r>
+            <a:pPr marL="0" lvl="0" indent="0" algn="l" rtl="0">
+              <a:spcBef>
+                <a:spcPts val="0"/>
+              </a:spcBef>
+              <a:spcAft>
+                <a:spcPts val="0"/>
+              </a:spcAft>
+              <a:buNone/>
+            </a:pPr>
             <a:endParaRPr/>
           </a:p>
         </p:txBody>
@@ -9931,23 +9979,25 @@
             <a:avLst/>
           </a:prstGeom>
           <a:noFill/>
-          <a:ln cap="flat" cmpd="sng" w="19050">
+          <a:ln w="19050" cap="flat" cmpd="sng">
             <a:solidFill>
               <a:schemeClr val="dk2"/>
             </a:solidFill>
             <a:prstDash val="solid"/>
             <a:round/>
-            <a:headEnd len="med" w="med" type="none"/>
-            <a:tailEnd len="med" w="med" type="none"/>
+            <a:headEnd type="none" w="med" len="med"/>
+            <a:tailEnd type="none" w="med" len="med"/>
           </a:ln>
         </p:spPr>
       </p:cxnSp>
       <p:sp>
         <p:nvSpPr>
           <p:cNvPr id="205" name="Google Shape;205;p29"/>
-          <p:cNvSpPr txBox="1"/>
+          <p:cNvSpPr txBox="1">
+            <a:spLocks noGrp="1"/>
+          </p:cNvSpPr>
           <p:nvPr>
-            <p:ph idx="12" type="sldNum"/>
+            <p:ph type="sldNum" idx="12"/>
           </p:nvPr>
         </p:nvSpPr>
         <p:spPr>
@@ -9960,12 +10010,12 @@
           </a:prstGeom>
         </p:spPr>
         <p:txBody>
-          <a:bodyPr anchorCtr="0" anchor="ctr" bIns="91425" lIns="91425" spcFirstLastPara="1" rIns="91425" wrap="square" tIns="91425">
+          <a:bodyPr spcFirstLastPara="1" wrap="square" lIns="91425" tIns="91425" rIns="91425" bIns="91425" anchor="ctr" anchorCtr="0">
             <a:normAutofit/>
           </a:bodyPr>
           <a:lstStyle/>
           <a:p>
-            <a:pPr indent="0" lvl="0" marL="0" rtl="0" algn="r">
+            <a:pPr marL="0" lvl="0" indent="0" algn="r" rtl="0">
               <a:spcBef>
                 <a:spcPts val="0"/>
               </a:spcBef>
@@ -9975,8 +10025,8 @@
               <a:buNone/>
             </a:pPr>
             <a:fld id="{00000000-1234-1234-1234-123412341234}" type="slidenum">
-              <a:rPr lang="zh-TW"/>
-              <a:t>‹#›</a:t>
+              <a:rPr lang="en-US" altLang="zh-TW"/>
+              <a:t>17</a:t>
             </a:fld>
             <a:endParaRPr/>
           </a:p>
@@ -9985,9 +10035,11 @@
       <p:sp>
         <p:nvSpPr>
           <p:cNvPr id="206" name="Google Shape;206;p29"/>
-          <p:cNvSpPr txBox="1"/>
+          <p:cNvSpPr txBox="1">
+            <a:spLocks noGrp="1"/>
+          </p:cNvSpPr>
           <p:nvPr>
-            <p:ph idx="1" type="body"/>
+            <p:ph type="body" idx="1"/>
           </p:nvPr>
         </p:nvSpPr>
         <p:spPr>
@@ -10000,12 +10052,12 @@
           </a:prstGeom>
         </p:spPr>
         <p:txBody>
-          <a:bodyPr anchorCtr="0" anchor="t" bIns="91425" lIns="91425" spcFirstLastPara="1" rIns="91425" wrap="square" tIns="91425">
+          <a:bodyPr spcFirstLastPara="1" wrap="square" lIns="91425" tIns="91425" rIns="91425" bIns="91425" anchor="t" anchorCtr="0">
             <a:spAutoFit/>
           </a:bodyPr>
           <a:lstStyle/>
           <a:p>
-            <a:pPr indent="-304800" lvl="0" marL="457200" rtl="0" algn="l">
+            <a:pPr marL="457200" lvl="0" indent="-304800" algn="l" rtl="0">
               <a:lnSpc>
                 <a:spcPct val="100000"/>
               </a:lnSpc>
@@ -10025,7 +10077,7 @@
             <a:endParaRPr sz="1200"/>
           </a:p>
           <a:p>
-            <a:pPr indent="0" lvl="0" marL="457200" rtl="0" algn="l">
+            <a:pPr marL="457200" lvl="0" indent="0" algn="l" rtl="0">
               <a:lnSpc>
                 <a:spcPct val="100000"/>
               </a:lnSpc>
@@ -10044,7 +10096,7 @@
             <a:endParaRPr sz="1200"/>
           </a:p>
           <a:p>
-            <a:pPr indent="0" lvl="0" marL="457200" rtl="0" algn="l">
+            <a:pPr marL="457200" lvl="0" indent="0" algn="l" rtl="0">
               <a:lnSpc>
                 <a:spcPct val="100000"/>
               </a:lnSpc>
@@ -10056,13 +10108,10 @@
               </a:spcAft>
               <a:buNone/>
             </a:pPr>
-            <a:r>
-              <a:t/>
-            </a:r>
             <a:endParaRPr sz="1200"/>
           </a:p>
           <a:p>
-            <a:pPr indent="-304800" lvl="0" marL="457200" rtl="0" algn="l">
+            <a:pPr marL="457200" lvl="0" indent="-304800" algn="l" rtl="0">
               <a:lnSpc>
                 <a:spcPct val="100000"/>
               </a:lnSpc>
@@ -10082,7 +10131,7 @@
             <a:endParaRPr sz="1200"/>
           </a:p>
           <a:p>
-            <a:pPr indent="0" lvl="0" marL="457200" rtl="0" algn="l">
+            <a:pPr marL="457200" lvl="0" indent="0" algn="l" rtl="0">
               <a:lnSpc>
                 <a:spcPct val="100000"/>
               </a:lnSpc>
@@ -10101,7 +10150,7 @@
             <a:endParaRPr sz="1200"/>
           </a:p>
           <a:p>
-            <a:pPr indent="0" lvl="0" marL="0" rtl="0" algn="l">
+            <a:pPr marL="0" lvl="0" indent="0" algn="l" rtl="0">
               <a:lnSpc>
                 <a:spcPct val="100000"/>
               </a:lnSpc>
@@ -10113,13 +10162,10 @@
               </a:spcAft>
               <a:buNone/>
             </a:pPr>
-            <a:r>
-              <a:t/>
-            </a:r>
             <a:endParaRPr sz="1200"/>
           </a:p>
           <a:p>
-            <a:pPr indent="-304800" lvl="0" marL="457200" rtl="0" algn="l">
+            <a:pPr marL="457200" lvl="0" indent="-304800" algn="l" rtl="0">
               <a:lnSpc>
                 <a:spcPct val="100000"/>
               </a:lnSpc>
@@ -10139,7 +10185,7 @@
             <a:endParaRPr sz="1200"/>
           </a:p>
           <a:p>
-            <a:pPr indent="0" lvl="0" marL="457200" rtl="0" algn="l">
+            <a:pPr marL="457200" lvl="0" indent="0" algn="l" rtl="0">
               <a:lnSpc>
                 <a:spcPct val="100000"/>
               </a:lnSpc>
@@ -10158,7 +10204,7 @@
             <a:endParaRPr sz="1200"/>
           </a:p>
           <a:p>
-            <a:pPr indent="0" lvl="0" marL="457200" rtl="0" algn="l">
+            <a:pPr marL="457200" lvl="0" indent="0" algn="l" rtl="0">
               <a:lnSpc>
                 <a:spcPct val="100000"/>
               </a:lnSpc>
@@ -10215,11 +10261,11 @@
 </file>
 
 <file path=ppt/slides/slide18.xml><?xml version="1.0" encoding="utf-8"?>
-<p:sld xmlns:a="http://schemas.openxmlformats.org/drawingml/2006/main" xmlns:r="http://schemas.openxmlformats.org/officeDocument/2006/relationships" xmlns:mc="http://schemas.openxmlformats.org/markup-compatibility/2006" xmlns:mv="urn:schemas-microsoft-com:mac:vml" xmlns:p="http://schemas.openxmlformats.org/presentationml/2006/main" xmlns:c="http://schemas.openxmlformats.org/drawingml/2006/chart" xmlns:dgm="http://schemas.openxmlformats.org/drawingml/2006/diagram" xmlns:o="urn:schemas-microsoft-com:office:office" xmlns:v="urn:schemas-microsoft-com:vml" xmlns:pvml="urn:schemas-microsoft-com:office:powerpoint" xmlns:com="http://schemas.openxmlformats.org/drawingml/2006/compatibility" xmlns:p14="http://schemas.microsoft.com/office/powerpoint/2010/main" xmlns:p15="http://schemas.microsoft.com/office/powerpoint/2012/main" xmlns:ahyp="http://schemas.microsoft.com/office/drawing/2018/hyperlinkcolor">
+<p:sld xmlns:a="http://schemas.openxmlformats.org/drawingml/2006/main" xmlns:r="http://schemas.openxmlformats.org/officeDocument/2006/relationships" xmlns:p="http://schemas.openxmlformats.org/presentationml/2006/main">
   <p:cSld>
     <p:spTree>
       <p:nvGrpSpPr>
-        <p:cNvPr id="211" name="Shape 211"/>
+        <p:cNvPr id="1" name="Shape 211"/>
         <p:cNvGrpSpPr/>
         <p:nvPr/>
       </p:nvGrpSpPr>
@@ -10234,7 +10280,9 @@
       <p:sp>
         <p:nvSpPr>
           <p:cNvPr id="212" name="Google Shape;212;p30"/>
-          <p:cNvSpPr txBox="1"/>
+          <p:cNvSpPr txBox="1">
+            <a:spLocks noGrp="1"/>
+          </p:cNvSpPr>
           <p:nvPr>
             <p:ph type="title"/>
           </p:nvPr>
@@ -10249,12 +10297,12 @@
           </a:prstGeom>
         </p:spPr>
         <p:txBody>
-          <a:bodyPr anchorCtr="0" anchor="t" bIns="91425" lIns="91425" spcFirstLastPara="1" rIns="91425" wrap="square" tIns="91425">
+          <a:bodyPr spcFirstLastPara="1" wrap="square" lIns="91425" tIns="91425" rIns="91425" bIns="91425" anchor="t" anchorCtr="0">
             <a:normAutofit fontScale="90000"/>
           </a:bodyPr>
           <a:lstStyle/>
           <a:p>
-            <a:pPr indent="0" lvl="0" marL="0" rtl="0" algn="l">
+            <a:pPr marL="0" lvl="0" indent="0" algn="l" rtl="0">
               <a:spcBef>
                 <a:spcPts val="0"/>
               </a:spcBef>
@@ -10286,23 +10334,25 @@
             <a:avLst/>
           </a:prstGeom>
           <a:noFill/>
-          <a:ln cap="flat" cmpd="sng" w="19050">
+          <a:ln w="19050" cap="flat" cmpd="sng">
             <a:solidFill>
               <a:schemeClr val="dk2"/>
             </a:solidFill>
             <a:prstDash val="solid"/>
             <a:round/>
-            <a:headEnd len="med" w="med" type="none"/>
-            <a:tailEnd len="med" w="med" type="none"/>
+            <a:headEnd type="none" w="med" len="med"/>
+            <a:tailEnd type="none" w="med" len="med"/>
           </a:ln>
         </p:spPr>
       </p:cxnSp>
       <p:sp>
         <p:nvSpPr>
           <p:cNvPr id="214" name="Google Shape;214;p30"/>
-          <p:cNvSpPr txBox="1"/>
+          <p:cNvSpPr txBox="1">
+            <a:spLocks noGrp="1"/>
+          </p:cNvSpPr>
           <p:nvPr>
-            <p:ph idx="12" type="sldNum"/>
+            <p:ph type="sldNum" idx="12"/>
           </p:nvPr>
         </p:nvSpPr>
         <p:spPr>
@@ -10315,12 +10365,12 @@
           </a:prstGeom>
         </p:spPr>
         <p:txBody>
-          <a:bodyPr anchorCtr="0" anchor="ctr" bIns="91425" lIns="91425" spcFirstLastPara="1" rIns="91425" wrap="square" tIns="91425">
+          <a:bodyPr spcFirstLastPara="1" wrap="square" lIns="91425" tIns="91425" rIns="91425" bIns="91425" anchor="ctr" anchorCtr="0">
             <a:normAutofit/>
           </a:bodyPr>
           <a:lstStyle/>
           <a:p>
-            <a:pPr indent="0" lvl="0" marL="0" rtl="0" algn="r">
+            <a:pPr marL="0" lvl="0" indent="0" algn="r" rtl="0">
               <a:spcBef>
                 <a:spcPts val="0"/>
               </a:spcBef>
@@ -10330,8 +10380,8 @@
               <a:buNone/>
             </a:pPr>
             <a:fld id="{00000000-1234-1234-1234-123412341234}" type="slidenum">
-              <a:rPr lang="zh-TW"/>
-              <a:t>‹#›</a:t>
+              <a:rPr lang="en-US" altLang="zh-TW"/>
+              <a:t>18</a:t>
             </a:fld>
             <a:endParaRPr/>
           </a:p>
@@ -10340,9 +10390,11 @@
       <p:sp>
         <p:nvSpPr>
           <p:cNvPr id="215" name="Google Shape;215;p30"/>
-          <p:cNvSpPr txBox="1"/>
+          <p:cNvSpPr txBox="1">
+            <a:spLocks noGrp="1"/>
+          </p:cNvSpPr>
           <p:nvPr>
-            <p:ph idx="1" type="body"/>
+            <p:ph type="body" idx="1"/>
           </p:nvPr>
         </p:nvSpPr>
         <p:spPr>
@@ -10355,12 +10407,12 @@
           </a:prstGeom>
         </p:spPr>
         <p:txBody>
-          <a:bodyPr anchorCtr="0" anchor="t" bIns="91425" lIns="91425" spcFirstLastPara="1" rIns="91425" wrap="square" tIns="91425">
+          <a:bodyPr spcFirstLastPara="1" wrap="square" lIns="91425" tIns="91425" rIns="91425" bIns="91425" anchor="t" anchorCtr="0">
             <a:spAutoFit/>
           </a:bodyPr>
           <a:lstStyle/>
           <a:p>
-            <a:pPr indent="-304800" lvl="0" marL="457200" rtl="0" algn="l">
+            <a:pPr marL="457200" lvl="0" indent="-304800" algn="l" rtl="0">
               <a:lnSpc>
                 <a:spcPct val="200000"/>
               </a:lnSpc>
@@ -10375,15 +10427,7 @@
             </a:pPr>
             <a:r>
               <a:rPr lang="zh-TW" sz="1200"/>
-              <a:t>“</a:t>
-            </a:r>
-            <a:r>
-              <a:rPr lang="zh-TW" sz="1200"/>
-              <a:t>Cirq Basics” </a:t>
-            </a:r>
-            <a:r>
-              <a:rPr lang="zh-TW" sz="1200"/>
-              <a:t>by Google Quantum AI: </a:t>
+              <a:t>“Cirq Basics” by Google Quantum AI: </a:t>
             </a:r>
             <a:r>
               <a:rPr lang="zh-TW" sz="1200" u="sng">
@@ -10397,7 +10441,7 @@
             <a:endParaRPr sz="1200"/>
           </a:p>
           <a:p>
-            <a:pPr indent="-304800" lvl="0" marL="457200" rtl="0" algn="l">
+            <a:pPr marL="457200" lvl="0" indent="-304800" algn="l" rtl="0">
               <a:lnSpc>
                 <a:spcPct val="200000"/>
               </a:lnSpc>
@@ -10426,7 +10470,7 @@
             <a:endParaRPr sz="1200"/>
           </a:p>
           <a:p>
-            <a:pPr indent="-304800" lvl="0" marL="457200" rtl="0" algn="l">
+            <a:pPr marL="457200" lvl="0" indent="-304800" algn="l" rtl="0">
               <a:lnSpc>
                 <a:spcPct val="200000"/>
               </a:lnSpc>
@@ -10465,11 +10509,11 @@
 </file>
 
 <file path=ppt/slides/slide2.xml><?xml version="1.0" encoding="utf-8"?>
-<p:sld xmlns:a="http://schemas.openxmlformats.org/drawingml/2006/main" xmlns:r="http://schemas.openxmlformats.org/officeDocument/2006/relationships" xmlns:mc="http://schemas.openxmlformats.org/markup-compatibility/2006" xmlns:mv="urn:schemas-microsoft-com:mac:vml" xmlns:p="http://schemas.openxmlformats.org/presentationml/2006/main" xmlns:c="http://schemas.openxmlformats.org/drawingml/2006/chart" xmlns:dgm="http://schemas.openxmlformats.org/drawingml/2006/diagram" xmlns:o="urn:schemas-microsoft-com:office:office" xmlns:v="urn:schemas-microsoft-com:vml" xmlns:pvml="urn:schemas-microsoft-com:office:powerpoint" xmlns:com="http://schemas.openxmlformats.org/drawingml/2006/compatibility" xmlns:p14="http://schemas.microsoft.com/office/powerpoint/2010/main" xmlns:p15="http://schemas.microsoft.com/office/powerpoint/2012/main" xmlns:ahyp="http://schemas.microsoft.com/office/drawing/2018/hyperlinkcolor">
+<p:sld xmlns:a="http://schemas.openxmlformats.org/drawingml/2006/main" xmlns:r="http://schemas.openxmlformats.org/officeDocument/2006/relationships" xmlns:p="http://schemas.openxmlformats.org/presentationml/2006/main">
   <p:cSld>
     <p:spTree>
       <p:nvGrpSpPr>
-        <p:cNvPr id="59" name="Shape 59"/>
+        <p:cNvPr id="1" name="Shape 59"/>
         <p:cNvGrpSpPr/>
         <p:nvPr/>
       </p:nvGrpSpPr>
@@ -10484,7 +10528,9 @@
       <p:sp>
         <p:nvSpPr>
           <p:cNvPr id="60" name="Google Shape;60;p14"/>
-          <p:cNvSpPr txBox="1"/>
+          <p:cNvSpPr txBox="1">
+            <a:spLocks noGrp="1"/>
+          </p:cNvSpPr>
           <p:nvPr>
             <p:ph type="title"/>
           </p:nvPr>
@@ -10499,12 +10545,12 @@
           </a:prstGeom>
         </p:spPr>
         <p:txBody>
-          <a:bodyPr anchorCtr="0" anchor="t" bIns="91425" lIns="91425" spcFirstLastPara="1" rIns="91425" wrap="square" tIns="91425">
+          <a:bodyPr spcFirstLastPara="1" wrap="square" lIns="91425" tIns="91425" rIns="91425" bIns="91425" anchor="t" anchorCtr="0">
             <a:normAutofit fontScale="90000"/>
           </a:bodyPr>
           <a:lstStyle/>
           <a:p>
-            <a:pPr indent="0" lvl="0" marL="0" rtl="0" algn="l">
+            <a:pPr marL="0" lvl="0" indent="0" algn="l" rtl="0">
               <a:spcBef>
                 <a:spcPts val="0"/>
               </a:spcBef>
@@ -10536,23 +10582,25 @@
             <a:avLst/>
           </a:prstGeom>
           <a:noFill/>
-          <a:ln cap="flat" cmpd="sng" w="19050">
+          <a:ln w="19050" cap="flat" cmpd="sng">
             <a:solidFill>
               <a:schemeClr val="dk2"/>
             </a:solidFill>
             <a:prstDash val="solid"/>
             <a:round/>
-            <a:headEnd len="med" w="med" type="none"/>
-            <a:tailEnd len="med" w="med" type="none"/>
+            <a:headEnd type="none" w="med" len="med"/>
+            <a:tailEnd type="none" w="med" len="med"/>
           </a:ln>
         </p:spPr>
       </p:cxnSp>
       <p:sp>
         <p:nvSpPr>
           <p:cNvPr id="62" name="Google Shape;62;p14"/>
-          <p:cNvSpPr txBox="1"/>
+          <p:cNvSpPr txBox="1">
+            <a:spLocks noGrp="1"/>
+          </p:cNvSpPr>
           <p:nvPr>
-            <p:ph idx="1" type="body"/>
+            <p:ph type="body" idx="1"/>
           </p:nvPr>
         </p:nvSpPr>
         <p:spPr>
@@ -10565,12 +10613,12 @@
           </a:prstGeom>
         </p:spPr>
         <p:txBody>
-          <a:bodyPr anchorCtr="0" anchor="t" bIns="91425" lIns="91425" spcFirstLastPara="1" rIns="91425" wrap="square" tIns="91425">
+          <a:bodyPr spcFirstLastPara="1" wrap="square" lIns="91425" tIns="91425" rIns="91425" bIns="91425" anchor="t" anchorCtr="0">
             <a:spAutoFit/>
           </a:bodyPr>
           <a:lstStyle/>
           <a:p>
-            <a:pPr indent="-304800" lvl="0" marL="457200" rtl="0" algn="l">
+            <a:pPr marL="457200" lvl="0" indent="-304800" algn="l" rtl="0">
               <a:lnSpc>
                 <a:spcPct val="200000"/>
               </a:lnSpc>
@@ -10590,7 +10638,7 @@
             <a:endParaRPr sz="1200"/>
           </a:p>
           <a:p>
-            <a:pPr indent="-304800" lvl="0" marL="457200" rtl="0" algn="l">
+            <a:pPr marL="457200" lvl="0" indent="-304800" algn="l" rtl="0">
               <a:lnSpc>
                 <a:spcPct val="200000"/>
               </a:lnSpc>
@@ -10610,7 +10658,7 @@
             <a:endParaRPr sz="1200"/>
           </a:p>
           <a:p>
-            <a:pPr indent="-304800" lvl="0" marL="457200" rtl="0" algn="l">
+            <a:pPr marL="457200" lvl="0" indent="-304800" algn="l" rtl="0">
               <a:lnSpc>
                 <a:spcPct val="200000"/>
               </a:lnSpc>
@@ -10630,7 +10678,7 @@
             <a:endParaRPr sz="1200"/>
           </a:p>
           <a:p>
-            <a:pPr indent="-304800" lvl="0" marL="457200" rtl="0" algn="l">
+            <a:pPr marL="457200" lvl="0" indent="-304800" algn="l" rtl="0">
               <a:lnSpc>
                 <a:spcPct val="200000"/>
               </a:lnSpc>
@@ -10650,7 +10698,7 @@
             <a:endParaRPr sz="1200"/>
           </a:p>
           <a:p>
-            <a:pPr indent="-304800" lvl="0" marL="457200" rtl="0" algn="l">
+            <a:pPr marL="457200" lvl="0" indent="-304800" algn="l" rtl="0">
               <a:lnSpc>
                 <a:spcPct val="200000"/>
               </a:lnSpc>
@@ -10674,9 +10722,11 @@
       <p:sp>
         <p:nvSpPr>
           <p:cNvPr id="63" name="Google Shape;63;p14"/>
-          <p:cNvSpPr txBox="1"/>
+          <p:cNvSpPr txBox="1">
+            <a:spLocks noGrp="1"/>
+          </p:cNvSpPr>
           <p:nvPr>
-            <p:ph idx="12" type="sldNum"/>
+            <p:ph type="sldNum" idx="12"/>
           </p:nvPr>
         </p:nvSpPr>
         <p:spPr>
@@ -10689,12 +10739,12 @@
           </a:prstGeom>
         </p:spPr>
         <p:txBody>
-          <a:bodyPr anchorCtr="0" anchor="ctr" bIns="91425" lIns="91425" spcFirstLastPara="1" rIns="91425" wrap="square" tIns="91425">
+          <a:bodyPr spcFirstLastPara="1" wrap="square" lIns="91425" tIns="91425" rIns="91425" bIns="91425" anchor="ctr" anchorCtr="0">
             <a:normAutofit/>
           </a:bodyPr>
           <a:lstStyle/>
           <a:p>
-            <a:pPr indent="0" lvl="0" marL="0" rtl="0" algn="r">
+            <a:pPr marL="0" lvl="0" indent="0" algn="r" rtl="0">
               <a:spcBef>
                 <a:spcPts val="0"/>
               </a:spcBef>
@@ -10704,8 +10754,8 @@
               <a:buNone/>
             </a:pPr>
             <a:fld id="{00000000-1234-1234-1234-123412341234}" type="slidenum">
-              <a:rPr lang="zh-TW"/>
-              <a:t>‹#›</a:t>
+              <a:rPr lang="en-US" altLang="zh-TW"/>
+              <a:t>2</a:t>
             </a:fld>
             <a:endParaRPr/>
           </a:p>
@@ -10748,11 +10798,11 @@
 </file>
 
 <file path=ppt/slides/slide3.xml><?xml version="1.0" encoding="utf-8"?>
-<p:sld xmlns:a="http://schemas.openxmlformats.org/drawingml/2006/main" xmlns:r="http://schemas.openxmlformats.org/officeDocument/2006/relationships" xmlns:mc="http://schemas.openxmlformats.org/markup-compatibility/2006" xmlns:mv="urn:schemas-microsoft-com:mac:vml" xmlns:p="http://schemas.openxmlformats.org/presentationml/2006/main" xmlns:c="http://schemas.openxmlformats.org/drawingml/2006/chart" xmlns:dgm="http://schemas.openxmlformats.org/drawingml/2006/diagram" xmlns:o="urn:schemas-microsoft-com:office:office" xmlns:v="urn:schemas-microsoft-com:vml" xmlns:pvml="urn:schemas-microsoft-com:office:powerpoint" xmlns:com="http://schemas.openxmlformats.org/drawingml/2006/compatibility" xmlns:p14="http://schemas.microsoft.com/office/powerpoint/2010/main" xmlns:p15="http://schemas.microsoft.com/office/powerpoint/2012/main" xmlns:ahyp="http://schemas.microsoft.com/office/drawing/2018/hyperlinkcolor">
+<p:sld xmlns:a="http://schemas.openxmlformats.org/drawingml/2006/main" xmlns:r="http://schemas.openxmlformats.org/officeDocument/2006/relationships" xmlns:p="http://schemas.openxmlformats.org/presentationml/2006/main">
   <p:cSld>
     <p:spTree>
       <p:nvGrpSpPr>
-        <p:cNvPr id="68" name="Shape 68"/>
+        <p:cNvPr id="1" name="Shape 68"/>
         <p:cNvGrpSpPr/>
         <p:nvPr/>
       </p:nvGrpSpPr>
@@ -10767,7 +10817,9 @@
       <p:sp>
         <p:nvSpPr>
           <p:cNvPr id="69" name="Google Shape;69;p15"/>
-          <p:cNvSpPr txBox="1"/>
+          <p:cNvSpPr txBox="1">
+            <a:spLocks noGrp="1"/>
+          </p:cNvSpPr>
           <p:nvPr>
             <p:ph type="title"/>
           </p:nvPr>
@@ -10782,12 +10834,12 @@
           </a:prstGeom>
         </p:spPr>
         <p:txBody>
-          <a:bodyPr anchorCtr="0" anchor="t" bIns="91425" lIns="91425" spcFirstLastPara="1" rIns="91425" wrap="square" tIns="91425">
+          <a:bodyPr spcFirstLastPara="1" wrap="square" lIns="91425" tIns="91425" rIns="91425" bIns="91425" anchor="t" anchorCtr="0">
             <a:normAutofit fontScale="90000"/>
           </a:bodyPr>
           <a:lstStyle/>
           <a:p>
-            <a:pPr indent="0" lvl="0" marL="0" rtl="0" algn="l">
+            <a:pPr marL="0" lvl="0" indent="0" algn="l" rtl="0">
               <a:spcBef>
                 <a:spcPts val="0"/>
               </a:spcBef>
@@ -10819,23 +10871,25 @@
             <a:avLst/>
           </a:prstGeom>
           <a:noFill/>
-          <a:ln cap="flat" cmpd="sng" w="19050">
+          <a:ln w="19050" cap="flat" cmpd="sng">
             <a:solidFill>
               <a:schemeClr val="dk2"/>
             </a:solidFill>
             <a:prstDash val="solid"/>
             <a:round/>
-            <a:headEnd len="med" w="med" type="none"/>
-            <a:tailEnd len="med" w="med" type="none"/>
+            <a:headEnd type="none" w="med" len="med"/>
+            <a:tailEnd type="none" w="med" len="med"/>
           </a:ln>
         </p:spPr>
       </p:cxnSp>
       <p:sp>
         <p:nvSpPr>
           <p:cNvPr id="71" name="Google Shape;71;p15"/>
-          <p:cNvSpPr txBox="1"/>
+          <p:cNvSpPr txBox="1">
+            <a:spLocks noGrp="1"/>
+          </p:cNvSpPr>
           <p:nvPr>
-            <p:ph idx="1" type="body"/>
+            <p:ph type="body" idx="1"/>
           </p:nvPr>
         </p:nvSpPr>
         <p:spPr>
@@ -10848,12 +10902,12 @@
           </a:prstGeom>
         </p:spPr>
         <p:txBody>
-          <a:bodyPr anchorCtr="0" anchor="t" bIns="91425" lIns="91425" spcFirstLastPara="1" rIns="91425" wrap="square" tIns="91425">
+          <a:bodyPr spcFirstLastPara="1" wrap="square" lIns="91425" tIns="91425" rIns="91425" bIns="91425" anchor="t" anchorCtr="0">
             <a:spAutoFit/>
           </a:bodyPr>
           <a:lstStyle/>
           <a:p>
-            <a:pPr indent="-304800" lvl="0" marL="457200" rtl="0" algn="l">
+            <a:pPr marL="457200" lvl="0" indent="-304800" algn="l" rtl="0">
               <a:lnSpc>
                 <a:spcPct val="200000"/>
               </a:lnSpc>
@@ -10868,35 +10922,27 @@
             </a:pPr>
             <a:r>
               <a:rPr lang="zh-TW" sz="1200"/>
-              <a:t>Cirq is not included in the </a:t>
+              <a:t>Cirq is not included in the Google Colab’s built-in libraries, so we need to install it by ourselves.</a:t>
             </a:r>
+            <a:endParaRPr sz="1200"/>
+          </a:p>
+          <a:p>
+            <a:pPr marL="457200" lvl="0" indent="-304800" algn="l" rtl="0">
+              <a:lnSpc>
+                <a:spcPct val="200000"/>
+              </a:lnSpc>
+              <a:spcBef>
+                <a:spcPts val="0"/>
+              </a:spcBef>
+              <a:spcAft>
+                <a:spcPts val="0"/>
+              </a:spcAft>
+              <a:buSzPts val="1200"/>
+              <a:buChar char="●"/>
+            </a:pPr>
             <a:r>
               <a:rPr lang="zh-TW" sz="1200"/>
-              <a:t>Google Colab’s built-in libraries, so we need to install it by ourselves.</a:t>
-            </a:r>
-            <a:endParaRPr sz="1200"/>
-          </a:p>
-          <a:p>
-            <a:pPr indent="-304800" lvl="0" marL="457200" rtl="0" algn="l">
-              <a:lnSpc>
-                <a:spcPct val="200000"/>
-              </a:lnSpc>
-              <a:spcBef>
-                <a:spcPts val="0"/>
-              </a:spcBef>
-              <a:spcAft>
-                <a:spcPts val="0"/>
-              </a:spcAft>
-              <a:buSzPts val="1200"/>
-              <a:buChar char="●"/>
-            </a:pPr>
-            <a:r>
-              <a:rPr lang="zh-TW" sz="1200"/>
-              <a:t>If you</a:t>
-            </a:r>
-            <a:r>
-              <a:rPr lang="zh-TW" sz="1200"/>
-              <a:t> want to install it on your machine locally, we suggest you to install it in virtual environment to prevent possible package conflicts.</a:t>
+              <a:t>If you want to install it on your machine locally, we suggest you to install it in virtual environment to prevent possible package conflicts.</a:t>
             </a:r>
             <a:endParaRPr sz="1200"/>
           </a:p>
@@ -10905,9 +10951,11 @@
       <p:sp>
         <p:nvSpPr>
           <p:cNvPr id="72" name="Google Shape;72;p15"/>
-          <p:cNvSpPr txBox="1"/>
+          <p:cNvSpPr txBox="1">
+            <a:spLocks noGrp="1"/>
+          </p:cNvSpPr>
           <p:nvPr>
-            <p:ph idx="12" type="sldNum"/>
+            <p:ph type="sldNum" idx="12"/>
           </p:nvPr>
         </p:nvSpPr>
         <p:spPr>
@@ -10920,12 +10968,12 @@
           </a:prstGeom>
         </p:spPr>
         <p:txBody>
-          <a:bodyPr anchorCtr="0" anchor="ctr" bIns="91425" lIns="91425" spcFirstLastPara="1" rIns="91425" wrap="square" tIns="91425">
+          <a:bodyPr spcFirstLastPara="1" wrap="square" lIns="91425" tIns="91425" rIns="91425" bIns="91425" anchor="ctr" anchorCtr="0">
             <a:normAutofit/>
           </a:bodyPr>
           <a:lstStyle/>
           <a:p>
-            <a:pPr indent="0" lvl="0" marL="0" rtl="0" algn="r">
+            <a:pPr marL="0" lvl="0" indent="0" algn="r" rtl="0">
               <a:spcBef>
                 <a:spcPts val="0"/>
               </a:spcBef>
@@ -10935,8 +10983,8 @@
               <a:buNone/>
             </a:pPr>
             <a:fld id="{00000000-1234-1234-1234-123412341234}" type="slidenum">
-              <a:rPr lang="zh-TW"/>
-              <a:t>‹#›</a:t>
+              <a:rPr lang="en-US" altLang="zh-TW"/>
+              <a:t>3</a:t>
             </a:fld>
             <a:endParaRPr/>
           </a:p>
@@ -10979,11 +11027,11 @@
 </file>
 
 <file path=ppt/slides/slide4.xml><?xml version="1.0" encoding="utf-8"?>
-<p:sld xmlns:a="http://schemas.openxmlformats.org/drawingml/2006/main" xmlns:r="http://schemas.openxmlformats.org/officeDocument/2006/relationships" xmlns:mc="http://schemas.openxmlformats.org/markup-compatibility/2006" xmlns:mv="urn:schemas-microsoft-com:mac:vml" xmlns:p="http://schemas.openxmlformats.org/presentationml/2006/main" xmlns:c="http://schemas.openxmlformats.org/drawingml/2006/chart" xmlns:dgm="http://schemas.openxmlformats.org/drawingml/2006/diagram" xmlns:o="urn:schemas-microsoft-com:office:office" xmlns:v="urn:schemas-microsoft-com:vml" xmlns:pvml="urn:schemas-microsoft-com:office:powerpoint" xmlns:com="http://schemas.openxmlformats.org/drawingml/2006/compatibility" xmlns:p14="http://schemas.microsoft.com/office/powerpoint/2010/main" xmlns:p15="http://schemas.microsoft.com/office/powerpoint/2012/main" xmlns:ahyp="http://schemas.microsoft.com/office/drawing/2018/hyperlinkcolor">
+<p:sld xmlns:a="http://schemas.openxmlformats.org/drawingml/2006/main" xmlns:r="http://schemas.openxmlformats.org/officeDocument/2006/relationships" xmlns:p="http://schemas.openxmlformats.org/presentationml/2006/main">
   <p:cSld>
     <p:spTree>
       <p:nvGrpSpPr>
-        <p:cNvPr id="77" name="Shape 77"/>
+        <p:cNvPr id="1" name="Shape 77"/>
         <p:cNvGrpSpPr/>
         <p:nvPr/>
       </p:nvGrpSpPr>
@@ -10998,7 +11046,9 @@
       <p:sp>
         <p:nvSpPr>
           <p:cNvPr id="78" name="Google Shape;78;p16"/>
-          <p:cNvSpPr txBox="1"/>
+          <p:cNvSpPr txBox="1">
+            <a:spLocks noGrp="1"/>
+          </p:cNvSpPr>
           <p:nvPr>
             <p:ph type="title"/>
           </p:nvPr>
@@ -11013,12 +11063,12 @@
           </a:prstGeom>
         </p:spPr>
         <p:txBody>
-          <a:bodyPr anchorCtr="0" anchor="t" bIns="91425" lIns="91425" spcFirstLastPara="1" rIns="91425" wrap="square" tIns="91425">
+          <a:bodyPr spcFirstLastPara="1" wrap="square" lIns="91425" tIns="91425" rIns="91425" bIns="91425" anchor="t" anchorCtr="0">
             <a:normAutofit fontScale="90000"/>
           </a:bodyPr>
           <a:lstStyle/>
           <a:p>
-            <a:pPr indent="0" lvl="0" marL="0" rtl="0" algn="l">
+            <a:pPr marL="0" lvl="0" indent="0" algn="l" rtl="0">
               <a:spcBef>
                 <a:spcPts val="0"/>
               </a:spcBef>
@@ -11050,23 +11100,25 @@
             <a:avLst/>
           </a:prstGeom>
           <a:noFill/>
-          <a:ln cap="flat" cmpd="sng" w="19050">
+          <a:ln w="19050" cap="flat" cmpd="sng">
             <a:solidFill>
               <a:schemeClr val="dk2"/>
             </a:solidFill>
             <a:prstDash val="solid"/>
             <a:round/>
-            <a:headEnd len="med" w="med" type="none"/>
-            <a:tailEnd len="med" w="med" type="none"/>
+            <a:headEnd type="none" w="med" len="med"/>
+            <a:tailEnd type="none" w="med" len="med"/>
           </a:ln>
         </p:spPr>
       </p:cxnSp>
       <p:sp>
         <p:nvSpPr>
           <p:cNvPr id="80" name="Google Shape;80;p16"/>
-          <p:cNvSpPr txBox="1"/>
+          <p:cNvSpPr txBox="1">
+            <a:spLocks noGrp="1"/>
+          </p:cNvSpPr>
           <p:nvPr>
-            <p:ph idx="12" type="sldNum"/>
+            <p:ph type="sldNum" idx="12"/>
           </p:nvPr>
         </p:nvSpPr>
         <p:spPr>
@@ -11079,12 +11131,12 @@
           </a:prstGeom>
         </p:spPr>
         <p:txBody>
-          <a:bodyPr anchorCtr="0" anchor="ctr" bIns="91425" lIns="91425" spcFirstLastPara="1" rIns="91425" wrap="square" tIns="91425">
+          <a:bodyPr spcFirstLastPara="1" wrap="square" lIns="91425" tIns="91425" rIns="91425" bIns="91425" anchor="ctr" anchorCtr="0">
             <a:normAutofit/>
           </a:bodyPr>
           <a:lstStyle/>
           <a:p>
-            <a:pPr indent="0" lvl="0" marL="0" rtl="0" algn="r">
+            <a:pPr marL="0" lvl="0" indent="0" algn="r" rtl="0">
               <a:spcBef>
                 <a:spcPts val="0"/>
               </a:spcBef>
@@ -11094,8 +11146,8 @@
               <a:buNone/>
             </a:pPr>
             <a:fld id="{00000000-1234-1234-1234-123412341234}" type="slidenum">
-              <a:rPr lang="zh-TW"/>
-              <a:t>‹#›</a:t>
+              <a:rPr lang="en-US" altLang="zh-TW"/>
+              <a:t>4</a:t>
             </a:fld>
             <a:endParaRPr/>
           </a:p>
@@ -11104,9 +11156,11 @@
       <p:sp>
         <p:nvSpPr>
           <p:cNvPr id="81" name="Google Shape;81;p16"/>
-          <p:cNvSpPr txBox="1"/>
+          <p:cNvSpPr txBox="1">
+            <a:spLocks noGrp="1"/>
+          </p:cNvSpPr>
           <p:nvPr>
-            <p:ph idx="1" type="body"/>
+            <p:ph type="body" idx="1"/>
           </p:nvPr>
         </p:nvSpPr>
         <p:spPr>
@@ -11119,12 +11173,12 @@
           </a:prstGeom>
         </p:spPr>
         <p:txBody>
-          <a:bodyPr anchorCtr="0" anchor="t" bIns="91425" lIns="91425" spcFirstLastPara="1" rIns="91425" wrap="square" tIns="91425">
+          <a:bodyPr spcFirstLastPara="1" wrap="square" lIns="91425" tIns="91425" rIns="91425" bIns="91425" anchor="t" anchorCtr="0">
             <a:spAutoFit/>
           </a:bodyPr>
           <a:lstStyle/>
           <a:p>
-            <a:pPr indent="-304800" lvl="0" marL="457200" rtl="0" algn="l">
+            <a:pPr marL="457200" lvl="0" indent="-304800" algn="l" rtl="0">
               <a:lnSpc>
                 <a:spcPct val="100000"/>
               </a:lnSpc>
@@ -11144,7 +11198,7 @@
             <a:endParaRPr sz="1200"/>
           </a:p>
           <a:p>
-            <a:pPr indent="0" lvl="0" marL="457200" rtl="0" algn="l">
+            <a:pPr marL="457200" lvl="0" indent="0" algn="l" rtl="0">
               <a:lnSpc>
                 <a:spcPct val="100000"/>
               </a:lnSpc>
@@ -11163,7 +11217,7 @@
             <a:endParaRPr sz="1200"/>
           </a:p>
           <a:p>
-            <a:pPr indent="0" lvl="0" marL="457200" rtl="0" algn="l">
+            <a:pPr marL="457200" lvl="0" indent="0" algn="l" rtl="0">
               <a:lnSpc>
                 <a:spcPct val="100000"/>
               </a:lnSpc>
@@ -11175,13 +11229,10 @@
               </a:spcAft>
               <a:buNone/>
             </a:pPr>
-            <a:r>
-              <a:t/>
-            </a:r>
             <a:endParaRPr sz="1200"/>
           </a:p>
           <a:p>
-            <a:pPr indent="-304800" lvl="0" marL="457200" rtl="0" algn="l">
+            <a:pPr marL="457200" lvl="0" indent="-304800" algn="l" rtl="0">
               <a:lnSpc>
                 <a:spcPct val="100000"/>
               </a:lnSpc>
@@ -11201,7 +11252,7 @@
             <a:endParaRPr sz="1200"/>
           </a:p>
           <a:p>
-            <a:pPr indent="0" lvl="0" marL="457200" rtl="0" algn="l">
+            <a:pPr marL="457200" lvl="0" indent="0" algn="l" rtl="0">
               <a:lnSpc>
                 <a:spcPct val="100000"/>
               </a:lnSpc>
@@ -11220,7 +11271,7 @@
             <a:endParaRPr sz="1200"/>
           </a:p>
           <a:p>
-            <a:pPr indent="0" lvl="0" marL="457200" rtl="0" algn="l">
+            <a:pPr marL="457200" lvl="0" indent="0" algn="l" rtl="0">
               <a:lnSpc>
                 <a:spcPct val="100000"/>
               </a:lnSpc>
@@ -11232,13 +11283,10 @@
               </a:spcAft>
               <a:buNone/>
             </a:pPr>
-            <a:r>
-              <a:t/>
-            </a:r>
             <a:endParaRPr sz="1200"/>
           </a:p>
           <a:p>
-            <a:pPr indent="-304800" lvl="0" marL="457200" rtl="0" algn="l">
+            <a:pPr marL="457200" lvl="0" indent="-304800" algn="l" rtl="0">
               <a:lnSpc>
                 <a:spcPct val="100000"/>
               </a:lnSpc>
@@ -11258,7 +11306,7 @@
             <a:endParaRPr sz="1200"/>
           </a:p>
           <a:p>
-            <a:pPr indent="0" lvl="0" marL="457200" rtl="0" algn="l">
+            <a:pPr marL="457200" lvl="0" indent="0" algn="l" rtl="0">
               <a:lnSpc>
                 <a:spcPct val="100000"/>
               </a:lnSpc>
@@ -11277,7 +11325,7 @@
             <a:endParaRPr sz="1200"/>
           </a:p>
           <a:p>
-            <a:pPr indent="0" lvl="0" marL="457200" rtl="0" algn="l">
+            <a:pPr marL="457200" lvl="0" indent="0" algn="l" rtl="0">
               <a:lnSpc>
                 <a:spcPct val="100000"/>
               </a:lnSpc>
@@ -11334,11 +11382,11 @@
 </file>
 
 <file path=ppt/slides/slide5.xml><?xml version="1.0" encoding="utf-8"?>
-<p:sld xmlns:a="http://schemas.openxmlformats.org/drawingml/2006/main" xmlns:r="http://schemas.openxmlformats.org/officeDocument/2006/relationships" xmlns:mc="http://schemas.openxmlformats.org/markup-compatibility/2006" xmlns:mv="urn:schemas-microsoft-com:mac:vml" xmlns:p="http://schemas.openxmlformats.org/presentationml/2006/main" xmlns:c="http://schemas.openxmlformats.org/drawingml/2006/chart" xmlns:dgm="http://schemas.openxmlformats.org/drawingml/2006/diagram" xmlns:o="urn:schemas-microsoft-com:office:office" xmlns:v="urn:schemas-microsoft-com:vml" xmlns:pvml="urn:schemas-microsoft-com:office:powerpoint" xmlns:com="http://schemas.openxmlformats.org/drawingml/2006/compatibility" xmlns:p14="http://schemas.microsoft.com/office/powerpoint/2010/main" xmlns:p15="http://schemas.microsoft.com/office/powerpoint/2012/main" xmlns:ahyp="http://schemas.microsoft.com/office/drawing/2018/hyperlinkcolor">
+<p:sld xmlns:a="http://schemas.openxmlformats.org/drawingml/2006/main" xmlns:r="http://schemas.openxmlformats.org/officeDocument/2006/relationships" xmlns:p="http://schemas.openxmlformats.org/presentationml/2006/main">
   <p:cSld>
     <p:spTree>
       <p:nvGrpSpPr>
-        <p:cNvPr id="86" name="Shape 86"/>
+        <p:cNvPr id="1" name="Shape 86"/>
         <p:cNvGrpSpPr/>
         <p:nvPr/>
       </p:nvGrpSpPr>
@@ -11353,7 +11401,9 @@
       <p:sp>
         <p:nvSpPr>
           <p:cNvPr id="87" name="Google Shape;87;p17"/>
-          <p:cNvSpPr txBox="1"/>
+          <p:cNvSpPr txBox="1">
+            <a:spLocks noGrp="1"/>
+          </p:cNvSpPr>
           <p:nvPr>
             <p:ph type="title"/>
           </p:nvPr>
@@ -11368,12 +11418,12 @@
           </a:prstGeom>
         </p:spPr>
         <p:txBody>
-          <a:bodyPr anchorCtr="0" anchor="t" bIns="91425" lIns="91425" spcFirstLastPara="1" rIns="91425" wrap="square" tIns="91425">
+          <a:bodyPr spcFirstLastPara="1" wrap="square" lIns="91425" tIns="91425" rIns="91425" bIns="91425" anchor="t" anchorCtr="0">
             <a:normAutofit fontScale="90000"/>
           </a:bodyPr>
           <a:lstStyle/>
           <a:p>
-            <a:pPr indent="0" lvl="0" marL="0" rtl="0" algn="l">
+            <a:pPr marL="0" lvl="0" indent="0" algn="l" rtl="0">
               <a:spcBef>
                 <a:spcPts val="0"/>
               </a:spcBef>
@@ -11405,23 +11455,25 @@
             <a:avLst/>
           </a:prstGeom>
           <a:noFill/>
-          <a:ln cap="flat" cmpd="sng" w="19050">
+          <a:ln w="19050" cap="flat" cmpd="sng">
             <a:solidFill>
               <a:schemeClr val="dk2"/>
             </a:solidFill>
             <a:prstDash val="solid"/>
             <a:round/>
-            <a:headEnd len="med" w="med" type="none"/>
-            <a:tailEnd len="med" w="med" type="none"/>
+            <a:headEnd type="none" w="med" len="med"/>
+            <a:tailEnd type="none" w="med" len="med"/>
           </a:ln>
         </p:spPr>
       </p:cxnSp>
       <p:sp>
         <p:nvSpPr>
           <p:cNvPr id="89" name="Google Shape;89;p17"/>
-          <p:cNvSpPr txBox="1"/>
+          <p:cNvSpPr txBox="1">
+            <a:spLocks noGrp="1"/>
+          </p:cNvSpPr>
           <p:nvPr>
-            <p:ph idx="12" type="sldNum"/>
+            <p:ph type="sldNum" idx="12"/>
           </p:nvPr>
         </p:nvSpPr>
         <p:spPr>
@@ -11434,12 +11486,12 @@
           </a:prstGeom>
         </p:spPr>
         <p:txBody>
-          <a:bodyPr anchorCtr="0" anchor="ctr" bIns="91425" lIns="91425" spcFirstLastPara="1" rIns="91425" wrap="square" tIns="91425">
+          <a:bodyPr spcFirstLastPara="1" wrap="square" lIns="91425" tIns="91425" rIns="91425" bIns="91425" anchor="ctr" anchorCtr="0">
             <a:normAutofit/>
           </a:bodyPr>
           <a:lstStyle/>
           <a:p>
-            <a:pPr indent="0" lvl="0" marL="0" rtl="0" algn="r">
+            <a:pPr marL="0" lvl="0" indent="0" algn="r" rtl="0">
               <a:spcBef>
                 <a:spcPts val="0"/>
               </a:spcBef>
@@ -11449,8 +11501,8 @@
               <a:buNone/>
             </a:pPr>
             <a:fld id="{00000000-1234-1234-1234-123412341234}" type="slidenum">
-              <a:rPr lang="zh-TW"/>
-              <a:t>‹#›</a:t>
+              <a:rPr lang="en-US" altLang="zh-TW"/>
+              <a:t>5</a:t>
             </a:fld>
             <a:endParaRPr/>
           </a:p>
@@ -11459,9 +11511,11 @@
       <p:sp>
         <p:nvSpPr>
           <p:cNvPr id="90" name="Google Shape;90;p17"/>
-          <p:cNvSpPr txBox="1"/>
+          <p:cNvSpPr txBox="1">
+            <a:spLocks noGrp="1"/>
+          </p:cNvSpPr>
           <p:nvPr>
-            <p:ph idx="1" type="body"/>
+            <p:ph type="body" idx="1"/>
           </p:nvPr>
         </p:nvSpPr>
         <p:spPr>
@@ -11474,12 +11528,12 @@
           </a:prstGeom>
         </p:spPr>
         <p:txBody>
-          <a:bodyPr anchorCtr="0" anchor="t" bIns="91425" lIns="91425" spcFirstLastPara="1" rIns="91425" wrap="square" tIns="91425">
+          <a:bodyPr spcFirstLastPara="1" wrap="square" lIns="91425" tIns="91425" rIns="91425" bIns="91425" anchor="t" anchorCtr="0">
             <a:spAutoFit/>
           </a:bodyPr>
           <a:lstStyle/>
           <a:p>
-            <a:pPr indent="0" lvl="0" marL="0" rtl="0" algn="l">
+            <a:pPr marL="0" lvl="0" indent="0" algn="l" rtl="0">
               <a:lnSpc>
                 <a:spcPct val="100000"/>
               </a:lnSpc>
@@ -11498,7 +11552,7 @@
             <a:endParaRPr sz="1200"/>
           </a:p>
           <a:p>
-            <a:pPr indent="-304800" lvl="0" marL="457200" rtl="0" algn="l">
+            <a:pPr marL="457200" lvl="0" indent="-304800" algn="l" rtl="0">
               <a:lnSpc>
                 <a:spcPct val="200000"/>
               </a:lnSpc>
@@ -11518,7 +11572,7 @@
             <a:endParaRPr sz="1200"/>
           </a:p>
           <a:p>
-            <a:pPr indent="-304800" lvl="0" marL="457200" rtl="0" algn="l">
+            <a:pPr marL="457200" lvl="0" indent="-304800" algn="l" rtl="0">
               <a:lnSpc>
                 <a:spcPct val="200000"/>
               </a:lnSpc>
@@ -11538,7 +11592,7 @@
             <a:endParaRPr sz="1200"/>
           </a:p>
           <a:p>
-            <a:pPr indent="-304800" lvl="0" marL="457200" rtl="0" algn="l">
+            <a:pPr marL="457200" lvl="0" indent="-304800" algn="l" rtl="0">
               <a:lnSpc>
                 <a:spcPct val="200000"/>
               </a:lnSpc>
@@ -11558,7 +11612,7 @@
             <a:endParaRPr sz="1200"/>
           </a:p>
           <a:p>
-            <a:pPr indent="0" lvl="0" marL="0" rtl="0" algn="l">
+            <a:pPr marL="0" lvl="0" indent="0" algn="l" rtl="0">
               <a:lnSpc>
                 <a:spcPct val="200000"/>
               </a:lnSpc>
@@ -11577,7 +11631,7 @@
             <a:endParaRPr sz="1200"/>
           </a:p>
           <a:p>
-            <a:pPr indent="0" lvl="0" marL="0" rtl="0" algn="l">
+            <a:pPr marL="0" lvl="0" indent="0" algn="l" rtl="0">
               <a:lnSpc>
                 <a:spcPct val="200000"/>
               </a:lnSpc>
@@ -11596,7 +11650,7 @@
             <a:endParaRPr sz="1200"/>
           </a:p>
           <a:p>
-            <a:pPr indent="0" lvl="0" marL="0" rtl="0" algn="l">
+            <a:pPr marL="0" lvl="0" indent="0" algn="l" rtl="0">
               <a:lnSpc>
                 <a:spcPct val="200000"/>
               </a:lnSpc>
@@ -11636,12 +11690,12 @@
           </a:ln>
         </p:spPr>
         <p:txBody>
-          <a:bodyPr anchorCtr="0" anchor="t" bIns="91425" lIns="91425" spcFirstLastPara="1" rIns="91425" wrap="square" tIns="91425">
+          <a:bodyPr spcFirstLastPara="1" wrap="square" lIns="91425" tIns="91425" rIns="91425" bIns="91425" anchor="t" anchorCtr="0">
             <a:spAutoFit/>
           </a:bodyPr>
           <a:lstStyle/>
           <a:p>
-            <a:pPr indent="0" lvl="0" marL="0" rtl="0" algn="ctr">
+            <a:pPr marL="0" lvl="0" indent="0" algn="ctr" rtl="0">
               <a:spcBef>
                 <a:spcPts val="0"/>
               </a:spcBef>
@@ -11695,11 +11749,11 @@
 </file>
 
 <file path=ppt/slides/slide6.xml><?xml version="1.0" encoding="utf-8"?>
-<p:sld xmlns:a="http://schemas.openxmlformats.org/drawingml/2006/main" xmlns:r="http://schemas.openxmlformats.org/officeDocument/2006/relationships" xmlns:mc="http://schemas.openxmlformats.org/markup-compatibility/2006" xmlns:mv="urn:schemas-microsoft-com:mac:vml" xmlns:p="http://schemas.openxmlformats.org/presentationml/2006/main" xmlns:c="http://schemas.openxmlformats.org/drawingml/2006/chart" xmlns:dgm="http://schemas.openxmlformats.org/drawingml/2006/diagram" xmlns:o="urn:schemas-microsoft-com:office:office" xmlns:v="urn:schemas-microsoft-com:vml" xmlns:pvml="urn:schemas-microsoft-com:office:powerpoint" xmlns:com="http://schemas.openxmlformats.org/drawingml/2006/compatibility" xmlns:p14="http://schemas.microsoft.com/office/powerpoint/2010/main" xmlns:p15="http://schemas.microsoft.com/office/powerpoint/2012/main" xmlns:ahyp="http://schemas.microsoft.com/office/drawing/2018/hyperlinkcolor">
+<p:sld xmlns:a="http://schemas.openxmlformats.org/drawingml/2006/main" xmlns:r="http://schemas.openxmlformats.org/officeDocument/2006/relationships" xmlns:p="http://schemas.openxmlformats.org/presentationml/2006/main">
   <p:cSld>
     <p:spTree>
       <p:nvGrpSpPr>
-        <p:cNvPr id="96" name="Shape 96"/>
+        <p:cNvPr id="1" name="Shape 96"/>
         <p:cNvGrpSpPr/>
         <p:nvPr/>
       </p:nvGrpSpPr>
@@ -11714,7 +11768,9 @@
       <p:sp>
         <p:nvSpPr>
           <p:cNvPr id="97" name="Google Shape;97;p18"/>
-          <p:cNvSpPr txBox="1"/>
+          <p:cNvSpPr txBox="1">
+            <a:spLocks noGrp="1"/>
+          </p:cNvSpPr>
           <p:nvPr>
             <p:ph type="title"/>
           </p:nvPr>
@@ -11729,12 +11785,12 @@
           </a:prstGeom>
         </p:spPr>
         <p:txBody>
-          <a:bodyPr anchorCtr="0" anchor="t" bIns="91425" lIns="91425" spcFirstLastPara="1" rIns="91425" wrap="square" tIns="91425">
+          <a:bodyPr spcFirstLastPara="1" wrap="square" lIns="91425" tIns="91425" rIns="91425" bIns="91425" anchor="t" anchorCtr="0">
             <a:normAutofit fontScale="90000"/>
           </a:bodyPr>
           <a:lstStyle/>
           <a:p>
-            <a:pPr indent="0" lvl="0" marL="0" rtl="0" algn="l">
+            <a:pPr marL="0" lvl="0" indent="0" algn="l" rtl="0">
               <a:spcBef>
                 <a:spcPts val="0"/>
               </a:spcBef>
@@ -11766,23 +11822,25 @@
             <a:avLst/>
           </a:prstGeom>
           <a:noFill/>
-          <a:ln cap="flat" cmpd="sng" w="19050">
+          <a:ln w="19050" cap="flat" cmpd="sng">
             <a:solidFill>
               <a:schemeClr val="dk2"/>
             </a:solidFill>
             <a:prstDash val="solid"/>
             <a:round/>
-            <a:headEnd len="med" w="med" type="none"/>
-            <a:tailEnd len="med" w="med" type="none"/>
+            <a:headEnd type="none" w="med" len="med"/>
+            <a:tailEnd type="none" w="med" len="med"/>
           </a:ln>
         </p:spPr>
       </p:cxnSp>
       <p:sp>
         <p:nvSpPr>
           <p:cNvPr id="99" name="Google Shape;99;p18"/>
-          <p:cNvSpPr txBox="1"/>
+          <p:cNvSpPr txBox="1">
+            <a:spLocks noGrp="1"/>
+          </p:cNvSpPr>
           <p:nvPr>
-            <p:ph idx="12" type="sldNum"/>
+            <p:ph type="sldNum" idx="12"/>
           </p:nvPr>
         </p:nvSpPr>
         <p:spPr>
@@ -11795,12 +11853,12 @@
           </a:prstGeom>
         </p:spPr>
         <p:txBody>
-          <a:bodyPr anchorCtr="0" anchor="ctr" bIns="91425" lIns="91425" spcFirstLastPara="1" rIns="91425" wrap="square" tIns="91425">
+          <a:bodyPr spcFirstLastPara="1" wrap="square" lIns="91425" tIns="91425" rIns="91425" bIns="91425" anchor="ctr" anchorCtr="0">
             <a:normAutofit/>
           </a:bodyPr>
           <a:lstStyle/>
           <a:p>
-            <a:pPr indent="0" lvl="0" marL="0" rtl="0" algn="r">
+            <a:pPr marL="0" lvl="0" indent="0" algn="r" rtl="0">
               <a:spcBef>
                 <a:spcPts val="0"/>
               </a:spcBef>
@@ -11810,8 +11868,8 @@
               <a:buNone/>
             </a:pPr>
             <a:fld id="{00000000-1234-1234-1234-123412341234}" type="slidenum">
-              <a:rPr lang="zh-TW"/>
-              <a:t>‹#›</a:t>
+              <a:rPr lang="en-US" altLang="zh-TW"/>
+              <a:t>6</a:t>
             </a:fld>
             <a:endParaRPr/>
           </a:p>
@@ -11820,9 +11878,11 @@
       <p:sp>
         <p:nvSpPr>
           <p:cNvPr id="100" name="Google Shape;100;p18"/>
-          <p:cNvSpPr txBox="1"/>
+          <p:cNvSpPr txBox="1">
+            <a:spLocks noGrp="1"/>
+          </p:cNvSpPr>
           <p:nvPr>
-            <p:ph idx="1" type="body"/>
+            <p:ph type="body" idx="1"/>
           </p:nvPr>
         </p:nvSpPr>
         <p:spPr>
@@ -11835,12 +11895,12 @@
           </a:prstGeom>
         </p:spPr>
         <p:txBody>
-          <a:bodyPr anchorCtr="0" anchor="t" bIns="91425" lIns="91425" spcFirstLastPara="1" rIns="91425" wrap="square" tIns="91425">
+          <a:bodyPr spcFirstLastPara="1" wrap="square" lIns="91425" tIns="91425" rIns="91425" bIns="91425" anchor="t" anchorCtr="0">
             <a:spAutoFit/>
           </a:bodyPr>
           <a:lstStyle/>
           <a:p>
-            <a:pPr indent="0" lvl="0" marL="0" rtl="0" algn="l">
+            <a:pPr marL="0" lvl="0" indent="0" algn="l" rtl="0">
               <a:lnSpc>
                 <a:spcPct val="200000"/>
               </a:lnSpc>
@@ -11859,7 +11919,7 @@
             <a:endParaRPr sz="1200"/>
           </a:p>
           <a:p>
-            <a:pPr indent="0" lvl="0" marL="0" rtl="0" algn="l">
+            <a:pPr marL="0" lvl="0" indent="0" algn="l" rtl="0">
               <a:lnSpc>
                 <a:spcPct val="200000"/>
               </a:lnSpc>
@@ -11878,7 +11938,7 @@
             <a:endParaRPr sz="1200"/>
           </a:p>
           <a:p>
-            <a:pPr indent="-304800" lvl="0" marL="457200" rtl="0" algn="l">
+            <a:pPr marL="457200" lvl="0" indent="-304800" algn="l" rtl="0">
               <a:lnSpc>
                 <a:spcPct val="200000"/>
               </a:lnSpc>
@@ -11898,7 +11958,7 @@
             <a:endParaRPr sz="1200"/>
           </a:p>
           <a:p>
-            <a:pPr indent="-304800" lvl="0" marL="457200" rtl="0" algn="l">
+            <a:pPr marL="457200" lvl="0" indent="-304800" algn="l" rtl="0">
               <a:lnSpc>
                 <a:spcPct val="200000"/>
               </a:lnSpc>
@@ -11913,16 +11973,12 @@
             </a:pPr>
             <a:r>
               <a:rPr lang="zh-TW" sz="1200"/>
-              <a:t>LineQubit: A qubit on 1d lattice, </a:t>
-            </a:r>
-            <a:r>
-              <a:rPr lang="zh-TW" sz="1200"/>
-              <a:t>its y coordinate is arranged automatically</a:t>
+              <a:t>LineQubit: A qubit on 1d lattice, its y coordinate is arranged automatically</a:t>
             </a:r>
             <a:endParaRPr sz="1200"/>
           </a:p>
           <a:p>
-            <a:pPr indent="-304800" lvl="0" marL="457200" rtl="0" algn="l">
+            <a:pPr marL="457200" lvl="0" indent="-304800" algn="l" rtl="0">
               <a:lnSpc>
                 <a:spcPct val="200000"/>
               </a:lnSpc>
@@ -11942,7 +11998,7 @@
             <a:endParaRPr sz="1200"/>
           </a:p>
           <a:p>
-            <a:pPr indent="0" lvl="0" marL="0" rtl="0" algn="l">
+            <a:pPr marL="0" lvl="0" indent="0" algn="l" rtl="0">
               <a:lnSpc>
                 <a:spcPct val="200000"/>
               </a:lnSpc>
@@ -11961,7 +12017,7 @@
             <a:endParaRPr sz="1200"/>
           </a:p>
           <a:p>
-            <a:pPr indent="0" lvl="0" marL="0" rtl="0" algn="l">
+            <a:pPr marL="0" lvl="0" indent="0" algn="l" rtl="0">
               <a:lnSpc>
                 <a:spcPct val="200000"/>
               </a:lnSpc>
@@ -11975,15 +12031,7 @@
             </a:pPr>
             <a:r>
               <a:rPr lang="zh-TW" sz="1200"/>
-              <a:t>If your need neighboring qubits for a </a:t>
-            </a:r>
-            <a:r>
-              <a:rPr lang="zh-TW" sz="1200"/>
-              <a:t>circuits with many multi-qubit operations</a:t>
-            </a:r>
-            <a:r>
-              <a:rPr lang="zh-TW" sz="1200"/>
-              <a:t>, GridQubit is what you need.</a:t>
+              <a:t>If your need neighboring qubits for a circuits with many multi-qubit operations, GridQubit is what you need.</a:t>
             </a:r>
             <a:endParaRPr sz="1200"/>
           </a:p>
@@ -11998,11 +12046,11 @@
 </file>
 
 <file path=ppt/slides/slide7.xml><?xml version="1.0" encoding="utf-8"?>
-<p:sld xmlns:a="http://schemas.openxmlformats.org/drawingml/2006/main" xmlns:r="http://schemas.openxmlformats.org/officeDocument/2006/relationships" xmlns:mc="http://schemas.openxmlformats.org/markup-compatibility/2006" xmlns:mv="urn:schemas-microsoft-com:mac:vml" xmlns:p="http://schemas.openxmlformats.org/presentationml/2006/main" xmlns:c="http://schemas.openxmlformats.org/drawingml/2006/chart" xmlns:dgm="http://schemas.openxmlformats.org/drawingml/2006/diagram" xmlns:o="urn:schemas-microsoft-com:office:office" xmlns:v="urn:schemas-microsoft-com:vml" xmlns:pvml="urn:schemas-microsoft-com:office:powerpoint" xmlns:com="http://schemas.openxmlformats.org/drawingml/2006/compatibility" xmlns:p14="http://schemas.microsoft.com/office/powerpoint/2010/main" xmlns:p15="http://schemas.microsoft.com/office/powerpoint/2012/main" xmlns:ahyp="http://schemas.microsoft.com/office/drawing/2018/hyperlinkcolor">
+<p:sld xmlns:a="http://schemas.openxmlformats.org/drawingml/2006/main" xmlns:r="http://schemas.openxmlformats.org/officeDocument/2006/relationships" xmlns:p="http://schemas.openxmlformats.org/presentationml/2006/main">
   <p:cSld>
     <p:spTree>
       <p:nvGrpSpPr>
-        <p:cNvPr id="104" name="Shape 104"/>
+        <p:cNvPr id="1" name="Shape 104"/>
         <p:cNvGrpSpPr/>
         <p:nvPr/>
       </p:nvGrpSpPr>
@@ -12017,7 +12065,9 @@
       <p:sp>
         <p:nvSpPr>
           <p:cNvPr id="105" name="Google Shape;105;p19"/>
-          <p:cNvSpPr txBox="1"/>
+          <p:cNvSpPr txBox="1">
+            <a:spLocks noGrp="1"/>
+          </p:cNvSpPr>
           <p:nvPr>
             <p:ph type="title"/>
           </p:nvPr>
@@ -12032,12 +12082,12 @@
           </a:prstGeom>
         </p:spPr>
         <p:txBody>
-          <a:bodyPr anchorCtr="0" anchor="t" bIns="91425" lIns="91425" spcFirstLastPara="1" rIns="91425" wrap="square" tIns="91425">
+          <a:bodyPr spcFirstLastPara="1" wrap="square" lIns="91425" tIns="91425" rIns="91425" bIns="91425" anchor="t" anchorCtr="0">
             <a:normAutofit fontScale="90000"/>
           </a:bodyPr>
           <a:lstStyle/>
           <a:p>
-            <a:pPr indent="0" lvl="0" marL="0" rtl="0" algn="l">
+            <a:pPr marL="0" lvl="0" indent="0" algn="l" rtl="0">
               <a:spcBef>
                 <a:spcPts val="0"/>
               </a:spcBef>
@@ -12069,23 +12119,25 @@
             <a:avLst/>
           </a:prstGeom>
           <a:noFill/>
-          <a:ln cap="flat" cmpd="sng" w="19050">
+          <a:ln w="19050" cap="flat" cmpd="sng">
             <a:solidFill>
               <a:schemeClr val="dk2"/>
             </a:solidFill>
             <a:prstDash val="solid"/>
             <a:round/>
-            <a:headEnd len="med" w="med" type="none"/>
-            <a:tailEnd len="med" w="med" type="none"/>
+            <a:headEnd type="none" w="med" len="med"/>
+            <a:tailEnd type="none" w="med" len="med"/>
           </a:ln>
         </p:spPr>
       </p:cxnSp>
       <p:sp>
         <p:nvSpPr>
           <p:cNvPr id="107" name="Google Shape;107;p19"/>
-          <p:cNvSpPr txBox="1"/>
+          <p:cNvSpPr txBox="1">
+            <a:spLocks noGrp="1"/>
+          </p:cNvSpPr>
           <p:nvPr>
-            <p:ph idx="12" type="sldNum"/>
+            <p:ph type="sldNum" idx="12"/>
           </p:nvPr>
         </p:nvSpPr>
         <p:spPr>
@@ -12098,12 +12150,12 @@
           </a:prstGeom>
         </p:spPr>
         <p:txBody>
-          <a:bodyPr anchorCtr="0" anchor="ctr" bIns="91425" lIns="91425" spcFirstLastPara="1" rIns="91425" wrap="square" tIns="91425">
+          <a:bodyPr spcFirstLastPara="1" wrap="square" lIns="91425" tIns="91425" rIns="91425" bIns="91425" anchor="ctr" anchorCtr="0">
             <a:normAutofit/>
           </a:bodyPr>
           <a:lstStyle/>
           <a:p>
-            <a:pPr indent="0" lvl="0" marL="0" rtl="0" algn="r">
+            <a:pPr marL="0" lvl="0" indent="0" algn="r" rtl="0">
               <a:spcBef>
                 <a:spcPts val="0"/>
               </a:spcBef>
@@ -12113,8 +12165,8 @@
               <a:buNone/>
             </a:pPr>
             <a:fld id="{00000000-1234-1234-1234-123412341234}" type="slidenum">
-              <a:rPr lang="zh-TW"/>
-              <a:t>‹#›</a:t>
+              <a:rPr lang="en-US" altLang="zh-TW"/>
+              <a:t>7</a:t>
             </a:fld>
             <a:endParaRPr/>
           </a:p>
@@ -12123,9 +12175,11 @@
       <p:sp>
         <p:nvSpPr>
           <p:cNvPr id="108" name="Google Shape;108;p19"/>
-          <p:cNvSpPr txBox="1"/>
+          <p:cNvSpPr txBox="1">
+            <a:spLocks noGrp="1"/>
+          </p:cNvSpPr>
           <p:nvPr>
-            <p:ph idx="1" type="body"/>
+            <p:ph type="body" idx="1"/>
           </p:nvPr>
         </p:nvSpPr>
         <p:spPr>
@@ -12138,12 +12192,12 @@
           </a:prstGeom>
         </p:spPr>
         <p:txBody>
-          <a:bodyPr anchorCtr="0" anchor="t" bIns="91425" lIns="91425" spcFirstLastPara="1" rIns="91425" wrap="square" tIns="91425">
+          <a:bodyPr spcFirstLastPara="1" wrap="square" lIns="91425" tIns="91425" rIns="91425" bIns="91425" anchor="t" anchorCtr="0">
             <a:spAutoFit/>
           </a:bodyPr>
           <a:lstStyle/>
           <a:p>
-            <a:pPr indent="-304800" lvl="0" marL="457200" rtl="0" algn="l">
+            <a:pPr marL="457200" lvl="0" indent="-304800" algn="l" rtl="0">
               <a:lnSpc>
                 <a:spcPct val="100000"/>
               </a:lnSpc>
@@ -12163,7 +12217,7 @@
             <a:endParaRPr sz="1200"/>
           </a:p>
           <a:p>
-            <a:pPr indent="0" lvl="0" marL="457200" rtl="0" algn="l">
+            <a:pPr marL="457200" lvl="0" indent="0" algn="l" rtl="0">
               <a:lnSpc>
                 <a:spcPct val="100000"/>
               </a:lnSpc>
@@ -12182,7 +12236,7 @@
             <a:endParaRPr sz="1200"/>
           </a:p>
           <a:p>
-            <a:pPr indent="0" lvl="0" marL="0" rtl="0" algn="l">
+            <a:pPr marL="0" lvl="0" indent="0" algn="l" rtl="0">
               <a:lnSpc>
                 <a:spcPct val="100000"/>
               </a:lnSpc>
@@ -12194,13 +12248,10 @@
               </a:spcAft>
               <a:buNone/>
             </a:pPr>
-            <a:r>
-              <a:t/>
-            </a:r>
             <a:endParaRPr sz="1200"/>
           </a:p>
           <a:p>
-            <a:pPr indent="-304800" lvl="0" marL="457200" rtl="0" algn="l">
+            <a:pPr marL="457200" lvl="0" indent="-304800" algn="l" rtl="0">
               <a:lnSpc>
                 <a:spcPct val="100000"/>
               </a:lnSpc>
@@ -12220,7 +12271,7 @@
             <a:endParaRPr sz="1200"/>
           </a:p>
           <a:p>
-            <a:pPr indent="0" lvl="0" marL="457200" rtl="0" algn="l">
+            <a:pPr marL="457200" lvl="0" indent="0" algn="l" rtl="0">
               <a:lnSpc>
                 <a:spcPct val="100000"/>
               </a:lnSpc>
@@ -12239,7 +12290,7 @@
             <a:endParaRPr sz="1200"/>
           </a:p>
           <a:p>
-            <a:pPr indent="0" lvl="0" marL="457200" rtl="0" algn="l">
+            <a:pPr marL="457200" lvl="0" indent="0" algn="l" rtl="0">
               <a:lnSpc>
                 <a:spcPct val="100000"/>
               </a:lnSpc>
@@ -12258,7 +12309,7 @@
             <a:endParaRPr sz="1200"/>
           </a:p>
           <a:p>
-            <a:pPr indent="0" lvl="0" marL="457200" rtl="0" algn="l">
+            <a:pPr marL="457200" lvl="0" indent="0" algn="l" rtl="0">
               <a:lnSpc>
                 <a:spcPct val="100000"/>
               </a:lnSpc>
@@ -12270,13 +12321,10 @@
               </a:spcAft>
               <a:buNone/>
             </a:pPr>
-            <a:r>
-              <a:t/>
-            </a:r>
             <a:endParaRPr sz="1200"/>
           </a:p>
           <a:p>
-            <a:pPr indent="-304800" lvl="0" marL="457200" rtl="0" algn="l">
+            <a:pPr marL="457200" lvl="0" indent="-304800" algn="l" rtl="0">
               <a:lnSpc>
                 <a:spcPct val="100000"/>
               </a:lnSpc>
@@ -12296,7 +12344,7 @@
             <a:endParaRPr sz="1200"/>
           </a:p>
           <a:p>
-            <a:pPr indent="0" lvl="0" marL="457200" rtl="0" algn="l">
+            <a:pPr marL="457200" lvl="0" indent="0" algn="l" rtl="0">
               <a:lnSpc>
                 <a:spcPct val="100000"/>
               </a:lnSpc>
@@ -12315,7 +12363,7 @@
             <a:endParaRPr sz="1200"/>
           </a:p>
           <a:p>
-            <a:pPr indent="0" lvl="0" marL="457200" rtl="0" algn="l">
+            <a:pPr marL="457200" lvl="0" indent="0" algn="l" rtl="0">
               <a:lnSpc>
                 <a:spcPct val="100000"/>
               </a:lnSpc>
@@ -12345,7 +12393,7 @@
           <a:blip r:embed="rId3">
             <a:alphaModFix/>
           </a:blip>
-          <a:srcRect b="0" l="0" r="27087" t="0"/>
+          <a:srcRect r="27087"/>
           <a:stretch/>
         </p:blipFill>
         <p:spPr>
@@ -12371,11 +12419,11 @@
 </file>
 
 <file path=ppt/slides/slide8.xml><?xml version="1.0" encoding="utf-8"?>
-<p:sld xmlns:a="http://schemas.openxmlformats.org/drawingml/2006/main" xmlns:r="http://schemas.openxmlformats.org/officeDocument/2006/relationships" xmlns:mc="http://schemas.openxmlformats.org/markup-compatibility/2006" xmlns:mv="urn:schemas-microsoft-com:mac:vml" xmlns:p="http://schemas.openxmlformats.org/presentationml/2006/main" xmlns:c="http://schemas.openxmlformats.org/drawingml/2006/chart" xmlns:dgm="http://schemas.openxmlformats.org/drawingml/2006/diagram" xmlns:o="urn:schemas-microsoft-com:office:office" xmlns:v="urn:schemas-microsoft-com:vml" xmlns:pvml="urn:schemas-microsoft-com:office:powerpoint" xmlns:com="http://schemas.openxmlformats.org/drawingml/2006/compatibility" xmlns:p14="http://schemas.microsoft.com/office/powerpoint/2010/main" xmlns:p15="http://schemas.microsoft.com/office/powerpoint/2012/main" xmlns:ahyp="http://schemas.microsoft.com/office/drawing/2018/hyperlinkcolor">
+<p:sld xmlns:a="http://schemas.openxmlformats.org/drawingml/2006/main" xmlns:r="http://schemas.openxmlformats.org/officeDocument/2006/relationships" xmlns:p="http://schemas.openxmlformats.org/presentationml/2006/main">
   <p:cSld>
     <p:spTree>
       <p:nvGrpSpPr>
-        <p:cNvPr id="113" name="Shape 113"/>
+        <p:cNvPr id="1" name="Shape 113"/>
         <p:cNvGrpSpPr/>
         <p:nvPr/>
       </p:nvGrpSpPr>
@@ -12390,7 +12438,9 @@
       <p:sp>
         <p:nvSpPr>
           <p:cNvPr id="114" name="Google Shape;114;p20"/>
-          <p:cNvSpPr txBox="1"/>
+          <p:cNvSpPr txBox="1">
+            <a:spLocks noGrp="1"/>
+          </p:cNvSpPr>
           <p:nvPr>
             <p:ph type="title"/>
           </p:nvPr>
@@ -12405,12 +12455,12 @@
           </a:prstGeom>
         </p:spPr>
         <p:txBody>
-          <a:bodyPr anchorCtr="0" anchor="t" bIns="91425" lIns="91425" spcFirstLastPara="1" rIns="91425" wrap="square" tIns="91425">
+          <a:bodyPr spcFirstLastPara="1" wrap="square" lIns="91425" tIns="91425" rIns="91425" bIns="91425" anchor="t" anchorCtr="0">
             <a:normAutofit fontScale="90000"/>
           </a:bodyPr>
           <a:lstStyle/>
           <a:p>
-            <a:pPr indent="0" lvl="0" marL="0" rtl="0" algn="l">
+            <a:pPr marL="0" lvl="0" indent="0" algn="l" rtl="0">
               <a:spcBef>
                 <a:spcPts val="0"/>
               </a:spcBef>
@@ -12442,23 +12492,25 @@
             <a:avLst/>
           </a:prstGeom>
           <a:noFill/>
-          <a:ln cap="flat" cmpd="sng" w="19050">
+          <a:ln w="19050" cap="flat" cmpd="sng">
             <a:solidFill>
               <a:schemeClr val="dk2"/>
             </a:solidFill>
             <a:prstDash val="solid"/>
             <a:round/>
-            <a:headEnd len="med" w="med" type="none"/>
-            <a:tailEnd len="med" w="med" type="none"/>
+            <a:headEnd type="none" w="med" len="med"/>
+            <a:tailEnd type="none" w="med" len="med"/>
           </a:ln>
         </p:spPr>
       </p:cxnSp>
       <p:sp>
         <p:nvSpPr>
           <p:cNvPr id="116" name="Google Shape;116;p20"/>
-          <p:cNvSpPr txBox="1"/>
+          <p:cNvSpPr txBox="1">
+            <a:spLocks noGrp="1"/>
+          </p:cNvSpPr>
           <p:nvPr>
-            <p:ph idx="12" type="sldNum"/>
+            <p:ph type="sldNum" idx="12"/>
           </p:nvPr>
         </p:nvSpPr>
         <p:spPr>
@@ -12471,12 +12523,12 @@
           </a:prstGeom>
         </p:spPr>
         <p:txBody>
-          <a:bodyPr anchorCtr="0" anchor="ctr" bIns="91425" lIns="91425" spcFirstLastPara="1" rIns="91425" wrap="square" tIns="91425">
+          <a:bodyPr spcFirstLastPara="1" wrap="square" lIns="91425" tIns="91425" rIns="91425" bIns="91425" anchor="ctr" anchorCtr="0">
             <a:normAutofit/>
           </a:bodyPr>
           <a:lstStyle/>
           <a:p>
-            <a:pPr indent="0" lvl="0" marL="0" rtl="0" algn="r">
+            <a:pPr marL="0" lvl="0" indent="0" algn="r" rtl="0">
               <a:spcBef>
                 <a:spcPts val="0"/>
               </a:spcBef>
@@ -12486,8 +12538,8 @@
               <a:buNone/>
             </a:pPr>
             <a:fld id="{00000000-1234-1234-1234-123412341234}" type="slidenum">
-              <a:rPr lang="zh-TW"/>
-              <a:t>‹#›</a:t>
+              <a:rPr lang="en-US" altLang="zh-TW"/>
+              <a:t>8</a:t>
             </a:fld>
             <a:endParaRPr/>
           </a:p>
@@ -12496,9 +12548,11 @@
       <p:sp>
         <p:nvSpPr>
           <p:cNvPr id="117" name="Google Shape;117;p20"/>
-          <p:cNvSpPr txBox="1"/>
+          <p:cNvSpPr txBox="1">
+            <a:spLocks noGrp="1"/>
+          </p:cNvSpPr>
           <p:nvPr>
-            <p:ph idx="1" type="body"/>
+            <p:ph type="body" idx="1"/>
           </p:nvPr>
         </p:nvSpPr>
         <p:spPr>
@@ -12511,12 +12565,12 @@
           </a:prstGeom>
         </p:spPr>
         <p:txBody>
-          <a:bodyPr anchorCtr="0" anchor="t" bIns="91425" lIns="91425" spcFirstLastPara="1" rIns="91425" wrap="square" tIns="91425">
+          <a:bodyPr spcFirstLastPara="1" wrap="square" lIns="91425" tIns="91425" rIns="91425" bIns="91425" anchor="t" anchorCtr="0">
             <a:spAutoFit/>
           </a:bodyPr>
           <a:lstStyle/>
           <a:p>
-            <a:pPr indent="0" lvl="0" marL="0" rtl="0" algn="l">
+            <a:pPr marL="0" lvl="0" indent="0" algn="l" rtl="0">
               <a:lnSpc>
                 <a:spcPct val="200000"/>
               </a:lnSpc>
@@ -12530,20 +12584,12 @@
             </a:pPr>
             <a:r>
               <a:rPr lang="zh-TW" sz="1200"/>
-              <a:t>A Gate object represents a static quantum gate, which is a </a:t>
-            </a:r>
-            <a:r>
-              <a:rPr lang="zh-TW" sz="1200"/>
-              <a:t>2^n by 2^n dimensional invertible linear operator</a:t>
-            </a:r>
-            <a:r>
-              <a:rPr lang="zh-TW" sz="1200"/>
-              <a:t>.</a:t>
+              <a:t>A Gate object represents a static quantum gate, which is a 2^n by 2^n dimensional invertible linear operator.</a:t>
             </a:r>
             <a:endParaRPr sz="1200"/>
           </a:p>
           <a:p>
-            <a:pPr indent="0" lvl="0" marL="0" rtl="0" algn="l">
+            <a:pPr marL="0" lvl="0" indent="0" algn="l" rtl="0">
               <a:lnSpc>
                 <a:spcPct val="200000"/>
               </a:lnSpc>
@@ -12583,12 +12629,12 @@
           </a:ln>
         </p:spPr>
         <p:txBody>
-          <a:bodyPr anchorCtr="0" anchor="t" bIns="91425" lIns="91425" spcFirstLastPara="1" rIns="91425" wrap="square" tIns="91425">
+          <a:bodyPr spcFirstLastPara="1" wrap="square" lIns="91425" tIns="91425" rIns="91425" bIns="91425" anchor="t" anchorCtr="0">
             <a:spAutoFit/>
           </a:bodyPr>
           <a:lstStyle/>
           <a:p>
-            <a:pPr indent="0" lvl="0" marL="0" rtl="0" algn="ctr">
+            <a:pPr marL="0" lvl="0" indent="0" algn="ctr" rtl="0">
               <a:spcBef>
                 <a:spcPts val="0"/>
               </a:spcBef>
@@ -12642,11 +12688,11 @@
 </file>
 
 <file path=ppt/slides/slide9.xml><?xml version="1.0" encoding="utf-8"?>
-<p:sld xmlns:a="http://schemas.openxmlformats.org/drawingml/2006/main" xmlns:r="http://schemas.openxmlformats.org/officeDocument/2006/relationships" xmlns:mc="http://schemas.openxmlformats.org/markup-compatibility/2006" xmlns:mv="urn:schemas-microsoft-com:mac:vml" xmlns:p="http://schemas.openxmlformats.org/presentationml/2006/main" xmlns:c="http://schemas.openxmlformats.org/drawingml/2006/chart" xmlns:dgm="http://schemas.openxmlformats.org/drawingml/2006/diagram" xmlns:o="urn:schemas-microsoft-com:office:office" xmlns:v="urn:schemas-microsoft-com:vml" xmlns:pvml="urn:schemas-microsoft-com:office:powerpoint" xmlns:com="http://schemas.openxmlformats.org/drawingml/2006/compatibility" xmlns:p14="http://schemas.microsoft.com/office/powerpoint/2010/main" xmlns:p15="http://schemas.microsoft.com/office/powerpoint/2012/main" xmlns:ahyp="http://schemas.microsoft.com/office/drawing/2018/hyperlinkcolor">
+<p:sld xmlns:a="http://schemas.openxmlformats.org/drawingml/2006/main" xmlns:r="http://schemas.openxmlformats.org/officeDocument/2006/relationships" xmlns:p="http://schemas.openxmlformats.org/presentationml/2006/main">
   <p:cSld>
     <p:spTree>
       <p:nvGrpSpPr>
-        <p:cNvPr id="123" name="Shape 123"/>
+        <p:cNvPr id="1" name="Shape 123"/>
         <p:cNvGrpSpPr/>
         <p:nvPr/>
       </p:nvGrpSpPr>
@@ -12661,7 +12707,9 @@
       <p:sp>
         <p:nvSpPr>
           <p:cNvPr id="124" name="Google Shape;124;p21"/>
-          <p:cNvSpPr txBox="1"/>
+          <p:cNvSpPr txBox="1">
+            <a:spLocks noGrp="1"/>
+          </p:cNvSpPr>
           <p:nvPr>
             <p:ph type="title"/>
           </p:nvPr>
@@ -12676,12 +12724,12 @@
           </a:prstGeom>
         </p:spPr>
         <p:txBody>
-          <a:bodyPr anchorCtr="0" anchor="t" bIns="91425" lIns="91425" spcFirstLastPara="1" rIns="91425" wrap="square" tIns="91425">
+          <a:bodyPr spcFirstLastPara="1" wrap="square" lIns="91425" tIns="91425" rIns="91425" bIns="91425" anchor="t" anchorCtr="0">
             <a:normAutofit fontScale="90000"/>
           </a:bodyPr>
           <a:lstStyle/>
           <a:p>
-            <a:pPr indent="0" lvl="0" marL="0" rtl="0" algn="l">
+            <a:pPr marL="0" lvl="0" indent="0" algn="l" rtl="0">
               <a:spcBef>
                 <a:spcPts val="0"/>
               </a:spcBef>
@@ -12702,18 +12750,15 @@
             <a:endParaRPr/>
           </a:p>
           <a:p>
-            <a:pPr indent="0" lvl="0" marL="0" rtl="0" algn="l">
-              <a:spcBef>
-                <a:spcPts val="0"/>
-              </a:spcBef>
-              <a:spcAft>
-                <a:spcPts val="0"/>
-              </a:spcAft>
-              <a:buNone/>
-            </a:pPr>
-            <a:r>
-              <a:t/>
-            </a:r>
+            <a:pPr marL="0" lvl="0" indent="0" algn="l" rtl="0">
+              <a:spcBef>
+                <a:spcPts val="0"/>
+              </a:spcBef>
+              <a:spcAft>
+                <a:spcPts val="0"/>
+              </a:spcAft>
+              <a:buNone/>
+            </a:pPr>
             <a:endParaRPr/>
           </a:p>
         </p:txBody>
@@ -12733,23 +12778,25 @@
             <a:avLst/>
           </a:prstGeom>
           <a:noFill/>
-          <a:ln cap="flat" cmpd="sng" w="19050">
+          <a:ln w="19050" cap="flat" cmpd="sng">
             <a:solidFill>
               <a:schemeClr val="dk2"/>
             </a:solidFill>
             <a:prstDash val="solid"/>
             <a:round/>
-            <a:headEnd len="med" w="med" type="none"/>
-            <a:tailEnd len="med" w="med" type="none"/>
+            <a:headEnd type="none" w="med" len="med"/>
+            <a:tailEnd type="none" w="med" len="med"/>
           </a:ln>
         </p:spPr>
       </p:cxnSp>
       <p:sp>
         <p:nvSpPr>
           <p:cNvPr id="126" name="Google Shape;126;p21"/>
-          <p:cNvSpPr txBox="1"/>
+          <p:cNvSpPr txBox="1">
+            <a:spLocks noGrp="1"/>
+          </p:cNvSpPr>
           <p:nvPr>
-            <p:ph idx="12" type="sldNum"/>
+            <p:ph type="sldNum" idx="12"/>
           </p:nvPr>
         </p:nvSpPr>
         <p:spPr>
@@ -12762,12 +12809,12 @@
           </a:prstGeom>
         </p:spPr>
         <p:txBody>
-          <a:bodyPr anchorCtr="0" anchor="ctr" bIns="91425" lIns="91425" spcFirstLastPara="1" rIns="91425" wrap="square" tIns="91425">
+          <a:bodyPr spcFirstLastPara="1" wrap="square" lIns="91425" tIns="91425" rIns="91425" bIns="91425" anchor="ctr" anchorCtr="0">
             <a:normAutofit/>
           </a:bodyPr>
           <a:lstStyle/>
           <a:p>
-            <a:pPr indent="0" lvl="0" marL="0" rtl="0" algn="r">
+            <a:pPr marL="0" lvl="0" indent="0" algn="r" rtl="0">
               <a:spcBef>
                 <a:spcPts val="0"/>
               </a:spcBef>
@@ -12777,8 +12824,8 @@
               <a:buNone/>
             </a:pPr>
             <a:fld id="{00000000-1234-1234-1234-123412341234}" type="slidenum">
-              <a:rPr lang="zh-TW"/>
-              <a:t>‹#›</a:t>
+              <a:rPr lang="en-US" altLang="zh-TW"/>
+              <a:t>9</a:t>
             </a:fld>
             <a:endParaRPr/>
           </a:p>
@@ -12787,9 +12834,11 @@
       <p:sp>
         <p:nvSpPr>
           <p:cNvPr id="127" name="Google Shape;127;p21"/>
-          <p:cNvSpPr txBox="1"/>
+          <p:cNvSpPr txBox="1">
+            <a:spLocks noGrp="1"/>
+          </p:cNvSpPr>
           <p:nvPr>
-            <p:ph idx="1" type="body"/>
+            <p:ph type="body" idx="1"/>
           </p:nvPr>
         </p:nvSpPr>
         <p:spPr>
@@ -12802,12 +12851,12 @@
           </a:prstGeom>
         </p:spPr>
         <p:txBody>
-          <a:bodyPr anchorCtr="0" anchor="t" bIns="91425" lIns="91425" spcFirstLastPara="1" rIns="91425" wrap="square" tIns="91425">
+          <a:bodyPr spcFirstLastPara="1" wrap="square" lIns="91425" tIns="91425" rIns="91425" bIns="91425" anchor="t" anchorCtr="0">
             <a:spAutoFit/>
           </a:bodyPr>
           <a:lstStyle/>
           <a:p>
-            <a:pPr indent="-304800" lvl="0" marL="457200" rtl="0" algn="l">
+            <a:pPr marL="457200" lvl="0" indent="-304800" algn="l" rtl="0">
               <a:lnSpc>
                 <a:spcPct val="100000"/>
               </a:lnSpc>
@@ -12827,7 +12876,7 @@
             <a:endParaRPr sz="1200"/>
           </a:p>
           <a:p>
-            <a:pPr indent="0" lvl="0" marL="457200" rtl="0" algn="l">
+            <a:pPr marL="457200" lvl="0" indent="0" algn="l" rtl="0">
               <a:lnSpc>
                 <a:spcPct val="100000"/>
               </a:lnSpc>
@@ -12841,20 +12890,12 @@
             </a:pPr>
             <a:r>
               <a:rPr lang="zh-TW" sz="1200"/>
-              <a:t>accessed by</a:t>
-            </a:r>
-            <a:r>
-              <a:rPr lang="zh-TW" sz="1200"/>
-              <a:t> </a:t>
-            </a:r>
-            <a:r>
-              <a:rPr lang="zh-TW" sz="1200"/>
-              <a:t>cirq.unitary(Gate).</a:t>
+              <a:t>accessed by cirq.unitary(Gate).</a:t>
             </a:r>
             <a:endParaRPr sz="1200"/>
           </a:p>
           <a:p>
-            <a:pPr indent="0" lvl="0" marL="0" rtl="0" algn="l">
+            <a:pPr marL="0" lvl="0" indent="0" algn="l" rtl="0">
               <a:lnSpc>
                 <a:spcPct val="100000"/>
               </a:lnSpc>
@@ -12866,13 +12907,10 @@
               </a:spcAft>
               <a:buNone/>
             </a:pPr>
-            <a:r>
-              <a:t/>
-            </a:r>
             <a:endParaRPr sz="1200"/>
           </a:p>
           <a:p>
-            <a:pPr indent="-304800" lvl="0" marL="457200" rtl="0" algn="l">
+            <a:pPr marL="457200" lvl="0" indent="-304800" algn="l" rtl="0">
               <a:lnSpc>
                 <a:spcPct val="100000"/>
               </a:lnSpc>
@@ -12892,7 +12930,7 @@
             <a:endParaRPr sz="1200"/>
           </a:p>
           <a:p>
-            <a:pPr indent="0" lvl="0" marL="457200" rtl="0" algn="l">
+            <a:pPr marL="457200" lvl="0" indent="0" algn="l" rtl="0">
               <a:lnSpc>
                 <a:spcPct val="100000"/>
               </a:lnSpc>
@@ -12906,16 +12944,12 @@
             </a:pPr>
             <a:r>
               <a:rPr lang="zh-TW" sz="1200"/>
-              <a:t>complex</a:t>
-            </a:r>
-            <a:r>
-              <a:rPr lang="zh-TW" sz="1200"/>
-              <a:t> matrix to simplify the outcome.</a:t>
+              <a:t>complex matrix to simplify the outcome.</a:t>
             </a:r>
             <a:endParaRPr sz="1200"/>
           </a:p>
           <a:p>
-            <a:pPr indent="0" lvl="0" marL="0" rtl="0" algn="l">
+            <a:pPr marL="0" lvl="0" indent="0" algn="l" rtl="0">
               <a:lnSpc>
                 <a:spcPct val="100000"/>
               </a:lnSpc>
@@ -12927,13 +12961,10 @@
               </a:spcAft>
               <a:buNone/>
             </a:pPr>
-            <a:r>
-              <a:t/>
-            </a:r>
             <a:endParaRPr sz="1200"/>
           </a:p>
           <a:p>
-            <a:pPr indent="-304800" lvl="0" marL="457200" rtl="0" algn="l">
+            <a:pPr marL="457200" lvl="0" indent="-304800" algn="l" rtl="0">
               <a:lnSpc>
                 <a:spcPct val="100000"/>
               </a:lnSpc>
@@ -12953,7 +12984,7 @@
             <a:endParaRPr sz="1200"/>
           </a:p>
           <a:p>
-            <a:pPr indent="0" lvl="0" marL="457200" rtl="0" algn="l">
+            <a:pPr marL="457200" lvl="0" indent="0" algn="l" rtl="0">
               <a:lnSpc>
                 <a:spcPct val="100000"/>
               </a:lnSpc>
@@ -13010,7 +13041,7 @@
 </file>
 
 <file path=ppt/theme/theme1.xml><?xml version="1.0" encoding="utf-8"?>
-<a:theme xmlns:a="http://schemas.openxmlformats.org/drawingml/2006/main" xmlns:r="http://schemas.openxmlformats.org/officeDocument/2006/relationships" name="Simple Light">
+<a:theme xmlns:a="http://schemas.openxmlformats.org/drawingml/2006/main" name="Simple Light">
   <a:themeElements>
     <a:clrScheme name="Simple Light">
       <a:dk1>
@@ -13285,11 +13316,13 @@
       </a:bgFillStyleLst>
     </a:fmtScheme>
   </a:themeElements>
+  <a:objectDefaults/>
+  <a:extraClrSchemeLst/>
 </a:theme>
 </file>
 
 <file path=ppt/theme/theme2.xml><?xml version="1.0" encoding="utf-8"?>
-<a:theme xmlns:a="http://schemas.openxmlformats.org/drawingml/2006/main" xmlns:r="http://schemas.openxmlformats.org/officeDocument/2006/relationships">
+<a:theme xmlns:a="http://schemas.openxmlformats.org/drawingml/2006/main">
   <a:themeElements>
     <a:clrScheme name="Default">
       <a:dk1>
@@ -13564,5 +13597,7 @@
       </a:bgFillStyleLst>
     </a:fmtScheme>
   </a:themeElements>
+  <a:objectDefaults/>
+  <a:extraClrSchemeLst/>
 </a:theme>
 </file>